--- a/Non-Code (Doku usw.)/Präsentationen/Abschlusspräsentation STEP 2.pptx
+++ b/Non-Code (Doku usw.)/Präsentationen/Abschlusspräsentation STEP 2.pptx
@@ -7,17 +7,29 @@
     <p:sldMasterId id="2147483694" r:id="rId3"/>
     <p:sldMasterId id="2147483672" r:id="rId4"/>
     <p:sldMasterId id="2147483683" r:id="rId5"/>
+    <p:sldMasterId id="2147483707" r:id="rId6"/>
   </p:sldMasterIdLst>
   <p:notesMasterIdLst>
-    <p:notesMasterId r:id="rId9"/>
+    <p:notesMasterId r:id="rId21"/>
   </p:notesMasterIdLst>
   <p:handoutMasterIdLst>
-    <p:handoutMasterId r:id="rId10"/>
+    <p:handoutMasterId r:id="rId22"/>
   </p:handoutMasterIdLst>
   <p:sldIdLst>
-    <p:sldId id="293" r:id="rId6"/>
-    <p:sldId id="306" r:id="rId7"/>
-    <p:sldId id="278" r:id="rId8"/>
+    <p:sldId id="293" r:id="rId7"/>
+    <p:sldId id="306" r:id="rId8"/>
+    <p:sldId id="307" r:id="rId9"/>
+    <p:sldId id="312" r:id="rId10"/>
+    <p:sldId id="317" r:id="rId11"/>
+    <p:sldId id="308" r:id="rId12"/>
+    <p:sldId id="313" r:id="rId13"/>
+    <p:sldId id="309" r:id="rId14"/>
+    <p:sldId id="314" r:id="rId15"/>
+    <p:sldId id="310" r:id="rId16"/>
+    <p:sldId id="318" r:id="rId17"/>
+    <p:sldId id="311" r:id="rId18"/>
+    <p:sldId id="316" r:id="rId19"/>
+    <p:sldId id="278" r:id="rId20"/>
   </p:sldIdLst>
   <p:sldSz cx="12192000" cy="6858000"/>
   <p:notesSz cx="6858000" cy="9144000"/>
@@ -3885,6 +3897,753 @@
 </dgm:colorsDef>
 </file>
 
+<file path=ppt/diagrams/colors6.xml><?xml version="1.0" encoding="utf-8"?>
+<dgm:colorsDef xmlns:dgm="http://schemas.openxmlformats.org/drawingml/2006/diagram" xmlns:a="http://schemas.openxmlformats.org/drawingml/2006/main" uniqueId="urn:microsoft.com/office/officeart/2005/8/colors/accent1_2">
+  <dgm:title val=""/>
+  <dgm:desc val=""/>
+  <dgm:catLst>
+    <dgm:cat type="accent1" pri="11200"/>
+  </dgm:catLst>
+  <dgm:styleLbl name="node0">
+    <dgm:fillClrLst meth="repeat">
+      <a:schemeClr val="accent1"/>
+    </dgm:fillClrLst>
+    <dgm:linClrLst meth="repeat">
+      <a:schemeClr val="lt1"/>
+    </dgm:linClrLst>
+    <dgm:effectClrLst/>
+    <dgm:txLinClrLst/>
+    <dgm:txFillClrLst/>
+    <dgm:txEffectClrLst/>
+  </dgm:styleLbl>
+  <dgm:styleLbl name="alignNode1">
+    <dgm:fillClrLst meth="repeat">
+      <a:schemeClr val="accent1"/>
+    </dgm:fillClrLst>
+    <dgm:linClrLst meth="repeat">
+      <a:schemeClr val="accent1"/>
+    </dgm:linClrLst>
+    <dgm:effectClrLst/>
+    <dgm:txLinClrLst/>
+    <dgm:txFillClrLst/>
+    <dgm:txEffectClrLst/>
+  </dgm:styleLbl>
+  <dgm:styleLbl name="node1">
+    <dgm:fillClrLst meth="repeat">
+      <a:schemeClr val="accent1"/>
+    </dgm:fillClrLst>
+    <dgm:linClrLst meth="repeat">
+      <a:schemeClr val="lt1"/>
+    </dgm:linClrLst>
+    <dgm:effectClrLst/>
+    <dgm:txLinClrLst/>
+    <dgm:txFillClrLst/>
+    <dgm:txEffectClrLst/>
+  </dgm:styleLbl>
+  <dgm:styleLbl name="lnNode1">
+    <dgm:fillClrLst meth="repeat">
+      <a:schemeClr val="accent1"/>
+    </dgm:fillClrLst>
+    <dgm:linClrLst meth="repeat">
+      <a:schemeClr val="lt1"/>
+    </dgm:linClrLst>
+    <dgm:effectClrLst/>
+    <dgm:txLinClrLst/>
+    <dgm:txFillClrLst/>
+    <dgm:txEffectClrLst/>
+  </dgm:styleLbl>
+  <dgm:styleLbl name="vennNode1">
+    <dgm:fillClrLst meth="repeat">
+      <a:schemeClr val="accent1">
+        <a:alpha val="50000"/>
+      </a:schemeClr>
+    </dgm:fillClrLst>
+    <dgm:linClrLst meth="repeat">
+      <a:schemeClr val="lt1"/>
+    </dgm:linClrLst>
+    <dgm:effectClrLst/>
+    <dgm:txLinClrLst/>
+    <dgm:txFillClrLst/>
+    <dgm:txEffectClrLst/>
+  </dgm:styleLbl>
+  <dgm:styleLbl name="node2">
+    <dgm:fillClrLst meth="repeat">
+      <a:schemeClr val="accent1"/>
+    </dgm:fillClrLst>
+    <dgm:linClrLst meth="repeat">
+      <a:schemeClr val="lt1"/>
+    </dgm:linClrLst>
+    <dgm:effectClrLst/>
+    <dgm:txLinClrLst/>
+    <dgm:txFillClrLst/>
+    <dgm:txEffectClrLst/>
+  </dgm:styleLbl>
+  <dgm:styleLbl name="node3">
+    <dgm:fillClrLst meth="repeat">
+      <a:schemeClr val="accent1"/>
+    </dgm:fillClrLst>
+    <dgm:linClrLst meth="repeat">
+      <a:schemeClr val="lt1"/>
+    </dgm:linClrLst>
+    <dgm:effectClrLst/>
+    <dgm:txLinClrLst/>
+    <dgm:txFillClrLst/>
+    <dgm:txEffectClrLst/>
+  </dgm:styleLbl>
+  <dgm:styleLbl name="node4">
+    <dgm:fillClrLst meth="repeat">
+      <a:schemeClr val="accent1"/>
+    </dgm:fillClrLst>
+    <dgm:linClrLst meth="repeat">
+      <a:schemeClr val="lt1"/>
+    </dgm:linClrLst>
+    <dgm:effectClrLst/>
+    <dgm:txLinClrLst/>
+    <dgm:txFillClrLst/>
+    <dgm:txEffectClrLst/>
+  </dgm:styleLbl>
+  <dgm:styleLbl name="fgImgPlace1">
+    <dgm:fillClrLst meth="repeat">
+      <a:schemeClr val="accent1">
+        <a:tint val="50000"/>
+      </a:schemeClr>
+    </dgm:fillClrLst>
+    <dgm:linClrLst meth="repeat">
+      <a:schemeClr val="lt1"/>
+    </dgm:linClrLst>
+    <dgm:effectClrLst/>
+    <dgm:txLinClrLst/>
+    <dgm:txFillClrLst meth="repeat">
+      <a:schemeClr val="lt1"/>
+    </dgm:txFillClrLst>
+    <dgm:txEffectClrLst/>
+  </dgm:styleLbl>
+  <dgm:styleLbl name="alignImgPlace1">
+    <dgm:fillClrLst meth="repeat">
+      <a:schemeClr val="accent1">
+        <a:tint val="50000"/>
+      </a:schemeClr>
+    </dgm:fillClrLst>
+    <dgm:linClrLst meth="repeat">
+      <a:schemeClr val="lt1"/>
+    </dgm:linClrLst>
+    <dgm:effectClrLst/>
+    <dgm:txLinClrLst/>
+    <dgm:txFillClrLst meth="repeat">
+      <a:schemeClr val="lt1"/>
+    </dgm:txFillClrLst>
+    <dgm:txEffectClrLst/>
+  </dgm:styleLbl>
+  <dgm:styleLbl name="bgImgPlace1">
+    <dgm:fillClrLst meth="repeat">
+      <a:schemeClr val="accent1">
+        <a:tint val="50000"/>
+      </a:schemeClr>
+    </dgm:fillClrLst>
+    <dgm:linClrLst meth="repeat">
+      <a:schemeClr val="lt1"/>
+    </dgm:linClrLst>
+    <dgm:effectClrLst/>
+    <dgm:txLinClrLst/>
+    <dgm:txFillClrLst meth="repeat">
+      <a:schemeClr val="lt1"/>
+    </dgm:txFillClrLst>
+    <dgm:txEffectClrLst/>
+  </dgm:styleLbl>
+  <dgm:styleLbl name="sibTrans2D1">
+    <dgm:fillClrLst meth="repeat">
+      <a:schemeClr val="accent1">
+        <a:tint val="60000"/>
+      </a:schemeClr>
+    </dgm:fillClrLst>
+    <dgm:linClrLst meth="repeat">
+      <a:schemeClr val="accent1">
+        <a:tint val="60000"/>
+      </a:schemeClr>
+    </dgm:linClrLst>
+    <dgm:effectClrLst/>
+    <dgm:txLinClrLst/>
+    <dgm:txFillClrLst/>
+    <dgm:txEffectClrLst/>
+  </dgm:styleLbl>
+  <dgm:styleLbl name="fgSibTrans2D1">
+    <dgm:fillClrLst meth="repeat">
+      <a:schemeClr val="accent1">
+        <a:tint val="60000"/>
+      </a:schemeClr>
+    </dgm:fillClrLst>
+    <dgm:linClrLst meth="repeat">
+      <a:schemeClr val="accent1">
+        <a:tint val="60000"/>
+      </a:schemeClr>
+    </dgm:linClrLst>
+    <dgm:effectClrLst/>
+    <dgm:txLinClrLst/>
+    <dgm:txFillClrLst/>
+    <dgm:txEffectClrLst/>
+  </dgm:styleLbl>
+  <dgm:styleLbl name="bgSibTrans2D1">
+    <dgm:fillClrLst meth="repeat">
+      <a:schemeClr val="accent1">
+        <a:tint val="60000"/>
+      </a:schemeClr>
+    </dgm:fillClrLst>
+    <dgm:linClrLst meth="repeat">
+      <a:schemeClr val="accent1">
+        <a:tint val="60000"/>
+      </a:schemeClr>
+    </dgm:linClrLst>
+    <dgm:effectClrLst/>
+    <dgm:txLinClrLst/>
+    <dgm:txFillClrLst/>
+    <dgm:txEffectClrLst/>
+  </dgm:styleLbl>
+  <dgm:styleLbl name="sibTrans1D1">
+    <dgm:fillClrLst meth="repeat">
+      <a:schemeClr val="accent1"/>
+    </dgm:fillClrLst>
+    <dgm:linClrLst meth="repeat">
+      <a:schemeClr val="accent1"/>
+    </dgm:linClrLst>
+    <dgm:effectClrLst/>
+    <dgm:txLinClrLst/>
+    <dgm:txFillClrLst meth="repeat">
+      <a:schemeClr val="tx1"/>
+    </dgm:txFillClrLst>
+    <dgm:txEffectClrLst/>
+  </dgm:styleLbl>
+  <dgm:styleLbl name="callout">
+    <dgm:fillClrLst meth="repeat">
+      <a:schemeClr val="accent1"/>
+    </dgm:fillClrLst>
+    <dgm:linClrLst meth="repeat">
+      <a:schemeClr val="accent1">
+        <a:tint val="50000"/>
+      </a:schemeClr>
+    </dgm:linClrLst>
+    <dgm:effectClrLst/>
+    <dgm:txLinClrLst/>
+    <dgm:txFillClrLst meth="repeat">
+      <a:schemeClr val="tx1"/>
+    </dgm:txFillClrLst>
+    <dgm:txEffectClrLst/>
+  </dgm:styleLbl>
+  <dgm:styleLbl name="asst0">
+    <dgm:fillClrLst meth="repeat">
+      <a:schemeClr val="accent1"/>
+    </dgm:fillClrLst>
+    <dgm:linClrLst meth="repeat">
+      <a:schemeClr val="lt1"/>
+    </dgm:linClrLst>
+    <dgm:effectClrLst/>
+    <dgm:txLinClrLst/>
+    <dgm:txFillClrLst/>
+    <dgm:txEffectClrLst/>
+  </dgm:styleLbl>
+  <dgm:styleLbl name="asst1">
+    <dgm:fillClrLst meth="repeat">
+      <a:schemeClr val="accent1"/>
+    </dgm:fillClrLst>
+    <dgm:linClrLst meth="repeat">
+      <a:schemeClr val="lt1"/>
+    </dgm:linClrLst>
+    <dgm:effectClrLst/>
+    <dgm:txLinClrLst/>
+    <dgm:txFillClrLst/>
+    <dgm:txEffectClrLst/>
+  </dgm:styleLbl>
+  <dgm:styleLbl name="asst2">
+    <dgm:fillClrLst meth="repeat">
+      <a:schemeClr val="accent1"/>
+    </dgm:fillClrLst>
+    <dgm:linClrLst meth="repeat">
+      <a:schemeClr val="lt1"/>
+    </dgm:linClrLst>
+    <dgm:effectClrLst/>
+    <dgm:txLinClrLst/>
+    <dgm:txFillClrLst/>
+    <dgm:txEffectClrLst/>
+  </dgm:styleLbl>
+  <dgm:styleLbl name="asst3">
+    <dgm:fillClrLst meth="repeat">
+      <a:schemeClr val="accent1"/>
+    </dgm:fillClrLst>
+    <dgm:linClrLst meth="repeat">
+      <a:schemeClr val="lt1"/>
+    </dgm:linClrLst>
+    <dgm:effectClrLst/>
+    <dgm:txLinClrLst/>
+    <dgm:txFillClrLst/>
+    <dgm:txEffectClrLst/>
+  </dgm:styleLbl>
+  <dgm:styleLbl name="asst4">
+    <dgm:fillClrLst meth="repeat">
+      <a:schemeClr val="accent1"/>
+    </dgm:fillClrLst>
+    <dgm:linClrLst meth="repeat">
+      <a:schemeClr val="lt1"/>
+    </dgm:linClrLst>
+    <dgm:effectClrLst/>
+    <dgm:txLinClrLst/>
+    <dgm:txFillClrLst/>
+    <dgm:txEffectClrLst/>
+  </dgm:styleLbl>
+  <dgm:styleLbl name="parChTrans2D1">
+    <dgm:fillClrLst meth="repeat">
+      <a:schemeClr val="accent1">
+        <a:tint val="60000"/>
+      </a:schemeClr>
+    </dgm:fillClrLst>
+    <dgm:linClrLst meth="repeat">
+      <a:schemeClr val="accent1">
+        <a:tint val="60000"/>
+      </a:schemeClr>
+    </dgm:linClrLst>
+    <dgm:effectClrLst/>
+    <dgm:txLinClrLst/>
+    <dgm:txFillClrLst meth="repeat">
+      <a:schemeClr val="lt1"/>
+    </dgm:txFillClrLst>
+    <dgm:txEffectClrLst/>
+  </dgm:styleLbl>
+  <dgm:styleLbl name="parChTrans2D2">
+    <dgm:fillClrLst meth="repeat">
+      <a:schemeClr val="accent1"/>
+    </dgm:fillClrLst>
+    <dgm:linClrLst meth="repeat">
+      <a:schemeClr val="accent1"/>
+    </dgm:linClrLst>
+    <dgm:effectClrLst/>
+    <dgm:txLinClrLst/>
+    <dgm:txFillClrLst meth="repeat">
+      <a:schemeClr val="lt1"/>
+    </dgm:txFillClrLst>
+    <dgm:txEffectClrLst/>
+  </dgm:styleLbl>
+  <dgm:styleLbl name="parChTrans2D3">
+    <dgm:fillClrLst meth="repeat">
+      <a:schemeClr val="accent1"/>
+    </dgm:fillClrLst>
+    <dgm:linClrLst meth="repeat">
+      <a:schemeClr val="accent1"/>
+    </dgm:linClrLst>
+    <dgm:effectClrLst/>
+    <dgm:txLinClrLst/>
+    <dgm:txFillClrLst meth="repeat">
+      <a:schemeClr val="lt1"/>
+    </dgm:txFillClrLst>
+    <dgm:txEffectClrLst/>
+  </dgm:styleLbl>
+  <dgm:styleLbl name="parChTrans2D4">
+    <dgm:fillClrLst meth="repeat">
+      <a:schemeClr val="accent1"/>
+    </dgm:fillClrLst>
+    <dgm:linClrLst meth="repeat">
+      <a:schemeClr val="accent1"/>
+    </dgm:linClrLst>
+    <dgm:effectClrLst/>
+    <dgm:txLinClrLst/>
+    <dgm:txFillClrLst meth="repeat">
+      <a:schemeClr val="lt1"/>
+    </dgm:txFillClrLst>
+    <dgm:txEffectClrLst/>
+  </dgm:styleLbl>
+  <dgm:styleLbl name="parChTrans1D1">
+    <dgm:fillClrLst meth="repeat">
+      <a:schemeClr val="accent1"/>
+    </dgm:fillClrLst>
+    <dgm:linClrLst meth="repeat">
+      <a:schemeClr val="accent1">
+        <a:shade val="60000"/>
+      </a:schemeClr>
+    </dgm:linClrLst>
+    <dgm:effectClrLst/>
+    <dgm:txLinClrLst/>
+    <dgm:txFillClrLst meth="repeat">
+      <a:schemeClr val="tx1"/>
+    </dgm:txFillClrLst>
+    <dgm:txEffectClrLst/>
+  </dgm:styleLbl>
+  <dgm:styleLbl name="parChTrans1D2">
+    <dgm:fillClrLst meth="repeat">
+      <a:schemeClr val="accent1"/>
+    </dgm:fillClrLst>
+    <dgm:linClrLst meth="repeat">
+      <a:schemeClr val="accent1">
+        <a:shade val="60000"/>
+      </a:schemeClr>
+    </dgm:linClrLst>
+    <dgm:effectClrLst/>
+    <dgm:txLinClrLst/>
+    <dgm:txFillClrLst meth="repeat">
+      <a:schemeClr val="tx1"/>
+    </dgm:txFillClrLst>
+    <dgm:txEffectClrLst/>
+  </dgm:styleLbl>
+  <dgm:styleLbl name="parChTrans1D3">
+    <dgm:fillClrLst meth="repeat">
+      <a:schemeClr val="accent1"/>
+    </dgm:fillClrLst>
+    <dgm:linClrLst meth="repeat">
+      <a:schemeClr val="accent1">
+        <a:shade val="80000"/>
+      </a:schemeClr>
+    </dgm:linClrLst>
+    <dgm:effectClrLst/>
+    <dgm:txLinClrLst/>
+    <dgm:txFillClrLst meth="repeat">
+      <a:schemeClr val="tx1"/>
+    </dgm:txFillClrLst>
+    <dgm:txEffectClrLst/>
+  </dgm:styleLbl>
+  <dgm:styleLbl name="parChTrans1D4">
+    <dgm:fillClrLst meth="repeat">
+      <a:schemeClr val="accent1"/>
+    </dgm:fillClrLst>
+    <dgm:linClrLst meth="repeat">
+      <a:schemeClr val="accent1">
+        <a:shade val="80000"/>
+      </a:schemeClr>
+    </dgm:linClrLst>
+    <dgm:effectClrLst/>
+    <dgm:txLinClrLst/>
+    <dgm:txFillClrLst meth="repeat">
+      <a:schemeClr val="tx1"/>
+    </dgm:txFillClrLst>
+    <dgm:txEffectClrLst/>
+  </dgm:styleLbl>
+  <dgm:styleLbl name="fgAcc1">
+    <dgm:fillClrLst meth="repeat">
+      <a:schemeClr val="lt1">
+        <a:alpha val="90000"/>
+      </a:schemeClr>
+    </dgm:fillClrLst>
+    <dgm:linClrLst meth="repeat">
+      <a:schemeClr val="accent1"/>
+    </dgm:linClrLst>
+    <dgm:effectClrLst/>
+    <dgm:txLinClrLst/>
+    <dgm:txFillClrLst meth="repeat">
+      <a:schemeClr val="dk1"/>
+    </dgm:txFillClrLst>
+    <dgm:txEffectClrLst/>
+  </dgm:styleLbl>
+  <dgm:styleLbl name="conFgAcc1">
+    <dgm:fillClrLst meth="repeat">
+      <a:schemeClr val="lt1">
+        <a:alpha val="90000"/>
+      </a:schemeClr>
+    </dgm:fillClrLst>
+    <dgm:linClrLst meth="repeat">
+      <a:schemeClr val="accent1"/>
+    </dgm:linClrLst>
+    <dgm:effectClrLst/>
+    <dgm:txLinClrLst/>
+    <dgm:txFillClrLst meth="repeat">
+      <a:schemeClr val="dk1"/>
+    </dgm:txFillClrLst>
+    <dgm:txEffectClrLst/>
+  </dgm:styleLbl>
+  <dgm:styleLbl name="alignAcc1">
+    <dgm:fillClrLst meth="repeat">
+      <a:schemeClr val="lt1">
+        <a:alpha val="90000"/>
+      </a:schemeClr>
+    </dgm:fillClrLst>
+    <dgm:linClrLst meth="repeat">
+      <a:schemeClr val="accent1"/>
+    </dgm:linClrLst>
+    <dgm:effectClrLst/>
+    <dgm:txLinClrLst/>
+    <dgm:txFillClrLst meth="repeat">
+      <a:schemeClr val="dk1"/>
+    </dgm:txFillClrLst>
+    <dgm:txEffectClrLst/>
+  </dgm:styleLbl>
+  <dgm:styleLbl name="trAlignAcc1">
+    <dgm:fillClrLst meth="repeat">
+      <a:schemeClr val="lt1">
+        <a:alpha val="40000"/>
+      </a:schemeClr>
+    </dgm:fillClrLst>
+    <dgm:linClrLst meth="repeat">
+      <a:schemeClr val="accent1"/>
+    </dgm:linClrLst>
+    <dgm:effectClrLst/>
+    <dgm:txLinClrLst/>
+    <dgm:txFillClrLst meth="repeat">
+      <a:schemeClr val="dk1"/>
+    </dgm:txFillClrLst>
+    <dgm:txEffectClrLst/>
+  </dgm:styleLbl>
+  <dgm:styleLbl name="bgAcc1">
+    <dgm:fillClrLst meth="repeat">
+      <a:schemeClr val="lt1">
+        <a:alpha val="90000"/>
+      </a:schemeClr>
+    </dgm:fillClrLst>
+    <dgm:linClrLst meth="repeat">
+      <a:schemeClr val="accent1"/>
+    </dgm:linClrLst>
+    <dgm:effectClrLst/>
+    <dgm:txLinClrLst/>
+    <dgm:txFillClrLst meth="repeat">
+      <a:schemeClr val="dk1"/>
+    </dgm:txFillClrLst>
+    <dgm:txEffectClrLst/>
+  </dgm:styleLbl>
+  <dgm:styleLbl name="solidFgAcc1">
+    <dgm:fillClrLst meth="repeat">
+      <a:schemeClr val="lt1"/>
+    </dgm:fillClrLst>
+    <dgm:linClrLst meth="repeat">
+      <a:schemeClr val="accent1"/>
+    </dgm:linClrLst>
+    <dgm:effectClrLst/>
+    <dgm:txLinClrLst/>
+    <dgm:txFillClrLst meth="repeat">
+      <a:schemeClr val="dk1"/>
+    </dgm:txFillClrLst>
+    <dgm:txEffectClrLst/>
+  </dgm:styleLbl>
+  <dgm:styleLbl name="solidAlignAcc1">
+    <dgm:fillClrLst meth="repeat">
+      <a:schemeClr val="lt1"/>
+    </dgm:fillClrLst>
+    <dgm:linClrLst meth="repeat">
+      <a:schemeClr val="accent1"/>
+    </dgm:linClrLst>
+    <dgm:effectClrLst/>
+    <dgm:txLinClrLst/>
+    <dgm:txFillClrLst meth="repeat">
+      <a:schemeClr val="dk1"/>
+    </dgm:txFillClrLst>
+    <dgm:txEffectClrLst/>
+  </dgm:styleLbl>
+  <dgm:styleLbl name="solidBgAcc1">
+    <dgm:fillClrLst meth="repeat">
+      <a:schemeClr val="lt1"/>
+    </dgm:fillClrLst>
+    <dgm:linClrLst meth="repeat">
+      <a:schemeClr val="accent1"/>
+    </dgm:linClrLst>
+    <dgm:effectClrLst/>
+    <dgm:txLinClrLst/>
+    <dgm:txFillClrLst meth="repeat">
+      <a:schemeClr val="dk1"/>
+    </dgm:txFillClrLst>
+    <dgm:txEffectClrLst/>
+  </dgm:styleLbl>
+  <dgm:styleLbl name="fgAccFollowNode1">
+    <dgm:fillClrLst meth="repeat">
+      <a:schemeClr val="accent1">
+        <a:alpha val="90000"/>
+        <a:tint val="40000"/>
+      </a:schemeClr>
+    </dgm:fillClrLst>
+    <dgm:linClrLst meth="repeat">
+      <a:schemeClr val="accent1">
+        <a:alpha val="90000"/>
+        <a:tint val="40000"/>
+      </a:schemeClr>
+    </dgm:linClrLst>
+    <dgm:effectClrLst/>
+    <dgm:txLinClrLst/>
+    <dgm:txFillClrLst meth="repeat">
+      <a:schemeClr val="dk1"/>
+    </dgm:txFillClrLst>
+    <dgm:txEffectClrLst/>
+  </dgm:styleLbl>
+  <dgm:styleLbl name="alignAccFollowNode1">
+    <dgm:fillClrLst meth="repeat">
+      <a:schemeClr val="accent1">
+        <a:alpha val="90000"/>
+        <a:tint val="40000"/>
+      </a:schemeClr>
+    </dgm:fillClrLst>
+    <dgm:linClrLst meth="repeat">
+      <a:schemeClr val="accent1">
+        <a:alpha val="90000"/>
+        <a:tint val="40000"/>
+      </a:schemeClr>
+    </dgm:linClrLst>
+    <dgm:effectClrLst/>
+    <dgm:txLinClrLst/>
+    <dgm:txFillClrLst meth="repeat">
+      <a:schemeClr val="dk1"/>
+    </dgm:txFillClrLst>
+    <dgm:txEffectClrLst/>
+  </dgm:styleLbl>
+  <dgm:styleLbl name="bgAccFollowNode1">
+    <dgm:fillClrLst meth="repeat">
+      <a:schemeClr val="accent1">
+        <a:alpha val="90000"/>
+        <a:tint val="40000"/>
+      </a:schemeClr>
+    </dgm:fillClrLst>
+    <dgm:linClrLst meth="repeat">
+      <a:schemeClr val="accent1">
+        <a:alpha val="90000"/>
+        <a:tint val="40000"/>
+      </a:schemeClr>
+    </dgm:linClrLst>
+    <dgm:effectClrLst/>
+    <dgm:txLinClrLst/>
+    <dgm:txFillClrLst meth="repeat">
+      <a:schemeClr val="dk1"/>
+    </dgm:txFillClrLst>
+    <dgm:txEffectClrLst/>
+  </dgm:styleLbl>
+  <dgm:styleLbl name="fgAcc0">
+    <dgm:fillClrLst meth="repeat">
+      <a:schemeClr val="lt1">
+        <a:alpha val="90000"/>
+      </a:schemeClr>
+    </dgm:fillClrLst>
+    <dgm:linClrLst meth="repeat">
+      <a:schemeClr val="accent1"/>
+    </dgm:linClrLst>
+    <dgm:effectClrLst/>
+    <dgm:txLinClrLst/>
+    <dgm:txFillClrLst meth="repeat">
+      <a:schemeClr val="dk1"/>
+    </dgm:txFillClrLst>
+    <dgm:txEffectClrLst/>
+  </dgm:styleLbl>
+  <dgm:styleLbl name="fgAcc2">
+    <dgm:fillClrLst meth="repeat">
+      <a:schemeClr val="lt1">
+        <a:alpha val="90000"/>
+      </a:schemeClr>
+    </dgm:fillClrLst>
+    <dgm:linClrLst meth="repeat">
+      <a:schemeClr val="accent1"/>
+    </dgm:linClrLst>
+    <dgm:effectClrLst/>
+    <dgm:txLinClrLst/>
+    <dgm:txFillClrLst meth="repeat">
+      <a:schemeClr val="dk1"/>
+    </dgm:txFillClrLst>
+    <dgm:txEffectClrLst/>
+  </dgm:styleLbl>
+  <dgm:styleLbl name="fgAcc3">
+    <dgm:fillClrLst meth="repeat">
+      <a:schemeClr val="lt1">
+        <a:alpha val="90000"/>
+      </a:schemeClr>
+    </dgm:fillClrLst>
+    <dgm:linClrLst meth="repeat">
+      <a:schemeClr val="accent1"/>
+    </dgm:linClrLst>
+    <dgm:effectClrLst/>
+    <dgm:txLinClrLst/>
+    <dgm:txFillClrLst meth="repeat">
+      <a:schemeClr val="dk1"/>
+    </dgm:txFillClrLst>
+    <dgm:txEffectClrLst/>
+  </dgm:styleLbl>
+  <dgm:styleLbl name="fgAcc4">
+    <dgm:fillClrLst meth="repeat">
+      <a:schemeClr val="lt1">
+        <a:alpha val="90000"/>
+      </a:schemeClr>
+    </dgm:fillClrLst>
+    <dgm:linClrLst meth="repeat">
+      <a:schemeClr val="accent1"/>
+    </dgm:linClrLst>
+    <dgm:effectClrLst/>
+    <dgm:txLinClrLst/>
+    <dgm:txFillClrLst meth="repeat">
+      <a:schemeClr val="dk1"/>
+    </dgm:txFillClrLst>
+    <dgm:txEffectClrLst/>
+  </dgm:styleLbl>
+  <dgm:styleLbl name="bgShp">
+    <dgm:fillClrLst meth="repeat">
+      <a:schemeClr val="accent1">
+        <a:tint val="40000"/>
+      </a:schemeClr>
+    </dgm:fillClrLst>
+    <dgm:linClrLst meth="repeat">
+      <a:schemeClr val="accent1"/>
+    </dgm:linClrLst>
+    <dgm:effectClrLst/>
+    <dgm:txLinClrLst/>
+    <dgm:txFillClrLst meth="repeat">
+      <a:schemeClr val="dk1"/>
+    </dgm:txFillClrLst>
+    <dgm:txEffectClrLst/>
+  </dgm:styleLbl>
+  <dgm:styleLbl name="dkBgShp">
+    <dgm:fillClrLst meth="repeat">
+      <a:schemeClr val="accent1">
+        <a:shade val="80000"/>
+      </a:schemeClr>
+    </dgm:fillClrLst>
+    <dgm:linClrLst meth="repeat">
+      <a:schemeClr val="accent1"/>
+    </dgm:linClrLst>
+    <dgm:effectClrLst/>
+    <dgm:txLinClrLst/>
+    <dgm:txFillClrLst meth="repeat">
+      <a:schemeClr val="lt1"/>
+    </dgm:txFillClrLst>
+    <dgm:txEffectClrLst/>
+  </dgm:styleLbl>
+  <dgm:styleLbl name="trBgShp">
+    <dgm:fillClrLst meth="repeat">
+      <a:schemeClr val="accent1">
+        <a:tint val="50000"/>
+        <a:alpha val="40000"/>
+      </a:schemeClr>
+    </dgm:fillClrLst>
+    <dgm:linClrLst meth="repeat">
+      <a:schemeClr val="accent1"/>
+    </dgm:linClrLst>
+    <dgm:effectClrLst/>
+    <dgm:txLinClrLst/>
+    <dgm:txFillClrLst meth="repeat">
+      <a:schemeClr val="lt1"/>
+    </dgm:txFillClrLst>
+    <dgm:txEffectClrLst/>
+  </dgm:styleLbl>
+  <dgm:styleLbl name="fgShp">
+    <dgm:fillClrLst meth="repeat">
+      <a:schemeClr val="accent1">
+        <a:tint val="60000"/>
+      </a:schemeClr>
+    </dgm:fillClrLst>
+    <dgm:linClrLst meth="repeat">
+      <a:schemeClr val="lt1"/>
+    </dgm:linClrLst>
+    <dgm:effectClrLst/>
+    <dgm:txLinClrLst/>
+    <dgm:txFillClrLst meth="repeat">
+      <a:schemeClr val="dk1"/>
+    </dgm:txFillClrLst>
+    <dgm:txEffectClrLst/>
+  </dgm:styleLbl>
+  <dgm:styleLbl name="revTx">
+    <dgm:fillClrLst meth="repeat">
+      <a:schemeClr val="lt1">
+        <a:alpha val="0"/>
+      </a:schemeClr>
+    </dgm:fillClrLst>
+    <dgm:linClrLst meth="repeat">
+      <a:schemeClr val="dk1">
+        <a:alpha val="0"/>
+      </a:schemeClr>
+    </dgm:linClrLst>
+    <dgm:effectClrLst/>
+    <dgm:txLinClrLst/>
+    <dgm:txFillClrLst meth="repeat">
+      <a:schemeClr val="tx1"/>
+    </dgm:txFillClrLst>
+    <dgm:txEffectClrLst/>
+  </dgm:styleLbl>
+</dgm:colorsDef>
+</file>
+
 <file path=ppt/diagrams/data1.xml><?xml version="1.0" encoding="utf-8"?>
 <dgm:dataModel xmlns:dgm="http://schemas.openxmlformats.org/drawingml/2006/diagram" xmlns:a="http://schemas.openxmlformats.org/drawingml/2006/main">
   <dgm:ptLst>
@@ -3905,7 +4664,7 @@
         <a:p>
           <a:r>
             <a:rPr lang="de-DE" dirty="0"/>
-            <a:t>Agenda 1</a:t>
+            <a:t>Rückblick Phase 1</a:t>
           </a:r>
         </a:p>
       </dgm:t>
@@ -3945,7 +4704,7 @@
         <a:p>
           <a:r>
             <a:rPr lang="de-DE" dirty="0"/>
-            <a:t>Agenda 4</a:t>
+            <a:t>Fallstudie 2</a:t>
           </a:r>
         </a:p>
       </dgm:t>
@@ -3985,7 +4744,7 @@
         <a:p>
           <a:r>
             <a:rPr lang="de-DE" dirty="0"/>
-            <a:t>Agenda 2</a:t>
+            <a:t>Veränderungen</a:t>
           </a:r>
         </a:p>
       </dgm:t>
@@ -4025,7 +4784,7 @@
         <a:p>
           <a:r>
             <a:rPr lang="de-DE" dirty="0"/>
-            <a:t>Agenda 3</a:t>
+            <a:t>Fallstudie 1</a:t>
           </a:r>
         </a:p>
       </dgm:t>
@@ -4052,6 +4811,32 @@
         </a:p>
       </dgm:t>
     </dgm:pt>
+    <dgm:pt modelId="{6DBA4E0F-9AB4-417A-BAB0-BD2998AE047C}">
+      <dgm:prSet phldrT="[Text]"/>
+      <dgm:spPr>
+        <a:solidFill>
+          <a:srgbClr val="3E3E3E"/>
+        </a:solidFill>
+      </dgm:spPr>
+      <dgm:t>
+        <a:bodyPr/>
+        <a:lstStyle/>
+        <a:p>
+          <a:r>
+            <a:rPr lang="de-DE" dirty="0"/>
+            <a:t>Live-Demo</a:t>
+          </a:r>
+        </a:p>
+      </dgm:t>
+    </dgm:pt>
+    <dgm:pt modelId="{BBF31F1A-D65D-407B-AFFA-C1477929DF86}" type="parTrans" cxnId="{34753739-7E7C-45FA-BEB6-4C7A7713A3ED}">
+      <dgm:prSet/>
+      <dgm:spPr/>
+    </dgm:pt>
+    <dgm:pt modelId="{25B9C40F-6A17-48A0-815D-C59C690D439B}" type="sibTrans" cxnId="{34753739-7E7C-45FA-BEB6-4C7A7713A3ED}">
+      <dgm:prSet/>
+      <dgm:spPr/>
+    </dgm:pt>
     <dgm:pt modelId="{364A076C-A699-46C5-9AEC-AB4BCAB43E30}" type="pres">
       <dgm:prSet presAssocID="{43E2B7A1-61E9-401B-A103-35447287B830}" presName="Name0" presStyleCnt="0">
         <dgm:presLayoutVars>
@@ -4063,7 +4848,7 @@
       <dgm:spPr/>
     </dgm:pt>
     <dgm:pt modelId="{7FAAC15B-B09D-4273-B8BB-7AA09C9943EB}" type="pres">
-      <dgm:prSet presAssocID="{722F3EE7-F1ED-4747-BABE-D5193433A6C2}" presName="parTxOnly" presStyleLbl="node1" presStyleIdx="0" presStyleCnt="4">
+      <dgm:prSet presAssocID="{722F3EE7-F1ED-4747-BABE-D5193433A6C2}" presName="parTxOnly" presStyleLbl="node1" presStyleIdx="0" presStyleCnt="5">
         <dgm:presLayoutVars>
           <dgm:chMax val="0"/>
           <dgm:chPref val="0"/>
@@ -4077,7 +4862,7 @@
       <dgm:spPr/>
     </dgm:pt>
     <dgm:pt modelId="{4ECCB1E8-A330-477B-920F-3C5B7E51EA28}" type="pres">
-      <dgm:prSet presAssocID="{143DE9F6-9345-4FC5-BDE1-871FE991D82A}" presName="parTxOnly" presStyleLbl="node1" presStyleIdx="1" presStyleCnt="4">
+      <dgm:prSet presAssocID="{143DE9F6-9345-4FC5-BDE1-871FE991D82A}" presName="parTxOnly" presStyleLbl="node1" presStyleIdx="1" presStyleCnt="5">
         <dgm:presLayoutVars>
           <dgm:chMax val="0"/>
           <dgm:chPref val="0"/>
@@ -4091,7 +4876,7 @@
       <dgm:spPr/>
     </dgm:pt>
     <dgm:pt modelId="{18E79364-485C-4E2E-9F27-C66EEB9262E5}" type="pres">
-      <dgm:prSet presAssocID="{DCCC4955-40A3-45B9-A356-D8F9A19CF521}" presName="parTxOnly" presStyleLbl="node1" presStyleIdx="2" presStyleCnt="4">
+      <dgm:prSet presAssocID="{DCCC4955-40A3-45B9-A356-D8F9A19CF521}" presName="parTxOnly" presStyleLbl="node1" presStyleIdx="2" presStyleCnt="5">
         <dgm:presLayoutVars>
           <dgm:chMax val="0"/>
           <dgm:chPref val="0"/>
@@ -4105,7 +4890,21 @@
       <dgm:spPr/>
     </dgm:pt>
     <dgm:pt modelId="{0B9EDCF6-A386-4969-BCE7-DF6F75AF55A9}" type="pres">
-      <dgm:prSet presAssocID="{D1D8320B-91D2-4486-9399-1F09FB851A26}" presName="parTxOnly" presStyleLbl="node1" presStyleIdx="3" presStyleCnt="4">
+      <dgm:prSet presAssocID="{D1D8320B-91D2-4486-9399-1F09FB851A26}" presName="parTxOnly" presStyleLbl="node1" presStyleIdx="3" presStyleCnt="5">
+        <dgm:presLayoutVars>
+          <dgm:chMax val="0"/>
+          <dgm:chPref val="0"/>
+          <dgm:bulletEnabled val="1"/>
+        </dgm:presLayoutVars>
+      </dgm:prSet>
+      <dgm:spPr/>
+    </dgm:pt>
+    <dgm:pt modelId="{400B0DC2-07EA-4996-9DE9-F5D80965A51C}" type="pres">
+      <dgm:prSet presAssocID="{0D639B99-DF7C-4EE8-BB33-94D79B8695A4}" presName="parTxOnlySpace" presStyleCnt="0"/>
+      <dgm:spPr/>
+    </dgm:pt>
+    <dgm:pt modelId="{534F45A4-7A18-4428-B2AC-B8559A21B4FC}" type="pres">
+      <dgm:prSet presAssocID="{6DBA4E0F-9AB4-417A-BAB0-BD2998AE047C}" presName="parTxOnly" presStyleLbl="node1" presStyleIdx="4" presStyleCnt="5">
         <dgm:presLayoutVars>
           <dgm:chMax val="0"/>
           <dgm:chPref val="0"/>
@@ -4116,15 +4915,17 @@
     </dgm:pt>
   </dgm:ptLst>
   <dgm:cxnLst>
-    <dgm:cxn modelId="{DD324545-A34A-4142-98E8-4920D4C782FB}" srcId="{43E2B7A1-61E9-401B-A103-35447287B830}" destId="{DCCC4955-40A3-45B9-A356-D8F9A19CF521}" srcOrd="2" destOrd="0" parTransId="{9451B6CA-DF5F-42B9-9145-57A67BECB728}" sibTransId="{847CAA7A-0133-4147-84B7-998E29533329}"/>
+    <dgm:cxn modelId="{DCA339E9-DC34-44B8-95E2-671C252A8FB5}" type="presOf" srcId="{43E2B7A1-61E9-401B-A103-35447287B830}" destId="{364A076C-A699-46C5-9AEC-AB4BCAB43E30}" srcOrd="0" destOrd="0" presId="urn:microsoft.com/office/officeart/2005/8/layout/chevron1"/>
     <dgm:cxn modelId="{F1BF83E2-4BEF-4E81-9F33-F761F1B4EAF6}" type="presOf" srcId="{DCCC4955-40A3-45B9-A356-D8F9A19CF521}" destId="{18E79364-485C-4E2E-9F27-C66EEB9262E5}" srcOrd="0" destOrd="0" presId="urn:microsoft.com/office/officeart/2005/8/layout/chevron1"/>
-    <dgm:cxn modelId="{D3D68609-AFB3-45F4-A927-9E1E36E1ADB7}" srcId="{43E2B7A1-61E9-401B-A103-35447287B830}" destId="{143DE9F6-9345-4FC5-BDE1-871FE991D82A}" srcOrd="1" destOrd="0" parTransId="{BE05C30A-9B33-4972-8281-BC756A352B11}" sibTransId="{0F24F9C1-504D-4E89-964F-DA708A97717F}"/>
-    <dgm:cxn modelId="{076778DA-C266-45F1-8BD2-37DFC97A0F7F}" type="presOf" srcId="{D1D8320B-91D2-4486-9399-1F09FB851A26}" destId="{0B9EDCF6-A386-4969-BCE7-DF6F75AF55A9}" srcOrd="0" destOrd="0" presId="urn:microsoft.com/office/officeart/2005/8/layout/chevron1"/>
-    <dgm:cxn modelId="{DCA339E9-DC34-44B8-95E2-671C252A8FB5}" type="presOf" srcId="{43E2B7A1-61E9-401B-A103-35447287B830}" destId="{364A076C-A699-46C5-9AEC-AB4BCAB43E30}" srcOrd="0" destOrd="0" presId="urn:microsoft.com/office/officeart/2005/8/layout/chevron1"/>
-    <dgm:cxn modelId="{6871FF62-8AE0-4795-81ED-E187D332F61B}" srcId="{43E2B7A1-61E9-401B-A103-35447287B830}" destId="{D1D8320B-91D2-4486-9399-1F09FB851A26}" srcOrd="3" destOrd="0" parTransId="{C70193BE-8D38-4C88-8023-5ECBBA60061F}" sibTransId="{0D639B99-DF7C-4EE8-BB33-94D79B8695A4}"/>
-    <dgm:cxn modelId="{8EB2EF4A-CD1C-4CA3-A50A-8C881E6C78A9}" type="presOf" srcId="{722F3EE7-F1ED-4747-BABE-D5193433A6C2}" destId="{7FAAC15B-B09D-4273-B8BB-7AA09C9943EB}" srcOrd="0" destOrd="0" presId="urn:microsoft.com/office/officeart/2005/8/layout/chevron1"/>
     <dgm:cxn modelId="{64D84D35-D400-4B49-B970-DE3027E479A4}" srcId="{43E2B7A1-61E9-401B-A103-35447287B830}" destId="{722F3EE7-F1ED-4747-BABE-D5193433A6C2}" srcOrd="0" destOrd="0" parTransId="{079B3C7F-773A-4569-8977-38CAD2A0016C}" sibTransId="{0A5DA1F5-A8B7-4259-A57A-00A859DB6313}"/>
     <dgm:cxn modelId="{03D70354-D445-4D6D-B914-1C599389A667}" type="presOf" srcId="{143DE9F6-9345-4FC5-BDE1-871FE991D82A}" destId="{4ECCB1E8-A330-477B-920F-3C5B7E51EA28}" srcOrd="0" destOrd="0" presId="urn:microsoft.com/office/officeart/2005/8/layout/chevron1"/>
+    <dgm:cxn modelId="{6871FF62-8AE0-4795-81ED-E187D332F61B}" srcId="{43E2B7A1-61E9-401B-A103-35447287B830}" destId="{D1D8320B-91D2-4486-9399-1F09FB851A26}" srcOrd="3" destOrd="0" parTransId="{C70193BE-8D38-4C88-8023-5ECBBA60061F}" sibTransId="{0D639B99-DF7C-4EE8-BB33-94D79B8695A4}"/>
+    <dgm:cxn modelId="{D3D68609-AFB3-45F4-A927-9E1E36E1ADB7}" srcId="{43E2B7A1-61E9-401B-A103-35447287B830}" destId="{143DE9F6-9345-4FC5-BDE1-871FE991D82A}" srcOrd="1" destOrd="0" parTransId="{BE05C30A-9B33-4972-8281-BC756A352B11}" sibTransId="{0F24F9C1-504D-4E89-964F-DA708A97717F}"/>
+    <dgm:cxn modelId="{8576CC28-9F2D-4081-8BFD-B615BCFCC729}" type="presOf" srcId="{6DBA4E0F-9AB4-417A-BAB0-BD2998AE047C}" destId="{534F45A4-7A18-4428-B2AC-B8559A21B4FC}" srcOrd="0" destOrd="0" presId="urn:microsoft.com/office/officeart/2005/8/layout/chevron1"/>
+    <dgm:cxn modelId="{8EB2EF4A-CD1C-4CA3-A50A-8C881E6C78A9}" type="presOf" srcId="{722F3EE7-F1ED-4747-BABE-D5193433A6C2}" destId="{7FAAC15B-B09D-4273-B8BB-7AA09C9943EB}" srcOrd="0" destOrd="0" presId="urn:microsoft.com/office/officeart/2005/8/layout/chevron1"/>
+    <dgm:cxn modelId="{076778DA-C266-45F1-8BD2-37DFC97A0F7F}" type="presOf" srcId="{D1D8320B-91D2-4486-9399-1F09FB851A26}" destId="{0B9EDCF6-A386-4969-BCE7-DF6F75AF55A9}" srcOrd="0" destOrd="0" presId="urn:microsoft.com/office/officeart/2005/8/layout/chevron1"/>
+    <dgm:cxn modelId="{DD324545-A34A-4142-98E8-4920D4C782FB}" srcId="{43E2B7A1-61E9-401B-A103-35447287B830}" destId="{DCCC4955-40A3-45B9-A356-D8F9A19CF521}" srcOrd="2" destOrd="0" parTransId="{9451B6CA-DF5F-42B9-9145-57A67BECB728}" sibTransId="{847CAA7A-0133-4147-84B7-998E29533329}"/>
+    <dgm:cxn modelId="{34753739-7E7C-45FA-BEB6-4C7A7713A3ED}" srcId="{43E2B7A1-61E9-401B-A103-35447287B830}" destId="{6DBA4E0F-9AB4-417A-BAB0-BD2998AE047C}" srcOrd="4" destOrd="0" parTransId="{BBF31F1A-D65D-407B-AFFA-C1477929DF86}" sibTransId="{25B9C40F-6A17-48A0-815D-C59C690D439B}"/>
     <dgm:cxn modelId="{E2111D49-2BCB-4499-80D5-471768C74171}" type="presParOf" srcId="{364A076C-A699-46C5-9AEC-AB4BCAB43E30}" destId="{7FAAC15B-B09D-4273-B8BB-7AA09C9943EB}" srcOrd="0" destOrd="0" presId="urn:microsoft.com/office/officeart/2005/8/layout/chevron1"/>
     <dgm:cxn modelId="{B395AC1E-2B1A-43AB-8ABA-F1B125B49E96}" type="presParOf" srcId="{364A076C-A699-46C5-9AEC-AB4BCAB43E30}" destId="{72E59707-FD57-4ACB-ABFC-B168665EEEAF}" srcOrd="1" destOrd="0" presId="urn:microsoft.com/office/officeart/2005/8/layout/chevron1"/>
     <dgm:cxn modelId="{42008BE1-4C43-4A03-B03F-B54DDC51C308}" type="presParOf" srcId="{364A076C-A699-46C5-9AEC-AB4BCAB43E30}" destId="{4ECCB1E8-A330-477B-920F-3C5B7E51EA28}" srcOrd="2" destOrd="0" presId="urn:microsoft.com/office/officeart/2005/8/layout/chevron1"/>
@@ -4132,6 +4933,8 @@
     <dgm:cxn modelId="{60BF8AC2-D986-4C55-A4A6-77DC43A82AF2}" type="presParOf" srcId="{364A076C-A699-46C5-9AEC-AB4BCAB43E30}" destId="{18E79364-485C-4E2E-9F27-C66EEB9262E5}" srcOrd="4" destOrd="0" presId="urn:microsoft.com/office/officeart/2005/8/layout/chevron1"/>
     <dgm:cxn modelId="{FCC586FB-5244-491C-8DB0-3B34CF5E5558}" type="presParOf" srcId="{364A076C-A699-46C5-9AEC-AB4BCAB43E30}" destId="{7EEFDDE7-C88A-4E09-AAD3-1CD236E2A8DD}" srcOrd="5" destOrd="0" presId="urn:microsoft.com/office/officeart/2005/8/layout/chevron1"/>
     <dgm:cxn modelId="{18842EAF-2AF1-4982-9C99-28EA286B38EB}" type="presParOf" srcId="{364A076C-A699-46C5-9AEC-AB4BCAB43E30}" destId="{0B9EDCF6-A386-4969-BCE7-DF6F75AF55A9}" srcOrd="6" destOrd="0" presId="urn:microsoft.com/office/officeart/2005/8/layout/chevron1"/>
+    <dgm:cxn modelId="{3DB40DAC-D244-4DE2-A16E-0B203B3CCF46}" type="presParOf" srcId="{364A076C-A699-46C5-9AEC-AB4BCAB43E30}" destId="{400B0DC2-07EA-4996-9DE9-F5D80965A51C}" srcOrd="7" destOrd="0" presId="urn:microsoft.com/office/officeart/2005/8/layout/chevron1"/>
+    <dgm:cxn modelId="{74BEE28B-5A56-4106-9DF4-97487505B9BF}" type="presParOf" srcId="{364A076C-A699-46C5-9AEC-AB4BCAB43E30}" destId="{534F45A4-7A18-4428-B2AC-B8559A21B4FC}" srcOrd="8" destOrd="0" presId="urn:microsoft.com/office/officeart/2005/8/layout/chevron1"/>
   </dgm:cxnLst>
   <dgm:bg/>
   <dgm:whole/>
@@ -4166,7 +4969,7 @@
         <a:p>
           <a:r>
             <a:rPr lang="de-DE" dirty="0"/>
-            <a:t>Agenda 1</a:t>
+            <a:t>Rückblick Phase 1</a:t>
           </a:r>
         </a:p>
       </dgm:t>
@@ -4206,7 +5009,7 @@
         <a:p>
           <a:r>
             <a:rPr lang="de-DE" dirty="0"/>
-            <a:t>Agenda 4</a:t>
+            <a:t>Fallstudie 2</a:t>
           </a:r>
         </a:p>
       </dgm:t>
@@ -4246,7 +5049,7 @@
         <a:p>
           <a:r>
             <a:rPr lang="de-DE" dirty="0"/>
-            <a:t>Agenda 2</a:t>
+            <a:t>Veränderungen</a:t>
           </a:r>
         </a:p>
       </dgm:t>
@@ -4286,7 +5089,7 @@
         <a:p>
           <a:r>
             <a:rPr lang="de-DE" dirty="0"/>
-            <a:t>Agenda 3</a:t>
+            <a:t>Fallstudie 1</a:t>
           </a:r>
         </a:p>
       </dgm:t>
@@ -4313,6 +5116,32 @@
         </a:p>
       </dgm:t>
     </dgm:pt>
+    <dgm:pt modelId="{FD5E0741-FA64-46D7-AFEB-24DAD5B2B0A2}">
+      <dgm:prSet phldrT="[Text]"/>
+      <dgm:spPr>
+        <a:solidFill>
+          <a:srgbClr val="3E3E3E"/>
+        </a:solidFill>
+      </dgm:spPr>
+      <dgm:t>
+        <a:bodyPr/>
+        <a:lstStyle/>
+        <a:p>
+          <a:r>
+            <a:rPr lang="de-DE" dirty="0"/>
+            <a:t>Live-Demo</a:t>
+          </a:r>
+        </a:p>
+      </dgm:t>
+    </dgm:pt>
+    <dgm:pt modelId="{F906B349-E2E6-42A3-9165-4D324AD22A30}" type="parTrans" cxnId="{2FD0916E-25AD-4056-9198-A85828860282}">
+      <dgm:prSet/>
+      <dgm:spPr/>
+    </dgm:pt>
+    <dgm:pt modelId="{3D7BF604-A829-41EB-81A7-AFD638E42082}" type="sibTrans" cxnId="{2FD0916E-25AD-4056-9198-A85828860282}">
+      <dgm:prSet/>
+      <dgm:spPr/>
+    </dgm:pt>
     <dgm:pt modelId="{364A076C-A699-46C5-9AEC-AB4BCAB43E30}" type="pres">
       <dgm:prSet presAssocID="{43E2B7A1-61E9-401B-A103-35447287B830}" presName="Name0" presStyleCnt="0">
         <dgm:presLayoutVars>
@@ -4324,7 +5153,7 @@
       <dgm:spPr/>
     </dgm:pt>
     <dgm:pt modelId="{7FAAC15B-B09D-4273-B8BB-7AA09C9943EB}" type="pres">
-      <dgm:prSet presAssocID="{722F3EE7-F1ED-4747-BABE-D5193433A6C2}" presName="parTxOnly" presStyleLbl="node1" presStyleIdx="0" presStyleCnt="4">
+      <dgm:prSet presAssocID="{722F3EE7-F1ED-4747-BABE-D5193433A6C2}" presName="parTxOnly" presStyleLbl="node1" presStyleIdx="0" presStyleCnt="5">
         <dgm:presLayoutVars>
           <dgm:chMax val="0"/>
           <dgm:chPref val="0"/>
@@ -4338,7 +5167,7 @@
       <dgm:spPr/>
     </dgm:pt>
     <dgm:pt modelId="{4ECCB1E8-A330-477B-920F-3C5B7E51EA28}" type="pres">
-      <dgm:prSet presAssocID="{143DE9F6-9345-4FC5-BDE1-871FE991D82A}" presName="parTxOnly" presStyleLbl="node1" presStyleIdx="1" presStyleCnt="4">
+      <dgm:prSet presAssocID="{143DE9F6-9345-4FC5-BDE1-871FE991D82A}" presName="parTxOnly" presStyleLbl="node1" presStyleIdx="1" presStyleCnt="5">
         <dgm:presLayoutVars>
           <dgm:chMax val="0"/>
           <dgm:chPref val="0"/>
@@ -4352,7 +5181,7 @@
       <dgm:spPr/>
     </dgm:pt>
     <dgm:pt modelId="{B1AEBFC2-1EB2-48B2-961A-D6D324320C6D}" type="pres">
-      <dgm:prSet presAssocID="{0BC02535-0328-4002-A3FB-B8A773D0846A}" presName="parTxOnly" presStyleLbl="node1" presStyleIdx="2" presStyleCnt="4">
+      <dgm:prSet presAssocID="{0BC02535-0328-4002-A3FB-B8A773D0846A}" presName="parTxOnly" presStyleLbl="node1" presStyleIdx="2" presStyleCnt="5">
         <dgm:presLayoutVars>
           <dgm:chMax val="0"/>
           <dgm:chPref val="0"/>
@@ -4366,7 +5195,21 @@
       <dgm:spPr/>
     </dgm:pt>
     <dgm:pt modelId="{0B9EDCF6-A386-4969-BCE7-DF6F75AF55A9}" type="pres">
-      <dgm:prSet presAssocID="{D1D8320B-91D2-4486-9399-1F09FB851A26}" presName="parTxOnly" presStyleLbl="node1" presStyleIdx="3" presStyleCnt="4">
+      <dgm:prSet presAssocID="{D1D8320B-91D2-4486-9399-1F09FB851A26}" presName="parTxOnly" presStyleLbl="node1" presStyleIdx="3" presStyleCnt="5">
+        <dgm:presLayoutVars>
+          <dgm:chMax val="0"/>
+          <dgm:chPref val="0"/>
+          <dgm:bulletEnabled val="1"/>
+        </dgm:presLayoutVars>
+      </dgm:prSet>
+      <dgm:spPr/>
+    </dgm:pt>
+    <dgm:pt modelId="{6A5C89C3-B2A6-4184-929E-1366D8C3E9C3}" type="pres">
+      <dgm:prSet presAssocID="{0D639B99-DF7C-4EE8-BB33-94D79B8695A4}" presName="parTxOnlySpace" presStyleCnt="0"/>
+      <dgm:spPr/>
+    </dgm:pt>
+    <dgm:pt modelId="{FB22FCAD-F17A-46F0-B4D6-E9D611223506}" type="pres">
+      <dgm:prSet presAssocID="{FD5E0741-FA64-46D7-AFEB-24DAD5B2B0A2}" presName="parTxOnly" presStyleLbl="node1" presStyleIdx="4" presStyleCnt="5">
         <dgm:presLayoutVars>
           <dgm:chMax val="0"/>
           <dgm:chPref val="0"/>
@@ -4377,15 +5220,17 @@
     </dgm:pt>
   </dgm:ptLst>
   <dgm:cxnLst>
+    <dgm:cxn modelId="{5CAA056D-19E0-4048-8863-66EFD6D7860A}" srcId="{43E2B7A1-61E9-401B-A103-35447287B830}" destId="{0BC02535-0328-4002-A3FB-B8A773D0846A}" srcOrd="2" destOrd="0" parTransId="{406547D5-0518-43D7-953A-1406AAD7A93E}" sibTransId="{A20B4361-6AC8-4DB8-A2EE-F8FBF0D4BC95}"/>
+    <dgm:cxn modelId="{64D84D35-D400-4B49-B970-DE3027E479A4}" srcId="{43E2B7A1-61E9-401B-A103-35447287B830}" destId="{722F3EE7-F1ED-4747-BABE-D5193433A6C2}" srcOrd="0" destOrd="0" parTransId="{079B3C7F-773A-4569-8977-38CAD2A0016C}" sibTransId="{0A5DA1F5-A8B7-4259-A57A-00A859DB6313}"/>
+    <dgm:cxn modelId="{B63724F5-481D-4F4F-A101-D008EAE332F6}" type="presOf" srcId="{0BC02535-0328-4002-A3FB-B8A773D0846A}" destId="{B1AEBFC2-1EB2-48B2-961A-D6D324320C6D}" srcOrd="0" destOrd="0" presId="urn:microsoft.com/office/officeart/2005/8/layout/chevron1"/>
+    <dgm:cxn modelId="{647B2181-3BE6-4ADF-AE8A-215E5DC76A09}" type="presOf" srcId="{722F3EE7-F1ED-4747-BABE-D5193433A6C2}" destId="{7FAAC15B-B09D-4273-B8BB-7AA09C9943EB}" srcOrd="0" destOrd="0" presId="urn:microsoft.com/office/officeart/2005/8/layout/chevron1"/>
+    <dgm:cxn modelId="{2FD0916E-25AD-4056-9198-A85828860282}" srcId="{43E2B7A1-61E9-401B-A103-35447287B830}" destId="{FD5E0741-FA64-46D7-AFEB-24DAD5B2B0A2}" srcOrd="4" destOrd="0" parTransId="{F906B349-E2E6-42A3-9165-4D324AD22A30}" sibTransId="{3D7BF604-A829-41EB-81A7-AFD638E42082}"/>
+    <dgm:cxn modelId="{7D1E9E39-B434-4F2E-851A-3BD2BD3AA327}" type="presOf" srcId="{143DE9F6-9345-4FC5-BDE1-871FE991D82A}" destId="{4ECCB1E8-A330-477B-920F-3C5B7E51EA28}" srcOrd="0" destOrd="0" presId="urn:microsoft.com/office/officeart/2005/8/layout/chevron1"/>
+    <dgm:cxn modelId="{6871FF62-8AE0-4795-81ED-E187D332F61B}" srcId="{43E2B7A1-61E9-401B-A103-35447287B830}" destId="{D1D8320B-91D2-4486-9399-1F09FB851A26}" srcOrd="3" destOrd="0" parTransId="{C70193BE-8D38-4C88-8023-5ECBBA60061F}" sibTransId="{0D639B99-DF7C-4EE8-BB33-94D79B8695A4}"/>
+    <dgm:cxn modelId="{D3D68609-AFB3-45F4-A927-9E1E36E1ADB7}" srcId="{43E2B7A1-61E9-401B-A103-35447287B830}" destId="{143DE9F6-9345-4FC5-BDE1-871FE991D82A}" srcOrd="1" destOrd="0" parTransId="{BE05C30A-9B33-4972-8281-BC756A352B11}" sibTransId="{0F24F9C1-504D-4E89-964F-DA708A97717F}"/>
+    <dgm:cxn modelId="{1B313D54-9B42-4184-91F7-6593AA3B55A4}" type="presOf" srcId="{FD5E0741-FA64-46D7-AFEB-24DAD5B2B0A2}" destId="{FB22FCAD-F17A-46F0-B4D6-E9D611223506}" srcOrd="0" destOrd="0" presId="urn:microsoft.com/office/officeart/2005/8/layout/chevron1"/>
     <dgm:cxn modelId="{723F4FFD-8F38-4C30-BC04-8B2208C6CC21}" type="presOf" srcId="{D1D8320B-91D2-4486-9399-1F09FB851A26}" destId="{0B9EDCF6-A386-4969-BCE7-DF6F75AF55A9}" srcOrd="0" destOrd="0" presId="urn:microsoft.com/office/officeart/2005/8/layout/chevron1"/>
-    <dgm:cxn modelId="{B63724F5-481D-4F4F-A101-D008EAE332F6}" type="presOf" srcId="{0BC02535-0328-4002-A3FB-B8A773D0846A}" destId="{B1AEBFC2-1EB2-48B2-961A-D6D324320C6D}" srcOrd="0" destOrd="0" presId="urn:microsoft.com/office/officeart/2005/8/layout/chevron1"/>
-    <dgm:cxn modelId="{D3D68609-AFB3-45F4-A927-9E1E36E1ADB7}" srcId="{43E2B7A1-61E9-401B-A103-35447287B830}" destId="{143DE9F6-9345-4FC5-BDE1-871FE991D82A}" srcOrd="1" destOrd="0" parTransId="{BE05C30A-9B33-4972-8281-BC756A352B11}" sibTransId="{0F24F9C1-504D-4E89-964F-DA708A97717F}"/>
     <dgm:cxn modelId="{4508BC78-4DDA-4AA2-9305-0AAD624F732B}" type="presOf" srcId="{43E2B7A1-61E9-401B-A103-35447287B830}" destId="{364A076C-A699-46C5-9AEC-AB4BCAB43E30}" srcOrd="0" destOrd="0" presId="urn:microsoft.com/office/officeart/2005/8/layout/chevron1"/>
-    <dgm:cxn modelId="{6871FF62-8AE0-4795-81ED-E187D332F61B}" srcId="{43E2B7A1-61E9-401B-A103-35447287B830}" destId="{D1D8320B-91D2-4486-9399-1F09FB851A26}" srcOrd="3" destOrd="0" parTransId="{C70193BE-8D38-4C88-8023-5ECBBA60061F}" sibTransId="{0D639B99-DF7C-4EE8-BB33-94D79B8695A4}"/>
-    <dgm:cxn modelId="{64D84D35-D400-4B49-B970-DE3027E479A4}" srcId="{43E2B7A1-61E9-401B-A103-35447287B830}" destId="{722F3EE7-F1ED-4747-BABE-D5193433A6C2}" srcOrd="0" destOrd="0" parTransId="{079B3C7F-773A-4569-8977-38CAD2A0016C}" sibTransId="{0A5DA1F5-A8B7-4259-A57A-00A859DB6313}"/>
-    <dgm:cxn modelId="{647B2181-3BE6-4ADF-AE8A-215E5DC76A09}" type="presOf" srcId="{722F3EE7-F1ED-4747-BABE-D5193433A6C2}" destId="{7FAAC15B-B09D-4273-B8BB-7AA09C9943EB}" srcOrd="0" destOrd="0" presId="urn:microsoft.com/office/officeart/2005/8/layout/chevron1"/>
-    <dgm:cxn modelId="{7D1E9E39-B434-4F2E-851A-3BD2BD3AA327}" type="presOf" srcId="{143DE9F6-9345-4FC5-BDE1-871FE991D82A}" destId="{4ECCB1E8-A330-477B-920F-3C5B7E51EA28}" srcOrd="0" destOrd="0" presId="urn:microsoft.com/office/officeart/2005/8/layout/chevron1"/>
-    <dgm:cxn modelId="{5CAA056D-19E0-4048-8863-66EFD6D7860A}" srcId="{43E2B7A1-61E9-401B-A103-35447287B830}" destId="{0BC02535-0328-4002-A3FB-B8A773D0846A}" srcOrd="2" destOrd="0" parTransId="{406547D5-0518-43D7-953A-1406AAD7A93E}" sibTransId="{A20B4361-6AC8-4DB8-A2EE-F8FBF0D4BC95}"/>
     <dgm:cxn modelId="{2498664A-AC63-42DC-B569-007B58BFBEF5}" type="presParOf" srcId="{364A076C-A699-46C5-9AEC-AB4BCAB43E30}" destId="{7FAAC15B-B09D-4273-B8BB-7AA09C9943EB}" srcOrd="0" destOrd="0" presId="urn:microsoft.com/office/officeart/2005/8/layout/chevron1"/>
     <dgm:cxn modelId="{21718BEF-CB92-4ACF-8657-9103B90BB3EC}" type="presParOf" srcId="{364A076C-A699-46C5-9AEC-AB4BCAB43E30}" destId="{72E59707-FD57-4ACB-ABFC-B168665EEEAF}" srcOrd="1" destOrd="0" presId="urn:microsoft.com/office/officeart/2005/8/layout/chevron1"/>
     <dgm:cxn modelId="{00F125B1-0BE4-4AE3-BD87-96274AB6A329}" type="presParOf" srcId="{364A076C-A699-46C5-9AEC-AB4BCAB43E30}" destId="{4ECCB1E8-A330-477B-920F-3C5B7E51EA28}" srcOrd="2" destOrd="0" presId="urn:microsoft.com/office/officeart/2005/8/layout/chevron1"/>
@@ -4393,6 +5238,8 @@
     <dgm:cxn modelId="{34998C66-8D2D-441B-9ADC-D8E6834AAC49}" type="presParOf" srcId="{364A076C-A699-46C5-9AEC-AB4BCAB43E30}" destId="{B1AEBFC2-1EB2-48B2-961A-D6D324320C6D}" srcOrd="4" destOrd="0" presId="urn:microsoft.com/office/officeart/2005/8/layout/chevron1"/>
     <dgm:cxn modelId="{6FAB0B34-BAEC-496C-A1A5-EE776F48CB8C}" type="presParOf" srcId="{364A076C-A699-46C5-9AEC-AB4BCAB43E30}" destId="{B5ABA100-E920-4135-A5EB-E71221B3A8C4}" srcOrd="5" destOrd="0" presId="urn:microsoft.com/office/officeart/2005/8/layout/chevron1"/>
     <dgm:cxn modelId="{FB4AA929-1F76-4431-96ED-0EAAFB393155}" type="presParOf" srcId="{364A076C-A699-46C5-9AEC-AB4BCAB43E30}" destId="{0B9EDCF6-A386-4969-BCE7-DF6F75AF55A9}" srcOrd="6" destOrd="0" presId="urn:microsoft.com/office/officeart/2005/8/layout/chevron1"/>
+    <dgm:cxn modelId="{D927BC6A-42A1-4D33-B63D-E74B3A2D19E1}" type="presParOf" srcId="{364A076C-A699-46C5-9AEC-AB4BCAB43E30}" destId="{6A5C89C3-B2A6-4184-929E-1366D8C3E9C3}" srcOrd="7" destOrd="0" presId="urn:microsoft.com/office/officeart/2005/8/layout/chevron1"/>
+    <dgm:cxn modelId="{DAA88586-5A6F-4837-96C6-A767F4B647F9}" type="presParOf" srcId="{364A076C-A699-46C5-9AEC-AB4BCAB43E30}" destId="{FB22FCAD-F17A-46F0-B4D6-E9D611223506}" srcOrd="8" destOrd="0" presId="urn:microsoft.com/office/officeart/2005/8/layout/chevron1"/>
   </dgm:cxnLst>
   <dgm:bg>
     <a:noFill/>
@@ -4429,7 +5276,7 @@
         <a:p>
           <a:r>
             <a:rPr lang="de-DE" dirty="0"/>
-            <a:t>Agenda 1</a:t>
+            <a:t>Rückblick Phase 1</a:t>
           </a:r>
         </a:p>
       </dgm:t>
@@ -4469,7 +5316,7 @@
         <a:p>
           <a:r>
             <a:rPr lang="de-DE" dirty="0"/>
-            <a:t>Agenda 4</a:t>
+            <a:t>Fallstudie 2</a:t>
           </a:r>
         </a:p>
       </dgm:t>
@@ -4509,7 +5356,7 @@
         <a:p>
           <a:r>
             <a:rPr lang="de-DE" dirty="0"/>
-            <a:t>Agenda 2</a:t>
+            <a:t>Veränderungen</a:t>
           </a:r>
         </a:p>
       </dgm:t>
@@ -4549,7 +5396,7 @@
         <a:p>
           <a:r>
             <a:rPr lang="de-DE" dirty="0"/>
-            <a:t>Agenda 3</a:t>
+            <a:t>Fallstudie 1</a:t>
           </a:r>
         </a:p>
       </dgm:t>
@@ -4576,6 +5423,46 @@
         </a:p>
       </dgm:t>
     </dgm:pt>
+    <dgm:pt modelId="{7690DA45-5389-452C-9C5C-D94AF149D83E}">
+      <dgm:prSet phldrT="[Text]"/>
+      <dgm:spPr>
+        <a:solidFill>
+          <a:srgbClr val="3E3E3E"/>
+        </a:solidFill>
+      </dgm:spPr>
+      <dgm:t>
+        <a:bodyPr/>
+        <a:lstStyle/>
+        <a:p>
+          <a:r>
+            <a:rPr lang="de-DE" dirty="0"/>
+            <a:t>Live-Demo</a:t>
+          </a:r>
+        </a:p>
+      </dgm:t>
+    </dgm:pt>
+    <dgm:pt modelId="{B76F3A0B-BC98-4ECB-AABB-135CDF370858}" type="parTrans" cxnId="{F64E71EB-B378-4322-81D9-D6D5E3F212A7}">
+      <dgm:prSet/>
+      <dgm:spPr/>
+      <dgm:t>
+        <a:bodyPr/>
+        <a:lstStyle/>
+        <a:p>
+          <a:endParaRPr lang="de-DE"/>
+        </a:p>
+      </dgm:t>
+    </dgm:pt>
+    <dgm:pt modelId="{DD4BF767-CFB6-46EE-9096-A2CEAC77D194}" type="sibTrans" cxnId="{F64E71EB-B378-4322-81D9-D6D5E3F212A7}">
+      <dgm:prSet/>
+      <dgm:spPr/>
+      <dgm:t>
+        <a:bodyPr/>
+        <a:lstStyle/>
+        <a:p>
+          <a:endParaRPr lang="de-DE"/>
+        </a:p>
+      </dgm:t>
+    </dgm:pt>
     <dgm:pt modelId="{364A076C-A699-46C5-9AEC-AB4BCAB43E30}" type="pres">
       <dgm:prSet presAssocID="{43E2B7A1-61E9-401B-A103-35447287B830}" presName="Name0" presStyleCnt="0">
         <dgm:presLayoutVars>
@@ -4587,7 +5474,7 @@
       <dgm:spPr/>
     </dgm:pt>
     <dgm:pt modelId="{7FAAC15B-B09D-4273-B8BB-7AA09C9943EB}" type="pres">
-      <dgm:prSet presAssocID="{722F3EE7-F1ED-4747-BABE-D5193433A6C2}" presName="parTxOnly" presStyleLbl="node1" presStyleIdx="0" presStyleCnt="4">
+      <dgm:prSet presAssocID="{722F3EE7-F1ED-4747-BABE-D5193433A6C2}" presName="parTxOnly" presStyleLbl="node1" presStyleIdx="0" presStyleCnt="5">
         <dgm:presLayoutVars>
           <dgm:chMax val="0"/>
           <dgm:chPref val="0"/>
@@ -4601,7 +5488,7 @@
       <dgm:spPr/>
     </dgm:pt>
     <dgm:pt modelId="{4ECCB1E8-A330-477B-920F-3C5B7E51EA28}" type="pres">
-      <dgm:prSet presAssocID="{143DE9F6-9345-4FC5-BDE1-871FE991D82A}" presName="parTxOnly" presStyleLbl="node1" presStyleIdx="1" presStyleCnt="4">
+      <dgm:prSet presAssocID="{143DE9F6-9345-4FC5-BDE1-871FE991D82A}" presName="parTxOnly" presStyleLbl="node1" presStyleIdx="1" presStyleCnt="5">
         <dgm:presLayoutVars>
           <dgm:chMax val="0"/>
           <dgm:chPref val="0"/>
@@ -4615,7 +5502,7 @@
       <dgm:spPr/>
     </dgm:pt>
     <dgm:pt modelId="{B1AEBFC2-1EB2-48B2-961A-D6D324320C6D}" type="pres">
-      <dgm:prSet presAssocID="{0BC02535-0328-4002-A3FB-B8A773D0846A}" presName="parTxOnly" presStyleLbl="node1" presStyleIdx="2" presStyleCnt="4">
+      <dgm:prSet presAssocID="{0BC02535-0328-4002-A3FB-B8A773D0846A}" presName="parTxOnly" presStyleLbl="node1" presStyleIdx="2" presStyleCnt="5">
         <dgm:presLayoutVars>
           <dgm:chMax val="0"/>
           <dgm:chPref val="0"/>
@@ -4629,7 +5516,21 @@
       <dgm:spPr/>
     </dgm:pt>
     <dgm:pt modelId="{0B9EDCF6-A386-4969-BCE7-DF6F75AF55A9}" type="pres">
-      <dgm:prSet presAssocID="{D1D8320B-91D2-4486-9399-1F09FB851A26}" presName="parTxOnly" presStyleLbl="node1" presStyleIdx="3" presStyleCnt="4">
+      <dgm:prSet presAssocID="{D1D8320B-91D2-4486-9399-1F09FB851A26}" presName="parTxOnly" presStyleLbl="node1" presStyleIdx="3" presStyleCnt="5">
+        <dgm:presLayoutVars>
+          <dgm:chMax val="0"/>
+          <dgm:chPref val="0"/>
+          <dgm:bulletEnabled val="1"/>
+        </dgm:presLayoutVars>
+      </dgm:prSet>
+      <dgm:spPr/>
+    </dgm:pt>
+    <dgm:pt modelId="{D9F0FB44-B3D1-487B-A9F3-AE01528470ED}" type="pres">
+      <dgm:prSet presAssocID="{0D639B99-DF7C-4EE8-BB33-94D79B8695A4}" presName="parTxOnlySpace" presStyleCnt="0"/>
+      <dgm:spPr/>
+    </dgm:pt>
+    <dgm:pt modelId="{F030B5F4-7069-4A7C-8381-5DAA65062B89}" type="pres">
+      <dgm:prSet presAssocID="{7690DA45-5389-452C-9C5C-D94AF149D83E}" presName="parTxOnly" presStyleLbl="node1" presStyleIdx="4" presStyleCnt="5">
         <dgm:presLayoutVars>
           <dgm:chMax val="0"/>
           <dgm:chPref val="0"/>
@@ -4642,11 +5543,13 @@
   <dgm:cxnLst>
     <dgm:cxn modelId="{5CAA056D-19E0-4048-8863-66EFD6D7860A}" srcId="{43E2B7A1-61E9-401B-A103-35447287B830}" destId="{0BC02535-0328-4002-A3FB-B8A773D0846A}" srcOrd="2" destOrd="0" parTransId="{406547D5-0518-43D7-953A-1406AAD7A93E}" sibTransId="{A20B4361-6AC8-4DB8-A2EE-F8FBF0D4BC95}"/>
     <dgm:cxn modelId="{64D84D35-D400-4B49-B970-DE3027E479A4}" srcId="{43E2B7A1-61E9-401B-A103-35447287B830}" destId="{722F3EE7-F1ED-4747-BABE-D5193433A6C2}" srcOrd="0" destOrd="0" parTransId="{079B3C7F-773A-4569-8977-38CAD2A0016C}" sibTransId="{0A5DA1F5-A8B7-4259-A57A-00A859DB6313}"/>
+    <dgm:cxn modelId="{2C387D56-1D2A-40B5-92A9-B6FF3DCE7F10}" type="presOf" srcId="{7690DA45-5389-452C-9C5C-D94AF149D83E}" destId="{F030B5F4-7069-4A7C-8381-5DAA65062B89}" srcOrd="0" destOrd="0" presId="urn:microsoft.com/office/officeart/2005/8/layout/chevron1"/>
     <dgm:cxn modelId="{382E9741-4208-4BE4-8B44-4F032EC3EB9B}" type="presOf" srcId="{143DE9F6-9345-4FC5-BDE1-871FE991D82A}" destId="{4ECCB1E8-A330-477B-920F-3C5B7E51EA28}" srcOrd="0" destOrd="0" presId="urn:microsoft.com/office/officeart/2005/8/layout/chevron1"/>
     <dgm:cxn modelId="{25A04243-7C61-4D55-861D-A7FB1DCC04AC}" type="presOf" srcId="{722F3EE7-F1ED-4747-BABE-D5193433A6C2}" destId="{7FAAC15B-B09D-4273-B8BB-7AA09C9943EB}" srcOrd="0" destOrd="0" presId="urn:microsoft.com/office/officeart/2005/8/layout/chevron1"/>
     <dgm:cxn modelId="{6871FF62-8AE0-4795-81ED-E187D332F61B}" srcId="{43E2B7A1-61E9-401B-A103-35447287B830}" destId="{D1D8320B-91D2-4486-9399-1F09FB851A26}" srcOrd="3" destOrd="0" parTransId="{C70193BE-8D38-4C88-8023-5ECBBA60061F}" sibTransId="{0D639B99-DF7C-4EE8-BB33-94D79B8695A4}"/>
     <dgm:cxn modelId="{22D5F71A-0DEC-4648-AF93-ADEBE10A9CF1}" type="presOf" srcId="{43E2B7A1-61E9-401B-A103-35447287B830}" destId="{364A076C-A699-46C5-9AEC-AB4BCAB43E30}" srcOrd="0" destOrd="0" presId="urn:microsoft.com/office/officeart/2005/8/layout/chevron1"/>
     <dgm:cxn modelId="{D3D68609-AFB3-45F4-A927-9E1E36E1ADB7}" srcId="{43E2B7A1-61E9-401B-A103-35447287B830}" destId="{143DE9F6-9345-4FC5-BDE1-871FE991D82A}" srcOrd="1" destOrd="0" parTransId="{BE05C30A-9B33-4972-8281-BC756A352B11}" sibTransId="{0F24F9C1-504D-4E89-964F-DA708A97717F}"/>
+    <dgm:cxn modelId="{F64E71EB-B378-4322-81D9-D6D5E3F212A7}" srcId="{43E2B7A1-61E9-401B-A103-35447287B830}" destId="{7690DA45-5389-452C-9C5C-D94AF149D83E}" srcOrd="4" destOrd="0" parTransId="{B76F3A0B-BC98-4ECB-AABB-135CDF370858}" sibTransId="{DD4BF767-CFB6-46EE-9096-A2CEAC77D194}"/>
     <dgm:cxn modelId="{D7D6231A-77C7-4088-A635-7042E86FB4DC}" type="presOf" srcId="{0BC02535-0328-4002-A3FB-B8A773D0846A}" destId="{B1AEBFC2-1EB2-48B2-961A-D6D324320C6D}" srcOrd="0" destOrd="0" presId="urn:microsoft.com/office/officeart/2005/8/layout/chevron1"/>
     <dgm:cxn modelId="{B93FC722-EDDF-4376-B1FD-B2E7E10DE620}" type="presOf" srcId="{D1D8320B-91D2-4486-9399-1F09FB851A26}" destId="{0B9EDCF6-A386-4969-BCE7-DF6F75AF55A9}" srcOrd="0" destOrd="0" presId="urn:microsoft.com/office/officeart/2005/8/layout/chevron1"/>
     <dgm:cxn modelId="{D4BEE5A4-967C-4231-8E6E-0FF93A992939}" type="presParOf" srcId="{364A076C-A699-46C5-9AEC-AB4BCAB43E30}" destId="{7FAAC15B-B09D-4273-B8BB-7AA09C9943EB}" srcOrd="0" destOrd="0" presId="urn:microsoft.com/office/officeart/2005/8/layout/chevron1"/>
@@ -4656,6 +5559,8 @@
     <dgm:cxn modelId="{14ABDFA7-1AB0-4057-A00D-D50D1DC7D464}" type="presParOf" srcId="{364A076C-A699-46C5-9AEC-AB4BCAB43E30}" destId="{B1AEBFC2-1EB2-48B2-961A-D6D324320C6D}" srcOrd="4" destOrd="0" presId="urn:microsoft.com/office/officeart/2005/8/layout/chevron1"/>
     <dgm:cxn modelId="{DAAE2229-7351-4489-BAFF-7B778DA15B62}" type="presParOf" srcId="{364A076C-A699-46C5-9AEC-AB4BCAB43E30}" destId="{B5ABA100-E920-4135-A5EB-E71221B3A8C4}" srcOrd="5" destOrd="0" presId="urn:microsoft.com/office/officeart/2005/8/layout/chevron1"/>
     <dgm:cxn modelId="{F57A1524-BC12-47B6-A88A-B55C0B2ABE86}" type="presParOf" srcId="{364A076C-A699-46C5-9AEC-AB4BCAB43E30}" destId="{0B9EDCF6-A386-4969-BCE7-DF6F75AF55A9}" srcOrd="6" destOrd="0" presId="urn:microsoft.com/office/officeart/2005/8/layout/chevron1"/>
+    <dgm:cxn modelId="{05A9868E-473F-47F3-94E8-7B1E9DC4D055}" type="presParOf" srcId="{364A076C-A699-46C5-9AEC-AB4BCAB43E30}" destId="{D9F0FB44-B3D1-487B-A9F3-AE01528470ED}" srcOrd="7" destOrd="0" presId="urn:microsoft.com/office/officeart/2005/8/layout/chevron1"/>
+    <dgm:cxn modelId="{AB303EFC-34E3-44D0-95E1-564F5EA1C21B}" type="presParOf" srcId="{364A076C-A699-46C5-9AEC-AB4BCAB43E30}" destId="{F030B5F4-7069-4A7C-8381-5DAA65062B89}" srcOrd="8" destOrd="0" presId="urn:microsoft.com/office/officeart/2005/8/layout/chevron1"/>
   </dgm:cxnLst>
   <dgm:bg/>
   <dgm:whole/>
@@ -4690,7 +5595,7 @@
         <a:p>
           <a:r>
             <a:rPr lang="de-DE" dirty="0"/>
-            <a:t>Agenda 1</a:t>
+            <a:t>Rückblick Phase 1</a:t>
           </a:r>
         </a:p>
       </dgm:t>
@@ -4730,7 +5635,7 @@
         <a:p>
           <a:r>
             <a:rPr lang="de-DE" dirty="0"/>
-            <a:t>Agenda 4</a:t>
+            <a:t>Fallstudie 2</a:t>
           </a:r>
         </a:p>
       </dgm:t>
@@ -4770,7 +5675,7 @@
         <a:p>
           <a:r>
             <a:rPr lang="de-DE" dirty="0"/>
-            <a:t>Agenda 2</a:t>
+            <a:t>Veränderungen</a:t>
           </a:r>
         </a:p>
       </dgm:t>
@@ -4810,7 +5715,7 @@
         <a:p>
           <a:r>
             <a:rPr lang="de-DE" dirty="0"/>
-            <a:t>Agenda 3</a:t>
+            <a:t>Fallstudie 1</a:t>
           </a:r>
         </a:p>
       </dgm:t>
@@ -4837,6 +5742,46 @@
         </a:p>
       </dgm:t>
     </dgm:pt>
+    <dgm:pt modelId="{ECBA45AD-075F-42FD-9DDD-A3F7CE0FBDC6}">
+      <dgm:prSet phldrT="[Text]"/>
+      <dgm:spPr>
+        <a:solidFill>
+          <a:srgbClr val="3E3E3E"/>
+        </a:solidFill>
+      </dgm:spPr>
+      <dgm:t>
+        <a:bodyPr/>
+        <a:lstStyle/>
+        <a:p>
+          <a:r>
+            <a:rPr lang="de-DE" dirty="0"/>
+            <a:t>Live-Demo</a:t>
+          </a:r>
+        </a:p>
+      </dgm:t>
+    </dgm:pt>
+    <dgm:pt modelId="{2E8F27D6-289C-40A9-B057-954D2BCBC0D0}" type="parTrans" cxnId="{926D010F-471D-4503-A02F-5847B24B406E}">
+      <dgm:prSet/>
+      <dgm:spPr/>
+      <dgm:t>
+        <a:bodyPr/>
+        <a:lstStyle/>
+        <a:p>
+          <a:endParaRPr lang="de-DE"/>
+        </a:p>
+      </dgm:t>
+    </dgm:pt>
+    <dgm:pt modelId="{9D2EC7AC-0EF2-4221-BA98-F65DE531A9F0}" type="sibTrans" cxnId="{926D010F-471D-4503-A02F-5847B24B406E}">
+      <dgm:prSet/>
+      <dgm:spPr/>
+      <dgm:t>
+        <a:bodyPr/>
+        <a:lstStyle/>
+        <a:p>
+          <a:endParaRPr lang="de-DE"/>
+        </a:p>
+      </dgm:t>
+    </dgm:pt>
     <dgm:pt modelId="{364A076C-A699-46C5-9AEC-AB4BCAB43E30}" type="pres">
       <dgm:prSet presAssocID="{43E2B7A1-61E9-401B-A103-35447287B830}" presName="Name0" presStyleCnt="0">
         <dgm:presLayoutVars>
@@ -4848,7 +5793,7 @@
       <dgm:spPr/>
     </dgm:pt>
     <dgm:pt modelId="{7FAAC15B-B09D-4273-B8BB-7AA09C9943EB}" type="pres">
-      <dgm:prSet presAssocID="{722F3EE7-F1ED-4747-BABE-D5193433A6C2}" presName="parTxOnly" presStyleLbl="node1" presStyleIdx="0" presStyleCnt="4">
+      <dgm:prSet presAssocID="{722F3EE7-F1ED-4747-BABE-D5193433A6C2}" presName="parTxOnly" presStyleLbl="node1" presStyleIdx="0" presStyleCnt="5">
         <dgm:presLayoutVars>
           <dgm:chMax val="0"/>
           <dgm:chPref val="0"/>
@@ -4862,7 +5807,7 @@
       <dgm:spPr/>
     </dgm:pt>
     <dgm:pt modelId="{4ECCB1E8-A330-477B-920F-3C5B7E51EA28}" type="pres">
-      <dgm:prSet presAssocID="{143DE9F6-9345-4FC5-BDE1-871FE991D82A}" presName="parTxOnly" presStyleLbl="node1" presStyleIdx="1" presStyleCnt="4">
+      <dgm:prSet presAssocID="{143DE9F6-9345-4FC5-BDE1-871FE991D82A}" presName="parTxOnly" presStyleLbl="node1" presStyleIdx="1" presStyleCnt="5">
         <dgm:presLayoutVars>
           <dgm:chMax val="0"/>
           <dgm:chPref val="0"/>
@@ -4876,7 +5821,7 @@
       <dgm:spPr/>
     </dgm:pt>
     <dgm:pt modelId="{B1AEBFC2-1EB2-48B2-961A-D6D324320C6D}" type="pres">
-      <dgm:prSet presAssocID="{0BC02535-0328-4002-A3FB-B8A773D0846A}" presName="parTxOnly" presStyleLbl="node1" presStyleIdx="2" presStyleCnt="4">
+      <dgm:prSet presAssocID="{0BC02535-0328-4002-A3FB-B8A773D0846A}" presName="parTxOnly" presStyleLbl="node1" presStyleIdx="2" presStyleCnt="5">
         <dgm:presLayoutVars>
           <dgm:chMax val="0"/>
           <dgm:chPref val="0"/>
@@ -4890,7 +5835,21 @@
       <dgm:spPr/>
     </dgm:pt>
     <dgm:pt modelId="{0B9EDCF6-A386-4969-BCE7-DF6F75AF55A9}" type="pres">
-      <dgm:prSet presAssocID="{D1D8320B-91D2-4486-9399-1F09FB851A26}" presName="parTxOnly" presStyleLbl="node1" presStyleIdx="3" presStyleCnt="4">
+      <dgm:prSet presAssocID="{D1D8320B-91D2-4486-9399-1F09FB851A26}" presName="parTxOnly" presStyleLbl="node1" presStyleIdx="3" presStyleCnt="5">
+        <dgm:presLayoutVars>
+          <dgm:chMax val="0"/>
+          <dgm:chPref val="0"/>
+          <dgm:bulletEnabled val="1"/>
+        </dgm:presLayoutVars>
+      </dgm:prSet>
+      <dgm:spPr/>
+    </dgm:pt>
+    <dgm:pt modelId="{4DF2A653-9AFF-4ADA-9612-B3C72BC6A7A2}" type="pres">
+      <dgm:prSet presAssocID="{0D639B99-DF7C-4EE8-BB33-94D79B8695A4}" presName="parTxOnlySpace" presStyleCnt="0"/>
+      <dgm:spPr/>
+    </dgm:pt>
+    <dgm:pt modelId="{A1862056-9954-454F-83F5-F4F451AAA23D}" type="pres">
+      <dgm:prSet presAssocID="{ECBA45AD-075F-42FD-9DDD-A3F7CE0FBDC6}" presName="parTxOnly" presStyleLbl="node1" presStyleIdx="4" presStyleCnt="5">
         <dgm:presLayoutVars>
           <dgm:chMax val="0"/>
           <dgm:chPref val="0"/>
@@ -4901,10 +5860,12 @@
     </dgm:pt>
   </dgm:ptLst>
   <dgm:cxnLst>
+    <dgm:cxn modelId="{926D010F-471D-4503-A02F-5847B24B406E}" srcId="{43E2B7A1-61E9-401B-A103-35447287B830}" destId="{ECBA45AD-075F-42FD-9DDD-A3F7CE0FBDC6}" srcOrd="4" destOrd="0" parTransId="{2E8F27D6-289C-40A9-B057-954D2BCBC0D0}" sibTransId="{9D2EC7AC-0EF2-4221-BA98-F65DE531A9F0}"/>
     <dgm:cxn modelId="{9D644E1D-8046-483A-9C8C-A2EFE5F6CAF3}" type="presOf" srcId="{0BC02535-0328-4002-A3FB-B8A773D0846A}" destId="{B1AEBFC2-1EB2-48B2-961A-D6D324320C6D}" srcOrd="0" destOrd="0" presId="urn:microsoft.com/office/officeart/2005/8/layout/chevron1"/>
     <dgm:cxn modelId="{3F006EC0-C637-40E7-8085-7509C04A20A6}" type="presOf" srcId="{722F3EE7-F1ED-4747-BABE-D5193433A6C2}" destId="{7FAAC15B-B09D-4273-B8BB-7AA09C9943EB}" srcOrd="0" destOrd="0" presId="urn:microsoft.com/office/officeart/2005/8/layout/chevron1"/>
     <dgm:cxn modelId="{D3D68609-AFB3-45F4-A927-9E1E36E1ADB7}" srcId="{43E2B7A1-61E9-401B-A103-35447287B830}" destId="{143DE9F6-9345-4FC5-BDE1-871FE991D82A}" srcOrd="1" destOrd="0" parTransId="{BE05C30A-9B33-4972-8281-BC756A352B11}" sibTransId="{0F24F9C1-504D-4E89-964F-DA708A97717F}"/>
     <dgm:cxn modelId="{057F6079-FCF4-450D-82A5-22EA1F020830}" type="presOf" srcId="{43E2B7A1-61E9-401B-A103-35447287B830}" destId="{364A076C-A699-46C5-9AEC-AB4BCAB43E30}" srcOrd="0" destOrd="0" presId="urn:microsoft.com/office/officeart/2005/8/layout/chevron1"/>
+    <dgm:cxn modelId="{18752923-5B47-4DC3-BB1C-537AAC1634AA}" type="presOf" srcId="{ECBA45AD-075F-42FD-9DDD-A3F7CE0FBDC6}" destId="{A1862056-9954-454F-83F5-F4F451AAA23D}" srcOrd="0" destOrd="0" presId="urn:microsoft.com/office/officeart/2005/8/layout/chevron1"/>
     <dgm:cxn modelId="{6871FF62-8AE0-4795-81ED-E187D332F61B}" srcId="{43E2B7A1-61E9-401B-A103-35447287B830}" destId="{D1D8320B-91D2-4486-9399-1F09FB851A26}" srcOrd="3" destOrd="0" parTransId="{C70193BE-8D38-4C88-8023-5ECBBA60061F}" sibTransId="{0D639B99-DF7C-4EE8-BB33-94D79B8695A4}"/>
     <dgm:cxn modelId="{64D84D35-D400-4B49-B970-DE3027E479A4}" srcId="{43E2B7A1-61E9-401B-A103-35447287B830}" destId="{722F3EE7-F1ED-4747-BABE-D5193433A6C2}" srcOrd="0" destOrd="0" parTransId="{079B3C7F-773A-4569-8977-38CAD2A0016C}" sibTransId="{0A5DA1F5-A8B7-4259-A57A-00A859DB6313}"/>
     <dgm:cxn modelId="{E84EBA85-7B2F-448C-90A8-BEB4652EAB87}" type="presOf" srcId="{143DE9F6-9345-4FC5-BDE1-871FE991D82A}" destId="{4ECCB1E8-A330-477B-920F-3C5B7E51EA28}" srcOrd="0" destOrd="0" presId="urn:microsoft.com/office/officeart/2005/8/layout/chevron1"/>
@@ -4917,6 +5878,8 @@
     <dgm:cxn modelId="{F46940E5-D5CE-43C5-A2C4-12BCB385EFE2}" type="presParOf" srcId="{364A076C-A699-46C5-9AEC-AB4BCAB43E30}" destId="{B1AEBFC2-1EB2-48B2-961A-D6D324320C6D}" srcOrd="4" destOrd="0" presId="urn:microsoft.com/office/officeart/2005/8/layout/chevron1"/>
     <dgm:cxn modelId="{65BA2227-9261-4BF7-8D6D-1EE23D92410B}" type="presParOf" srcId="{364A076C-A699-46C5-9AEC-AB4BCAB43E30}" destId="{B5ABA100-E920-4135-A5EB-E71221B3A8C4}" srcOrd="5" destOrd="0" presId="urn:microsoft.com/office/officeart/2005/8/layout/chevron1"/>
     <dgm:cxn modelId="{94C4D6CE-A727-427C-A3FE-983DB8E5DAE8}" type="presParOf" srcId="{364A076C-A699-46C5-9AEC-AB4BCAB43E30}" destId="{0B9EDCF6-A386-4969-BCE7-DF6F75AF55A9}" srcOrd="6" destOrd="0" presId="urn:microsoft.com/office/officeart/2005/8/layout/chevron1"/>
+    <dgm:cxn modelId="{D9A5B701-2FFC-4D0A-A8DF-32811AC3099E}" type="presParOf" srcId="{364A076C-A699-46C5-9AEC-AB4BCAB43E30}" destId="{4DF2A653-9AFF-4ADA-9612-B3C72BC6A7A2}" srcOrd="7" destOrd="0" presId="urn:microsoft.com/office/officeart/2005/8/layout/chevron1"/>
+    <dgm:cxn modelId="{65A5FA62-40A3-48E6-8BC8-CAE893960FAA}" type="presParOf" srcId="{364A076C-A699-46C5-9AEC-AB4BCAB43E30}" destId="{A1862056-9954-454F-83F5-F4F451AAA23D}" srcOrd="8" destOrd="0" presId="urn:microsoft.com/office/officeart/2005/8/layout/chevron1"/>
   </dgm:cxnLst>
   <dgm:bg>
     <a:noFill/>
@@ -4936,6 +5899,327 @@
 <file path=ppt/diagrams/data5.xml><?xml version="1.0" encoding="utf-8"?>
 <dgm:dataModel xmlns:dgm="http://schemas.openxmlformats.org/drawingml/2006/diagram" xmlns:a="http://schemas.openxmlformats.org/drawingml/2006/main">
   <dgm:ptLst>
+    <dgm:pt modelId="{43E2B7A1-61E9-401B-A103-35447287B830}" type="doc">
+      <dgm:prSet loTypeId="urn:microsoft.com/office/officeart/2005/8/layout/chevron1" loCatId="process" qsTypeId="urn:microsoft.com/office/officeart/2005/8/quickstyle/simple1" qsCatId="simple" csTypeId="urn:microsoft.com/office/officeart/2005/8/colors/accent1_2" csCatId="accent1" phldr="1"/>
+      <dgm:spPr/>
+    </dgm:pt>
+    <dgm:pt modelId="{722F3EE7-F1ED-4747-BABE-D5193433A6C2}">
+      <dgm:prSet phldrT="[Text]"/>
+      <dgm:spPr>
+        <a:solidFill>
+          <a:srgbClr val="3E3E3E"/>
+        </a:solidFill>
+      </dgm:spPr>
+      <dgm:t>
+        <a:bodyPr/>
+        <a:lstStyle/>
+        <a:p>
+          <a:r>
+            <a:rPr lang="de-DE" dirty="0"/>
+            <a:t>Rückblick Phase 1</a:t>
+          </a:r>
+        </a:p>
+      </dgm:t>
+    </dgm:pt>
+    <dgm:pt modelId="{079B3C7F-773A-4569-8977-38CAD2A0016C}" type="parTrans" cxnId="{64D84D35-D400-4B49-B970-DE3027E479A4}">
+      <dgm:prSet/>
+      <dgm:spPr/>
+      <dgm:t>
+        <a:bodyPr/>
+        <a:lstStyle/>
+        <a:p>
+          <a:endParaRPr lang="de-DE"/>
+        </a:p>
+      </dgm:t>
+    </dgm:pt>
+    <dgm:pt modelId="{0A5DA1F5-A8B7-4259-A57A-00A859DB6313}" type="sibTrans" cxnId="{64D84D35-D400-4B49-B970-DE3027E479A4}">
+      <dgm:prSet/>
+      <dgm:spPr/>
+      <dgm:t>
+        <a:bodyPr/>
+        <a:lstStyle/>
+        <a:p>
+          <a:endParaRPr lang="de-DE"/>
+        </a:p>
+      </dgm:t>
+    </dgm:pt>
+    <dgm:pt modelId="{D1D8320B-91D2-4486-9399-1F09FB851A26}">
+      <dgm:prSet phldrT="[Text]"/>
+      <dgm:spPr>
+        <a:solidFill>
+          <a:srgbClr val="3E3E3E"/>
+        </a:solidFill>
+      </dgm:spPr>
+      <dgm:t>
+        <a:bodyPr/>
+        <a:lstStyle/>
+        <a:p>
+          <a:r>
+            <a:rPr lang="de-DE" dirty="0"/>
+            <a:t>Fallstudie 2</a:t>
+          </a:r>
+        </a:p>
+      </dgm:t>
+    </dgm:pt>
+    <dgm:pt modelId="{C70193BE-8D38-4C88-8023-5ECBBA60061F}" type="parTrans" cxnId="{6871FF62-8AE0-4795-81ED-E187D332F61B}">
+      <dgm:prSet/>
+      <dgm:spPr/>
+      <dgm:t>
+        <a:bodyPr/>
+        <a:lstStyle/>
+        <a:p>
+          <a:endParaRPr lang="de-DE"/>
+        </a:p>
+      </dgm:t>
+    </dgm:pt>
+    <dgm:pt modelId="{0D639B99-DF7C-4EE8-BB33-94D79B8695A4}" type="sibTrans" cxnId="{6871FF62-8AE0-4795-81ED-E187D332F61B}">
+      <dgm:prSet/>
+      <dgm:spPr/>
+      <dgm:t>
+        <a:bodyPr/>
+        <a:lstStyle/>
+        <a:p>
+          <a:endParaRPr lang="de-DE"/>
+        </a:p>
+      </dgm:t>
+    </dgm:pt>
+    <dgm:pt modelId="{143DE9F6-9345-4FC5-BDE1-871FE991D82A}">
+      <dgm:prSet phldrT="[Text]"/>
+      <dgm:spPr>
+        <a:solidFill>
+          <a:srgbClr val="3E3E3E"/>
+        </a:solidFill>
+      </dgm:spPr>
+      <dgm:t>
+        <a:bodyPr/>
+        <a:lstStyle/>
+        <a:p>
+          <a:r>
+            <a:rPr lang="de-DE" dirty="0"/>
+            <a:t>Veränderungen</a:t>
+          </a:r>
+        </a:p>
+      </dgm:t>
+    </dgm:pt>
+    <dgm:pt modelId="{BE05C30A-9B33-4972-8281-BC756A352B11}" type="parTrans" cxnId="{D3D68609-AFB3-45F4-A927-9E1E36E1ADB7}">
+      <dgm:prSet/>
+      <dgm:spPr/>
+      <dgm:t>
+        <a:bodyPr/>
+        <a:lstStyle/>
+        <a:p>
+          <a:endParaRPr lang="de-DE"/>
+        </a:p>
+      </dgm:t>
+    </dgm:pt>
+    <dgm:pt modelId="{0F24F9C1-504D-4E89-964F-DA708A97717F}" type="sibTrans" cxnId="{D3D68609-AFB3-45F4-A927-9E1E36E1ADB7}">
+      <dgm:prSet/>
+      <dgm:spPr/>
+      <dgm:t>
+        <a:bodyPr/>
+        <a:lstStyle/>
+        <a:p>
+          <a:endParaRPr lang="de-DE"/>
+        </a:p>
+      </dgm:t>
+    </dgm:pt>
+    <dgm:pt modelId="{0BC02535-0328-4002-A3FB-B8A773D0846A}">
+      <dgm:prSet phldrT="[Text]"/>
+      <dgm:spPr>
+        <a:solidFill>
+          <a:srgbClr val="3E3E3E"/>
+        </a:solidFill>
+      </dgm:spPr>
+      <dgm:t>
+        <a:bodyPr/>
+        <a:lstStyle/>
+        <a:p>
+          <a:r>
+            <a:rPr lang="de-DE" dirty="0"/>
+            <a:t>Fallstudie 1</a:t>
+          </a:r>
+        </a:p>
+      </dgm:t>
+    </dgm:pt>
+    <dgm:pt modelId="{406547D5-0518-43D7-953A-1406AAD7A93E}" type="parTrans" cxnId="{5CAA056D-19E0-4048-8863-66EFD6D7860A}">
+      <dgm:prSet/>
+      <dgm:spPr/>
+      <dgm:t>
+        <a:bodyPr/>
+        <a:lstStyle/>
+        <a:p>
+          <a:endParaRPr lang="de-DE"/>
+        </a:p>
+      </dgm:t>
+    </dgm:pt>
+    <dgm:pt modelId="{A20B4361-6AC8-4DB8-A2EE-F8FBF0D4BC95}" type="sibTrans" cxnId="{5CAA056D-19E0-4048-8863-66EFD6D7860A}">
+      <dgm:prSet/>
+      <dgm:spPr/>
+      <dgm:t>
+        <a:bodyPr/>
+        <a:lstStyle/>
+        <a:p>
+          <a:endParaRPr lang="de-DE"/>
+        </a:p>
+      </dgm:t>
+    </dgm:pt>
+    <dgm:pt modelId="{ECBA45AD-075F-42FD-9DDD-A3F7CE0FBDC6}">
+      <dgm:prSet phldrT="[Text]"/>
+      <dgm:spPr>
+        <a:solidFill>
+          <a:srgbClr val="9A2120"/>
+        </a:solidFill>
+      </dgm:spPr>
+      <dgm:t>
+        <a:bodyPr/>
+        <a:lstStyle/>
+        <a:p>
+          <a:r>
+            <a:rPr lang="de-DE" dirty="0"/>
+            <a:t>Live-Demo</a:t>
+          </a:r>
+        </a:p>
+      </dgm:t>
+    </dgm:pt>
+    <dgm:pt modelId="{2E8F27D6-289C-40A9-B057-954D2BCBC0D0}" type="parTrans" cxnId="{926D010F-471D-4503-A02F-5847B24B406E}">
+      <dgm:prSet/>
+      <dgm:spPr/>
+      <dgm:t>
+        <a:bodyPr/>
+        <a:lstStyle/>
+        <a:p>
+          <a:endParaRPr lang="de-DE"/>
+        </a:p>
+      </dgm:t>
+    </dgm:pt>
+    <dgm:pt modelId="{9D2EC7AC-0EF2-4221-BA98-F65DE531A9F0}" type="sibTrans" cxnId="{926D010F-471D-4503-A02F-5847B24B406E}">
+      <dgm:prSet/>
+      <dgm:spPr/>
+      <dgm:t>
+        <a:bodyPr/>
+        <a:lstStyle/>
+        <a:p>
+          <a:endParaRPr lang="de-DE"/>
+        </a:p>
+      </dgm:t>
+    </dgm:pt>
+    <dgm:pt modelId="{364A076C-A699-46C5-9AEC-AB4BCAB43E30}" type="pres">
+      <dgm:prSet presAssocID="{43E2B7A1-61E9-401B-A103-35447287B830}" presName="Name0" presStyleCnt="0">
+        <dgm:presLayoutVars>
+          <dgm:dir/>
+          <dgm:animLvl val="lvl"/>
+          <dgm:resizeHandles val="exact"/>
+        </dgm:presLayoutVars>
+      </dgm:prSet>
+      <dgm:spPr/>
+    </dgm:pt>
+    <dgm:pt modelId="{7FAAC15B-B09D-4273-B8BB-7AA09C9943EB}" type="pres">
+      <dgm:prSet presAssocID="{722F3EE7-F1ED-4747-BABE-D5193433A6C2}" presName="parTxOnly" presStyleLbl="node1" presStyleIdx="0" presStyleCnt="5">
+        <dgm:presLayoutVars>
+          <dgm:chMax val="0"/>
+          <dgm:chPref val="0"/>
+          <dgm:bulletEnabled val="1"/>
+        </dgm:presLayoutVars>
+      </dgm:prSet>
+      <dgm:spPr/>
+    </dgm:pt>
+    <dgm:pt modelId="{72E59707-FD57-4ACB-ABFC-B168665EEEAF}" type="pres">
+      <dgm:prSet presAssocID="{0A5DA1F5-A8B7-4259-A57A-00A859DB6313}" presName="parTxOnlySpace" presStyleCnt="0"/>
+      <dgm:spPr/>
+    </dgm:pt>
+    <dgm:pt modelId="{4ECCB1E8-A330-477B-920F-3C5B7E51EA28}" type="pres">
+      <dgm:prSet presAssocID="{143DE9F6-9345-4FC5-BDE1-871FE991D82A}" presName="parTxOnly" presStyleLbl="node1" presStyleIdx="1" presStyleCnt="5">
+        <dgm:presLayoutVars>
+          <dgm:chMax val="0"/>
+          <dgm:chPref val="0"/>
+          <dgm:bulletEnabled val="1"/>
+        </dgm:presLayoutVars>
+      </dgm:prSet>
+      <dgm:spPr/>
+    </dgm:pt>
+    <dgm:pt modelId="{98146009-2A22-4FEC-9108-615C7474B136}" type="pres">
+      <dgm:prSet presAssocID="{0F24F9C1-504D-4E89-964F-DA708A97717F}" presName="parTxOnlySpace" presStyleCnt="0"/>
+      <dgm:spPr/>
+    </dgm:pt>
+    <dgm:pt modelId="{B1AEBFC2-1EB2-48B2-961A-D6D324320C6D}" type="pres">
+      <dgm:prSet presAssocID="{0BC02535-0328-4002-A3FB-B8A773D0846A}" presName="parTxOnly" presStyleLbl="node1" presStyleIdx="2" presStyleCnt="5">
+        <dgm:presLayoutVars>
+          <dgm:chMax val="0"/>
+          <dgm:chPref val="0"/>
+          <dgm:bulletEnabled val="1"/>
+        </dgm:presLayoutVars>
+      </dgm:prSet>
+      <dgm:spPr/>
+    </dgm:pt>
+    <dgm:pt modelId="{B5ABA100-E920-4135-A5EB-E71221B3A8C4}" type="pres">
+      <dgm:prSet presAssocID="{A20B4361-6AC8-4DB8-A2EE-F8FBF0D4BC95}" presName="parTxOnlySpace" presStyleCnt="0"/>
+      <dgm:spPr/>
+    </dgm:pt>
+    <dgm:pt modelId="{0B9EDCF6-A386-4969-BCE7-DF6F75AF55A9}" type="pres">
+      <dgm:prSet presAssocID="{D1D8320B-91D2-4486-9399-1F09FB851A26}" presName="parTxOnly" presStyleLbl="node1" presStyleIdx="3" presStyleCnt="5">
+        <dgm:presLayoutVars>
+          <dgm:chMax val="0"/>
+          <dgm:chPref val="0"/>
+          <dgm:bulletEnabled val="1"/>
+        </dgm:presLayoutVars>
+      </dgm:prSet>
+      <dgm:spPr/>
+    </dgm:pt>
+    <dgm:pt modelId="{4DF2A653-9AFF-4ADA-9612-B3C72BC6A7A2}" type="pres">
+      <dgm:prSet presAssocID="{0D639B99-DF7C-4EE8-BB33-94D79B8695A4}" presName="parTxOnlySpace" presStyleCnt="0"/>
+      <dgm:spPr/>
+    </dgm:pt>
+    <dgm:pt modelId="{A1862056-9954-454F-83F5-F4F451AAA23D}" type="pres">
+      <dgm:prSet presAssocID="{ECBA45AD-075F-42FD-9DDD-A3F7CE0FBDC6}" presName="parTxOnly" presStyleLbl="node1" presStyleIdx="4" presStyleCnt="5">
+        <dgm:presLayoutVars>
+          <dgm:chMax val="0"/>
+          <dgm:chPref val="0"/>
+          <dgm:bulletEnabled val="1"/>
+        </dgm:presLayoutVars>
+      </dgm:prSet>
+      <dgm:spPr/>
+    </dgm:pt>
+  </dgm:ptLst>
+  <dgm:cxnLst>
+    <dgm:cxn modelId="{5CAA056D-19E0-4048-8863-66EFD6D7860A}" srcId="{43E2B7A1-61E9-401B-A103-35447287B830}" destId="{0BC02535-0328-4002-A3FB-B8A773D0846A}" srcOrd="2" destOrd="0" parTransId="{406547D5-0518-43D7-953A-1406AAD7A93E}" sibTransId="{A20B4361-6AC8-4DB8-A2EE-F8FBF0D4BC95}"/>
+    <dgm:cxn modelId="{9D644E1D-8046-483A-9C8C-A2EFE5F6CAF3}" type="presOf" srcId="{0BC02535-0328-4002-A3FB-B8A773D0846A}" destId="{B1AEBFC2-1EB2-48B2-961A-D6D324320C6D}" srcOrd="0" destOrd="0" presId="urn:microsoft.com/office/officeart/2005/8/layout/chevron1"/>
+    <dgm:cxn modelId="{64D84D35-D400-4B49-B970-DE3027E479A4}" srcId="{43E2B7A1-61E9-401B-A103-35447287B830}" destId="{722F3EE7-F1ED-4747-BABE-D5193433A6C2}" srcOrd="0" destOrd="0" parTransId="{079B3C7F-773A-4569-8977-38CAD2A0016C}" sibTransId="{0A5DA1F5-A8B7-4259-A57A-00A859DB6313}"/>
+    <dgm:cxn modelId="{057F6079-FCF4-450D-82A5-22EA1F020830}" type="presOf" srcId="{43E2B7A1-61E9-401B-A103-35447287B830}" destId="{364A076C-A699-46C5-9AEC-AB4BCAB43E30}" srcOrd="0" destOrd="0" presId="urn:microsoft.com/office/officeart/2005/8/layout/chevron1"/>
+    <dgm:cxn modelId="{926D010F-471D-4503-A02F-5847B24B406E}" srcId="{43E2B7A1-61E9-401B-A103-35447287B830}" destId="{ECBA45AD-075F-42FD-9DDD-A3F7CE0FBDC6}" srcOrd="4" destOrd="0" parTransId="{2E8F27D6-289C-40A9-B057-954D2BCBC0D0}" sibTransId="{9D2EC7AC-0EF2-4221-BA98-F65DE531A9F0}"/>
+    <dgm:cxn modelId="{18752923-5B47-4DC3-BB1C-537AAC1634AA}" type="presOf" srcId="{ECBA45AD-075F-42FD-9DDD-A3F7CE0FBDC6}" destId="{A1862056-9954-454F-83F5-F4F451AAA23D}" srcOrd="0" destOrd="0" presId="urn:microsoft.com/office/officeart/2005/8/layout/chevron1"/>
+    <dgm:cxn modelId="{E84EBA85-7B2F-448C-90A8-BEB4652EAB87}" type="presOf" srcId="{143DE9F6-9345-4FC5-BDE1-871FE991D82A}" destId="{4ECCB1E8-A330-477B-920F-3C5B7E51EA28}" srcOrd="0" destOrd="0" presId="urn:microsoft.com/office/officeart/2005/8/layout/chevron1"/>
+    <dgm:cxn modelId="{6871FF62-8AE0-4795-81ED-E187D332F61B}" srcId="{43E2B7A1-61E9-401B-A103-35447287B830}" destId="{D1D8320B-91D2-4486-9399-1F09FB851A26}" srcOrd="3" destOrd="0" parTransId="{C70193BE-8D38-4C88-8023-5ECBBA60061F}" sibTransId="{0D639B99-DF7C-4EE8-BB33-94D79B8695A4}"/>
+    <dgm:cxn modelId="{3F006EC0-C637-40E7-8085-7509C04A20A6}" type="presOf" srcId="{722F3EE7-F1ED-4747-BABE-D5193433A6C2}" destId="{7FAAC15B-B09D-4273-B8BB-7AA09C9943EB}" srcOrd="0" destOrd="0" presId="urn:microsoft.com/office/officeart/2005/8/layout/chevron1"/>
+    <dgm:cxn modelId="{D3D68609-AFB3-45F4-A927-9E1E36E1ADB7}" srcId="{43E2B7A1-61E9-401B-A103-35447287B830}" destId="{143DE9F6-9345-4FC5-BDE1-871FE991D82A}" srcOrd="1" destOrd="0" parTransId="{BE05C30A-9B33-4972-8281-BC756A352B11}" sibTransId="{0F24F9C1-504D-4E89-964F-DA708A97717F}"/>
+    <dgm:cxn modelId="{6F1A5909-E60B-4A64-BACE-6DFD7ACCF647}" type="presOf" srcId="{D1D8320B-91D2-4486-9399-1F09FB851A26}" destId="{0B9EDCF6-A386-4969-BCE7-DF6F75AF55A9}" srcOrd="0" destOrd="0" presId="urn:microsoft.com/office/officeart/2005/8/layout/chevron1"/>
+    <dgm:cxn modelId="{FE04B7CC-42D3-418A-954F-E462A4A82831}" type="presParOf" srcId="{364A076C-A699-46C5-9AEC-AB4BCAB43E30}" destId="{7FAAC15B-B09D-4273-B8BB-7AA09C9943EB}" srcOrd="0" destOrd="0" presId="urn:microsoft.com/office/officeart/2005/8/layout/chevron1"/>
+    <dgm:cxn modelId="{E25CC40F-24FF-4D86-8ABA-747603B60535}" type="presParOf" srcId="{364A076C-A699-46C5-9AEC-AB4BCAB43E30}" destId="{72E59707-FD57-4ACB-ABFC-B168665EEEAF}" srcOrd="1" destOrd="0" presId="urn:microsoft.com/office/officeart/2005/8/layout/chevron1"/>
+    <dgm:cxn modelId="{788D0B31-E69C-4EE6-B9BB-A453D80154DB}" type="presParOf" srcId="{364A076C-A699-46C5-9AEC-AB4BCAB43E30}" destId="{4ECCB1E8-A330-477B-920F-3C5B7E51EA28}" srcOrd="2" destOrd="0" presId="urn:microsoft.com/office/officeart/2005/8/layout/chevron1"/>
+    <dgm:cxn modelId="{9FF21804-F291-4359-A70A-AEB959A9E31C}" type="presParOf" srcId="{364A076C-A699-46C5-9AEC-AB4BCAB43E30}" destId="{98146009-2A22-4FEC-9108-615C7474B136}" srcOrd="3" destOrd="0" presId="urn:microsoft.com/office/officeart/2005/8/layout/chevron1"/>
+    <dgm:cxn modelId="{F46940E5-D5CE-43C5-A2C4-12BCB385EFE2}" type="presParOf" srcId="{364A076C-A699-46C5-9AEC-AB4BCAB43E30}" destId="{B1AEBFC2-1EB2-48B2-961A-D6D324320C6D}" srcOrd="4" destOrd="0" presId="urn:microsoft.com/office/officeart/2005/8/layout/chevron1"/>
+    <dgm:cxn modelId="{65BA2227-9261-4BF7-8D6D-1EE23D92410B}" type="presParOf" srcId="{364A076C-A699-46C5-9AEC-AB4BCAB43E30}" destId="{B5ABA100-E920-4135-A5EB-E71221B3A8C4}" srcOrd="5" destOrd="0" presId="urn:microsoft.com/office/officeart/2005/8/layout/chevron1"/>
+    <dgm:cxn modelId="{94C4D6CE-A727-427C-A3FE-983DB8E5DAE8}" type="presParOf" srcId="{364A076C-A699-46C5-9AEC-AB4BCAB43E30}" destId="{0B9EDCF6-A386-4969-BCE7-DF6F75AF55A9}" srcOrd="6" destOrd="0" presId="urn:microsoft.com/office/officeart/2005/8/layout/chevron1"/>
+    <dgm:cxn modelId="{D9A5B701-2FFC-4D0A-A8DF-32811AC3099E}" type="presParOf" srcId="{364A076C-A699-46C5-9AEC-AB4BCAB43E30}" destId="{4DF2A653-9AFF-4ADA-9612-B3C72BC6A7A2}" srcOrd="7" destOrd="0" presId="urn:microsoft.com/office/officeart/2005/8/layout/chevron1"/>
+    <dgm:cxn modelId="{65A5FA62-40A3-48E6-8BC8-CAE893960FAA}" type="presParOf" srcId="{364A076C-A699-46C5-9AEC-AB4BCAB43E30}" destId="{A1862056-9954-454F-83F5-F4F451AAA23D}" srcOrd="8" destOrd="0" presId="urn:microsoft.com/office/officeart/2005/8/layout/chevron1"/>
+  </dgm:cxnLst>
+  <dgm:bg>
+    <a:noFill/>
+  </dgm:bg>
+  <dgm:whole/>
+  <dgm:extLst>
+    <a:ext uri="http://schemas.microsoft.com/office/drawing/2008/diagram">
+      <dsp:dataModelExt xmlns:dsp="http://schemas.microsoft.com/office/drawing/2008/diagram" relId="rId17" minVer="http://schemas.openxmlformats.org/drawingml/2006/diagram"/>
+    </a:ext>
+    <a:ext uri="{C62137D5-CB1D-491B-B009-E17868A290BF}">
+      <dgm14:recolorImg xmlns:dgm14="http://schemas.microsoft.com/office/drawing/2010/diagram" val="1"/>
+    </a:ext>
+  </dgm:extLst>
+</dgm:dataModel>
+</file>
+
+<file path=ppt/diagrams/data6.xml><?xml version="1.0" encoding="utf-8"?>
+<dgm:dataModel xmlns:dgm="http://schemas.openxmlformats.org/drawingml/2006/diagram" xmlns:a="http://schemas.openxmlformats.org/drawingml/2006/main">
+  <dgm:ptLst>
     <dgm:pt modelId="{A183374D-C78D-43A3-A970-7BCE64E6A380}" type="doc">
       <dgm:prSet loTypeId="urn:microsoft.com/office/officeart/2005/8/layout/chevron1" loCatId="process" qsTypeId="urn:microsoft.com/office/officeart/2005/8/quickstyle/simple1" qsCatId="simple" csTypeId="urn:microsoft.com/office/officeart/2005/8/colors/accent1_2" csCatId="accent1" phldr="1"/>
       <dgm:spPr/>
@@ -4953,7 +6237,14 @@
         <a:p>
           <a:r>
             <a:rPr lang="de-DE" dirty="0"/>
-            <a:t>Agenda 1</a:t>
+            <a:t>Rückblick</a:t>
+          </a:r>
+          <a:br>
+            <a:rPr lang="de-DE" dirty="0"/>
+          </a:br>
+          <a:r>
+            <a:rPr lang="de-DE" dirty="0"/>
+            <a:t>Phase 1</a:t>
           </a:r>
         </a:p>
       </dgm:t>
@@ -4993,7 +6284,7 @@
         <a:p>
           <a:r>
             <a:rPr lang="de-DE" dirty="0"/>
-            <a:t>Agenda 2</a:t>
+            <a:t>Veränderungen</a:t>
           </a:r>
         </a:p>
       </dgm:t>
@@ -5033,7 +6324,7 @@
         <a:p>
           <a:r>
             <a:rPr lang="de-DE" dirty="0"/>
-            <a:t>Agenda 3</a:t>
+            <a:t>Fallstudie 1</a:t>
           </a:r>
         </a:p>
       </dgm:t>
@@ -5073,7 +6364,7 @@
         <a:p>
           <a:r>
             <a:rPr lang="de-DE" dirty="0"/>
-            <a:t>Agenda 4</a:t>
+            <a:t>Fallstudie 2</a:t>
           </a:r>
         </a:p>
       </dgm:t>
@@ -5208,8 +6499,8 @@
       </dsp:nvSpPr>
       <dsp:spPr>
         <a:xfrm>
-          <a:off x="5656" y="0"/>
-          <a:ext cx="3292402" cy="286279"/>
+          <a:off x="2976" y="0"/>
+          <a:ext cx="2649401" cy="286279"/>
         </a:xfrm>
         <a:prstGeom prst="chevron">
           <a:avLst/>
@@ -5265,13 +6556,13 @@
           </a:pPr>
           <a:r>
             <a:rPr lang="de-DE" sz="1700" kern="1200" dirty="0"/>
-            <a:t>Agenda 1</a:t>
+            <a:t>Rückblick Phase 1</a:t>
           </a:r>
         </a:p>
       </dsp:txBody>
       <dsp:txXfrm>
-        <a:off x="148796" y="0"/>
-        <a:ext cx="3006123" cy="286279"/>
+        <a:off x="146116" y="0"/>
+        <a:ext cx="2363122" cy="286279"/>
       </dsp:txXfrm>
     </dsp:sp>
     <dsp:sp modelId="{4ECCB1E8-A330-477B-920F-3C5B7E51EA28}">
@@ -5281,8 +6572,8 @@
       </dsp:nvSpPr>
       <dsp:spPr>
         <a:xfrm>
-          <a:off x="2968817" y="0"/>
-          <a:ext cx="3292402" cy="286279"/>
+          <a:off x="2387438" y="0"/>
+          <a:ext cx="2649401" cy="286279"/>
         </a:xfrm>
         <a:prstGeom prst="chevron">
           <a:avLst/>
@@ -5338,13 +6629,13 @@
           </a:pPr>
           <a:r>
             <a:rPr lang="de-DE" sz="1700" kern="1200" dirty="0"/>
-            <a:t>Agenda 2</a:t>
+            <a:t>Veränderungen</a:t>
           </a:r>
         </a:p>
       </dsp:txBody>
       <dsp:txXfrm>
-        <a:off x="3111957" y="0"/>
-        <a:ext cx="3006123" cy="286279"/>
+        <a:off x="2530578" y="0"/>
+        <a:ext cx="2363122" cy="286279"/>
       </dsp:txXfrm>
     </dsp:sp>
     <dsp:sp modelId="{18E79364-485C-4E2E-9F27-C66EEB9262E5}">
@@ -5354,8 +6645,8 @@
       </dsp:nvSpPr>
       <dsp:spPr>
         <a:xfrm>
-          <a:off x="5931979" y="0"/>
-          <a:ext cx="3292402" cy="286279"/>
+          <a:off x="4771899" y="0"/>
+          <a:ext cx="2649401" cy="286279"/>
         </a:xfrm>
         <a:prstGeom prst="chevron">
           <a:avLst/>
@@ -5411,13 +6702,13 @@
           </a:pPr>
           <a:r>
             <a:rPr lang="de-DE" sz="1700" kern="1200" dirty="0"/>
-            <a:t>Agenda 3</a:t>
+            <a:t>Fallstudie 1</a:t>
           </a:r>
         </a:p>
       </dsp:txBody>
       <dsp:txXfrm>
-        <a:off x="6075119" y="0"/>
-        <a:ext cx="3006123" cy="286279"/>
+        <a:off x="4915039" y="0"/>
+        <a:ext cx="2363122" cy="286279"/>
       </dsp:txXfrm>
     </dsp:sp>
     <dsp:sp modelId="{0B9EDCF6-A386-4969-BCE7-DF6F75AF55A9}">
@@ -5427,8 +6718,8 @@
       </dsp:nvSpPr>
       <dsp:spPr>
         <a:xfrm>
-          <a:off x="8895141" y="0"/>
-          <a:ext cx="3292402" cy="286279"/>
+          <a:off x="7156360" y="0"/>
+          <a:ext cx="2649401" cy="286279"/>
         </a:xfrm>
         <a:prstGeom prst="chevron">
           <a:avLst/>
@@ -5484,36 +6775,24 @@
           </a:pPr>
           <a:r>
             <a:rPr lang="de-DE" sz="1700" kern="1200" dirty="0"/>
-            <a:t>Agenda 4</a:t>
+            <a:t>Fallstudie 2</a:t>
           </a:r>
         </a:p>
       </dsp:txBody>
       <dsp:txXfrm>
-        <a:off x="9038281" y="0"/>
-        <a:ext cx="3006123" cy="286279"/>
+        <a:off x="7299500" y="0"/>
+        <a:ext cx="2363122" cy="286279"/>
       </dsp:txXfrm>
     </dsp:sp>
-  </dsp:spTree>
-</dsp:drawing>
-</file>
-
-<file path=ppt/diagrams/drawing2.xml><?xml version="1.0" encoding="utf-8"?>
-<dsp:drawing xmlns:dgm="http://schemas.openxmlformats.org/drawingml/2006/diagram" xmlns:dsp="http://schemas.microsoft.com/office/drawing/2008/diagram" xmlns:a="http://schemas.openxmlformats.org/drawingml/2006/main">
-  <dsp:spTree>
-    <dsp:nvGrpSpPr>
-      <dsp:cNvPr id="0" name=""/>
-      <dsp:cNvGrpSpPr/>
-    </dsp:nvGrpSpPr>
-    <dsp:grpSpPr/>
-    <dsp:sp modelId="{7FAAC15B-B09D-4273-B8BB-7AA09C9943EB}">
+    <dsp:sp modelId="{534F45A4-7A18-4428-B2AC-B8559A21B4FC}">
       <dsp:nvSpPr>
         <dsp:cNvPr id="0" name=""/>
         <dsp:cNvSpPr/>
       </dsp:nvSpPr>
       <dsp:spPr>
         <a:xfrm>
-          <a:off x="5656" y="0"/>
-          <a:ext cx="3292402" cy="286279"/>
+          <a:off x="9540821" y="0"/>
+          <a:ext cx="2649401" cy="286279"/>
         </a:xfrm>
         <a:prstGeom prst="chevron">
           <a:avLst/>
@@ -5569,13 +6848,98 @@
           </a:pPr>
           <a:r>
             <a:rPr lang="de-DE" sz="1700" kern="1200" dirty="0"/>
-            <a:t>Agenda 1</a:t>
+            <a:t>Live-Demo</a:t>
           </a:r>
         </a:p>
       </dsp:txBody>
       <dsp:txXfrm>
-        <a:off x="148796" y="0"/>
-        <a:ext cx="3006123" cy="286279"/>
+        <a:off x="9683961" y="0"/>
+        <a:ext cx="2363122" cy="286279"/>
+      </dsp:txXfrm>
+    </dsp:sp>
+  </dsp:spTree>
+</dsp:drawing>
+</file>
+
+<file path=ppt/diagrams/drawing2.xml><?xml version="1.0" encoding="utf-8"?>
+<dsp:drawing xmlns:dgm="http://schemas.openxmlformats.org/drawingml/2006/diagram" xmlns:dsp="http://schemas.microsoft.com/office/drawing/2008/diagram" xmlns:a="http://schemas.openxmlformats.org/drawingml/2006/main">
+  <dsp:spTree>
+    <dsp:nvGrpSpPr>
+      <dsp:cNvPr id="0" name=""/>
+      <dsp:cNvGrpSpPr/>
+    </dsp:nvGrpSpPr>
+    <dsp:grpSpPr/>
+    <dsp:sp modelId="{7FAAC15B-B09D-4273-B8BB-7AA09C9943EB}">
+      <dsp:nvSpPr>
+        <dsp:cNvPr id="0" name=""/>
+        <dsp:cNvSpPr/>
+      </dsp:nvSpPr>
+      <dsp:spPr>
+        <a:xfrm>
+          <a:off x="2976" y="0"/>
+          <a:ext cx="2649401" cy="286279"/>
+        </a:xfrm>
+        <a:prstGeom prst="chevron">
+          <a:avLst/>
+        </a:prstGeom>
+        <a:solidFill>
+          <a:srgbClr val="3E3E3E"/>
+        </a:solidFill>
+        <a:ln w="12700" cap="flat" cmpd="sng" algn="ctr">
+          <a:solidFill>
+            <a:schemeClr val="lt1">
+              <a:hueOff val="0"/>
+              <a:satOff val="0"/>
+              <a:lumOff val="0"/>
+              <a:alphaOff val="0"/>
+            </a:schemeClr>
+          </a:solidFill>
+          <a:prstDash val="solid"/>
+          <a:miter lim="800000"/>
+        </a:ln>
+        <a:effectLst/>
+      </dsp:spPr>
+      <dsp:style>
+        <a:lnRef idx="2">
+          <a:scrgbClr r="0" g="0" b="0"/>
+        </a:lnRef>
+        <a:fillRef idx="1">
+          <a:scrgbClr r="0" g="0" b="0"/>
+        </a:fillRef>
+        <a:effectRef idx="0">
+          <a:scrgbClr r="0" g="0" b="0"/>
+        </a:effectRef>
+        <a:fontRef idx="minor">
+          <a:schemeClr val="lt1"/>
+        </a:fontRef>
+      </dsp:style>
+      <dsp:txBody>
+        <a:bodyPr spcFirstLastPara="0" vert="horz" wrap="square" lIns="68009" tIns="22670" rIns="22670" bIns="22670" numCol="1" spcCol="1270" anchor="ctr" anchorCtr="0">
+          <a:noAutofit/>
+        </a:bodyPr>
+        <a:lstStyle/>
+        <a:p>
+          <a:pPr marL="0" lvl="0" indent="0" algn="ctr" defTabSz="755650">
+            <a:lnSpc>
+              <a:spcPct val="90000"/>
+            </a:lnSpc>
+            <a:spcBef>
+              <a:spcPct val="0"/>
+            </a:spcBef>
+            <a:spcAft>
+              <a:spcPct val="35000"/>
+            </a:spcAft>
+            <a:buNone/>
+          </a:pPr>
+          <a:r>
+            <a:rPr lang="de-DE" sz="1700" kern="1200" dirty="0"/>
+            <a:t>Rückblick Phase 1</a:t>
+          </a:r>
+        </a:p>
+      </dsp:txBody>
+      <dsp:txXfrm>
+        <a:off x="146116" y="0"/>
+        <a:ext cx="2363122" cy="286279"/>
       </dsp:txXfrm>
     </dsp:sp>
     <dsp:sp modelId="{4ECCB1E8-A330-477B-920F-3C5B7E51EA28}">
@@ -5585,8 +6949,8 @@
       </dsp:nvSpPr>
       <dsp:spPr>
         <a:xfrm>
-          <a:off x="2968817" y="0"/>
-          <a:ext cx="3292402" cy="286279"/>
+          <a:off x="2387438" y="0"/>
+          <a:ext cx="2649401" cy="286279"/>
         </a:xfrm>
         <a:prstGeom prst="chevron">
           <a:avLst/>
@@ -5642,13 +7006,13 @@
           </a:pPr>
           <a:r>
             <a:rPr lang="de-DE" sz="1700" kern="1200" dirty="0"/>
-            <a:t>Agenda 2</a:t>
+            <a:t>Veränderungen</a:t>
           </a:r>
         </a:p>
       </dsp:txBody>
       <dsp:txXfrm>
-        <a:off x="3111957" y="0"/>
-        <a:ext cx="3006123" cy="286279"/>
+        <a:off x="2530578" y="0"/>
+        <a:ext cx="2363122" cy="286279"/>
       </dsp:txXfrm>
     </dsp:sp>
     <dsp:sp modelId="{B1AEBFC2-1EB2-48B2-961A-D6D324320C6D}">
@@ -5658,8 +7022,8 @@
       </dsp:nvSpPr>
       <dsp:spPr>
         <a:xfrm>
-          <a:off x="5931979" y="0"/>
-          <a:ext cx="3292402" cy="286279"/>
+          <a:off x="4771899" y="0"/>
+          <a:ext cx="2649401" cy="286279"/>
         </a:xfrm>
         <a:prstGeom prst="chevron">
           <a:avLst/>
@@ -5715,13 +7079,13 @@
           </a:pPr>
           <a:r>
             <a:rPr lang="de-DE" sz="1700" kern="1200" dirty="0"/>
-            <a:t>Agenda 3</a:t>
+            <a:t>Fallstudie 1</a:t>
           </a:r>
         </a:p>
       </dsp:txBody>
       <dsp:txXfrm>
-        <a:off x="6075119" y="0"/>
-        <a:ext cx="3006123" cy="286279"/>
+        <a:off x="4915039" y="0"/>
+        <a:ext cx="2363122" cy="286279"/>
       </dsp:txXfrm>
     </dsp:sp>
     <dsp:sp modelId="{0B9EDCF6-A386-4969-BCE7-DF6F75AF55A9}">
@@ -5731,8 +7095,8 @@
       </dsp:nvSpPr>
       <dsp:spPr>
         <a:xfrm>
-          <a:off x="8895141" y="0"/>
-          <a:ext cx="3292402" cy="286279"/>
+          <a:off x="7156360" y="0"/>
+          <a:ext cx="2649401" cy="286279"/>
         </a:xfrm>
         <a:prstGeom prst="chevron">
           <a:avLst/>
@@ -5788,36 +7152,24 @@
           </a:pPr>
           <a:r>
             <a:rPr lang="de-DE" sz="1700" kern="1200" dirty="0"/>
-            <a:t>Agenda 4</a:t>
+            <a:t>Fallstudie 2</a:t>
           </a:r>
         </a:p>
       </dsp:txBody>
       <dsp:txXfrm>
-        <a:off x="9038281" y="0"/>
-        <a:ext cx="3006123" cy="286279"/>
+        <a:off x="7299500" y="0"/>
+        <a:ext cx="2363122" cy="286279"/>
       </dsp:txXfrm>
     </dsp:sp>
-  </dsp:spTree>
-</dsp:drawing>
-</file>
-
-<file path=ppt/diagrams/drawing3.xml><?xml version="1.0" encoding="utf-8"?>
-<dsp:drawing xmlns:dgm="http://schemas.openxmlformats.org/drawingml/2006/diagram" xmlns:dsp="http://schemas.microsoft.com/office/drawing/2008/diagram" xmlns:a="http://schemas.openxmlformats.org/drawingml/2006/main">
-  <dsp:spTree>
-    <dsp:nvGrpSpPr>
-      <dsp:cNvPr id="0" name=""/>
-      <dsp:cNvGrpSpPr/>
-    </dsp:nvGrpSpPr>
-    <dsp:grpSpPr/>
-    <dsp:sp modelId="{7FAAC15B-B09D-4273-B8BB-7AA09C9943EB}">
+    <dsp:sp modelId="{FB22FCAD-F17A-46F0-B4D6-E9D611223506}">
       <dsp:nvSpPr>
         <dsp:cNvPr id="0" name=""/>
         <dsp:cNvSpPr/>
       </dsp:nvSpPr>
       <dsp:spPr>
         <a:xfrm>
-          <a:off x="5656" y="0"/>
-          <a:ext cx="3292402" cy="286279"/>
+          <a:off x="9540821" y="0"/>
+          <a:ext cx="2649401" cy="286279"/>
         </a:xfrm>
         <a:prstGeom prst="chevron">
           <a:avLst/>
@@ -5873,24 +7225,36 @@
           </a:pPr>
           <a:r>
             <a:rPr lang="de-DE" sz="1700" kern="1200" dirty="0"/>
-            <a:t>Agenda 1</a:t>
+            <a:t>Live-Demo</a:t>
           </a:r>
         </a:p>
       </dsp:txBody>
       <dsp:txXfrm>
-        <a:off x="148796" y="0"/>
-        <a:ext cx="3006123" cy="286279"/>
+        <a:off x="9683961" y="0"/>
+        <a:ext cx="2363122" cy="286279"/>
       </dsp:txXfrm>
     </dsp:sp>
-    <dsp:sp modelId="{4ECCB1E8-A330-477B-920F-3C5B7E51EA28}">
+  </dsp:spTree>
+</dsp:drawing>
+</file>
+
+<file path=ppt/diagrams/drawing3.xml><?xml version="1.0" encoding="utf-8"?>
+<dsp:drawing xmlns:dgm="http://schemas.openxmlformats.org/drawingml/2006/diagram" xmlns:dsp="http://schemas.microsoft.com/office/drawing/2008/diagram" xmlns:a="http://schemas.openxmlformats.org/drawingml/2006/main">
+  <dsp:spTree>
+    <dsp:nvGrpSpPr>
+      <dsp:cNvPr id="0" name=""/>
+      <dsp:cNvGrpSpPr/>
+    </dsp:nvGrpSpPr>
+    <dsp:grpSpPr/>
+    <dsp:sp modelId="{7FAAC15B-B09D-4273-B8BB-7AA09C9943EB}">
       <dsp:nvSpPr>
         <dsp:cNvPr id="0" name=""/>
         <dsp:cNvSpPr/>
       </dsp:nvSpPr>
       <dsp:spPr>
         <a:xfrm>
-          <a:off x="2968817" y="0"/>
-          <a:ext cx="3292402" cy="286279"/>
+          <a:off x="2976" y="0"/>
+          <a:ext cx="2649401" cy="286279"/>
         </a:xfrm>
         <a:prstGeom prst="chevron">
           <a:avLst/>
@@ -5946,13 +7310,86 @@
           </a:pPr>
           <a:r>
             <a:rPr lang="de-DE" sz="1700" kern="1200" dirty="0"/>
-            <a:t>Agenda 2</a:t>
+            <a:t>Rückblick Phase 1</a:t>
           </a:r>
         </a:p>
       </dsp:txBody>
       <dsp:txXfrm>
-        <a:off x="3111957" y="0"/>
-        <a:ext cx="3006123" cy="286279"/>
+        <a:off x="146116" y="0"/>
+        <a:ext cx="2363122" cy="286279"/>
+      </dsp:txXfrm>
+    </dsp:sp>
+    <dsp:sp modelId="{4ECCB1E8-A330-477B-920F-3C5B7E51EA28}">
+      <dsp:nvSpPr>
+        <dsp:cNvPr id="0" name=""/>
+        <dsp:cNvSpPr/>
+      </dsp:nvSpPr>
+      <dsp:spPr>
+        <a:xfrm>
+          <a:off x="2387438" y="0"/>
+          <a:ext cx="2649401" cy="286279"/>
+        </a:xfrm>
+        <a:prstGeom prst="chevron">
+          <a:avLst/>
+        </a:prstGeom>
+        <a:solidFill>
+          <a:srgbClr val="3E3E3E"/>
+        </a:solidFill>
+        <a:ln w="12700" cap="flat" cmpd="sng" algn="ctr">
+          <a:solidFill>
+            <a:schemeClr val="lt1">
+              <a:hueOff val="0"/>
+              <a:satOff val="0"/>
+              <a:lumOff val="0"/>
+              <a:alphaOff val="0"/>
+            </a:schemeClr>
+          </a:solidFill>
+          <a:prstDash val="solid"/>
+          <a:miter lim="800000"/>
+        </a:ln>
+        <a:effectLst/>
+      </dsp:spPr>
+      <dsp:style>
+        <a:lnRef idx="2">
+          <a:scrgbClr r="0" g="0" b="0"/>
+        </a:lnRef>
+        <a:fillRef idx="1">
+          <a:scrgbClr r="0" g="0" b="0"/>
+        </a:fillRef>
+        <a:effectRef idx="0">
+          <a:scrgbClr r="0" g="0" b="0"/>
+        </a:effectRef>
+        <a:fontRef idx="minor">
+          <a:schemeClr val="lt1"/>
+        </a:fontRef>
+      </dsp:style>
+      <dsp:txBody>
+        <a:bodyPr spcFirstLastPara="0" vert="horz" wrap="square" lIns="68009" tIns="22670" rIns="22670" bIns="22670" numCol="1" spcCol="1270" anchor="ctr" anchorCtr="0">
+          <a:noAutofit/>
+        </a:bodyPr>
+        <a:lstStyle/>
+        <a:p>
+          <a:pPr marL="0" lvl="0" indent="0" algn="ctr" defTabSz="755650">
+            <a:lnSpc>
+              <a:spcPct val="90000"/>
+            </a:lnSpc>
+            <a:spcBef>
+              <a:spcPct val="0"/>
+            </a:spcBef>
+            <a:spcAft>
+              <a:spcPct val="35000"/>
+            </a:spcAft>
+            <a:buNone/>
+          </a:pPr>
+          <a:r>
+            <a:rPr lang="de-DE" sz="1700" kern="1200" dirty="0"/>
+            <a:t>Veränderungen</a:t>
+          </a:r>
+        </a:p>
+      </dsp:txBody>
+      <dsp:txXfrm>
+        <a:off x="2530578" y="0"/>
+        <a:ext cx="2363122" cy="286279"/>
       </dsp:txXfrm>
     </dsp:sp>
     <dsp:sp modelId="{B1AEBFC2-1EB2-48B2-961A-D6D324320C6D}">
@@ -5962,8 +7399,8 @@
       </dsp:nvSpPr>
       <dsp:spPr>
         <a:xfrm>
-          <a:off x="5931979" y="0"/>
-          <a:ext cx="3292402" cy="286279"/>
+          <a:off x="4771899" y="0"/>
+          <a:ext cx="2649401" cy="286279"/>
         </a:xfrm>
         <a:prstGeom prst="chevron">
           <a:avLst/>
@@ -6019,13 +7456,13 @@
           </a:pPr>
           <a:r>
             <a:rPr lang="de-DE" sz="1700" kern="1200" dirty="0"/>
-            <a:t>Agenda 3</a:t>
+            <a:t>Fallstudie 1</a:t>
           </a:r>
         </a:p>
       </dsp:txBody>
       <dsp:txXfrm>
-        <a:off x="6075119" y="0"/>
-        <a:ext cx="3006123" cy="286279"/>
+        <a:off x="4915039" y="0"/>
+        <a:ext cx="2363122" cy="286279"/>
       </dsp:txXfrm>
     </dsp:sp>
     <dsp:sp modelId="{0B9EDCF6-A386-4969-BCE7-DF6F75AF55A9}">
@@ -6035,8 +7472,8 @@
       </dsp:nvSpPr>
       <dsp:spPr>
         <a:xfrm>
-          <a:off x="8895141" y="0"/>
-          <a:ext cx="3292402" cy="286279"/>
+          <a:off x="7156360" y="0"/>
+          <a:ext cx="2649401" cy="286279"/>
         </a:xfrm>
         <a:prstGeom prst="chevron">
           <a:avLst/>
@@ -6092,36 +7529,24 @@
           </a:pPr>
           <a:r>
             <a:rPr lang="de-DE" sz="1700" kern="1200" dirty="0"/>
-            <a:t>Agenda 4</a:t>
+            <a:t>Fallstudie 2</a:t>
           </a:r>
         </a:p>
       </dsp:txBody>
       <dsp:txXfrm>
-        <a:off x="9038281" y="0"/>
-        <a:ext cx="3006123" cy="286279"/>
+        <a:off x="7299500" y="0"/>
+        <a:ext cx="2363122" cy="286279"/>
       </dsp:txXfrm>
     </dsp:sp>
-  </dsp:spTree>
-</dsp:drawing>
-</file>
-
-<file path=ppt/diagrams/drawing4.xml><?xml version="1.0" encoding="utf-8"?>
-<dsp:drawing xmlns:dgm="http://schemas.openxmlformats.org/drawingml/2006/diagram" xmlns:dsp="http://schemas.microsoft.com/office/drawing/2008/diagram" xmlns:a="http://schemas.openxmlformats.org/drawingml/2006/main">
-  <dsp:spTree>
-    <dsp:nvGrpSpPr>
-      <dsp:cNvPr id="0" name=""/>
-      <dsp:cNvGrpSpPr/>
-    </dsp:nvGrpSpPr>
-    <dsp:grpSpPr/>
-    <dsp:sp modelId="{7FAAC15B-B09D-4273-B8BB-7AA09C9943EB}">
+    <dsp:sp modelId="{F030B5F4-7069-4A7C-8381-5DAA65062B89}">
       <dsp:nvSpPr>
         <dsp:cNvPr id="0" name=""/>
         <dsp:cNvSpPr/>
       </dsp:nvSpPr>
       <dsp:spPr>
         <a:xfrm>
-          <a:off x="5656" y="0"/>
-          <a:ext cx="3292402" cy="286279"/>
+          <a:off x="9540821" y="0"/>
+          <a:ext cx="2649401" cy="286279"/>
         </a:xfrm>
         <a:prstGeom prst="chevron">
           <a:avLst/>
@@ -6177,24 +7602,36 @@
           </a:pPr>
           <a:r>
             <a:rPr lang="de-DE" sz="1700" kern="1200" dirty="0"/>
-            <a:t>Agenda 1</a:t>
+            <a:t>Live-Demo</a:t>
           </a:r>
         </a:p>
       </dsp:txBody>
       <dsp:txXfrm>
-        <a:off x="148796" y="0"/>
-        <a:ext cx="3006123" cy="286279"/>
+        <a:off x="9683961" y="0"/>
+        <a:ext cx="2363122" cy="286279"/>
       </dsp:txXfrm>
     </dsp:sp>
-    <dsp:sp modelId="{4ECCB1E8-A330-477B-920F-3C5B7E51EA28}">
+  </dsp:spTree>
+</dsp:drawing>
+</file>
+
+<file path=ppt/diagrams/drawing4.xml><?xml version="1.0" encoding="utf-8"?>
+<dsp:drawing xmlns:dgm="http://schemas.openxmlformats.org/drawingml/2006/diagram" xmlns:dsp="http://schemas.microsoft.com/office/drawing/2008/diagram" xmlns:a="http://schemas.openxmlformats.org/drawingml/2006/main">
+  <dsp:spTree>
+    <dsp:nvGrpSpPr>
+      <dsp:cNvPr id="0" name=""/>
+      <dsp:cNvGrpSpPr/>
+    </dsp:nvGrpSpPr>
+    <dsp:grpSpPr/>
+    <dsp:sp modelId="{7FAAC15B-B09D-4273-B8BB-7AA09C9943EB}">
       <dsp:nvSpPr>
         <dsp:cNvPr id="0" name=""/>
         <dsp:cNvSpPr/>
       </dsp:nvSpPr>
       <dsp:spPr>
         <a:xfrm>
-          <a:off x="2968817" y="0"/>
-          <a:ext cx="3292402" cy="286279"/>
+          <a:off x="2976" y="0"/>
+          <a:ext cx="2649401" cy="286279"/>
         </a:xfrm>
         <a:prstGeom prst="chevron">
           <a:avLst/>
@@ -6250,24 +7687,24 @@
           </a:pPr>
           <a:r>
             <a:rPr lang="de-DE" sz="1700" kern="1200" dirty="0"/>
-            <a:t>Agenda 2</a:t>
+            <a:t>Rückblick Phase 1</a:t>
           </a:r>
         </a:p>
       </dsp:txBody>
       <dsp:txXfrm>
-        <a:off x="3111957" y="0"/>
-        <a:ext cx="3006123" cy="286279"/>
+        <a:off x="146116" y="0"/>
+        <a:ext cx="2363122" cy="286279"/>
       </dsp:txXfrm>
     </dsp:sp>
-    <dsp:sp modelId="{B1AEBFC2-1EB2-48B2-961A-D6D324320C6D}">
+    <dsp:sp modelId="{4ECCB1E8-A330-477B-920F-3C5B7E51EA28}">
       <dsp:nvSpPr>
         <dsp:cNvPr id="0" name=""/>
         <dsp:cNvSpPr/>
       </dsp:nvSpPr>
       <dsp:spPr>
         <a:xfrm>
-          <a:off x="5931979" y="0"/>
-          <a:ext cx="3292402" cy="286279"/>
+          <a:off x="2387438" y="0"/>
+          <a:ext cx="2649401" cy="286279"/>
         </a:xfrm>
         <a:prstGeom prst="chevron">
           <a:avLst/>
@@ -6323,13 +7760,86 @@
           </a:pPr>
           <a:r>
             <a:rPr lang="de-DE" sz="1700" kern="1200" dirty="0"/>
-            <a:t>Agenda 3</a:t>
+            <a:t>Veränderungen</a:t>
           </a:r>
         </a:p>
       </dsp:txBody>
       <dsp:txXfrm>
-        <a:off x="6075119" y="0"/>
-        <a:ext cx="3006123" cy="286279"/>
+        <a:off x="2530578" y="0"/>
+        <a:ext cx="2363122" cy="286279"/>
+      </dsp:txXfrm>
+    </dsp:sp>
+    <dsp:sp modelId="{B1AEBFC2-1EB2-48B2-961A-D6D324320C6D}">
+      <dsp:nvSpPr>
+        <dsp:cNvPr id="0" name=""/>
+        <dsp:cNvSpPr/>
+      </dsp:nvSpPr>
+      <dsp:spPr>
+        <a:xfrm>
+          <a:off x="4771899" y="0"/>
+          <a:ext cx="2649401" cy="286279"/>
+        </a:xfrm>
+        <a:prstGeom prst="chevron">
+          <a:avLst/>
+        </a:prstGeom>
+        <a:solidFill>
+          <a:srgbClr val="3E3E3E"/>
+        </a:solidFill>
+        <a:ln w="12700" cap="flat" cmpd="sng" algn="ctr">
+          <a:solidFill>
+            <a:schemeClr val="lt1">
+              <a:hueOff val="0"/>
+              <a:satOff val="0"/>
+              <a:lumOff val="0"/>
+              <a:alphaOff val="0"/>
+            </a:schemeClr>
+          </a:solidFill>
+          <a:prstDash val="solid"/>
+          <a:miter lim="800000"/>
+        </a:ln>
+        <a:effectLst/>
+      </dsp:spPr>
+      <dsp:style>
+        <a:lnRef idx="2">
+          <a:scrgbClr r="0" g="0" b="0"/>
+        </a:lnRef>
+        <a:fillRef idx="1">
+          <a:scrgbClr r="0" g="0" b="0"/>
+        </a:fillRef>
+        <a:effectRef idx="0">
+          <a:scrgbClr r="0" g="0" b="0"/>
+        </a:effectRef>
+        <a:fontRef idx="minor">
+          <a:schemeClr val="lt1"/>
+        </a:fontRef>
+      </dsp:style>
+      <dsp:txBody>
+        <a:bodyPr spcFirstLastPara="0" vert="horz" wrap="square" lIns="68009" tIns="22670" rIns="22670" bIns="22670" numCol="1" spcCol="1270" anchor="ctr" anchorCtr="0">
+          <a:noAutofit/>
+        </a:bodyPr>
+        <a:lstStyle/>
+        <a:p>
+          <a:pPr marL="0" lvl="0" indent="0" algn="ctr" defTabSz="755650">
+            <a:lnSpc>
+              <a:spcPct val="90000"/>
+            </a:lnSpc>
+            <a:spcBef>
+              <a:spcPct val="0"/>
+            </a:spcBef>
+            <a:spcAft>
+              <a:spcPct val="35000"/>
+            </a:spcAft>
+            <a:buNone/>
+          </a:pPr>
+          <a:r>
+            <a:rPr lang="de-DE" sz="1700" kern="1200" dirty="0"/>
+            <a:t>Fallstudie 1</a:t>
+          </a:r>
+        </a:p>
+      </dsp:txBody>
+      <dsp:txXfrm>
+        <a:off x="4915039" y="0"/>
+        <a:ext cx="2363122" cy="286279"/>
       </dsp:txXfrm>
     </dsp:sp>
     <dsp:sp modelId="{0B9EDCF6-A386-4969-BCE7-DF6F75AF55A9}">
@@ -6339,8 +7849,8 @@
       </dsp:nvSpPr>
       <dsp:spPr>
         <a:xfrm>
-          <a:off x="8895141" y="0"/>
-          <a:ext cx="3292402" cy="286279"/>
+          <a:off x="7156360" y="0"/>
+          <a:ext cx="2649401" cy="286279"/>
         </a:xfrm>
         <a:prstGeom prst="chevron">
           <a:avLst/>
@@ -6396,13 +7906,86 @@
           </a:pPr>
           <a:r>
             <a:rPr lang="de-DE" sz="1700" kern="1200" dirty="0"/>
-            <a:t>Agenda 4</a:t>
+            <a:t>Fallstudie 2</a:t>
           </a:r>
         </a:p>
       </dsp:txBody>
       <dsp:txXfrm>
-        <a:off x="9038281" y="0"/>
-        <a:ext cx="3006123" cy="286279"/>
+        <a:off x="7299500" y="0"/>
+        <a:ext cx="2363122" cy="286279"/>
+      </dsp:txXfrm>
+    </dsp:sp>
+    <dsp:sp modelId="{A1862056-9954-454F-83F5-F4F451AAA23D}">
+      <dsp:nvSpPr>
+        <dsp:cNvPr id="0" name=""/>
+        <dsp:cNvSpPr/>
+      </dsp:nvSpPr>
+      <dsp:spPr>
+        <a:xfrm>
+          <a:off x="9540821" y="0"/>
+          <a:ext cx="2649401" cy="286279"/>
+        </a:xfrm>
+        <a:prstGeom prst="chevron">
+          <a:avLst/>
+        </a:prstGeom>
+        <a:solidFill>
+          <a:srgbClr val="3E3E3E"/>
+        </a:solidFill>
+        <a:ln w="12700" cap="flat" cmpd="sng" algn="ctr">
+          <a:solidFill>
+            <a:schemeClr val="lt1">
+              <a:hueOff val="0"/>
+              <a:satOff val="0"/>
+              <a:lumOff val="0"/>
+              <a:alphaOff val="0"/>
+            </a:schemeClr>
+          </a:solidFill>
+          <a:prstDash val="solid"/>
+          <a:miter lim="800000"/>
+        </a:ln>
+        <a:effectLst/>
+      </dsp:spPr>
+      <dsp:style>
+        <a:lnRef idx="2">
+          <a:scrgbClr r="0" g="0" b="0"/>
+        </a:lnRef>
+        <a:fillRef idx="1">
+          <a:scrgbClr r="0" g="0" b="0"/>
+        </a:fillRef>
+        <a:effectRef idx="0">
+          <a:scrgbClr r="0" g="0" b="0"/>
+        </a:effectRef>
+        <a:fontRef idx="minor">
+          <a:schemeClr val="lt1"/>
+        </a:fontRef>
+      </dsp:style>
+      <dsp:txBody>
+        <a:bodyPr spcFirstLastPara="0" vert="horz" wrap="square" lIns="68009" tIns="22670" rIns="22670" bIns="22670" numCol="1" spcCol="1270" anchor="ctr" anchorCtr="0">
+          <a:noAutofit/>
+        </a:bodyPr>
+        <a:lstStyle/>
+        <a:p>
+          <a:pPr marL="0" lvl="0" indent="0" algn="ctr" defTabSz="755650">
+            <a:lnSpc>
+              <a:spcPct val="90000"/>
+            </a:lnSpc>
+            <a:spcBef>
+              <a:spcPct val="0"/>
+            </a:spcBef>
+            <a:spcAft>
+              <a:spcPct val="35000"/>
+            </a:spcAft>
+            <a:buNone/>
+          </a:pPr>
+          <a:r>
+            <a:rPr lang="de-DE" sz="1700" kern="1200" dirty="0"/>
+            <a:t>Live-Demo</a:t>
+          </a:r>
+        </a:p>
+      </dsp:txBody>
+      <dsp:txXfrm>
+        <a:off x="9683961" y="0"/>
+        <a:ext cx="2363122" cy="286279"/>
       </dsp:txXfrm>
     </dsp:sp>
   </dsp:spTree>
@@ -6410,6 +7993,383 @@
 </file>
 
 <file path=ppt/diagrams/drawing5.xml><?xml version="1.0" encoding="utf-8"?>
+<dsp:drawing xmlns:dgm="http://schemas.openxmlformats.org/drawingml/2006/diagram" xmlns:dsp="http://schemas.microsoft.com/office/drawing/2008/diagram" xmlns:a="http://schemas.openxmlformats.org/drawingml/2006/main">
+  <dsp:spTree>
+    <dsp:nvGrpSpPr>
+      <dsp:cNvPr id="0" name=""/>
+      <dsp:cNvGrpSpPr/>
+    </dsp:nvGrpSpPr>
+    <dsp:grpSpPr/>
+    <dsp:sp modelId="{7FAAC15B-B09D-4273-B8BB-7AA09C9943EB}">
+      <dsp:nvSpPr>
+        <dsp:cNvPr id="0" name=""/>
+        <dsp:cNvSpPr/>
+      </dsp:nvSpPr>
+      <dsp:spPr>
+        <a:xfrm>
+          <a:off x="2976" y="0"/>
+          <a:ext cx="2649401" cy="286279"/>
+        </a:xfrm>
+        <a:prstGeom prst="chevron">
+          <a:avLst/>
+        </a:prstGeom>
+        <a:solidFill>
+          <a:srgbClr val="3E3E3E"/>
+        </a:solidFill>
+        <a:ln w="12700" cap="flat" cmpd="sng" algn="ctr">
+          <a:solidFill>
+            <a:schemeClr val="lt1">
+              <a:hueOff val="0"/>
+              <a:satOff val="0"/>
+              <a:lumOff val="0"/>
+              <a:alphaOff val="0"/>
+            </a:schemeClr>
+          </a:solidFill>
+          <a:prstDash val="solid"/>
+          <a:miter lim="800000"/>
+        </a:ln>
+        <a:effectLst/>
+      </dsp:spPr>
+      <dsp:style>
+        <a:lnRef idx="2">
+          <a:scrgbClr r="0" g="0" b="0"/>
+        </a:lnRef>
+        <a:fillRef idx="1">
+          <a:scrgbClr r="0" g="0" b="0"/>
+        </a:fillRef>
+        <a:effectRef idx="0">
+          <a:scrgbClr r="0" g="0" b="0"/>
+        </a:effectRef>
+        <a:fontRef idx="minor">
+          <a:schemeClr val="lt1"/>
+        </a:fontRef>
+      </dsp:style>
+      <dsp:txBody>
+        <a:bodyPr spcFirstLastPara="0" vert="horz" wrap="square" lIns="68009" tIns="22670" rIns="22670" bIns="22670" numCol="1" spcCol="1270" anchor="ctr" anchorCtr="0">
+          <a:noAutofit/>
+        </a:bodyPr>
+        <a:lstStyle/>
+        <a:p>
+          <a:pPr marL="0" lvl="0" indent="0" algn="ctr" defTabSz="755650">
+            <a:lnSpc>
+              <a:spcPct val="90000"/>
+            </a:lnSpc>
+            <a:spcBef>
+              <a:spcPct val="0"/>
+            </a:spcBef>
+            <a:spcAft>
+              <a:spcPct val="35000"/>
+            </a:spcAft>
+            <a:buNone/>
+          </a:pPr>
+          <a:r>
+            <a:rPr lang="de-DE" sz="1700" kern="1200" dirty="0"/>
+            <a:t>Rückblick Phase 1</a:t>
+          </a:r>
+        </a:p>
+      </dsp:txBody>
+      <dsp:txXfrm>
+        <a:off x="146116" y="0"/>
+        <a:ext cx="2363122" cy="286279"/>
+      </dsp:txXfrm>
+    </dsp:sp>
+    <dsp:sp modelId="{4ECCB1E8-A330-477B-920F-3C5B7E51EA28}">
+      <dsp:nvSpPr>
+        <dsp:cNvPr id="0" name=""/>
+        <dsp:cNvSpPr/>
+      </dsp:nvSpPr>
+      <dsp:spPr>
+        <a:xfrm>
+          <a:off x="2387438" y="0"/>
+          <a:ext cx="2649401" cy="286279"/>
+        </a:xfrm>
+        <a:prstGeom prst="chevron">
+          <a:avLst/>
+        </a:prstGeom>
+        <a:solidFill>
+          <a:srgbClr val="3E3E3E"/>
+        </a:solidFill>
+        <a:ln w="12700" cap="flat" cmpd="sng" algn="ctr">
+          <a:solidFill>
+            <a:schemeClr val="lt1">
+              <a:hueOff val="0"/>
+              <a:satOff val="0"/>
+              <a:lumOff val="0"/>
+              <a:alphaOff val="0"/>
+            </a:schemeClr>
+          </a:solidFill>
+          <a:prstDash val="solid"/>
+          <a:miter lim="800000"/>
+        </a:ln>
+        <a:effectLst/>
+      </dsp:spPr>
+      <dsp:style>
+        <a:lnRef idx="2">
+          <a:scrgbClr r="0" g="0" b="0"/>
+        </a:lnRef>
+        <a:fillRef idx="1">
+          <a:scrgbClr r="0" g="0" b="0"/>
+        </a:fillRef>
+        <a:effectRef idx="0">
+          <a:scrgbClr r="0" g="0" b="0"/>
+        </a:effectRef>
+        <a:fontRef idx="minor">
+          <a:schemeClr val="lt1"/>
+        </a:fontRef>
+      </dsp:style>
+      <dsp:txBody>
+        <a:bodyPr spcFirstLastPara="0" vert="horz" wrap="square" lIns="68009" tIns="22670" rIns="22670" bIns="22670" numCol="1" spcCol="1270" anchor="ctr" anchorCtr="0">
+          <a:noAutofit/>
+        </a:bodyPr>
+        <a:lstStyle/>
+        <a:p>
+          <a:pPr marL="0" lvl="0" indent="0" algn="ctr" defTabSz="755650">
+            <a:lnSpc>
+              <a:spcPct val="90000"/>
+            </a:lnSpc>
+            <a:spcBef>
+              <a:spcPct val="0"/>
+            </a:spcBef>
+            <a:spcAft>
+              <a:spcPct val="35000"/>
+            </a:spcAft>
+            <a:buNone/>
+          </a:pPr>
+          <a:r>
+            <a:rPr lang="de-DE" sz="1700" kern="1200" dirty="0"/>
+            <a:t>Veränderungen</a:t>
+          </a:r>
+        </a:p>
+      </dsp:txBody>
+      <dsp:txXfrm>
+        <a:off x="2530578" y="0"/>
+        <a:ext cx="2363122" cy="286279"/>
+      </dsp:txXfrm>
+    </dsp:sp>
+    <dsp:sp modelId="{B1AEBFC2-1EB2-48B2-961A-D6D324320C6D}">
+      <dsp:nvSpPr>
+        <dsp:cNvPr id="0" name=""/>
+        <dsp:cNvSpPr/>
+      </dsp:nvSpPr>
+      <dsp:spPr>
+        <a:xfrm>
+          <a:off x="4771899" y="0"/>
+          <a:ext cx="2649401" cy="286279"/>
+        </a:xfrm>
+        <a:prstGeom prst="chevron">
+          <a:avLst/>
+        </a:prstGeom>
+        <a:solidFill>
+          <a:srgbClr val="3E3E3E"/>
+        </a:solidFill>
+        <a:ln w="12700" cap="flat" cmpd="sng" algn="ctr">
+          <a:solidFill>
+            <a:schemeClr val="lt1">
+              <a:hueOff val="0"/>
+              <a:satOff val="0"/>
+              <a:lumOff val="0"/>
+              <a:alphaOff val="0"/>
+            </a:schemeClr>
+          </a:solidFill>
+          <a:prstDash val="solid"/>
+          <a:miter lim="800000"/>
+        </a:ln>
+        <a:effectLst/>
+      </dsp:spPr>
+      <dsp:style>
+        <a:lnRef idx="2">
+          <a:scrgbClr r="0" g="0" b="0"/>
+        </a:lnRef>
+        <a:fillRef idx="1">
+          <a:scrgbClr r="0" g="0" b="0"/>
+        </a:fillRef>
+        <a:effectRef idx="0">
+          <a:scrgbClr r="0" g="0" b="0"/>
+        </a:effectRef>
+        <a:fontRef idx="minor">
+          <a:schemeClr val="lt1"/>
+        </a:fontRef>
+      </dsp:style>
+      <dsp:txBody>
+        <a:bodyPr spcFirstLastPara="0" vert="horz" wrap="square" lIns="68009" tIns="22670" rIns="22670" bIns="22670" numCol="1" spcCol="1270" anchor="ctr" anchorCtr="0">
+          <a:noAutofit/>
+        </a:bodyPr>
+        <a:lstStyle/>
+        <a:p>
+          <a:pPr marL="0" lvl="0" indent="0" algn="ctr" defTabSz="755650">
+            <a:lnSpc>
+              <a:spcPct val="90000"/>
+            </a:lnSpc>
+            <a:spcBef>
+              <a:spcPct val="0"/>
+            </a:spcBef>
+            <a:spcAft>
+              <a:spcPct val="35000"/>
+            </a:spcAft>
+            <a:buNone/>
+          </a:pPr>
+          <a:r>
+            <a:rPr lang="de-DE" sz="1700" kern="1200" dirty="0"/>
+            <a:t>Fallstudie 1</a:t>
+          </a:r>
+        </a:p>
+      </dsp:txBody>
+      <dsp:txXfrm>
+        <a:off x="4915039" y="0"/>
+        <a:ext cx="2363122" cy="286279"/>
+      </dsp:txXfrm>
+    </dsp:sp>
+    <dsp:sp modelId="{0B9EDCF6-A386-4969-BCE7-DF6F75AF55A9}">
+      <dsp:nvSpPr>
+        <dsp:cNvPr id="0" name=""/>
+        <dsp:cNvSpPr/>
+      </dsp:nvSpPr>
+      <dsp:spPr>
+        <a:xfrm>
+          <a:off x="7156360" y="0"/>
+          <a:ext cx="2649401" cy="286279"/>
+        </a:xfrm>
+        <a:prstGeom prst="chevron">
+          <a:avLst/>
+        </a:prstGeom>
+        <a:solidFill>
+          <a:srgbClr val="3E3E3E"/>
+        </a:solidFill>
+        <a:ln w="12700" cap="flat" cmpd="sng" algn="ctr">
+          <a:solidFill>
+            <a:schemeClr val="lt1">
+              <a:hueOff val="0"/>
+              <a:satOff val="0"/>
+              <a:lumOff val="0"/>
+              <a:alphaOff val="0"/>
+            </a:schemeClr>
+          </a:solidFill>
+          <a:prstDash val="solid"/>
+          <a:miter lim="800000"/>
+        </a:ln>
+        <a:effectLst/>
+      </dsp:spPr>
+      <dsp:style>
+        <a:lnRef idx="2">
+          <a:scrgbClr r="0" g="0" b="0"/>
+        </a:lnRef>
+        <a:fillRef idx="1">
+          <a:scrgbClr r="0" g="0" b="0"/>
+        </a:fillRef>
+        <a:effectRef idx="0">
+          <a:scrgbClr r="0" g="0" b="0"/>
+        </a:effectRef>
+        <a:fontRef idx="minor">
+          <a:schemeClr val="lt1"/>
+        </a:fontRef>
+      </dsp:style>
+      <dsp:txBody>
+        <a:bodyPr spcFirstLastPara="0" vert="horz" wrap="square" lIns="68009" tIns="22670" rIns="22670" bIns="22670" numCol="1" spcCol="1270" anchor="ctr" anchorCtr="0">
+          <a:noAutofit/>
+        </a:bodyPr>
+        <a:lstStyle/>
+        <a:p>
+          <a:pPr marL="0" lvl="0" indent="0" algn="ctr" defTabSz="755650">
+            <a:lnSpc>
+              <a:spcPct val="90000"/>
+            </a:lnSpc>
+            <a:spcBef>
+              <a:spcPct val="0"/>
+            </a:spcBef>
+            <a:spcAft>
+              <a:spcPct val="35000"/>
+            </a:spcAft>
+            <a:buNone/>
+          </a:pPr>
+          <a:r>
+            <a:rPr lang="de-DE" sz="1700" kern="1200" dirty="0"/>
+            <a:t>Fallstudie 2</a:t>
+          </a:r>
+        </a:p>
+      </dsp:txBody>
+      <dsp:txXfrm>
+        <a:off x="7299500" y="0"/>
+        <a:ext cx="2363122" cy="286279"/>
+      </dsp:txXfrm>
+    </dsp:sp>
+    <dsp:sp modelId="{A1862056-9954-454F-83F5-F4F451AAA23D}">
+      <dsp:nvSpPr>
+        <dsp:cNvPr id="0" name=""/>
+        <dsp:cNvSpPr/>
+      </dsp:nvSpPr>
+      <dsp:spPr>
+        <a:xfrm>
+          <a:off x="9540821" y="0"/>
+          <a:ext cx="2649401" cy="286279"/>
+        </a:xfrm>
+        <a:prstGeom prst="chevron">
+          <a:avLst/>
+        </a:prstGeom>
+        <a:solidFill>
+          <a:srgbClr val="9A2120"/>
+        </a:solidFill>
+        <a:ln w="12700" cap="flat" cmpd="sng" algn="ctr">
+          <a:solidFill>
+            <a:schemeClr val="lt1">
+              <a:hueOff val="0"/>
+              <a:satOff val="0"/>
+              <a:lumOff val="0"/>
+              <a:alphaOff val="0"/>
+            </a:schemeClr>
+          </a:solidFill>
+          <a:prstDash val="solid"/>
+          <a:miter lim="800000"/>
+        </a:ln>
+        <a:effectLst/>
+      </dsp:spPr>
+      <dsp:style>
+        <a:lnRef idx="2">
+          <a:scrgbClr r="0" g="0" b="0"/>
+        </a:lnRef>
+        <a:fillRef idx="1">
+          <a:scrgbClr r="0" g="0" b="0"/>
+        </a:fillRef>
+        <a:effectRef idx="0">
+          <a:scrgbClr r="0" g="0" b="0"/>
+        </a:effectRef>
+        <a:fontRef idx="minor">
+          <a:schemeClr val="lt1"/>
+        </a:fontRef>
+      </dsp:style>
+      <dsp:txBody>
+        <a:bodyPr spcFirstLastPara="0" vert="horz" wrap="square" lIns="68009" tIns="22670" rIns="22670" bIns="22670" numCol="1" spcCol="1270" anchor="ctr" anchorCtr="0">
+          <a:noAutofit/>
+        </a:bodyPr>
+        <a:lstStyle/>
+        <a:p>
+          <a:pPr marL="0" lvl="0" indent="0" algn="ctr" defTabSz="755650">
+            <a:lnSpc>
+              <a:spcPct val="90000"/>
+            </a:lnSpc>
+            <a:spcBef>
+              <a:spcPct val="0"/>
+            </a:spcBef>
+            <a:spcAft>
+              <a:spcPct val="35000"/>
+            </a:spcAft>
+            <a:buNone/>
+          </a:pPr>
+          <a:r>
+            <a:rPr lang="de-DE" sz="1700" kern="1200" dirty="0"/>
+            <a:t>Live-Demo</a:t>
+          </a:r>
+        </a:p>
+      </dsp:txBody>
+      <dsp:txXfrm>
+        <a:off x="9683961" y="0"/>
+        <a:ext cx="2363122" cy="286279"/>
+      </dsp:txXfrm>
+    </dsp:sp>
+  </dsp:spTree>
+</dsp:drawing>
+</file>
+
+<file path=ppt/diagrams/drawing6.xml><?xml version="1.0" encoding="utf-8"?>
 <dsp:drawing xmlns:dgm="http://schemas.openxmlformats.org/drawingml/2006/diagram" xmlns:dsp="http://schemas.microsoft.com/office/drawing/2008/diagram" xmlns:a="http://schemas.openxmlformats.org/drawingml/2006/main">
   <dsp:spTree>
     <dsp:nvGrpSpPr>
@@ -6462,12 +8422,12 @@
         </a:fontRef>
       </dsp:style>
       <dsp:txBody>
-        <a:bodyPr spcFirstLastPara="0" vert="horz" wrap="square" lIns="148019" tIns="49340" rIns="49340" bIns="49340" numCol="1" spcCol="1270" anchor="ctr" anchorCtr="0">
+        <a:bodyPr spcFirstLastPara="0" vert="horz" wrap="square" lIns="80010" tIns="26670" rIns="26670" bIns="26670" numCol="1" spcCol="1270" anchor="ctr" anchorCtr="0">
           <a:noAutofit/>
         </a:bodyPr>
         <a:lstStyle/>
         <a:p>
-          <a:pPr marL="0" lvl="0" indent="0" algn="ctr" defTabSz="1644650">
+          <a:pPr marL="0" lvl="0" indent="0" algn="ctr" defTabSz="889000">
             <a:lnSpc>
               <a:spcPct val="90000"/>
             </a:lnSpc>
@@ -6480,8 +8440,15 @@
             <a:buNone/>
           </a:pPr>
           <a:r>
-            <a:rPr lang="de-DE" sz="3700" kern="1200" dirty="0"/>
-            <a:t>Agenda 1</a:t>
+            <a:rPr lang="de-DE" sz="2000" kern="1200" dirty="0"/>
+            <a:t>Rückblick</a:t>
+          </a:r>
+          <a:br>
+            <a:rPr lang="de-DE" sz="2000" kern="1200" dirty="0"/>
+          </a:br>
+          <a:r>
+            <a:rPr lang="de-DE" sz="2000" kern="1200" dirty="0"/>
+            <a:t>Phase 1</a:t>
           </a:r>
         </a:p>
       </dsp:txBody>
@@ -6535,12 +8502,12 @@
         </a:fontRef>
       </dsp:style>
       <dsp:txBody>
-        <a:bodyPr spcFirstLastPara="0" vert="horz" wrap="square" lIns="148019" tIns="49340" rIns="49340" bIns="49340" numCol="1" spcCol="1270" anchor="ctr" anchorCtr="0">
+        <a:bodyPr spcFirstLastPara="0" vert="horz" wrap="square" lIns="80010" tIns="26670" rIns="26670" bIns="26670" numCol="1" spcCol="1270" anchor="ctr" anchorCtr="0">
           <a:noAutofit/>
         </a:bodyPr>
         <a:lstStyle/>
         <a:p>
-          <a:pPr marL="0" lvl="0" indent="0" algn="ctr" defTabSz="1644650">
+          <a:pPr marL="0" lvl="0" indent="0" algn="ctr" defTabSz="889000">
             <a:lnSpc>
               <a:spcPct val="90000"/>
             </a:lnSpc>
@@ -6553,8 +8520,8 @@
             <a:buNone/>
           </a:pPr>
           <a:r>
-            <a:rPr lang="de-DE" sz="3700" kern="1200" dirty="0"/>
-            <a:t>Agenda 2</a:t>
+            <a:rPr lang="de-DE" sz="2000" kern="1200" dirty="0"/>
+            <a:t>Veränderungen</a:t>
           </a:r>
         </a:p>
       </dsp:txBody>
@@ -6608,12 +8575,12 @@
         </a:fontRef>
       </dsp:style>
       <dsp:txBody>
-        <a:bodyPr spcFirstLastPara="0" vert="horz" wrap="square" lIns="148019" tIns="49340" rIns="49340" bIns="49340" numCol="1" spcCol="1270" anchor="ctr" anchorCtr="0">
+        <a:bodyPr spcFirstLastPara="0" vert="horz" wrap="square" lIns="80010" tIns="26670" rIns="26670" bIns="26670" numCol="1" spcCol="1270" anchor="ctr" anchorCtr="0">
           <a:noAutofit/>
         </a:bodyPr>
         <a:lstStyle/>
         <a:p>
-          <a:pPr marL="0" lvl="0" indent="0" algn="ctr" defTabSz="1644650">
+          <a:pPr marL="0" lvl="0" indent="0" algn="ctr" defTabSz="889000">
             <a:lnSpc>
               <a:spcPct val="90000"/>
             </a:lnSpc>
@@ -6626,8 +8593,8 @@
             <a:buNone/>
           </a:pPr>
           <a:r>
-            <a:rPr lang="de-DE" sz="3700" kern="1200" dirty="0"/>
-            <a:t>Agenda 3</a:t>
+            <a:rPr lang="de-DE" sz="2000" kern="1200" dirty="0"/>
+            <a:t>Fallstudie 1</a:t>
           </a:r>
         </a:p>
       </dsp:txBody>
@@ -6681,12 +8648,12 @@
         </a:fontRef>
       </dsp:style>
       <dsp:txBody>
-        <a:bodyPr spcFirstLastPara="0" vert="horz" wrap="square" lIns="148019" tIns="49340" rIns="49340" bIns="49340" numCol="1" spcCol="1270" anchor="ctr" anchorCtr="0">
+        <a:bodyPr spcFirstLastPara="0" vert="horz" wrap="square" lIns="80010" tIns="26670" rIns="26670" bIns="26670" numCol="1" spcCol="1270" anchor="ctr" anchorCtr="0">
           <a:noAutofit/>
         </a:bodyPr>
         <a:lstStyle/>
         <a:p>
-          <a:pPr marL="0" lvl="0" indent="0" algn="ctr" defTabSz="1644650">
+          <a:pPr marL="0" lvl="0" indent="0" algn="ctr" defTabSz="889000">
             <a:lnSpc>
               <a:spcPct val="90000"/>
             </a:lnSpc>
@@ -6699,8 +8666,8 @@
             <a:buNone/>
           </a:pPr>
           <a:r>
-            <a:rPr lang="de-DE" sz="3700" kern="1200" dirty="0"/>
-            <a:t>Agenda 4</a:t>
+            <a:rPr lang="de-DE" sz="2000" kern="1200" dirty="0"/>
+            <a:t>Fallstudie 2</a:t>
           </a:r>
         </a:p>
       </dsp:txBody>
@@ -8128,6 +10095,289 @@
 </dgm:layoutDef>
 </file>
 
+<file path=ppt/diagrams/layout6.xml><?xml version="1.0" encoding="utf-8"?>
+<dgm:layoutDef xmlns:dgm="http://schemas.openxmlformats.org/drawingml/2006/diagram" xmlns:a="http://schemas.openxmlformats.org/drawingml/2006/main" uniqueId="urn:microsoft.com/office/officeart/2005/8/layout/chevron1">
+  <dgm:title val=""/>
+  <dgm:desc val=""/>
+  <dgm:catLst>
+    <dgm:cat type="process" pri="9000"/>
+  </dgm:catLst>
+  <dgm:sampData useDef="1">
+    <dgm:dataModel>
+      <dgm:ptLst/>
+      <dgm:bg/>
+      <dgm:whole/>
+    </dgm:dataModel>
+  </dgm:sampData>
+  <dgm:styleData>
+    <dgm:dataModel>
+      <dgm:ptLst>
+        <dgm:pt modelId="0" type="doc"/>
+        <dgm:pt modelId="1"/>
+        <dgm:pt modelId="2"/>
+      </dgm:ptLst>
+      <dgm:cxnLst>
+        <dgm:cxn modelId="3" srcId="0" destId="1" srcOrd="0" destOrd="0"/>
+        <dgm:cxn modelId="4" srcId="0" destId="2" srcOrd="1" destOrd="0"/>
+      </dgm:cxnLst>
+      <dgm:bg/>
+      <dgm:whole/>
+    </dgm:dataModel>
+  </dgm:styleData>
+  <dgm:clrData>
+    <dgm:dataModel>
+      <dgm:ptLst>
+        <dgm:pt modelId="0" type="doc"/>
+        <dgm:pt modelId="1"/>
+        <dgm:pt modelId="2"/>
+        <dgm:pt modelId="3"/>
+        <dgm:pt modelId="4"/>
+      </dgm:ptLst>
+      <dgm:cxnLst>
+        <dgm:cxn modelId="5" srcId="0" destId="1" srcOrd="0" destOrd="0"/>
+        <dgm:cxn modelId="6" srcId="0" destId="2" srcOrd="1" destOrd="0"/>
+        <dgm:cxn modelId="7" srcId="0" destId="3" srcOrd="2" destOrd="0"/>
+        <dgm:cxn modelId="8" srcId="0" destId="4" srcOrd="3" destOrd="0"/>
+      </dgm:cxnLst>
+      <dgm:bg/>
+      <dgm:whole/>
+    </dgm:dataModel>
+  </dgm:clrData>
+  <dgm:layoutNode name="Name0">
+    <dgm:varLst>
+      <dgm:dir/>
+      <dgm:animLvl val="lvl"/>
+      <dgm:resizeHandles val="exact"/>
+    </dgm:varLst>
+    <dgm:choose name="Name1">
+      <dgm:if name="Name2" func="var" arg="dir" op="equ" val="norm">
+        <dgm:alg type="lin"/>
+      </dgm:if>
+      <dgm:else name="Name3">
+        <dgm:alg type="lin">
+          <dgm:param type="linDir" val="fromR"/>
+        </dgm:alg>
+      </dgm:else>
+    </dgm:choose>
+    <dgm:shape xmlns:r="http://schemas.openxmlformats.org/officeDocument/2006/relationships" r:blip="">
+      <dgm:adjLst/>
+    </dgm:shape>
+    <dgm:presOf/>
+    <dgm:choose name="Name4">
+      <dgm:if name="Name5" axis="des" func="maxDepth" op="gte" val="2">
+        <dgm:constrLst>
+          <dgm:constr type="h" for="ch" forName="composite" refType="h"/>
+          <dgm:constr type="w" for="ch" forName="composite" refType="w"/>
+          <dgm:constr type="w" for="des" forName="parTx"/>
+          <dgm:constr type="h" for="des" forName="parTx" op="equ"/>
+          <dgm:constr type="w" for="des" forName="desTx"/>
+          <dgm:constr type="h" for="des" forName="desTx" op="equ"/>
+          <dgm:constr type="primFontSz" for="des" forName="parTx" val="65"/>
+          <dgm:constr type="secFontSz" for="des" forName="desTx" refType="primFontSz" refFor="des" refForName="parTx" op="equ"/>
+          <dgm:constr type="h" for="des" forName="parTx" refType="primFontSz" refFor="des" refForName="parTx" fact="1.5"/>
+          <dgm:constr type="h" for="des" forName="desTx" refType="primFontSz" refFor="des" refForName="parTx" fact="0.5"/>
+          <dgm:constr type="w" for="ch" forName="space" op="equ" val="-6"/>
+        </dgm:constrLst>
+        <dgm:ruleLst>
+          <dgm:rule type="w" for="ch" forName="composite" val="0" fact="NaN" max="NaN"/>
+          <dgm:rule type="primFontSz" for="des" forName="parTx" val="5" fact="NaN" max="NaN"/>
+        </dgm:ruleLst>
+        <dgm:forEach name="Name6" axis="ch" ptType="node">
+          <dgm:layoutNode name="composite">
+            <dgm:alg type="composite"/>
+            <dgm:shape xmlns:r="http://schemas.openxmlformats.org/officeDocument/2006/relationships" r:blip="">
+              <dgm:adjLst/>
+            </dgm:shape>
+            <dgm:presOf/>
+            <dgm:choose name="Name7">
+              <dgm:if name="Name8" func="var" arg="dir" op="equ" val="norm">
+                <dgm:constrLst>
+                  <dgm:constr type="l" for="ch" forName="parTx"/>
+                  <dgm:constr type="w" for="ch" forName="parTx" refType="w"/>
+                  <dgm:constr type="t" for="ch" forName="parTx"/>
+                  <dgm:constr type="l" for="ch" forName="desTx"/>
+                  <dgm:constr type="w" for="ch" forName="desTx" refType="w" refFor="ch" refForName="parTx" fact="0.8"/>
+                  <dgm:constr type="t" for="ch" forName="desTx" refType="h" refFor="ch" refForName="parTx" fact="1.125"/>
+                </dgm:constrLst>
+              </dgm:if>
+              <dgm:else name="Name9">
+                <dgm:constrLst>
+                  <dgm:constr type="l" for="ch" forName="parTx"/>
+                  <dgm:constr type="w" for="ch" forName="parTx" refType="w"/>
+                  <dgm:constr type="t" for="ch" forName="parTx"/>
+                  <dgm:constr type="l" for="ch" forName="desTx" refType="w" fact="0.2"/>
+                  <dgm:constr type="w" for="ch" forName="desTx" refType="w" refFor="ch" refForName="parTx" fact="0.8"/>
+                  <dgm:constr type="t" for="ch" forName="desTx" refType="h" refFor="ch" refForName="parTx" fact="1.125"/>
+                </dgm:constrLst>
+              </dgm:else>
+            </dgm:choose>
+            <dgm:ruleLst>
+              <dgm:rule type="h" val="INF" fact="NaN" max="NaN"/>
+            </dgm:ruleLst>
+            <dgm:layoutNode name="parTx">
+              <dgm:varLst>
+                <dgm:chMax val="0"/>
+                <dgm:chPref val="0"/>
+                <dgm:bulletEnabled val="1"/>
+              </dgm:varLst>
+              <dgm:alg type="tx"/>
+              <dgm:choose name="Name10">
+                <dgm:if name="Name11" func="var" arg="dir" op="equ" val="norm">
+                  <dgm:shape xmlns:r="http://schemas.openxmlformats.org/officeDocument/2006/relationships" type="chevron" r:blip="">
+                    <dgm:adjLst/>
+                  </dgm:shape>
+                </dgm:if>
+                <dgm:else name="Name12">
+                  <dgm:shape xmlns:r="http://schemas.openxmlformats.org/officeDocument/2006/relationships" rot="180" type="chevron" r:blip="">
+                    <dgm:adjLst/>
+                  </dgm:shape>
+                </dgm:else>
+              </dgm:choose>
+              <dgm:presOf axis="self" ptType="node"/>
+              <dgm:choose name="Name13">
+                <dgm:if name="Name14" func="var" arg="dir" op="equ" val="norm">
+                  <dgm:constrLst>
+                    <dgm:constr type="h" refType="w" op="lte" fact="0.4"/>
+                    <dgm:constr type="h"/>
+                    <dgm:constr type="tMarg" refType="primFontSz" fact="0.105"/>
+                    <dgm:constr type="bMarg" refType="primFontSz" fact="0.105"/>
+                    <dgm:constr type="lMarg" refType="primFontSz" fact="0.315"/>
+                    <dgm:constr type="rMarg" refType="primFontSz" fact="0.105"/>
+                  </dgm:constrLst>
+                </dgm:if>
+                <dgm:else name="Name15">
+                  <dgm:constrLst>
+                    <dgm:constr type="h" refType="w" op="lte" fact="0.4"/>
+                    <dgm:constr type="h"/>
+                    <dgm:constr type="tMarg" refType="primFontSz" fact="0.105"/>
+                    <dgm:constr type="bMarg" refType="primFontSz" fact="0.105"/>
+                    <dgm:constr type="lMarg" refType="primFontSz" fact="0.105"/>
+                    <dgm:constr type="rMarg" refType="primFontSz" fact="0.315"/>
+                  </dgm:constrLst>
+                </dgm:else>
+              </dgm:choose>
+              <dgm:ruleLst>
+                <dgm:rule type="h" val="INF" fact="NaN" max="NaN"/>
+              </dgm:ruleLst>
+            </dgm:layoutNode>
+            <dgm:layoutNode name="desTx" styleLbl="revTx">
+              <dgm:varLst>
+                <dgm:bulletEnabled val="1"/>
+              </dgm:varLst>
+              <dgm:alg type="tx">
+                <dgm:param type="stBulletLvl" val="1"/>
+              </dgm:alg>
+              <dgm:choose name="Name16">
+                <dgm:if name="Name17" axis="ch" ptType="node" func="cnt" op="gte" val="1">
+                  <dgm:shape xmlns:r="http://schemas.openxmlformats.org/officeDocument/2006/relationships" type="rect" r:blip="">
+                    <dgm:adjLst/>
+                  </dgm:shape>
+                </dgm:if>
+                <dgm:else name="Name18">
+                  <dgm:shape xmlns:r="http://schemas.openxmlformats.org/officeDocument/2006/relationships" type="rect" r:blip="" hideGeom="1">
+                    <dgm:adjLst/>
+                  </dgm:shape>
+                </dgm:else>
+              </dgm:choose>
+              <dgm:presOf axis="des" ptType="node"/>
+              <dgm:constrLst>
+                <dgm:constr type="secFontSz" val="65"/>
+                <dgm:constr type="primFontSz" refType="secFontSz"/>
+                <dgm:constr type="h"/>
+                <dgm:constr type="tMarg"/>
+                <dgm:constr type="bMarg"/>
+                <dgm:constr type="rMarg"/>
+                <dgm:constr type="lMarg"/>
+              </dgm:constrLst>
+              <dgm:ruleLst>
+                <dgm:rule type="h" val="INF" fact="NaN" max="NaN"/>
+              </dgm:ruleLst>
+            </dgm:layoutNode>
+          </dgm:layoutNode>
+          <dgm:forEach name="Name19" axis="followSib" ptType="sibTrans" cnt="1">
+            <dgm:layoutNode name="space">
+              <dgm:alg type="sp"/>
+              <dgm:shape xmlns:r="http://schemas.openxmlformats.org/officeDocument/2006/relationships" r:blip="">
+                <dgm:adjLst/>
+              </dgm:shape>
+              <dgm:presOf/>
+              <dgm:constrLst/>
+              <dgm:ruleLst/>
+            </dgm:layoutNode>
+          </dgm:forEach>
+        </dgm:forEach>
+      </dgm:if>
+      <dgm:else name="Name20">
+        <dgm:constrLst>
+          <dgm:constr type="w" for="ch" forName="parTxOnly" refType="w"/>
+          <dgm:constr type="h" for="des" forName="parTxOnly" op="equ"/>
+          <dgm:constr type="primFontSz" for="des" forName="parTxOnly" op="equ" val="65"/>
+          <dgm:constr type="w" for="ch" forName="parTxOnlySpace" refType="w" refFor="ch" refForName="parTxOnly" fact="-0.1"/>
+        </dgm:constrLst>
+        <dgm:ruleLst/>
+        <dgm:forEach name="Name21" axis="ch" ptType="node">
+          <dgm:layoutNode name="parTxOnly">
+            <dgm:varLst>
+              <dgm:chMax val="0"/>
+              <dgm:chPref val="0"/>
+              <dgm:bulletEnabled val="1"/>
+            </dgm:varLst>
+            <dgm:alg type="tx"/>
+            <dgm:choose name="Name22">
+              <dgm:if name="Name23" func="var" arg="dir" op="equ" val="norm">
+                <dgm:shape xmlns:r="http://schemas.openxmlformats.org/officeDocument/2006/relationships" type="chevron" r:blip="">
+                  <dgm:adjLst/>
+                </dgm:shape>
+              </dgm:if>
+              <dgm:else name="Name24">
+                <dgm:shape xmlns:r="http://schemas.openxmlformats.org/officeDocument/2006/relationships" rot="180" type="chevron" r:blip="">
+                  <dgm:adjLst/>
+                </dgm:shape>
+              </dgm:else>
+            </dgm:choose>
+            <dgm:presOf axis="self" ptType="node"/>
+            <dgm:choose name="Name25">
+              <dgm:if name="Name26" func="var" arg="dir" op="equ" val="norm">
+                <dgm:constrLst>
+                  <dgm:constr type="h" refType="w" op="equ" fact="0.4"/>
+                  <dgm:constr type="tMarg" refType="primFontSz" fact="0.105"/>
+                  <dgm:constr type="bMarg" refType="primFontSz" fact="0.105"/>
+                  <dgm:constr type="lMarg" refType="primFontSz" fact="0.315"/>
+                  <dgm:constr type="rMarg" refType="primFontSz" fact="0.105"/>
+                </dgm:constrLst>
+              </dgm:if>
+              <dgm:else name="Name27">
+                <dgm:constrLst>
+                  <dgm:constr type="h" refType="w" op="equ" fact="0.4"/>
+                  <dgm:constr type="tMarg" refType="primFontSz" fact="0.105"/>
+                  <dgm:constr type="bMarg" refType="primFontSz" fact="0.105"/>
+                  <dgm:constr type="lMarg" refType="primFontSz" fact="0.105"/>
+                  <dgm:constr type="rMarg" refType="primFontSz" fact="0.315"/>
+                </dgm:constrLst>
+              </dgm:else>
+            </dgm:choose>
+            <dgm:ruleLst>
+              <dgm:rule type="primFontSz" val="5" fact="NaN" max="NaN"/>
+            </dgm:ruleLst>
+          </dgm:layoutNode>
+          <dgm:forEach name="Name28" axis="followSib" ptType="sibTrans" cnt="1">
+            <dgm:layoutNode name="parTxOnlySpace">
+              <dgm:alg type="sp"/>
+              <dgm:shape xmlns:r="http://schemas.openxmlformats.org/officeDocument/2006/relationships" r:blip="">
+                <dgm:adjLst/>
+              </dgm:shape>
+              <dgm:presOf/>
+              <dgm:constrLst/>
+              <dgm:ruleLst/>
+            </dgm:layoutNode>
+          </dgm:forEach>
+        </dgm:forEach>
+      </dgm:else>
+    </dgm:choose>
+  </dgm:layoutNode>
+</dgm:layoutDef>
+</file>
+
 <file path=ppt/diagrams/quickStyle1.xml><?xml version="1.0" encoding="utf-8"?>
 <dgm:styleDef xmlns:dgm="http://schemas.openxmlformats.org/drawingml/2006/diagram" xmlns:a="http://schemas.openxmlformats.org/drawingml/2006/main" uniqueId="urn:microsoft.com/office/officeart/2005/8/quickstyle/simple1">
   <dgm:title val=""/>
@@ -12265,6 +14515,1040 @@
 </file>
 
 <file path=ppt/diagrams/quickStyle5.xml><?xml version="1.0" encoding="utf-8"?>
+<dgm:styleDef xmlns:dgm="http://schemas.openxmlformats.org/drawingml/2006/diagram" xmlns:a="http://schemas.openxmlformats.org/drawingml/2006/main" uniqueId="urn:microsoft.com/office/officeart/2005/8/quickstyle/simple1">
+  <dgm:title val=""/>
+  <dgm:desc val=""/>
+  <dgm:catLst>
+    <dgm:cat type="simple" pri="10100"/>
+  </dgm:catLst>
+  <dgm:scene3d>
+    <a:camera prst="orthographicFront"/>
+    <a:lightRig rig="threePt" dir="t"/>
+  </dgm:scene3d>
+  <dgm:styleLbl name="node0">
+    <dgm:scene3d>
+      <a:camera prst="orthographicFront"/>
+      <a:lightRig rig="threePt" dir="t"/>
+    </dgm:scene3d>
+    <dgm:sp3d/>
+    <dgm:txPr/>
+    <dgm:style>
+      <a:lnRef idx="2">
+        <a:scrgbClr r="0" g="0" b="0"/>
+      </a:lnRef>
+      <a:fillRef idx="1">
+        <a:scrgbClr r="0" g="0" b="0"/>
+      </a:fillRef>
+      <a:effectRef idx="0">
+        <a:scrgbClr r="0" g="0" b="0"/>
+      </a:effectRef>
+      <a:fontRef idx="minor">
+        <a:schemeClr val="lt1"/>
+      </a:fontRef>
+    </dgm:style>
+  </dgm:styleLbl>
+  <dgm:styleLbl name="lnNode1">
+    <dgm:scene3d>
+      <a:camera prst="orthographicFront"/>
+      <a:lightRig rig="threePt" dir="t"/>
+    </dgm:scene3d>
+    <dgm:sp3d/>
+    <dgm:txPr/>
+    <dgm:style>
+      <a:lnRef idx="2">
+        <a:scrgbClr r="0" g="0" b="0"/>
+      </a:lnRef>
+      <a:fillRef idx="1">
+        <a:scrgbClr r="0" g="0" b="0"/>
+      </a:fillRef>
+      <a:effectRef idx="0">
+        <a:scrgbClr r="0" g="0" b="0"/>
+      </a:effectRef>
+      <a:fontRef idx="minor">
+        <a:schemeClr val="lt1"/>
+      </a:fontRef>
+    </dgm:style>
+  </dgm:styleLbl>
+  <dgm:styleLbl name="vennNode1">
+    <dgm:scene3d>
+      <a:camera prst="orthographicFront"/>
+      <a:lightRig rig="threePt" dir="t"/>
+    </dgm:scene3d>
+    <dgm:sp3d/>
+    <dgm:txPr/>
+    <dgm:style>
+      <a:lnRef idx="2">
+        <a:scrgbClr r="0" g="0" b="0"/>
+      </a:lnRef>
+      <a:fillRef idx="1">
+        <a:scrgbClr r="0" g="0" b="0"/>
+      </a:fillRef>
+      <a:effectRef idx="0">
+        <a:scrgbClr r="0" g="0" b="0"/>
+      </a:effectRef>
+      <a:fontRef idx="minor">
+        <a:schemeClr val="tx1"/>
+      </a:fontRef>
+    </dgm:style>
+  </dgm:styleLbl>
+  <dgm:styleLbl name="alignNode1">
+    <dgm:scene3d>
+      <a:camera prst="orthographicFront"/>
+      <a:lightRig rig="threePt" dir="t"/>
+    </dgm:scene3d>
+    <dgm:sp3d/>
+    <dgm:txPr/>
+    <dgm:style>
+      <a:lnRef idx="2">
+        <a:scrgbClr r="0" g="0" b="0"/>
+      </a:lnRef>
+      <a:fillRef idx="1">
+        <a:scrgbClr r="0" g="0" b="0"/>
+      </a:fillRef>
+      <a:effectRef idx="0">
+        <a:scrgbClr r="0" g="0" b="0"/>
+      </a:effectRef>
+      <a:fontRef idx="minor">
+        <a:schemeClr val="lt1"/>
+      </a:fontRef>
+    </dgm:style>
+  </dgm:styleLbl>
+  <dgm:styleLbl name="node1">
+    <dgm:scene3d>
+      <a:camera prst="orthographicFront"/>
+      <a:lightRig rig="threePt" dir="t"/>
+    </dgm:scene3d>
+    <dgm:sp3d/>
+    <dgm:txPr/>
+    <dgm:style>
+      <a:lnRef idx="2">
+        <a:scrgbClr r="0" g="0" b="0"/>
+      </a:lnRef>
+      <a:fillRef idx="1">
+        <a:scrgbClr r="0" g="0" b="0"/>
+      </a:fillRef>
+      <a:effectRef idx="0">
+        <a:scrgbClr r="0" g="0" b="0"/>
+      </a:effectRef>
+      <a:fontRef idx="minor">
+        <a:schemeClr val="lt1"/>
+      </a:fontRef>
+    </dgm:style>
+  </dgm:styleLbl>
+  <dgm:styleLbl name="node2">
+    <dgm:scene3d>
+      <a:camera prst="orthographicFront"/>
+      <a:lightRig rig="threePt" dir="t"/>
+    </dgm:scene3d>
+    <dgm:sp3d/>
+    <dgm:txPr/>
+    <dgm:style>
+      <a:lnRef idx="2">
+        <a:scrgbClr r="0" g="0" b="0"/>
+      </a:lnRef>
+      <a:fillRef idx="1">
+        <a:scrgbClr r="0" g="0" b="0"/>
+      </a:fillRef>
+      <a:effectRef idx="0">
+        <a:scrgbClr r="0" g="0" b="0"/>
+      </a:effectRef>
+      <a:fontRef idx="minor">
+        <a:schemeClr val="lt1"/>
+      </a:fontRef>
+    </dgm:style>
+  </dgm:styleLbl>
+  <dgm:styleLbl name="node3">
+    <dgm:scene3d>
+      <a:camera prst="orthographicFront"/>
+      <a:lightRig rig="threePt" dir="t"/>
+    </dgm:scene3d>
+    <dgm:sp3d/>
+    <dgm:txPr/>
+    <dgm:style>
+      <a:lnRef idx="2">
+        <a:scrgbClr r="0" g="0" b="0"/>
+      </a:lnRef>
+      <a:fillRef idx="1">
+        <a:scrgbClr r="0" g="0" b="0"/>
+      </a:fillRef>
+      <a:effectRef idx="0">
+        <a:scrgbClr r="0" g="0" b="0"/>
+      </a:effectRef>
+      <a:fontRef idx="minor">
+        <a:schemeClr val="lt1"/>
+      </a:fontRef>
+    </dgm:style>
+  </dgm:styleLbl>
+  <dgm:styleLbl name="node4">
+    <dgm:scene3d>
+      <a:camera prst="orthographicFront"/>
+      <a:lightRig rig="threePt" dir="t"/>
+    </dgm:scene3d>
+    <dgm:sp3d/>
+    <dgm:txPr/>
+    <dgm:style>
+      <a:lnRef idx="2">
+        <a:scrgbClr r="0" g="0" b="0"/>
+      </a:lnRef>
+      <a:fillRef idx="1">
+        <a:scrgbClr r="0" g="0" b="0"/>
+      </a:fillRef>
+      <a:effectRef idx="0">
+        <a:scrgbClr r="0" g="0" b="0"/>
+      </a:effectRef>
+      <a:fontRef idx="minor">
+        <a:schemeClr val="lt1"/>
+      </a:fontRef>
+    </dgm:style>
+  </dgm:styleLbl>
+  <dgm:styleLbl name="fgImgPlace1">
+    <dgm:scene3d>
+      <a:camera prst="orthographicFront"/>
+      <a:lightRig rig="threePt" dir="t"/>
+    </dgm:scene3d>
+    <dgm:sp3d/>
+    <dgm:txPr/>
+    <dgm:style>
+      <a:lnRef idx="2">
+        <a:scrgbClr r="0" g="0" b="0"/>
+      </a:lnRef>
+      <a:fillRef idx="1">
+        <a:scrgbClr r="0" g="0" b="0"/>
+      </a:fillRef>
+      <a:effectRef idx="0">
+        <a:scrgbClr r="0" g="0" b="0"/>
+      </a:effectRef>
+      <a:fontRef idx="minor"/>
+    </dgm:style>
+  </dgm:styleLbl>
+  <dgm:styleLbl name="alignImgPlace1">
+    <dgm:scene3d>
+      <a:camera prst="orthographicFront"/>
+      <a:lightRig rig="threePt" dir="t"/>
+    </dgm:scene3d>
+    <dgm:sp3d/>
+    <dgm:txPr/>
+    <dgm:style>
+      <a:lnRef idx="2">
+        <a:scrgbClr r="0" g="0" b="0"/>
+      </a:lnRef>
+      <a:fillRef idx="1">
+        <a:scrgbClr r="0" g="0" b="0"/>
+      </a:fillRef>
+      <a:effectRef idx="0">
+        <a:scrgbClr r="0" g="0" b="0"/>
+      </a:effectRef>
+      <a:fontRef idx="minor"/>
+    </dgm:style>
+  </dgm:styleLbl>
+  <dgm:styleLbl name="bgImgPlace1">
+    <dgm:scene3d>
+      <a:camera prst="orthographicFront"/>
+      <a:lightRig rig="threePt" dir="t"/>
+    </dgm:scene3d>
+    <dgm:sp3d/>
+    <dgm:txPr/>
+    <dgm:style>
+      <a:lnRef idx="2">
+        <a:scrgbClr r="0" g="0" b="0"/>
+      </a:lnRef>
+      <a:fillRef idx="1">
+        <a:scrgbClr r="0" g="0" b="0"/>
+      </a:fillRef>
+      <a:effectRef idx="0">
+        <a:scrgbClr r="0" g="0" b="0"/>
+      </a:effectRef>
+      <a:fontRef idx="minor"/>
+    </dgm:style>
+  </dgm:styleLbl>
+  <dgm:styleLbl name="sibTrans2D1">
+    <dgm:scene3d>
+      <a:camera prst="orthographicFront"/>
+      <a:lightRig rig="threePt" dir="t"/>
+    </dgm:scene3d>
+    <dgm:sp3d/>
+    <dgm:txPr/>
+    <dgm:style>
+      <a:lnRef idx="0">
+        <a:scrgbClr r="0" g="0" b="0"/>
+      </a:lnRef>
+      <a:fillRef idx="1">
+        <a:scrgbClr r="0" g="0" b="0"/>
+      </a:fillRef>
+      <a:effectRef idx="0">
+        <a:scrgbClr r="0" g="0" b="0"/>
+      </a:effectRef>
+      <a:fontRef idx="minor">
+        <a:schemeClr val="lt1"/>
+      </a:fontRef>
+    </dgm:style>
+  </dgm:styleLbl>
+  <dgm:styleLbl name="fgSibTrans2D1">
+    <dgm:scene3d>
+      <a:camera prst="orthographicFront"/>
+      <a:lightRig rig="threePt" dir="t"/>
+    </dgm:scene3d>
+    <dgm:sp3d/>
+    <dgm:txPr/>
+    <dgm:style>
+      <a:lnRef idx="0">
+        <a:scrgbClr r="0" g="0" b="0"/>
+      </a:lnRef>
+      <a:fillRef idx="1">
+        <a:scrgbClr r="0" g="0" b="0"/>
+      </a:fillRef>
+      <a:effectRef idx="0">
+        <a:scrgbClr r="0" g="0" b="0"/>
+      </a:effectRef>
+      <a:fontRef idx="minor">
+        <a:schemeClr val="lt1"/>
+      </a:fontRef>
+    </dgm:style>
+  </dgm:styleLbl>
+  <dgm:styleLbl name="bgSibTrans2D1">
+    <dgm:scene3d>
+      <a:camera prst="orthographicFront"/>
+      <a:lightRig rig="threePt" dir="t"/>
+    </dgm:scene3d>
+    <dgm:sp3d/>
+    <dgm:txPr/>
+    <dgm:style>
+      <a:lnRef idx="0">
+        <a:scrgbClr r="0" g="0" b="0"/>
+      </a:lnRef>
+      <a:fillRef idx="1">
+        <a:scrgbClr r="0" g="0" b="0"/>
+      </a:fillRef>
+      <a:effectRef idx="0">
+        <a:scrgbClr r="0" g="0" b="0"/>
+      </a:effectRef>
+      <a:fontRef idx="minor">
+        <a:schemeClr val="lt1"/>
+      </a:fontRef>
+    </dgm:style>
+  </dgm:styleLbl>
+  <dgm:styleLbl name="sibTrans1D1">
+    <dgm:scene3d>
+      <a:camera prst="orthographicFront"/>
+      <a:lightRig rig="threePt" dir="t"/>
+    </dgm:scene3d>
+    <dgm:sp3d/>
+    <dgm:txPr/>
+    <dgm:style>
+      <a:lnRef idx="1">
+        <a:scrgbClr r="0" g="0" b="0"/>
+      </a:lnRef>
+      <a:fillRef idx="0">
+        <a:scrgbClr r="0" g="0" b="0"/>
+      </a:fillRef>
+      <a:effectRef idx="0">
+        <a:scrgbClr r="0" g="0" b="0"/>
+      </a:effectRef>
+      <a:fontRef idx="minor"/>
+    </dgm:style>
+  </dgm:styleLbl>
+  <dgm:styleLbl name="callout">
+    <dgm:scene3d>
+      <a:camera prst="orthographicFront"/>
+      <a:lightRig rig="threePt" dir="t"/>
+    </dgm:scene3d>
+    <dgm:sp3d/>
+    <dgm:txPr/>
+    <dgm:style>
+      <a:lnRef idx="2">
+        <a:scrgbClr r="0" g="0" b="0"/>
+      </a:lnRef>
+      <a:fillRef idx="1">
+        <a:scrgbClr r="0" g="0" b="0"/>
+      </a:fillRef>
+      <a:effectRef idx="0">
+        <a:scrgbClr r="0" g="0" b="0"/>
+      </a:effectRef>
+      <a:fontRef idx="minor"/>
+    </dgm:style>
+  </dgm:styleLbl>
+  <dgm:styleLbl name="asst0">
+    <dgm:scene3d>
+      <a:camera prst="orthographicFront"/>
+      <a:lightRig rig="threePt" dir="t"/>
+    </dgm:scene3d>
+    <dgm:sp3d/>
+    <dgm:txPr/>
+    <dgm:style>
+      <a:lnRef idx="2">
+        <a:scrgbClr r="0" g="0" b="0"/>
+      </a:lnRef>
+      <a:fillRef idx="1">
+        <a:scrgbClr r="0" g="0" b="0"/>
+      </a:fillRef>
+      <a:effectRef idx="0">
+        <a:scrgbClr r="0" g="0" b="0"/>
+      </a:effectRef>
+      <a:fontRef idx="minor">
+        <a:schemeClr val="lt1"/>
+      </a:fontRef>
+    </dgm:style>
+  </dgm:styleLbl>
+  <dgm:styleLbl name="asst1">
+    <dgm:scene3d>
+      <a:camera prst="orthographicFront"/>
+      <a:lightRig rig="threePt" dir="t"/>
+    </dgm:scene3d>
+    <dgm:sp3d/>
+    <dgm:txPr/>
+    <dgm:style>
+      <a:lnRef idx="2">
+        <a:scrgbClr r="0" g="0" b="0"/>
+      </a:lnRef>
+      <a:fillRef idx="1">
+        <a:scrgbClr r="0" g="0" b="0"/>
+      </a:fillRef>
+      <a:effectRef idx="0">
+        <a:scrgbClr r="0" g="0" b="0"/>
+      </a:effectRef>
+      <a:fontRef idx="minor">
+        <a:schemeClr val="lt1"/>
+      </a:fontRef>
+    </dgm:style>
+  </dgm:styleLbl>
+  <dgm:styleLbl name="asst2">
+    <dgm:scene3d>
+      <a:camera prst="orthographicFront"/>
+      <a:lightRig rig="threePt" dir="t"/>
+    </dgm:scene3d>
+    <dgm:sp3d/>
+    <dgm:txPr/>
+    <dgm:style>
+      <a:lnRef idx="2">
+        <a:scrgbClr r="0" g="0" b="0"/>
+      </a:lnRef>
+      <a:fillRef idx="1">
+        <a:scrgbClr r="0" g="0" b="0"/>
+      </a:fillRef>
+      <a:effectRef idx="0">
+        <a:scrgbClr r="0" g="0" b="0"/>
+      </a:effectRef>
+      <a:fontRef idx="minor">
+        <a:schemeClr val="lt1"/>
+      </a:fontRef>
+    </dgm:style>
+  </dgm:styleLbl>
+  <dgm:styleLbl name="asst3">
+    <dgm:scene3d>
+      <a:camera prst="orthographicFront"/>
+      <a:lightRig rig="threePt" dir="t"/>
+    </dgm:scene3d>
+    <dgm:sp3d/>
+    <dgm:txPr/>
+    <dgm:style>
+      <a:lnRef idx="2">
+        <a:scrgbClr r="0" g="0" b="0"/>
+      </a:lnRef>
+      <a:fillRef idx="1">
+        <a:scrgbClr r="0" g="0" b="0"/>
+      </a:fillRef>
+      <a:effectRef idx="0">
+        <a:scrgbClr r="0" g="0" b="0"/>
+      </a:effectRef>
+      <a:fontRef idx="minor">
+        <a:schemeClr val="lt1"/>
+      </a:fontRef>
+    </dgm:style>
+  </dgm:styleLbl>
+  <dgm:styleLbl name="asst4">
+    <dgm:scene3d>
+      <a:camera prst="orthographicFront"/>
+      <a:lightRig rig="threePt" dir="t"/>
+    </dgm:scene3d>
+    <dgm:sp3d/>
+    <dgm:txPr/>
+    <dgm:style>
+      <a:lnRef idx="2">
+        <a:scrgbClr r="0" g="0" b="0"/>
+      </a:lnRef>
+      <a:fillRef idx="1">
+        <a:scrgbClr r="0" g="0" b="0"/>
+      </a:fillRef>
+      <a:effectRef idx="0">
+        <a:scrgbClr r="0" g="0" b="0"/>
+      </a:effectRef>
+      <a:fontRef idx="minor">
+        <a:schemeClr val="lt1"/>
+      </a:fontRef>
+    </dgm:style>
+  </dgm:styleLbl>
+  <dgm:styleLbl name="parChTrans2D1">
+    <dgm:scene3d>
+      <a:camera prst="orthographicFront"/>
+      <a:lightRig rig="threePt" dir="t"/>
+    </dgm:scene3d>
+    <dgm:sp3d/>
+    <dgm:txPr/>
+    <dgm:style>
+      <a:lnRef idx="2">
+        <a:scrgbClr r="0" g="0" b="0"/>
+      </a:lnRef>
+      <a:fillRef idx="1">
+        <a:scrgbClr r="0" g="0" b="0"/>
+      </a:fillRef>
+      <a:effectRef idx="0">
+        <a:scrgbClr r="0" g="0" b="0"/>
+      </a:effectRef>
+      <a:fontRef idx="minor">
+        <a:schemeClr val="lt1"/>
+      </a:fontRef>
+    </dgm:style>
+  </dgm:styleLbl>
+  <dgm:styleLbl name="parChTrans2D2">
+    <dgm:scene3d>
+      <a:camera prst="orthographicFront"/>
+      <a:lightRig rig="threePt" dir="t"/>
+    </dgm:scene3d>
+    <dgm:sp3d/>
+    <dgm:txPr/>
+    <dgm:style>
+      <a:lnRef idx="2">
+        <a:scrgbClr r="0" g="0" b="0"/>
+      </a:lnRef>
+      <a:fillRef idx="1">
+        <a:scrgbClr r="0" g="0" b="0"/>
+      </a:fillRef>
+      <a:effectRef idx="0">
+        <a:scrgbClr r="0" g="0" b="0"/>
+      </a:effectRef>
+      <a:fontRef idx="minor">
+        <a:schemeClr val="lt1"/>
+      </a:fontRef>
+    </dgm:style>
+  </dgm:styleLbl>
+  <dgm:styleLbl name="parChTrans2D3">
+    <dgm:scene3d>
+      <a:camera prst="orthographicFront"/>
+      <a:lightRig rig="threePt" dir="t"/>
+    </dgm:scene3d>
+    <dgm:sp3d/>
+    <dgm:txPr/>
+    <dgm:style>
+      <a:lnRef idx="2">
+        <a:scrgbClr r="0" g="0" b="0"/>
+      </a:lnRef>
+      <a:fillRef idx="1">
+        <a:scrgbClr r="0" g="0" b="0"/>
+      </a:fillRef>
+      <a:effectRef idx="0">
+        <a:scrgbClr r="0" g="0" b="0"/>
+      </a:effectRef>
+      <a:fontRef idx="minor">
+        <a:schemeClr val="lt1"/>
+      </a:fontRef>
+    </dgm:style>
+  </dgm:styleLbl>
+  <dgm:styleLbl name="parChTrans2D4">
+    <dgm:scene3d>
+      <a:camera prst="orthographicFront"/>
+      <a:lightRig rig="threePt" dir="t"/>
+    </dgm:scene3d>
+    <dgm:sp3d/>
+    <dgm:txPr/>
+    <dgm:style>
+      <a:lnRef idx="2">
+        <a:scrgbClr r="0" g="0" b="0"/>
+      </a:lnRef>
+      <a:fillRef idx="1">
+        <a:scrgbClr r="0" g="0" b="0"/>
+      </a:fillRef>
+      <a:effectRef idx="0">
+        <a:scrgbClr r="0" g="0" b="0"/>
+      </a:effectRef>
+      <a:fontRef idx="minor">
+        <a:schemeClr val="lt1"/>
+      </a:fontRef>
+    </dgm:style>
+  </dgm:styleLbl>
+  <dgm:styleLbl name="parChTrans1D1">
+    <dgm:scene3d>
+      <a:camera prst="orthographicFront"/>
+      <a:lightRig rig="threePt" dir="t"/>
+    </dgm:scene3d>
+    <dgm:sp3d/>
+    <dgm:txPr/>
+    <dgm:style>
+      <a:lnRef idx="2">
+        <a:scrgbClr r="0" g="0" b="0"/>
+      </a:lnRef>
+      <a:fillRef idx="0">
+        <a:scrgbClr r="0" g="0" b="0"/>
+      </a:fillRef>
+      <a:effectRef idx="0">
+        <a:scrgbClr r="0" g="0" b="0"/>
+      </a:effectRef>
+      <a:fontRef idx="minor"/>
+    </dgm:style>
+  </dgm:styleLbl>
+  <dgm:styleLbl name="parChTrans1D2">
+    <dgm:scene3d>
+      <a:camera prst="orthographicFront"/>
+      <a:lightRig rig="threePt" dir="t"/>
+    </dgm:scene3d>
+    <dgm:sp3d/>
+    <dgm:txPr/>
+    <dgm:style>
+      <a:lnRef idx="2">
+        <a:scrgbClr r="0" g="0" b="0"/>
+      </a:lnRef>
+      <a:fillRef idx="0">
+        <a:scrgbClr r="0" g="0" b="0"/>
+      </a:fillRef>
+      <a:effectRef idx="0">
+        <a:scrgbClr r="0" g="0" b="0"/>
+      </a:effectRef>
+      <a:fontRef idx="minor"/>
+    </dgm:style>
+  </dgm:styleLbl>
+  <dgm:styleLbl name="parChTrans1D3">
+    <dgm:scene3d>
+      <a:camera prst="orthographicFront"/>
+      <a:lightRig rig="threePt" dir="t"/>
+    </dgm:scene3d>
+    <dgm:sp3d/>
+    <dgm:txPr/>
+    <dgm:style>
+      <a:lnRef idx="2">
+        <a:scrgbClr r="0" g="0" b="0"/>
+      </a:lnRef>
+      <a:fillRef idx="0">
+        <a:scrgbClr r="0" g="0" b="0"/>
+      </a:fillRef>
+      <a:effectRef idx="0">
+        <a:scrgbClr r="0" g="0" b="0"/>
+      </a:effectRef>
+      <a:fontRef idx="minor"/>
+    </dgm:style>
+  </dgm:styleLbl>
+  <dgm:styleLbl name="parChTrans1D4">
+    <dgm:scene3d>
+      <a:camera prst="orthographicFront"/>
+      <a:lightRig rig="threePt" dir="t"/>
+    </dgm:scene3d>
+    <dgm:sp3d/>
+    <dgm:txPr/>
+    <dgm:style>
+      <a:lnRef idx="2">
+        <a:scrgbClr r="0" g="0" b="0"/>
+      </a:lnRef>
+      <a:fillRef idx="0">
+        <a:scrgbClr r="0" g="0" b="0"/>
+      </a:fillRef>
+      <a:effectRef idx="0">
+        <a:scrgbClr r="0" g="0" b="0"/>
+      </a:effectRef>
+      <a:fontRef idx="minor"/>
+    </dgm:style>
+  </dgm:styleLbl>
+  <dgm:styleLbl name="fgAcc1">
+    <dgm:scene3d>
+      <a:camera prst="orthographicFront"/>
+      <a:lightRig rig="threePt" dir="t"/>
+    </dgm:scene3d>
+    <dgm:sp3d/>
+    <dgm:txPr/>
+    <dgm:style>
+      <a:lnRef idx="2">
+        <a:scrgbClr r="0" g="0" b="0"/>
+      </a:lnRef>
+      <a:fillRef idx="1">
+        <a:scrgbClr r="0" g="0" b="0"/>
+      </a:fillRef>
+      <a:effectRef idx="0">
+        <a:scrgbClr r="0" g="0" b="0"/>
+      </a:effectRef>
+      <a:fontRef idx="minor"/>
+    </dgm:style>
+  </dgm:styleLbl>
+  <dgm:styleLbl name="conFgAcc1">
+    <dgm:scene3d>
+      <a:camera prst="orthographicFront"/>
+      <a:lightRig rig="threePt" dir="t"/>
+    </dgm:scene3d>
+    <dgm:sp3d/>
+    <dgm:txPr/>
+    <dgm:style>
+      <a:lnRef idx="2">
+        <a:scrgbClr r="0" g="0" b="0"/>
+      </a:lnRef>
+      <a:fillRef idx="1">
+        <a:scrgbClr r="0" g="0" b="0"/>
+      </a:fillRef>
+      <a:effectRef idx="0">
+        <a:scrgbClr r="0" g="0" b="0"/>
+      </a:effectRef>
+      <a:fontRef idx="minor"/>
+    </dgm:style>
+  </dgm:styleLbl>
+  <dgm:styleLbl name="alignAcc1">
+    <dgm:scene3d>
+      <a:camera prst="orthographicFront"/>
+      <a:lightRig rig="threePt" dir="t"/>
+    </dgm:scene3d>
+    <dgm:sp3d/>
+    <dgm:txPr/>
+    <dgm:style>
+      <a:lnRef idx="2">
+        <a:scrgbClr r="0" g="0" b="0"/>
+      </a:lnRef>
+      <a:fillRef idx="1">
+        <a:scrgbClr r="0" g="0" b="0"/>
+      </a:fillRef>
+      <a:effectRef idx="0">
+        <a:scrgbClr r="0" g="0" b="0"/>
+      </a:effectRef>
+      <a:fontRef idx="minor"/>
+    </dgm:style>
+  </dgm:styleLbl>
+  <dgm:styleLbl name="trAlignAcc1">
+    <dgm:scene3d>
+      <a:camera prst="orthographicFront"/>
+      <a:lightRig rig="threePt" dir="t"/>
+    </dgm:scene3d>
+    <dgm:sp3d/>
+    <dgm:txPr/>
+    <dgm:style>
+      <a:lnRef idx="1">
+        <a:scrgbClr r="0" g="0" b="0"/>
+      </a:lnRef>
+      <a:fillRef idx="1">
+        <a:scrgbClr r="0" g="0" b="0"/>
+      </a:fillRef>
+      <a:effectRef idx="0">
+        <a:scrgbClr r="0" g="0" b="0"/>
+      </a:effectRef>
+      <a:fontRef idx="minor"/>
+    </dgm:style>
+  </dgm:styleLbl>
+  <dgm:styleLbl name="bgAcc1">
+    <dgm:scene3d>
+      <a:camera prst="orthographicFront"/>
+      <a:lightRig rig="threePt" dir="t"/>
+    </dgm:scene3d>
+    <dgm:sp3d/>
+    <dgm:txPr/>
+    <dgm:style>
+      <a:lnRef idx="2">
+        <a:scrgbClr r="0" g="0" b="0"/>
+      </a:lnRef>
+      <a:fillRef idx="1">
+        <a:scrgbClr r="0" g="0" b="0"/>
+      </a:fillRef>
+      <a:effectRef idx="0">
+        <a:scrgbClr r="0" g="0" b="0"/>
+      </a:effectRef>
+      <a:fontRef idx="minor"/>
+    </dgm:style>
+  </dgm:styleLbl>
+  <dgm:styleLbl name="solidFgAcc1">
+    <dgm:scene3d>
+      <a:camera prst="orthographicFront"/>
+      <a:lightRig rig="threePt" dir="t"/>
+    </dgm:scene3d>
+    <dgm:sp3d/>
+    <dgm:txPr/>
+    <dgm:style>
+      <a:lnRef idx="2">
+        <a:scrgbClr r="0" g="0" b="0"/>
+      </a:lnRef>
+      <a:fillRef idx="1">
+        <a:scrgbClr r="0" g="0" b="0"/>
+      </a:fillRef>
+      <a:effectRef idx="0">
+        <a:scrgbClr r="0" g="0" b="0"/>
+      </a:effectRef>
+      <a:fontRef idx="minor"/>
+    </dgm:style>
+  </dgm:styleLbl>
+  <dgm:styleLbl name="solidAlignAcc1">
+    <dgm:scene3d>
+      <a:camera prst="orthographicFront"/>
+      <a:lightRig rig="threePt" dir="t"/>
+    </dgm:scene3d>
+    <dgm:sp3d/>
+    <dgm:txPr/>
+    <dgm:style>
+      <a:lnRef idx="2">
+        <a:scrgbClr r="0" g="0" b="0"/>
+      </a:lnRef>
+      <a:fillRef idx="1">
+        <a:scrgbClr r="0" g="0" b="0"/>
+      </a:fillRef>
+      <a:effectRef idx="0">
+        <a:scrgbClr r="0" g="0" b="0"/>
+      </a:effectRef>
+      <a:fontRef idx="minor"/>
+    </dgm:style>
+  </dgm:styleLbl>
+  <dgm:styleLbl name="solidBgAcc1">
+    <dgm:scene3d>
+      <a:camera prst="orthographicFront"/>
+      <a:lightRig rig="threePt" dir="t"/>
+    </dgm:scene3d>
+    <dgm:sp3d/>
+    <dgm:txPr/>
+    <dgm:style>
+      <a:lnRef idx="2">
+        <a:scrgbClr r="0" g="0" b="0"/>
+      </a:lnRef>
+      <a:fillRef idx="1">
+        <a:scrgbClr r="0" g="0" b="0"/>
+      </a:fillRef>
+      <a:effectRef idx="0">
+        <a:scrgbClr r="0" g="0" b="0"/>
+      </a:effectRef>
+      <a:fontRef idx="minor"/>
+    </dgm:style>
+  </dgm:styleLbl>
+  <dgm:styleLbl name="fgAccFollowNode1">
+    <dgm:scene3d>
+      <a:camera prst="orthographicFront"/>
+      <a:lightRig rig="threePt" dir="t"/>
+    </dgm:scene3d>
+    <dgm:sp3d/>
+    <dgm:txPr/>
+    <dgm:style>
+      <a:lnRef idx="2">
+        <a:scrgbClr r="0" g="0" b="0"/>
+      </a:lnRef>
+      <a:fillRef idx="1">
+        <a:scrgbClr r="0" g="0" b="0"/>
+      </a:fillRef>
+      <a:effectRef idx="0">
+        <a:scrgbClr r="0" g="0" b="0"/>
+      </a:effectRef>
+      <a:fontRef idx="minor"/>
+    </dgm:style>
+  </dgm:styleLbl>
+  <dgm:styleLbl name="alignAccFollowNode1">
+    <dgm:scene3d>
+      <a:camera prst="orthographicFront"/>
+      <a:lightRig rig="threePt" dir="t"/>
+    </dgm:scene3d>
+    <dgm:sp3d/>
+    <dgm:txPr/>
+    <dgm:style>
+      <a:lnRef idx="2">
+        <a:scrgbClr r="0" g="0" b="0"/>
+      </a:lnRef>
+      <a:fillRef idx="1">
+        <a:scrgbClr r="0" g="0" b="0"/>
+      </a:fillRef>
+      <a:effectRef idx="0">
+        <a:scrgbClr r="0" g="0" b="0"/>
+      </a:effectRef>
+      <a:fontRef idx="minor"/>
+    </dgm:style>
+  </dgm:styleLbl>
+  <dgm:styleLbl name="bgAccFollowNode1">
+    <dgm:scene3d>
+      <a:camera prst="orthographicFront"/>
+      <a:lightRig rig="threePt" dir="t"/>
+    </dgm:scene3d>
+    <dgm:sp3d/>
+    <dgm:txPr/>
+    <dgm:style>
+      <a:lnRef idx="2">
+        <a:scrgbClr r="0" g="0" b="0"/>
+      </a:lnRef>
+      <a:fillRef idx="1">
+        <a:scrgbClr r="0" g="0" b="0"/>
+      </a:fillRef>
+      <a:effectRef idx="0">
+        <a:scrgbClr r="0" g="0" b="0"/>
+      </a:effectRef>
+      <a:fontRef idx="minor"/>
+    </dgm:style>
+  </dgm:styleLbl>
+  <dgm:styleLbl name="fgAcc0">
+    <dgm:scene3d>
+      <a:camera prst="orthographicFront"/>
+      <a:lightRig rig="threePt" dir="t"/>
+    </dgm:scene3d>
+    <dgm:sp3d/>
+    <dgm:txPr/>
+    <dgm:style>
+      <a:lnRef idx="2">
+        <a:scrgbClr r="0" g="0" b="0"/>
+      </a:lnRef>
+      <a:fillRef idx="1">
+        <a:scrgbClr r="0" g="0" b="0"/>
+      </a:fillRef>
+      <a:effectRef idx="0">
+        <a:scrgbClr r="0" g="0" b="0"/>
+      </a:effectRef>
+      <a:fontRef idx="minor"/>
+    </dgm:style>
+  </dgm:styleLbl>
+  <dgm:styleLbl name="fgAcc2">
+    <dgm:scene3d>
+      <a:camera prst="orthographicFront"/>
+      <a:lightRig rig="threePt" dir="t"/>
+    </dgm:scene3d>
+    <dgm:sp3d/>
+    <dgm:txPr/>
+    <dgm:style>
+      <a:lnRef idx="2">
+        <a:scrgbClr r="0" g="0" b="0"/>
+      </a:lnRef>
+      <a:fillRef idx="1">
+        <a:scrgbClr r="0" g="0" b="0"/>
+      </a:fillRef>
+      <a:effectRef idx="0">
+        <a:scrgbClr r="0" g="0" b="0"/>
+      </a:effectRef>
+      <a:fontRef idx="minor"/>
+    </dgm:style>
+  </dgm:styleLbl>
+  <dgm:styleLbl name="fgAcc3">
+    <dgm:scene3d>
+      <a:camera prst="orthographicFront"/>
+      <a:lightRig rig="threePt" dir="t"/>
+    </dgm:scene3d>
+    <dgm:sp3d/>
+    <dgm:txPr/>
+    <dgm:style>
+      <a:lnRef idx="2">
+        <a:scrgbClr r="0" g="0" b="0"/>
+      </a:lnRef>
+      <a:fillRef idx="1">
+        <a:scrgbClr r="0" g="0" b="0"/>
+      </a:fillRef>
+      <a:effectRef idx="0">
+        <a:scrgbClr r="0" g="0" b="0"/>
+      </a:effectRef>
+      <a:fontRef idx="minor"/>
+    </dgm:style>
+  </dgm:styleLbl>
+  <dgm:styleLbl name="fgAcc4">
+    <dgm:scene3d>
+      <a:camera prst="orthographicFront"/>
+      <a:lightRig rig="threePt" dir="t"/>
+    </dgm:scene3d>
+    <dgm:sp3d/>
+    <dgm:txPr/>
+    <dgm:style>
+      <a:lnRef idx="2">
+        <a:scrgbClr r="0" g="0" b="0"/>
+      </a:lnRef>
+      <a:fillRef idx="1">
+        <a:scrgbClr r="0" g="0" b="0"/>
+      </a:fillRef>
+      <a:effectRef idx="0">
+        <a:scrgbClr r="0" g="0" b="0"/>
+      </a:effectRef>
+      <a:fontRef idx="minor"/>
+    </dgm:style>
+  </dgm:styleLbl>
+  <dgm:styleLbl name="bgShp">
+    <dgm:scene3d>
+      <a:camera prst="orthographicFront"/>
+      <a:lightRig rig="threePt" dir="t"/>
+    </dgm:scene3d>
+    <dgm:sp3d/>
+    <dgm:txPr/>
+    <dgm:style>
+      <a:lnRef idx="0">
+        <a:scrgbClr r="0" g="0" b="0"/>
+      </a:lnRef>
+      <a:fillRef idx="1">
+        <a:scrgbClr r="0" g="0" b="0"/>
+      </a:fillRef>
+      <a:effectRef idx="0">
+        <a:scrgbClr r="0" g="0" b="0"/>
+      </a:effectRef>
+      <a:fontRef idx="minor"/>
+    </dgm:style>
+  </dgm:styleLbl>
+  <dgm:styleLbl name="dkBgShp">
+    <dgm:scene3d>
+      <a:camera prst="orthographicFront"/>
+      <a:lightRig rig="threePt" dir="t"/>
+    </dgm:scene3d>
+    <dgm:sp3d/>
+    <dgm:txPr/>
+    <dgm:style>
+      <a:lnRef idx="0">
+        <a:scrgbClr r="0" g="0" b="0"/>
+      </a:lnRef>
+      <a:fillRef idx="1">
+        <a:scrgbClr r="0" g="0" b="0"/>
+      </a:fillRef>
+      <a:effectRef idx="0">
+        <a:scrgbClr r="0" g="0" b="0"/>
+      </a:effectRef>
+      <a:fontRef idx="minor"/>
+    </dgm:style>
+  </dgm:styleLbl>
+  <dgm:styleLbl name="trBgShp">
+    <dgm:scene3d>
+      <a:camera prst="orthographicFront"/>
+      <a:lightRig rig="threePt" dir="t"/>
+    </dgm:scene3d>
+    <dgm:sp3d/>
+    <dgm:txPr/>
+    <dgm:style>
+      <a:lnRef idx="0">
+        <a:scrgbClr r="0" g="0" b="0"/>
+      </a:lnRef>
+      <a:fillRef idx="1">
+        <a:scrgbClr r="0" g="0" b="0"/>
+      </a:fillRef>
+      <a:effectRef idx="0">
+        <a:scrgbClr r="0" g="0" b="0"/>
+      </a:effectRef>
+      <a:fontRef idx="minor"/>
+    </dgm:style>
+  </dgm:styleLbl>
+  <dgm:styleLbl name="fgShp">
+    <dgm:scene3d>
+      <a:camera prst="orthographicFront"/>
+      <a:lightRig rig="threePt" dir="t"/>
+    </dgm:scene3d>
+    <dgm:sp3d/>
+    <dgm:txPr/>
+    <dgm:style>
+      <a:lnRef idx="2">
+        <a:scrgbClr r="0" g="0" b="0"/>
+      </a:lnRef>
+      <a:fillRef idx="1">
+        <a:scrgbClr r="0" g="0" b="0"/>
+      </a:fillRef>
+      <a:effectRef idx="0">
+        <a:scrgbClr r="0" g="0" b="0"/>
+      </a:effectRef>
+      <a:fontRef idx="minor"/>
+    </dgm:style>
+  </dgm:styleLbl>
+  <dgm:styleLbl name="revTx">
+    <dgm:scene3d>
+      <a:camera prst="orthographicFront"/>
+      <a:lightRig rig="threePt" dir="t"/>
+    </dgm:scene3d>
+    <dgm:sp3d/>
+    <dgm:txPr/>
+    <dgm:style>
+      <a:lnRef idx="0">
+        <a:scrgbClr r="0" g="0" b="0"/>
+      </a:lnRef>
+      <a:fillRef idx="0">
+        <a:scrgbClr r="0" g="0" b="0"/>
+      </a:fillRef>
+      <a:effectRef idx="0">
+        <a:scrgbClr r="0" g="0" b="0"/>
+      </a:effectRef>
+      <a:fontRef idx="minor"/>
+    </dgm:style>
+  </dgm:styleLbl>
+</dgm:styleDef>
+</file>
+
+<file path=ppt/diagrams/quickStyle6.xml><?xml version="1.0" encoding="utf-8"?>
 <dgm:styleDef xmlns:dgm="http://schemas.openxmlformats.org/drawingml/2006/diagram" xmlns:a="http://schemas.openxmlformats.org/drawingml/2006/main" uniqueId="urn:microsoft.com/office/officeart/2005/8/quickstyle/simple1">
   <dgm:title val=""/>
   <dgm:desc val=""/>
@@ -13380,7 +16664,7 @@
           <a:p>
             <a:fld id="{B3BF51E1-E418-4EEC-836E-5CFF5E7A6C5B}" type="datetimeFigureOut">
               <a:rPr lang="de-DE" smtClean="0"/>
-              <a:t>21.01.2017</a:t>
+              <a:t>22.01.2017</a:t>
             </a:fld>
             <a:endParaRPr lang="de-DE"/>
           </a:p>
@@ -13545,7 +16829,7 @@
           <a:p>
             <a:fld id="{AAE480F6-1629-4183-9B8E-99B98793D212}" type="datetimeFigureOut">
               <a:rPr lang="de-DE" smtClean="0"/>
-              <a:t>21.01.2017</a:t>
+              <a:t>22.01.2017</a:t>
             </a:fld>
             <a:endParaRPr lang="de-DE"/>
           </a:p>
@@ -13984,7 +17268,7 @@
           <a:p>
             <a:fld id="{2C6D43BA-BF3B-4C35-86C4-88F3F3542AEC}" type="slidenum">
               <a:rPr lang="de-DE" smtClean="0"/>
-              <a:t>3</a:t>
+              <a:t>14</a:t>
             </a:fld>
             <a:endParaRPr lang="de-DE"/>
           </a:p>
@@ -28730,6 +32014,2106 @@
 </p:sldLayout>
 </file>
 
+<file path=ppt/slideLayouts/slideLayout53.xml><?xml version="1.0" encoding="utf-8"?>
+<p:sldLayout xmlns:a="http://schemas.openxmlformats.org/drawingml/2006/main" xmlns:r="http://schemas.openxmlformats.org/officeDocument/2006/relationships" xmlns:p="http://schemas.openxmlformats.org/presentationml/2006/main" type="title" preserve="1">
+  <p:cSld name="Titelfolie">
+    <p:spTree>
+      <p:nvGrpSpPr>
+        <p:cNvPr id="1" name=""/>
+        <p:cNvGrpSpPr/>
+        <p:nvPr/>
+      </p:nvGrpSpPr>
+      <p:grpSpPr>
+        <a:xfrm>
+          <a:off x="0" y="0"/>
+          <a:ext cx="0" cy="0"/>
+          <a:chOff x="0" y="0"/>
+          <a:chExt cx="0" cy="0"/>
+        </a:xfrm>
+      </p:grpSpPr>
+      <p:sp>
+        <p:nvSpPr>
+          <p:cNvPr id="2" name="Titel 1"/>
+          <p:cNvSpPr>
+            <a:spLocks noGrp="1"/>
+          </p:cNvSpPr>
+          <p:nvPr>
+            <p:ph type="ctrTitle"/>
+          </p:nvPr>
+        </p:nvSpPr>
+        <p:spPr>
+          <a:xfrm>
+            <a:off x="1524000" y="1122363"/>
+            <a:ext cx="9144000" cy="2387600"/>
+          </a:xfrm>
+        </p:spPr>
+        <p:txBody>
+          <a:bodyPr anchor="b"/>
+          <a:lstStyle>
+            <a:lvl1pPr algn="ctr">
+              <a:defRPr sz="6000"/>
+            </a:lvl1pPr>
+          </a:lstStyle>
+          <a:p>
+            <a:r>
+              <a:rPr lang="de-DE"/>
+              <a:t>Titelmasterformat durch Klicken bearbeiten</a:t>
+            </a:r>
+          </a:p>
+        </p:txBody>
+      </p:sp>
+      <p:sp>
+        <p:nvSpPr>
+          <p:cNvPr id="3" name="Untertitel 2"/>
+          <p:cNvSpPr>
+            <a:spLocks noGrp="1"/>
+          </p:cNvSpPr>
+          <p:nvPr>
+            <p:ph type="subTitle" idx="1"/>
+          </p:nvPr>
+        </p:nvSpPr>
+        <p:spPr>
+          <a:xfrm>
+            <a:off x="1524000" y="3602038"/>
+            <a:ext cx="9144000" cy="1655762"/>
+          </a:xfrm>
+        </p:spPr>
+        <p:txBody>
+          <a:bodyPr/>
+          <a:lstStyle>
+            <a:lvl1pPr marL="0" indent="0" algn="ctr">
+              <a:buNone/>
+              <a:defRPr sz="2400"/>
+            </a:lvl1pPr>
+            <a:lvl2pPr marL="457200" indent="0" algn="ctr">
+              <a:buNone/>
+              <a:defRPr sz="2000"/>
+            </a:lvl2pPr>
+            <a:lvl3pPr marL="914400" indent="0" algn="ctr">
+              <a:buNone/>
+              <a:defRPr sz="1800"/>
+            </a:lvl3pPr>
+            <a:lvl4pPr marL="1371600" indent="0" algn="ctr">
+              <a:buNone/>
+              <a:defRPr sz="1600"/>
+            </a:lvl4pPr>
+            <a:lvl5pPr marL="1828800" indent="0" algn="ctr">
+              <a:buNone/>
+              <a:defRPr sz="1600"/>
+            </a:lvl5pPr>
+            <a:lvl6pPr marL="2286000" indent="0" algn="ctr">
+              <a:buNone/>
+              <a:defRPr sz="1600"/>
+            </a:lvl6pPr>
+            <a:lvl7pPr marL="2743200" indent="0" algn="ctr">
+              <a:buNone/>
+              <a:defRPr sz="1600"/>
+            </a:lvl7pPr>
+            <a:lvl8pPr marL="3200400" indent="0" algn="ctr">
+              <a:buNone/>
+              <a:defRPr sz="1600"/>
+            </a:lvl8pPr>
+            <a:lvl9pPr marL="3657600" indent="0" algn="ctr">
+              <a:buNone/>
+              <a:defRPr sz="1600"/>
+            </a:lvl9pPr>
+          </a:lstStyle>
+          <a:p>
+            <a:r>
+              <a:rPr lang="de-DE"/>
+              <a:t>Formatvorlage des Untertitelmasters durch Klicken bearbeiten</a:t>
+            </a:r>
+          </a:p>
+        </p:txBody>
+      </p:sp>
+      <p:sp>
+        <p:nvSpPr>
+          <p:cNvPr id="7" name="Datumsplatzhalter 6"/>
+          <p:cNvSpPr>
+            <a:spLocks noGrp="1"/>
+          </p:cNvSpPr>
+          <p:nvPr>
+            <p:ph type="dt" sz="half" idx="10"/>
+          </p:nvPr>
+        </p:nvSpPr>
+        <p:spPr/>
+        <p:txBody>
+          <a:bodyPr/>
+          <a:lstStyle/>
+          <a:p>
+            <a:r>
+              <a:rPr lang="de-DE"/>
+              <a:t>23.01.2017</a:t>
+            </a:r>
+          </a:p>
+        </p:txBody>
+      </p:sp>
+      <p:sp>
+        <p:nvSpPr>
+          <p:cNvPr id="8" name="Fußzeilenplatzhalter 7"/>
+          <p:cNvSpPr>
+            <a:spLocks noGrp="1"/>
+          </p:cNvSpPr>
+          <p:nvPr>
+            <p:ph type="ftr" sz="quarter" idx="11"/>
+          </p:nvPr>
+        </p:nvSpPr>
+        <p:spPr/>
+        <p:txBody>
+          <a:bodyPr/>
+          <a:lstStyle/>
+          <a:p>
+            <a:r>
+              <a:rPr lang="de-DE"/>
+              <a:t>Florian Blessing, Lisa Böhler, Markus Götz, Jan Habersetzer, Wendelin Herrmann</a:t>
+            </a:r>
+          </a:p>
+        </p:txBody>
+      </p:sp>
+      <p:sp>
+        <p:nvSpPr>
+          <p:cNvPr id="9" name="Foliennummernplatzhalter 8"/>
+          <p:cNvSpPr>
+            <a:spLocks noGrp="1"/>
+          </p:cNvSpPr>
+          <p:nvPr>
+            <p:ph type="sldNum" sz="quarter" idx="12"/>
+          </p:nvPr>
+        </p:nvSpPr>
+        <p:spPr/>
+        <p:txBody>
+          <a:bodyPr/>
+          <a:lstStyle/>
+          <a:p>
+            <a:fld id="{9A8D1588-5235-4A3E-9519-E5C37E4E16B7}" type="slidenum">
+              <a:rPr lang="de-DE" smtClean="0"/>
+              <a:t>‹Nr.›</a:t>
+            </a:fld>
+            <a:endParaRPr lang="de-DE"/>
+          </a:p>
+        </p:txBody>
+      </p:sp>
+    </p:spTree>
+    <p:extLst>
+      <p:ext uri="{BB962C8B-B14F-4D97-AF65-F5344CB8AC3E}">
+        <p14:creationId xmlns:p14="http://schemas.microsoft.com/office/powerpoint/2010/main" val="845525973"/>
+      </p:ext>
+    </p:extLst>
+  </p:cSld>
+  <p:clrMapOvr>
+    <a:masterClrMapping/>
+  </p:clrMapOvr>
+  <p:extLst mod="1">
+    <p:ext uri="{DCECCB84-F9BA-43D5-87BE-67443E8EF086}">
+      <p15:sldGuideLst xmlns:p15="http://schemas.microsoft.com/office/powerpoint/2012/main">
+        <p15:guide id="1" orient="horz" pos="2160">
+          <p15:clr>
+            <a:srgbClr val="FBAE40"/>
+          </p15:clr>
+        </p15:guide>
+        <p15:guide id="2" pos="3840">
+          <p15:clr>
+            <a:srgbClr val="FBAE40"/>
+          </p15:clr>
+        </p15:guide>
+      </p15:sldGuideLst>
+    </p:ext>
+  </p:extLst>
+</p:sldLayout>
+</file>
+
+<file path=ppt/slideLayouts/slideLayout54.xml><?xml version="1.0" encoding="utf-8"?>
+<p:sldLayout xmlns:a="http://schemas.openxmlformats.org/drawingml/2006/main" xmlns:r="http://schemas.openxmlformats.org/officeDocument/2006/relationships" xmlns:p="http://schemas.openxmlformats.org/presentationml/2006/main" type="obj" preserve="1">
+  <p:cSld name="Titel und Inhalt">
+    <p:spTree>
+      <p:nvGrpSpPr>
+        <p:cNvPr id="1" name=""/>
+        <p:cNvGrpSpPr/>
+        <p:nvPr/>
+      </p:nvGrpSpPr>
+      <p:grpSpPr>
+        <a:xfrm>
+          <a:off x="0" y="0"/>
+          <a:ext cx="0" cy="0"/>
+          <a:chOff x="0" y="0"/>
+          <a:chExt cx="0" cy="0"/>
+        </a:xfrm>
+      </p:grpSpPr>
+      <p:sp>
+        <p:nvSpPr>
+          <p:cNvPr id="2" name="Titel 1"/>
+          <p:cNvSpPr>
+            <a:spLocks noGrp="1"/>
+          </p:cNvSpPr>
+          <p:nvPr>
+            <p:ph type="title"/>
+          </p:nvPr>
+        </p:nvSpPr>
+        <p:spPr/>
+        <p:txBody>
+          <a:bodyPr/>
+          <a:lstStyle/>
+          <a:p>
+            <a:r>
+              <a:rPr lang="de-DE"/>
+              <a:t>Titelmasterformat durch Klicken bearbeiten</a:t>
+            </a:r>
+          </a:p>
+        </p:txBody>
+      </p:sp>
+      <p:sp>
+        <p:nvSpPr>
+          <p:cNvPr id="3" name="Inhaltsplatzhalter 2"/>
+          <p:cNvSpPr>
+            <a:spLocks noGrp="1"/>
+          </p:cNvSpPr>
+          <p:nvPr>
+            <p:ph idx="1"/>
+          </p:nvPr>
+        </p:nvSpPr>
+        <p:spPr/>
+        <p:txBody>
+          <a:bodyPr/>
+          <a:lstStyle/>
+          <a:p>
+            <a:pPr lvl="0"/>
+            <a:r>
+              <a:rPr lang="de-DE"/>
+              <a:t>Formatvorlagen des Textmasters bearbeiten</a:t>
+            </a:r>
+          </a:p>
+          <a:p>
+            <a:pPr lvl="1"/>
+            <a:r>
+              <a:rPr lang="de-DE"/>
+              <a:t>Zweite Ebene</a:t>
+            </a:r>
+          </a:p>
+          <a:p>
+            <a:pPr lvl="2"/>
+            <a:r>
+              <a:rPr lang="de-DE"/>
+              <a:t>Dritte Ebene</a:t>
+            </a:r>
+          </a:p>
+          <a:p>
+            <a:pPr lvl="3"/>
+            <a:r>
+              <a:rPr lang="de-DE"/>
+              <a:t>Vierte Ebene</a:t>
+            </a:r>
+          </a:p>
+          <a:p>
+            <a:pPr lvl="4"/>
+            <a:r>
+              <a:rPr lang="de-DE"/>
+              <a:t>Fünfte Ebene</a:t>
+            </a:r>
+          </a:p>
+        </p:txBody>
+      </p:sp>
+      <p:sp>
+        <p:nvSpPr>
+          <p:cNvPr id="4" name="Datumsplatzhalter 3"/>
+          <p:cNvSpPr>
+            <a:spLocks noGrp="1"/>
+          </p:cNvSpPr>
+          <p:nvPr>
+            <p:ph type="dt" sz="half" idx="10"/>
+          </p:nvPr>
+        </p:nvSpPr>
+        <p:spPr/>
+        <p:txBody>
+          <a:bodyPr/>
+          <a:lstStyle/>
+          <a:p>
+            <a:r>
+              <a:rPr lang="de-DE"/>
+              <a:t>23.01.2017</a:t>
+            </a:r>
+          </a:p>
+        </p:txBody>
+      </p:sp>
+      <p:sp>
+        <p:nvSpPr>
+          <p:cNvPr id="5" name="Fußzeilenplatzhalter 4"/>
+          <p:cNvSpPr>
+            <a:spLocks noGrp="1"/>
+          </p:cNvSpPr>
+          <p:nvPr>
+            <p:ph type="ftr" sz="quarter" idx="11"/>
+          </p:nvPr>
+        </p:nvSpPr>
+        <p:spPr/>
+        <p:txBody>
+          <a:bodyPr/>
+          <a:lstStyle/>
+          <a:p>
+            <a:r>
+              <a:rPr lang="de-DE"/>
+              <a:t>Florian Blessing, Lisa Böhler, Markus Götz, Jan Habersetzer, Wendelin Herrmann</a:t>
+            </a:r>
+          </a:p>
+        </p:txBody>
+      </p:sp>
+      <p:sp>
+        <p:nvSpPr>
+          <p:cNvPr id="6" name="Foliennummernplatzhalter 5"/>
+          <p:cNvSpPr>
+            <a:spLocks noGrp="1"/>
+          </p:cNvSpPr>
+          <p:nvPr>
+            <p:ph type="sldNum" sz="quarter" idx="12"/>
+          </p:nvPr>
+        </p:nvSpPr>
+        <p:spPr/>
+        <p:txBody>
+          <a:bodyPr/>
+          <a:lstStyle/>
+          <a:p>
+            <a:fld id="{9A8D1588-5235-4A3E-9519-E5C37E4E16B7}" type="slidenum">
+              <a:rPr lang="de-DE" smtClean="0"/>
+              <a:t>‹Nr.›</a:t>
+            </a:fld>
+            <a:endParaRPr lang="de-DE"/>
+          </a:p>
+        </p:txBody>
+      </p:sp>
+    </p:spTree>
+    <p:extLst>
+      <p:ext uri="{BB962C8B-B14F-4D97-AF65-F5344CB8AC3E}">
+        <p14:creationId xmlns:p14="http://schemas.microsoft.com/office/powerpoint/2010/main" val="1650284660"/>
+      </p:ext>
+    </p:extLst>
+  </p:cSld>
+  <p:clrMapOvr>
+    <a:masterClrMapping/>
+  </p:clrMapOvr>
+</p:sldLayout>
+</file>
+
+<file path=ppt/slideLayouts/slideLayout55.xml><?xml version="1.0" encoding="utf-8"?>
+<p:sldLayout xmlns:a="http://schemas.openxmlformats.org/drawingml/2006/main" xmlns:r="http://schemas.openxmlformats.org/officeDocument/2006/relationships" xmlns:p="http://schemas.openxmlformats.org/presentationml/2006/main" type="twoObj" preserve="1">
+  <p:cSld name="Zwei Inhalte">
+    <p:spTree>
+      <p:nvGrpSpPr>
+        <p:cNvPr id="1" name=""/>
+        <p:cNvGrpSpPr/>
+        <p:nvPr/>
+      </p:nvGrpSpPr>
+      <p:grpSpPr>
+        <a:xfrm>
+          <a:off x="0" y="0"/>
+          <a:ext cx="0" cy="0"/>
+          <a:chOff x="0" y="0"/>
+          <a:chExt cx="0" cy="0"/>
+        </a:xfrm>
+      </p:grpSpPr>
+      <p:sp>
+        <p:nvSpPr>
+          <p:cNvPr id="2" name="Titel 1"/>
+          <p:cNvSpPr>
+            <a:spLocks noGrp="1"/>
+          </p:cNvSpPr>
+          <p:nvPr>
+            <p:ph type="title"/>
+          </p:nvPr>
+        </p:nvSpPr>
+        <p:spPr/>
+        <p:txBody>
+          <a:bodyPr/>
+          <a:lstStyle/>
+          <a:p>
+            <a:r>
+              <a:rPr lang="de-DE"/>
+              <a:t>Titelmasterformat durch Klicken bearbeiten</a:t>
+            </a:r>
+          </a:p>
+        </p:txBody>
+      </p:sp>
+      <p:sp>
+        <p:nvSpPr>
+          <p:cNvPr id="3" name="Inhaltsplatzhalter 2"/>
+          <p:cNvSpPr>
+            <a:spLocks noGrp="1"/>
+          </p:cNvSpPr>
+          <p:nvPr>
+            <p:ph sz="half" idx="1"/>
+          </p:nvPr>
+        </p:nvSpPr>
+        <p:spPr>
+          <a:xfrm>
+            <a:off x="838200" y="1825625"/>
+            <a:ext cx="5181600" cy="4351338"/>
+          </a:xfrm>
+        </p:spPr>
+        <p:txBody>
+          <a:bodyPr/>
+          <a:lstStyle/>
+          <a:p>
+            <a:pPr lvl="0"/>
+            <a:r>
+              <a:rPr lang="de-DE"/>
+              <a:t>Formatvorlagen des Textmasters bearbeiten</a:t>
+            </a:r>
+          </a:p>
+          <a:p>
+            <a:pPr lvl="1"/>
+            <a:r>
+              <a:rPr lang="de-DE"/>
+              <a:t>Zweite Ebene</a:t>
+            </a:r>
+          </a:p>
+          <a:p>
+            <a:pPr lvl="2"/>
+            <a:r>
+              <a:rPr lang="de-DE"/>
+              <a:t>Dritte Ebene</a:t>
+            </a:r>
+          </a:p>
+          <a:p>
+            <a:pPr lvl="3"/>
+            <a:r>
+              <a:rPr lang="de-DE"/>
+              <a:t>Vierte Ebene</a:t>
+            </a:r>
+          </a:p>
+          <a:p>
+            <a:pPr lvl="4"/>
+            <a:r>
+              <a:rPr lang="de-DE"/>
+              <a:t>Fünfte Ebene</a:t>
+            </a:r>
+          </a:p>
+        </p:txBody>
+      </p:sp>
+      <p:sp>
+        <p:nvSpPr>
+          <p:cNvPr id="4" name="Inhaltsplatzhalter 3"/>
+          <p:cNvSpPr>
+            <a:spLocks noGrp="1"/>
+          </p:cNvSpPr>
+          <p:nvPr>
+            <p:ph sz="half" idx="2"/>
+          </p:nvPr>
+        </p:nvSpPr>
+        <p:spPr>
+          <a:xfrm>
+            <a:off x="6172200" y="1825625"/>
+            <a:ext cx="5181600" cy="4351338"/>
+          </a:xfrm>
+        </p:spPr>
+        <p:txBody>
+          <a:bodyPr/>
+          <a:lstStyle/>
+          <a:p>
+            <a:pPr lvl="0"/>
+            <a:r>
+              <a:rPr lang="de-DE"/>
+              <a:t>Formatvorlagen des Textmasters bearbeiten</a:t>
+            </a:r>
+          </a:p>
+          <a:p>
+            <a:pPr lvl="1"/>
+            <a:r>
+              <a:rPr lang="de-DE"/>
+              <a:t>Zweite Ebene</a:t>
+            </a:r>
+          </a:p>
+          <a:p>
+            <a:pPr lvl="2"/>
+            <a:r>
+              <a:rPr lang="de-DE"/>
+              <a:t>Dritte Ebene</a:t>
+            </a:r>
+          </a:p>
+          <a:p>
+            <a:pPr lvl="3"/>
+            <a:r>
+              <a:rPr lang="de-DE"/>
+              <a:t>Vierte Ebene</a:t>
+            </a:r>
+          </a:p>
+          <a:p>
+            <a:pPr lvl="4"/>
+            <a:r>
+              <a:rPr lang="de-DE"/>
+              <a:t>Fünfte Ebene</a:t>
+            </a:r>
+          </a:p>
+        </p:txBody>
+      </p:sp>
+      <p:sp>
+        <p:nvSpPr>
+          <p:cNvPr id="5" name="Datumsplatzhalter 4"/>
+          <p:cNvSpPr>
+            <a:spLocks noGrp="1"/>
+          </p:cNvSpPr>
+          <p:nvPr>
+            <p:ph type="dt" sz="half" idx="10"/>
+          </p:nvPr>
+        </p:nvSpPr>
+        <p:spPr/>
+        <p:txBody>
+          <a:bodyPr/>
+          <a:lstStyle/>
+          <a:p>
+            <a:r>
+              <a:rPr lang="de-DE"/>
+              <a:t>23.01.2017</a:t>
+            </a:r>
+          </a:p>
+        </p:txBody>
+      </p:sp>
+      <p:sp>
+        <p:nvSpPr>
+          <p:cNvPr id="6" name="Fußzeilenplatzhalter 5"/>
+          <p:cNvSpPr>
+            <a:spLocks noGrp="1"/>
+          </p:cNvSpPr>
+          <p:nvPr>
+            <p:ph type="ftr" sz="quarter" idx="11"/>
+          </p:nvPr>
+        </p:nvSpPr>
+        <p:spPr/>
+        <p:txBody>
+          <a:bodyPr/>
+          <a:lstStyle/>
+          <a:p>
+            <a:r>
+              <a:rPr lang="de-DE"/>
+              <a:t>Florian Blessing, Lisa Böhler, Markus Götz, Jan Habersetzer, Wendelin Herrmann</a:t>
+            </a:r>
+          </a:p>
+        </p:txBody>
+      </p:sp>
+      <p:sp>
+        <p:nvSpPr>
+          <p:cNvPr id="7" name="Foliennummernplatzhalter 6"/>
+          <p:cNvSpPr>
+            <a:spLocks noGrp="1"/>
+          </p:cNvSpPr>
+          <p:nvPr>
+            <p:ph type="sldNum" sz="quarter" idx="12"/>
+          </p:nvPr>
+        </p:nvSpPr>
+        <p:spPr/>
+        <p:txBody>
+          <a:bodyPr/>
+          <a:lstStyle/>
+          <a:p>
+            <a:fld id="{9A8D1588-5235-4A3E-9519-E5C37E4E16B7}" type="slidenum">
+              <a:rPr lang="de-DE" smtClean="0"/>
+              <a:t>‹Nr.›</a:t>
+            </a:fld>
+            <a:endParaRPr lang="de-DE"/>
+          </a:p>
+        </p:txBody>
+      </p:sp>
+    </p:spTree>
+    <p:extLst>
+      <p:ext uri="{BB962C8B-B14F-4D97-AF65-F5344CB8AC3E}">
+        <p14:creationId xmlns:p14="http://schemas.microsoft.com/office/powerpoint/2010/main" val="2639654833"/>
+      </p:ext>
+    </p:extLst>
+  </p:cSld>
+  <p:clrMapOvr>
+    <a:masterClrMapping/>
+  </p:clrMapOvr>
+</p:sldLayout>
+</file>
+
+<file path=ppt/slideLayouts/slideLayout56.xml><?xml version="1.0" encoding="utf-8"?>
+<p:sldLayout xmlns:a="http://schemas.openxmlformats.org/drawingml/2006/main" xmlns:r="http://schemas.openxmlformats.org/officeDocument/2006/relationships" xmlns:p="http://schemas.openxmlformats.org/presentationml/2006/main" preserve="1" userDrawn="1">
+  <p:cSld name="Gegenüberstellung">
+    <p:spTree>
+      <p:nvGrpSpPr>
+        <p:cNvPr id="1" name=""/>
+        <p:cNvGrpSpPr/>
+        <p:nvPr/>
+      </p:nvGrpSpPr>
+      <p:grpSpPr>
+        <a:xfrm>
+          <a:off x="0" y="0"/>
+          <a:ext cx="0" cy="0"/>
+          <a:chOff x="0" y="0"/>
+          <a:chExt cx="0" cy="0"/>
+        </a:xfrm>
+      </p:grpSpPr>
+      <p:sp>
+        <p:nvSpPr>
+          <p:cNvPr id="2" name="Titel 1"/>
+          <p:cNvSpPr>
+            <a:spLocks noGrp="1"/>
+          </p:cNvSpPr>
+          <p:nvPr>
+            <p:ph type="title"/>
+          </p:nvPr>
+        </p:nvSpPr>
+        <p:spPr/>
+        <p:txBody>
+          <a:bodyPr/>
+          <a:lstStyle/>
+          <a:p>
+            <a:r>
+              <a:rPr lang="de-DE"/>
+              <a:t>Titelmasterformat durch Klicken bearbeiten</a:t>
+            </a:r>
+          </a:p>
+        </p:txBody>
+      </p:sp>
+      <p:sp>
+        <p:nvSpPr>
+          <p:cNvPr id="3" name="Datumsplatzhalter 2"/>
+          <p:cNvSpPr>
+            <a:spLocks noGrp="1"/>
+          </p:cNvSpPr>
+          <p:nvPr>
+            <p:ph type="dt" sz="half" idx="10"/>
+          </p:nvPr>
+        </p:nvSpPr>
+        <p:spPr/>
+        <p:txBody>
+          <a:bodyPr/>
+          <a:lstStyle/>
+          <a:p>
+            <a:r>
+              <a:rPr lang="de-DE"/>
+              <a:t>23.01.2017</a:t>
+            </a:r>
+          </a:p>
+        </p:txBody>
+      </p:sp>
+      <p:sp>
+        <p:nvSpPr>
+          <p:cNvPr id="4" name="Fußzeilenplatzhalter 3"/>
+          <p:cNvSpPr>
+            <a:spLocks noGrp="1"/>
+          </p:cNvSpPr>
+          <p:nvPr>
+            <p:ph type="ftr" sz="quarter" idx="11"/>
+          </p:nvPr>
+        </p:nvSpPr>
+        <p:spPr/>
+        <p:txBody>
+          <a:bodyPr/>
+          <a:lstStyle/>
+          <a:p>
+            <a:r>
+              <a:rPr lang="de-DE"/>
+              <a:t>Florian Blessing, Lisa Böhler, Markus Götz, Jan Habersetzer, Wendelin Herrmann</a:t>
+            </a:r>
+          </a:p>
+        </p:txBody>
+      </p:sp>
+      <p:sp>
+        <p:nvSpPr>
+          <p:cNvPr id="5" name="Foliennummernplatzhalter 4"/>
+          <p:cNvSpPr>
+            <a:spLocks noGrp="1"/>
+          </p:cNvSpPr>
+          <p:nvPr>
+            <p:ph type="sldNum" sz="quarter" idx="12"/>
+          </p:nvPr>
+        </p:nvSpPr>
+        <p:spPr/>
+        <p:txBody>
+          <a:bodyPr/>
+          <a:lstStyle/>
+          <a:p>
+            <a:fld id="{9A8D1588-5235-4A3E-9519-E5C37E4E16B7}" type="slidenum">
+              <a:rPr lang="de-DE" smtClean="0"/>
+              <a:t>‹Nr.›</a:t>
+            </a:fld>
+            <a:endParaRPr lang="de-DE"/>
+          </a:p>
+        </p:txBody>
+      </p:sp>
+      <p:sp>
+        <p:nvSpPr>
+          <p:cNvPr id="14" name="Inhaltsplatzhalter 13"/>
+          <p:cNvSpPr>
+            <a:spLocks noGrp="1"/>
+          </p:cNvSpPr>
+          <p:nvPr>
+            <p:ph sz="quarter" idx="16"/>
+          </p:nvPr>
+        </p:nvSpPr>
+        <p:spPr>
+          <a:xfrm>
+            <a:off x="838200" y="1866899"/>
+            <a:ext cx="3459481" cy="628651"/>
+          </a:xfrm>
+        </p:spPr>
+        <p:txBody>
+          <a:bodyPr>
+            <a:normAutofit/>
+          </a:bodyPr>
+          <a:lstStyle>
+            <a:lvl1pPr marL="0" indent="0">
+              <a:buNone/>
+              <a:defRPr/>
+            </a:lvl1pPr>
+          </a:lstStyle>
+          <a:p>
+            <a:pPr lvl="0"/>
+            <a:r>
+              <a:rPr lang="de-DE" dirty="0"/>
+              <a:t>Formatvorlagen des Textmasters bearbeiten</a:t>
+            </a:r>
+          </a:p>
+          <a:p>
+            <a:pPr lvl="1"/>
+            <a:r>
+              <a:rPr lang="de-DE" dirty="0"/>
+              <a:t>Zweite Ebene</a:t>
+            </a:r>
+          </a:p>
+          <a:p>
+            <a:pPr lvl="2"/>
+            <a:r>
+              <a:rPr lang="de-DE" dirty="0"/>
+              <a:t>Dritte Ebene</a:t>
+            </a:r>
+          </a:p>
+          <a:p>
+            <a:pPr lvl="3"/>
+            <a:r>
+              <a:rPr lang="de-DE" dirty="0"/>
+              <a:t>Vierte Ebene</a:t>
+            </a:r>
+          </a:p>
+          <a:p>
+            <a:pPr lvl="4"/>
+            <a:r>
+              <a:rPr lang="de-DE" dirty="0"/>
+              <a:t>Fünfte Ebene</a:t>
+            </a:r>
+          </a:p>
+        </p:txBody>
+      </p:sp>
+      <p:sp>
+        <p:nvSpPr>
+          <p:cNvPr id="15" name="Inhaltsplatzhalter 13"/>
+          <p:cNvSpPr>
+            <a:spLocks noGrp="1"/>
+          </p:cNvSpPr>
+          <p:nvPr>
+            <p:ph sz="quarter" idx="17"/>
+          </p:nvPr>
+        </p:nvSpPr>
+        <p:spPr>
+          <a:xfrm>
+            <a:off x="4297681" y="1866899"/>
+            <a:ext cx="3524595" cy="628651"/>
+          </a:xfrm>
+        </p:spPr>
+        <p:txBody>
+          <a:bodyPr/>
+          <a:lstStyle>
+            <a:lvl1pPr marL="0" indent="0">
+              <a:buNone/>
+              <a:defRPr/>
+            </a:lvl1pPr>
+          </a:lstStyle>
+          <a:p>
+            <a:pPr lvl="0"/>
+            <a:r>
+              <a:rPr lang="de-DE" dirty="0"/>
+              <a:t>Formatvorlagen des Textmasters bearbeiten</a:t>
+            </a:r>
+          </a:p>
+          <a:p>
+            <a:pPr lvl="1"/>
+            <a:r>
+              <a:rPr lang="de-DE" dirty="0"/>
+              <a:t>Zweite Ebene</a:t>
+            </a:r>
+          </a:p>
+          <a:p>
+            <a:pPr lvl="2"/>
+            <a:r>
+              <a:rPr lang="de-DE" dirty="0"/>
+              <a:t>Dritte Ebene</a:t>
+            </a:r>
+          </a:p>
+          <a:p>
+            <a:pPr lvl="3"/>
+            <a:r>
+              <a:rPr lang="de-DE" dirty="0"/>
+              <a:t>Vierte Ebene</a:t>
+            </a:r>
+          </a:p>
+          <a:p>
+            <a:pPr lvl="4"/>
+            <a:r>
+              <a:rPr lang="de-DE" dirty="0"/>
+              <a:t>Fünfte Ebene</a:t>
+            </a:r>
+          </a:p>
+        </p:txBody>
+      </p:sp>
+      <p:sp>
+        <p:nvSpPr>
+          <p:cNvPr id="16" name="Inhaltsplatzhalter 13"/>
+          <p:cNvSpPr>
+            <a:spLocks noGrp="1"/>
+          </p:cNvSpPr>
+          <p:nvPr>
+            <p:ph sz="quarter" idx="18"/>
+          </p:nvPr>
+        </p:nvSpPr>
+        <p:spPr>
+          <a:xfrm>
+            <a:off x="7822276" y="1866899"/>
+            <a:ext cx="3531523" cy="628651"/>
+          </a:xfrm>
+        </p:spPr>
+        <p:txBody>
+          <a:bodyPr/>
+          <a:lstStyle>
+            <a:lvl1pPr marL="0" indent="0">
+              <a:buNone/>
+              <a:defRPr/>
+            </a:lvl1pPr>
+          </a:lstStyle>
+          <a:p>
+            <a:pPr lvl="0"/>
+            <a:r>
+              <a:rPr lang="de-DE" dirty="0"/>
+              <a:t>Formatvorlagen des Textmasters bearbeiten</a:t>
+            </a:r>
+          </a:p>
+          <a:p>
+            <a:pPr lvl="1"/>
+            <a:r>
+              <a:rPr lang="de-DE" dirty="0"/>
+              <a:t>Zweite Ebene</a:t>
+            </a:r>
+          </a:p>
+          <a:p>
+            <a:pPr lvl="2"/>
+            <a:r>
+              <a:rPr lang="de-DE" dirty="0"/>
+              <a:t>Dritte Ebene</a:t>
+            </a:r>
+          </a:p>
+          <a:p>
+            <a:pPr lvl="3"/>
+            <a:r>
+              <a:rPr lang="de-DE" dirty="0"/>
+              <a:t>Vierte Ebene</a:t>
+            </a:r>
+          </a:p>
+          <a:p>
+            <a:pPr lvl="4"/>
+            <a:r>
+              <a:rPr lang="de-DE" dirty="0"/>
+              <a:t>Fünfte Ebene</a:t>
+            </a:r>
+          </a:p>
+        </p:txBody>
+      </p:sp>
+      <p:sp>
+        <p:nvSpPr>
+          <p:cNvPr id="11" name="Inhaltsplatzhalter 13"/>
+          <p:cNvSpPr>
+            <a:spLocks noGrp="1"/>
+          </p:cNvSpPr>
+          <p:nvPr>
+            <p:ph sz="quarter" idx="19"/>
+          </p:nvPr>
+        </p:nvSpPr>
+        <p:spPr>
+          <a:xfrm>
+            <a:off x="838200" y="2472994"/>
+            <a:ext cx="3459481" cy="3594432"/>
+          </a:xfrm>
+        </p:spPr>
+        <p:txBody>
+          <a:bodyPr>
+            <a:normAutofit/>
+          </a:bodyPr>
+          <a:lstStyle/>
+          <a:p>
+            <a:pPr lvl="0"/>
+            <a:r>
+              <a:rPr lang="de-DE" dirty="0"/>
+              <a:t>Formatvorlagen des Textmasters bearbeiten</a:t>
+            </a:r>
+          </a:p>
+          <a:p>
+            <a:pPr lvl="1"/>
+            <a:r>
+              <a:rPr lang="de-DE" dirty="0"/>
+              <a:t>Zweite Ebene</a:t>
+            </a:r>
+          </a:p>
+          <a:p>
+            <a:pPr lvl="2"/>
+            <a:r>
+              <a:rPr lang="de-DE" dirty="0"/>
+              <a:t>Dritte Ebene</a:t>
+            </a:r>
+          </a:p>
+          <a:p>
+            <a:pPr lvl="3"/>
+            <a:r>
+              <a:rPr lang="de-DE" dirty="0"/>
+              <a:t>Vierte Ebene</a:t>
+            </a:r>
+          </a:p>
+          <a:p>
+            <a:pPr lvl="4"/>
+            <a:r>
+              <a:rPr lang="de-DE" dirty="0"/>
+              <a:t>Fünfte Ebene</a:t>
+            </a:r>
+          </a:p>
+        </p:txBody>
+      </p:sp>
+      <p:sp>
+        <p:nvSpPr>
+          <p:cNvPr id="12" name="Inhaltsplatzhalter 13"/>
+          <p:cNvSpPr>
+            <a:spLocks noGrp="1"/>
+          </p:cNvSpPr>
+          <p:nvPr>
+            <p:ph sz="quarter" idx="20"/>
+          </p:nvPr>
+        </p:nvSpPr>
+        <p:spPr>
+          <a:xfrm>
+            <a:off x="4297681" y="2495550"/>
+            <a:ext cx="3524595" cy="3571875"/>
+          </a:xfrm>
+        </p:spPr>
+        <p:txBody>
+          <a:bodyPr>
+            <a:normAutofit/>
+          </a:bodyPr>
+          <a:lstStyle/>
+          <a:p>
+            <a:pPr lvl="0"/>
+            <a:r>
+              <a:rPr lang="de-DE" dirty="0"/>
+              <a:t>Formatvorlagen des Textmasters bearbeiten</a:t>
+            </a:r>
+          </a:p>
+          <a:p>
+            <a:pPr lvl="1"/>
+            <a:r>
+              <a:rPr lang="de-DE" dirty="0"/>
+              <a:t>Zweite Ebene</a:t>
+            </a:r>
+          </a:p>
+          <a:p>
+            <a:pPr lvl="2"/>
+            <a:r>
+              <a:rPr lang="de-DE" dirty="0"/>
+              <a:t>Dritte Ebene</a:t>
+            </a:r>
+          </a:p>
+          <a:p>
+            <a:pPr lvl="3"/>
+            <a:r>
+              <a:rPr lang="de-DE" dirty="0"/>
+              <a:t>Vierte Ebene</a:t>
+            </a:r>
+          </a:p>
+          <a:p>
+            <a:pPr lvl="4"/>
+            <a:r>
+              <a:rPr lang="de-DE" dirty="0"/>
+              <a:t>Fünfte Ebene</a:t>
+            </a:r>
+          </a:p>
+        </p:txBody>
+      </p:sp>
+      <p:sp>
+        <p:nvSpPr>
+          <p:cNvPr id="13" name="Inhaltsplatzhalter 13"/>
+          <p:cNvSpPr>
+            <a:spLocks noGrp="1"/>
+          </p:cNvSpPr>
+          <p:nvPr>
+            <p:ph sz="quarter" idx="21"/>
+          </p:nvPr>
+        </p:nvSpPr>
+        <p:spPr>
+          <a:xfrm>
+            <a:off x="7822276" y="2495550"/>
+            <a:ext cx="3531523" cy="3571875"/>
+          </a:xfrm>
+        </p:spPr>
+        <p:txBody>
+          <a:bodyPr>
+            <a:normAutofit/>
+          </a:bodyPr>
+          <a:lstStyle/>
+          <a:p>
+            <a:pPr lvl="0"/>
+            <a:r>
+              <a:rPr lang="de-DE" dirty="0"/>
+              <a:t>Formatvorlagen des Textmasters bearbeiten</a:t>
+            </a:r>
+          </a:p>
+          <a:p>
+            <a:pPr lvl="1"/>
+            <a:r>
+              <a:rPr lang="de-DE" dirty="0"/>
+              <a:t>Zweite Ebene</a:t>
+            </a:r>
+          </a:p>
+          <a:p>
+            <a:pPr lvl="2"/>
+            <a:r>
+              <a:rPr lang="de-DE" dirty="0"/>
+              <a:t>Dritte Ebene</a:t>
+            </a:r>
+          </a:p>
+          <a:p>
+            <a:pPr lvl="3"/>
+            <a:r>
+              <a:rPr lang="de-DE" dirty="0"/>
+              <a:t>Vierte Ebene</a:t>
+            </a:r>
+          </a:p>
+          <a:p>
+            <a:pPr lvl="4"/>
+            <a:r>
+              <a:rPr lang="de-DE" dirty="0"/>
+              <a:t>Fünfte Ebene</a:t>
+            </a:r>
+          </a:p>
+        </p:txBody>
+      </p:sp>
+    </p:spTree>
+    <p:extLst>
+      <p:ext uri="{BB962C8B-B14F-4D97-AF65-F5344CB8AC3E}">
+        <p14:creationId xmlns:p14="http://schemas.microsoft.com/office/powerpoint/2010/main" val="1501767714"/>
+      </p:ext>
+    </p:extLst>
+  </p:cSld>
+  <p:clrMapOvr>
+    <a:masterClrMapping/>
+  </p:clrMapOvr>
+</p:sldLayout>
+</file>
+
+<file path=ppt/slideLayouts/slideLayout57.xml><?xml version="1.0" encoding="utf-8"?>
+<p:sldLayout xmlns:a="http://schemas.openxmlformats.org/drawingml/2006/main" xmlns:r="http://schemas.openxmlformats.org/officeDocument/2006/relationships" xmlns:p="http://schemas.openxmlformats.org/presentationml/2006/main" preserve="1" userDrawn="1">
+  <p:cSld name="Gegenüberstellung Pro / Contra">
+    <p:spTree>
+      <p:nvGrpSpPr>
+        <p:cNvPr id="1" name=""/>
+        <p:cNvGrpSpPr/>
+        <p:nvPr/>
+      </p:nvGrpSpPr>
+      <p:grpSpPr>
+        <a:xfrm>
+          <a:off x="0" y="0"/>
+          <a:ext cx="0" cy="0"/>
+          <a:chOff x="0" y="0"/>
+          <a:chExt cx="0" cy="0"/>
+        </a:xfrm>
+      </p:grpSpPr>
+      <p:sp>
+        <p:nvSpPr>
+          <p:cNvPr id="2" name="Titel 1"/>
+          <p:cNvSpPr>
+            <a:spLocks noGrp="1"/>
+          </p:cNvSpPr>
+          <p:nvPr>
+            <p:ph type="title"/>
+          </p:nvPr>
+        </p:nvSpPr>
+        <p:spPr/>
+        <p:txBody>
+          <a:bodyPr/>
+          <a:lstStyle/>
+          <a:p>
+            <a:r>
+              <a:rPr lang="de-DE"/>
+              <a:t>Titelmasterformat durch Klicken bearbeiten</a:t>
+            </a:r>
+          </a:p>
+        </p:txBody>
+      </p:sp>
+      <p:sp>
+        <p:nvSpPr>
+          <p:cNvPr id="3" name="Datumsplatzhalter 2"/>
+          <p:cNvSpPr>
+            <a:spLocks noGrp="1"/>
+          </p:cNvSpPr>
+          <p:nvPr>
+            <p:ph type="dt" sz="half" idx="10"/>
+          </p:nvPr>
+        </p:nvSpPr>
+        <p:spPr/>
+        <p:txBody>
+          <a:bodyPr/>
+          <a:lstStyle/>
+          <a:p>
+            <a:r>
+              <a:rPr lang="de-DE"/>
+              <a:t>23.01.2017</a:t>
+            </a:r>
+          </a:p>
+        </p:txBody>
+      </p:sp>
+      <p:sp>
+        <p:nvSpPr>
+          <p:cNvPr id="4" name="Fußzeilenplatzhalter 3"/>
+          <p:cNvSpPr>
+            <a:spLocks noGrp="1"/>
+          </p:cNvSpPr>
+          <p:nvPr>
+            <p:ph type="ftr" sz="quarter" idx="11"/>
+          </p:nvPr>
+        </p:nvSpPr>
+        <p:spPr/>
+        <p:txBody>
+          <a:bodyPr/>
+          <a:lstStyle/>
+          <a:p>
+            <a:r>
+              <a:rPr lang="de-DE"/>
+              <a:t>Florian Blessing, Lisa Böhler, Markus Götz, Jan Habersetzer, Wendelin Herrmann</a:t>
+            </a:r>
+          </a:p>
+        </p:txBody>
+      </p:sp>
+      <p:sp>
+        <p:nvSpPr>
+          <p:cNvPr id="5" name="Foliennummernplatzhalter 4"/>
+          <p:cNvSpPr>
+            <a:spLocks noGrp="1"/>
+          </p:cNvSpPr>
+          <p:nvPr>
+            <p:ph type="sldNum" sz="quarter" idx="12"/>
+          </p:nvPr>
+        </p:nvSpPr>
+        <p:spPr/>
+        <p:txBody>
+          <a:bodyPr/>
+          <a:lstStyle/>
+          <a:p>
+            <a:fld id="{9A8D1588-5235-4A3E-9519-E5C37E4E16B7}" type="slidenum">
+              <a:rPr lang="de-DE" smtClean="0"/>
+              <a:t>‹Nr.›</a:t>
+            </a:fld>
+            <a:endParaRPr lang="de-DE"/>
+          </a:p>
+        </p:txBody>
+      </p:sp>
+      <p:sp>
+        <p:nvSpPr>
+          <p:cNvPr id="14" name="Inhaltsplatzhalter 13"/>
+          <p:cNvSpPr>
+            <a:spLocks noGrp="1"/>
+          </p:cNvSpPr>
+          <p:nvPr>
+            <p:ph sz="quarter" idx="16"/>
+          </p:nvPr>
+        </p:nvSpPr>
+        <p:spPr>
+          <a:xfrm>
+            <a:off x="838200" y="1866899"/>
+            <a:ext cx="3459481" cy="1924051"/>
+          </a:xfrm>
+        </p:spPr>
+        <p:txBody>
+          <a:bodyPr>
+            <a:normAutofit/>
+          </a:bodyPr>
+          <a:lstStyle>
+            <a:lvl1pPr marL="0" indent="0">
+              <a:buNone/>
+              <a:defRPr/>
+            </a:lvl1pPr>
+          </a:lstStyle>
+          <a:p>
+            <a:pPr lvl="0"/>
+            <a:r>
+              <a:rPr lang="de-DE" dirty="0"/>
+              <a:t>Formatvorlagen des Textmasters bearbeiten</a:t>
+            </a:r>
+          </a:p>
+          <a:p>
+            <a:pPr lvl="1"/>
+            <a:r>
+              <a:rPr lang="de-DE" dirty="0"/>
+              <a:t>Zweite Ebene</a:t>
+            </a:r>
+          </a:p>
+          <a:p>
+            <a:pPr lvl="2"/>
+            <a:r>
+              <a:rPr lang="de-DE" dirty="0"/>
+              <a:t>Dritte Ebene</a:t>
+            </a:r>
+          </a:p>
+          <a:p>
+            <a:pPr lvl="3"/>
+            <a:r>
+              <a:rPr lang="de-DE" dirty="0"/>
+              <a:t>Vierte Ebene</a:t>
+            </a:r>
+          </a:p>
+          <a:p>
+            <a:pPr lvl="4"/>
+            <a:r>
+              <a:rPr lang="de-DE" dirty="0"/>
+              <a:t>Fünfte Ebene</a:t>
+            </a:r>
+          </a:p>
+        </p:txBody>
+      </p:sp>
+      <p:sp>
+        <p:nvSpPr>
+          <p:cNvPr id="15" name="Inhaltsplatzhalter 13"/>
+          <p:cNvSpPr>
+            <a:spLocks noGrp="1"/>
+          </p:cNvSpPr>
+          <p:nvPr>
+            <p:ph sz="quarter" idx="17"/>
+          </p:nvPr>
+        </p:nvSpPr>
+        <p:spPr>
+          <a:xfrm>
+            <a:off x="4297681" y="1866899"/>
+            <a:ext cx="3524595" cy="1924051"/>
+          </a:xfrm>
+        </p:spPr>
+        <p:txBody>
+          <a:bodyPr/>
+          <a:lstStyle>
+            <a:lvl1pPr marL="0" indent="0">
+              <a:buNone/>
+              <a:defRPr/>
+            </a:lvl1pPr>
+          </a:lstStyle>
+          <a:p>
+            <a:pPr lvl="0"/>
+            <a:r>
+              <a:rPr lang="de-DE" dirty="0"/>
+              <a:t>Formatvorlagen des Textmasters bearbeiten</a:t>
+            </a:r>
+          </a:p>
+          <a:p>
+            <a:pPr lvl="1"/>
+            <a:r>
+              <a:rPr lang="de-DE" dirty="0"/>
+              <a:t>Zweite Ebene</a:t>
+            </a:r>
+          </a:p>
+          <a:p>
+            <a:pPr lvl="2"/>
+            <a:r>
+              <a:rPr lang="de-DE" dirty="0"/>
+              <a:t>Dritte Ebene</a:t>
+            </a:r>
+          </a:p>
+          <a:p>
+            <a:pPr lvl="3"/>
+            <a:r>
+              <a:rPr lang="de-DE" dirty="0"/>
+              <a:t>Vierte Ebene</a:t>
+            </a:r>
+          </a:p>
+          <a:p>
+            <a:pPr lvl="4"/>
+            <a:r>
+              <a:rPr lang="de-DE" dirty="0"/>
+              <a:t>Fünfte Ebene</a:t>
+            </a:r>
+          </a:p>
+        </p:txBody>
+      </p:sp>
+      <p:sp>
+        <p:nvSpPr>
+          <p:cNvPr id="16" name="Inhaltsplatzhalter 13"/>
+          <p:cNvSpPr>
+            <a:spLocks noGrp="1"/>
+          </p:cNvSpPr>
+          <p:nvPr>
+            <p:ph sz="quarter" idx="18"/>
+          </p:nvPr>
+        </p:nvSpPr>
+        <p:spPr>
+          <a:xfrm>
+            <a:off x="7822276" y="1866899"/>
+            <a:ext cx="3531523" cy="1924051"/>
+          </a:xfrm>
+        </p:spPr>
+        <p:txBody>
+          <a:bodyPr/>
+          <a:lstStyle>
+            <a:lvl1pPr marL="0" indent="0">
+              <a:buNone/>
+              <a:defRPr/>
+            </a:lvl1pPr>
+          </a:lstStyle>
+          <a:p>
+            <a:pPr lvl="0"/>
+            <a:r>
+              <a:rPr lang="de-DE" dirty="0"/>
+              <a:t>Formatvorlagen des Textmasters bearbeiten</a:t>
+            </a:r>
+          </a:p>
+          <a:p>
+            <a:pPr lvl="1"/>
+            <a:r>
+              <a:rPr lang="de-DE" dirty="0"/>
+              <a:t>Zweite Ebene</a:t>
+            </a:r>
+          </a:p>
+          <a:p>
+            <a:pPr lvl="2"/>
+            <a:r>
+              <a:rPr lang="de-DE" dirty="0"/>
+              <a:t>Dritte Ebene</a:t>
+            </a:r>
+          </a:p>
+          <a:p>
+            <a:pPr lvl="3"/>
+            <a:r>
+              <a:rPr lang="de-DE" dirty="0"/>
+              <a:t>Vierte Ebene</a:t>
+            </a:r>
+          </a:p>
+          <a:p>
+            <a:pPr lvl="4"/>
+            <a:r>
+              <a:rPr lang="de-DE" dirty="0"/>
+              <a:t>Fünfte Ebene</a:t>
+            </a:r>
+          </a:p>
+        </p:txBody>
+      </p:sp>
+      <p:graphicFrame>
+        <p:nvGraphicFramePr>
+          <p:cNvPr id="10" name="Tabelle 9"/>
+          <p:cNvGraphicFramePr>
+            <a:graphicFrameLocks noGrp="1"/>
+          </p:cNvGraphicFramePr>
+          <p:nvPr userDrawn="1">
+            <p:extLst>
+              <p:ext uri="{D42A27DB-BD31-4B8C-83A1-F6EECF244321}">
+                <p14:modId xmlns:p14="http://schemas.microsoft.com/office/powerpoint/2010/main" val="2504367871"/>
+              </p:ext>
+            </p:extLst>
+          </p:nvPr>
+        </p:nvGraphicFramePr>
+        <p:xfrm>
+          <a:off x="290511" y="3960812"/>
+          <a:ext cx="11063291" cy="1981200"/>
+        </p:xfrm>
+        <a:graphic>
+          <a:graphicData uri="http://schemas.openxmlformats.org/drawingml/2006/table">
+            <a:tbl>
+              <a:tblPr firstRow="1" firstCol="1" bandRow="1">
+                <a:tableStyleId>{5940675A-B579-460E-94D1-54222C63F5DA}</a:tableStyleId>
+              </a:tblPr>
+              <a:tblGrid>
+                <a:gridCol w="547689">
+                  <a:extLst>
+                    <a:ext uri="{9D8B030D-6E8A-4147-A177-3AD203B41FA5}">
+                      <a16:colId xmlns:a16="http://schemas.microsoft.com/office/drawing/2014/main" val="2845849044"/>
+                    </a:ext>
+                  </a:extLst>
+                </a:gridCol>
+                <a:gridCol w="3459874">
+                  <a:extLst>
+                    <a:ext uri="{9D8B030D-6E8A-4147-A177-3AD203B41FA5}">
+                      <a16:colId xmlns:a16="http://schemas.microsoft.com/office/drawing/2014/main" val="4015156089"/>
+                    </a:ext>
+                  </a:extLst>
+                </a:gridCol>
+                <a:gridCol w="3527864">
+                  <a:extLst>
+                    <a:ext uri="{9D8B030D-6E8A-4147-A177-3AD203B41FA5}">
+                      <a16:colId xmlns:a16="http://schemas.microsoft.com/office/drawing/2014/main" val="1353982586"/>
+                    </a:ext>
+                  </a:extLst>
+                </a:gridCol>
+                <a:gridCol w="3527864">
+                  <a:extLst>
+                    <a:ext uri="{9D8B030D-6E8A-4147-A177-3AD203B41FA5}">
+                      <a16:colId xmlns:a16="http://schemas.microsoft.com/office/drawing/2014/main" val="3172607322"/>
+                    </a:ext>
+                  </a:extLst>
+                </a:gridCol>
+              </a:tblGrid>
+              <a:tr h="396240">
+                <a:tc>
+                  <a:txBody>
+                    <a:bodyPr/>
+                    <a:lstStyle/>
+                    <a:p>
+                      <a:pPr algn="ctr"/>
+                      <a:r>
+                        <a:rPr lang="de-DE" sz="2000" b="1" dirty="0">
+                          <a:solidFill>
+                            <a:schemeClr val="bg1"/>
+                          </a:solidFill>
+                        </a:rPr>
+                        <a:t>+ +</a:t>
+                      </a:r>
+                    </a:p>
+                  </a:txBody>
+                  <a:tcPr anchor="ctr">
+                    <a:solidFill>
+                      <a:srgbClr val="92D050"/>
+                    </a:solidFill>
+                  </a:tcPr>
+                </a:tc>
+                <a:tc>
+                  <a:txBody>
+                    <a:bodyPr/>
+                    <a:lstStyle/>
+                    <a:p>
+                      <a:pPr algn="ctr"/>
+                      <a:endParaRPr lang="de-DE" dirty="0">
+                        <a:solidFill>
+                          <a:schemeClr val="bg1"/>
+                        </a:solidFill>
+                      </a:endParaRPr>
+                    </a:p>
+                  </a:txBody>
+                  <a:tcPr anchor="ctr">
+                    <a:solidFill>
+                      <a:srgbClr val="92D050"/>
+                    </a:solidFill>
+                  </a:tcPr>
+                </a:tc>
+                <a:tc>
+                  <a:txBody>
+                    <a:bodyPr/>
+                    <a:lstStyle/>
+                    <a:p>
+                      <a:pPr algn="ctr"/>
+                      <a:endParaRPr lang="de-DE" dirty="0">
+                        <a:solidFill>
+                          <a:schemeClr val="bg1"/>
+                        </a:solidFill>
+                      </a:endParaRPr>
+                    </a:p>
+                  </a:txBody>
+                  <a:tcPr anchor="ctr">
+                    <a:solidFill>
+                      <a:srgbClr val="92D050"/>
+                    </a:solidFill>
+                  </a:tcPr>
+                </a:tc>
+                <a:tc>
+                  <a:txBody>
+                    <a:bodyPr/>
+                    <a:lstStyle/>
+                    <a:p>
+                      <a:pPr algn="ctr"/>
+                      <a:endParaRPr lang="de-DE" dirty="0">
+                        <a:solidFill>
+                          <a:schemeClr val="bg1"/>
+                        </a:solidFill>
+                      </a:endParaRPr>
+                    </a:p>
+                  </a:txBody>
+                  <a:tcPr anchor="ctr">
+                    <a:solidFill>
+                      <a:srgbClr val="92D050"/>
+                    </a:solidFill>
+                  </a:tcPr>
+                </a:tc>
+                <a:extLst>
+                  <a:ext uri="{0D108BD9-81ED-4DB2-BD59-A6C34878D82A}">
+                    <a16:rowId xmlns:a16="http://schemas.microsoft.com/office/drawing/2014/main" val="1089312232"/>
+                  </a:ext>
+                </a:extLst>
+              </a:tr>
+              <a:tr h="396240">
+                <a:tc>
+                  <a:txBody>
+                    <a:bodyPr/>
+                    <a:lstStyle/>
+                    <a:p>
+                      <a:pPr algn="ctr"/>
+                      <a:r>
+                        <a:rPr lang="de-DE" sz="2000" b="1" dirty="0">
+                          <a:solidFill>
+                            <a:schemeClr val="bg1"/>
+                          </a:solidFill>
+                        </a:rPr>
+                        <a:t>+</a:t>
+                      </a:r>
+                    </a:p>
+                  </a:txBody>
+                  <a:tcPr anchor="ctr">
+                    <a:solidFill>
+                      <a:srgbClr val="92D050"/>
+                    </a:solidFill>
+                  </a:tcPr>
+                </a:tc>
+                <a:tc>
+                  <a:txBody>
+                    <a:bodyPr/>
+                    <a:lstStyle/>
+                    <a:p>
+                      <a:pPr algn="ctr"/>
+                      <a:endParaRPr lang="de-DE" dirty="0">
+                        <a:solidFill>
+                          <a:schemeClr val="bg1"/>
+                        </a:solidFill>
+                      </a:endParaRPr>
+                    </a:p>
+                  </a:txBody>
+                  <a:tcPr anchor="ctr">
+                    <a:solidFill>
+                      <a:srgbClr val="92D050"/>
+                    </a:solidFill>
+                  </a:tcPr>
+                </a:tc>
+                <a:tc>
+                  <a:txBody>
+                    <a:bodyPr/>
+                    <a:lstStyle/>
+                    <a:p>
+                      <a:pPr algn="ctr"/>
+                      <a:endParaRPr lang="de-DE" dirty="0">
+                        <a:solidFill>
+                          <a:schemeClr val="bg1"/>
+                        </a:solidFill>
+                      </a:endParaRPr>
+                    </a:p>
+                  </a:txBody>
+                  <a:tcPr anchor="ctr">
+                    <a:solidFill>
+                      <a:srgbClr val="92D050"/>
+                    </a:solidFill>
+                  </a:tcPr>
+                </a:tc>
+                <a:tc>
+                  <a:txBody>
+                    <a:bodyPr/>
+                    <a:lstStyle/>
+                    <a:p>
+                      <a:pPr algn="ctr"/>
+                      <a:endParaRPr lang="de-DE" dirty="0">
+                        <a:solidFill>
+                          <a:schemeClr val="bg1"/>
+                        </a:solidFill>
+                      </a:endParaRPr>
+                    </a:p>
+                  </a:txBody>
+                  <a:tcPr anchor="ctr">
+                    <a:solidFill>
+                      <a:srgbClr val="92D050"/>
+                    </a:solidFill>
+                  </a:tcPr>
+                </a:tc>
+                <a:extLst>
+                  <a:ext uri="{0D108BD9-81ED-4DB2-BD59-A6C34878D82A}">
+                    <a16:rowId xmlns:a16="http://schemas.microsoft.com/office/drawing/2014/main" val="2085414842"/>
+                  </a:ext>
+                </a:extLst>
+              </a:tr>
+              <a:tr h="396240">
+                <a:tc>
+                  <a:txBody>
+                    <a:bodyPr/>
+                    <a:lstStyle/>
+                    <a:p>
+                      <a:pPr algn="ctr"/>
+                      <a:r>
+                        <a:rPr lang="de-DE" sz="2000" b="1" dirty="0">
+                          <a:solidFill>
+                            <a:schemeClr val="bg1"/>
+                          </a:solidFill>
+                        </a:rPr>
+                        <a:t>0</a:t>
+                      </a:r>
+                    </a:p>
+                  </a:txBody>
+                  <a:tcPr anchor="ctr">
+                    <a:solidFill>
+                      <a:srgbClr val="393939"/>
+                    </a:solidFill>
+                  </a:tcPr>
+                </a:tc>
+                <a:tc>
+                  <a:txBody>
+                    <a:bodyPr/>
+                    <a:lstStyle/>
+                    <a:p>
+                      <a:pPr algn="ctr"/>
+                      <a:endParaRPr lang="de-DE" dirty="0">
+                        <a:solidFill>
+                          <a:schemeClr val="bg1"/>
+                        </a:solidFill>
+                      </a:endParaRPr>
+                    </a:p>
+                  </a:txBody>
+                  <a:tcPr anchor="ctr">
+                    <a:solidFill>
+                      <a:srgbClr val="393939"/>
+                    </a:solidFill>
+                  </a:tcPr>
+                </a:tc>
+                <a:tc>
+                  <a:txBody>
+                    <a:bodyPr/>
+                    <a:lstStyle/>
+                    <a:p>
+                      <a:pPr algn="ctr"/>
+                      <a:endParaRPr lang="de-DE" dirty="0">
+                        <a:solidFill>
+                          <a:schemeClr val="bg1"/>
+                        </a:solidFill>
+                      </a:endParaRPr>
+                    </a:p>
+                  </a:txBody>
+                  <a:tcPr anchor="ctr">
+                    <a:solidFill>
+                      <a:srgbClr val="393939"/>
+                    </a:solidFill>
+                  </a:tcPr>
+                </a:tc>
+                <a:tc>
+                  <a:txBody>
+                    <a:bodyPr/>
+                    <a:lstStyle/>
+                    <a:p>
+                      <a:pPr algn="ctr"/>
+                      <a:endParaRPr lang="de-DE" dirty="0">
+                        <a:solidFill>
+                          <a:schemeClr val="bg1"/>
+                        </a:solidFill>
+                      </a:endParaRPr>
+                    </a:p>
+                  </a:txBody>
+                  <a:tcPr anchor="ctr">
+                    <a:solidFill>
+                      <a:srgbClr val="393939"/>
+                    </a:solidFill>
+                  </a:tcPr>
+                </a:tc>
+                <a:extLst>
+                  <a:ext uri="{0D108BD9-81ED-4DB2-BD59-A6C34878D82A}">
+                    <a16:rowId xmlns:a16="http://schemas.microsoft.com/office/drawing/2014/main" val="3250721569"/>
+                  </a:ext>
+                </a:extLst>
+              </a:tr>
+              <a:tr h="396240">
+                <a:tc>
+                  <a:txBody>
+                    <a:bodyPr/>
+                    <a:lstStyle/>
+                    <a:p>
+                      <a:pPr algn="ctr"/>
+                      <a:r>
+                        <a:rPr lang="de-DE" sz="2000" b="1" dirty="0">
+                          <a:solidFill>
+                            <a:schemeClr val="bg1"/>
+                          </a:solidFill>
+                        </a:rPr>
+                        <a:t>-</a:t>
+                      </a:r>
+                      <a:endParaRPr lang="de-DE" sz="1800" b="1" dirty="0">
+                        <a:solidFill>
+                          <a:schemeClr val="bg1"/>
+                        </a:solidFill>
+                      </a:endParaRPr>
+                    </a:p>
+                  </a:txBody>
+                  <a:tcPr anchor="ctr">
+                    <a:solidFill>
+                      <a:srgbClr val="971917"/>
+                    </a:solidFill>
+                  </a:tcPr>
+                </a:tc>
+                <a:tc>
+                  <a:txBody>
+                    <a:bodyPr/>
+                    <a:lstStyle/>
+                    <a:p>
+                      <a:pPr algn="ctr"/>
+                      <a:endParaRPr lang="de-DE" dirty="0">
+                        <a:solidFill>
+                          <a:schemeClr val="bg1"/>
+                        </a:solidFill>
+                      </a:endParaRPr>
+                    </a:p>
+                  </a:txBody>
+                  <a:tcPr anchor="ctr">
+                    <a:solidFill>
+                      <a:srgbClr val="971917"/>
+                    </a:solidFill>
+                  </a:tcPr>
+                </a:tc>
+                <a:tc>
+                  <a:txBody>
+                    <a:bodyPr/>
+                    <a:lstStyle/>
+                    <a:p>
+                      <a:pPr algn="ctr"/>
+                      <a:endParaRPr lang="de-DE" dirty="0">
+                        <a:solidFill>
+                          <a:schemeClr val="bg1"/>
+                        </a:solidFill>
+                      </a:endParaRPr>
+                    </a:p>
+                  </a:txBody>
+                  <a:tcPr anchor="ctr">
+                    <a:solidFill>
+                      <a:srgbClr val="971917"/>
+                    </a:solidFill>
+                  </a:tcPr>
+                </a:tc>
+                <a:tc>
+                  <a:txBody>
+                    <a:bodyPr/>
+                    <a:lstStyle/>
+                    <a:p>
+                      <a:pPr algn="ctr"/>
+                      <a:endParaRPr lang="de-DE" dirty="0">
+                        <a:solidFill>
+                          <a:schemeClr val="bg1"/>
+                        </a:solidFill>
+                      </a:endParaRPr>
+                    </a:p>
+                  </a:txBody>
+                  <a:tcPr anchor="ctr">
+                    <a:solidFill>
+                      <a:srgbClr val="971917"/>
+                    </a:solidFill>
+                  </a:tcPr>
+                </a:tc>
+                <a:extLst>
+                  <a:ext uri="{0D108BD9-81ED-4DB2-BD59-A6C34878D82A}">
+                    <a16:rowId xmlns:a16="http://schemas.microsoft.com/office/drawing/2014/main" val="4137218495"/>
+                  </a:ext>
+                </a:extLst>
+              </a:tr>
+              <a:tr h="396240">
+                <a:tc>
+                  <a:txBody>
+                    <a:bodyPr/>
+                    <a:lstStyle/>
+                    <a:p>
+                      <a:pPr algn="ctr"/>
+                      <a:r>
+                        <a:rPr lang="de-DE" sz="2000" b="1" dirty="0">
+                          <a:solidFill>
+                            <a:schemeClr val="bg1"/>
+                          </a:solidFill>
+                        </a:rPr>
+                        <a:t>- -</a:t>
+                      </a:r>
+                    </a:p>
+                  </a:txBody>
+                  <a:tcPr anchor="ctr">
+                    <a:solidFill>
+                      <a:srgbClr val="971917"/>
+                    </a:solidFill>
+                  </a:tcPr>
+                </a:tc>
+                <a:tc>
+                  <a:txBody>
+                    <a:bodyPr/>
+                    <a:lstStyle/>
+                    <a:p>
+                      <a:pPr algn="ctr"/>
+                      <a:endParaRPr lang="de-DE" dirty="0">
+                        <a:solidFill>
+                          <a:schemeClr val="bg1"/>
+                        </a:solidFill>
+                      </a:endParaRPr>
+                    </a:p>
+                  </a:txBody>
+                  <a:tcPr anchor="ctr">
+                    <a:solidFill>
+                      <a:srgbClr val="971917"/>
+                    </a:solidFill>
+                  </a:tcPr>
+                </a:tc>
+                <a:tc>
+                  <a:txBody>
+                    <a:bodyPr/>
+                    <a:lstStyle/>
+                    <a:p>
+                      <a:pPr algn="ctr"/>
+                      <a:endParaRPr lang="de-DE" dirty="0">
+                        <a:solidFill>
+                          <a:schemeClr val="bg1"/>
+                        </a:solidFill>
+                      </a:endParaRPr>
+                    </a:p>
+                  </a:txBody>
+                  <a:tcPr anchor="ctr">
+                    <a:solidFill>
+                      <a:srgbClr val="971917"/>
+                    </a:solidFill>
+                  </a:tcPr>
+                </a:tc>
+                <a:tc>
+                  <a:txBody>
+                    <a:bodyPr/>
+                    <a:lstStyle/>
+                    <a:p>
+                      <a:pPr algn="ctr"/>
+                      <a:endParaRPr lang="de-DE" dirty="0">
+                        <a:solidFill>
+                          <a:schemeClr val="bg1"/>
+                        </a:solidFill>
+                      </a:endParaRPr>
+                    </a:p>
+                  </a:txBody>
+                  <a:tcPr anchor="ctr">
+                    <a:solidFill>
+                      <a:srgbClr val="971917"/>
+                    </a:solidFill>
+                  </a:tcPr>
+                </a:tc>
+                <a:extLst>
+                  <a:ext uri="{0D108BD9-81ED-4DB2-BD59-A6C34878D82A}">
+                    <a16:rowId xmlns:a16="http://schemas.microsoft.com/office/drawing/2014/main" val="2141821629"/>
+                  </a:ext>
+                </a:extLst>
+              </a:tr>
+            </a:tbl>
+          </a:graphicData>
+        </a:graphic>
+      </p:graphicFrame>
+    </p:spTree>
+    <p:extLst>
+      <p:ext uri="{BB962C8B-B14F-4D97-AF65-F5344CB8AC3E}">
+        <p14:creationId xmlns:p14="http://schemas.microsoft.com/office/powerpoint/2010/main" val="2600822620"/>
+      </p:ext>
+    </p:extLst>
+  </p:cSld>
+  <p:clrMapOvr>
+    <a:masterClrMapping/>
+  </p:clrMapOvr>
+</p:sldLayout>
+</file>
+
+<file path=ppt/slideLayouts/slideLayout58.xml><?xml version="1.0" encoding="utf-8"?>
+<p:sldLayout xmlns:a="http://schemas.openxmlformats.org/drawingml/2006/main" xmlns:r="http://schemas.openxmlformats.org/officeDocument/2006/relationships" xmlns:p="http://schemas.openxmlformats.org/presentationml/2006/main" type="titleOnly" preserve="1">
+  <p:cSld name="Nur Titel">
+    <p:spTree>
+      <p:nvGrpSpPr>
+        <p:cNvPr id="1" name=""/>
+        <p:cNvGrpSpPr/>
+        <p:nvPr/>
+      </p:nvGrpSpPr>
+      <p:grpSpPr>
+        <a:xfrm>
+          <a:off x="0" y="0"/>
+          <a:ext cx="0" cy="0"/>
+          <a:chOff x="0" y="0"/>
+          <a:chExt cx="0" cy="0"/>
+        </a:xfrm>
+      </p:grpSpPr>
+      <p:sp>
+        <p:nvSpPr>
+          <p:cNvPr id="2" name="Titel 1"/>
+          <p:cNvSpPr>
+            <a:spLocks noGrp="1"/>
+          </p:cNvSpPr>
+          <p:nvPr>
+            <p:ph type="title"/>
+          </p:nvPr>
+        </p:nvSpPr>
+        <p:spPr/>
+        <p:txBody>
+          <a:bodyPr/>
+          <a:lstStyle/>
+          <a:p>
+            <a:r>
+              <a:rPr lang="de-DE" dirty="0"/>
+              <a:t>Titelmasterformat durch Klicken bearbeiten</a:t>
+            </a:r>
+          </a:p>
+        </p:txBody>
+      </p:sp>
+      <p:sp>
+        <p:nvSpPr>
+          <p:cNvPr id="3" name="Datumsplatzhalter 2"/>
+          <p:cNvSpPr>
+            <a:spLocks noGrp="1"/>
+          </p:cNvSpPr>
+          <p:nvPr>
+            <p:ph type="dt" sz="half" idx="10"/>
+          </p:nvPr>
+        </p:nvSpPr>
+        <p:spPr/>
+        <p:txBody>
+          <a:bodyPr/>
+          <a:lstStyle/>
+          <a:p>
+            <a:r>
+              <a:rPr lang="de-DE"/>
+              <a:t>23.01.2017</a:t>
+            </a:r>
+          </a:p>
+        </p:txBody>
+      </p:sp>
+      <p:sp>
+        <p:nvSpPr>
+          <p:cNvPr id="4" name="Fußzeilenplatzhalter 3"/>
+          <p:cNvSpPr>
+            <a:spLocks noGrp="1"/>
+          </p:cNvSpPr>
+          <p:nvPr>
+            <p:ph type="ftr" sz="quarter" idx="11"/>
+          </p:nvPr>
+        </p:nvSpPr>
+        <p:spPr/>
+        <p:txBody>
+          <a:bodyPr/>
+          <a:lstStyle/>
+          <a:p>
+            <a:r>
+              <a:rPr lang="de-DE"/>
+              <a:t>Florian Blessing, Lisa Böhler, Markus Götz, Jan Habersetzer, Wendelin Herrmann</a:t>
+            </a:r>
+          </a:p>
+        </p:txBody>
+      </p:sp>
+      <p:sp>
+        <p:nvSpPr>
+          <p:cNvPr id="5" name="Foliennummernplatzhalter 4"/>
+          <p:cNvSpPr>
+            <a:spLocks noGrp="1"/>
+          </p:cNvSpPr>
+          <p:nvPr>
+            <p:ph type="sldNum" sz="quarter" idx="12"/>
+          </p:nvPr>
+        </p:nvSpPr>
+        <p:spPr/>
+        <p:txBody>
+          <a:bodyPr/>
+          <a:lstStyle/>
+          <a:p>
+            <a:fld id="{9A8D1588-5235-4A3E-9519-E5C37E4E16B7}" type="slidenum">
+              <a:rPr lang="de-DE" smtClean="0"/>
+              <a:t>‹Nr.›</a:t>
+            </a:fld>
+            <a:endParaRPr lang="de-DE"/>
+          </a:p>
+        </p:txBody>
+      </p:sp>
+    </p:spTree>
+    <p:extLst>
+      <p:ext uri="{BB962C8B-B14F-4D97-AF65-F5344CB8AC3E}">
+        <p14:creationId xmlns:p14="http://schemas.microsoft.com/office/powerpoint/2010/main" val="3994502234"/>
+      </p:ext>
+    </p:extLst>
+  </p:cSld>
+  <p:clrMapOvr>
+    <a:masterClrMapping/>
+  </p:clrMapOvr>
+</p:sldLayout>
+</file>
+
+<file path=ppt/slideLayouts/slideLayout59.xml><?xml version="1.0" encoding="utf-8"?>
+<p:sldLayout xmlns:a="http://schemas.openxmlformats.org/drawingml/2006/main" xmlns:r="http://schemas.openxmlformats.org/officeDocument/2006/relationships" xmlns:p="http://schemas.openxmlformats.org/presentationml/2006/main" type="blank" preserve="1">
+  <p:cSld name="Leer">
+    <p:spTree>
+      <p:nvGrpSpPr>
+        <p:cNvPr id="1" name=""/>
+        <p:cNvGrpSpPr/>
+        <p:nvPr/>
+      </p:nvGrpSpPr>
+      <p:grpSpPr>
+        <a:xfrm>
+          <a:off x="0" y="0"/>
+          <a:ext cx="0" cy="0"/>
+          <a:chOff x="0" y="0"/>
+          <a:chExt cx="0" cy="0"/>
+        </a:xfrm>
+      </p:grpSpPr>
+      <p:sp>
+        <p:nvSpPr>
+          <p:cNvPr id="2" name="Datumsplatzhalter 1"/>
+          <p:cNvSpPr>
+            <a:spLocks noGrp="1"/>
+          </p:cNvSpPr>
+          <p:nvPr>
+            <p:ph type="dt" sz="half" idx="10"/>
+          </p:nvPr>
+        </p:nvSpPr>
+        <p:spPr/>
+        <p:txBody>
+          <a:bodyPr/>
+          <a:lstStyle/>
+          <a:p>
+            <a:r>
+              <a:rPr lang="de-DE"/>
+              <a:t>23.01.2017</a:t>
+            </a:r>
+          </a:p>
+        </p:txBody>
+      </p:sp>
+      <p:sp>
+        <p:nvSpPr>
+          <p:cNvPr id="3" name="Fußzeilenplatzhalter 2"/>
+          <p:cNvSpPr>
+            <a:spLocks noGrp="1"/>
+          </p:cNvSpPr>
+          <p:nvPr>
+            <p:ph type="ftr" sz="quarter" idx="11"/>
+          </p:nvPr>
+        </p:nvSpPr>
+        <p:spPr/>
+        <p:txBody>
+          <a:bodyPr/>
+          <a:lstStyle/>
+          <a:p>
+            <a:r>
+              <a:rPr lang="de-DE"/>
+              <a:t>Florian Blessing, Lisa Böhler, Markus Götz, Jan Habersetzer, Wendelin Herrmann</a:t>
+            </a:r>
+          </a:p>
+        </p:txBody>
+      </p:sp>
+      <p:sp>
+        <p:nvSpPr>
+          <p:cNvPr id="4" name="Foliennummernplatzhalter 3"/>
+          <p:cNvSpPr>
+            <a:spLocks noGrp="1"/>
+          </p:cNvSpPr>
+          <p:nvPr>
+            <p:ph type="sldNum" sz="quarter" idx="12"/>
+          </p:nvPr>
+        </p:nvSpPr>
+        <p:spPr/>
+        <p:txBody>
+          <a:bodyPr/>
+          <a:lstStyle/>
+          <a:p>
+            <a:fld id="{9A8D1588-5235-4A3E-9519-E5C37E4E16B7}" type="slidenum">
+              <a:rPr lang="de-DE" smtClean="0"/>
+              <a:t>‹Nr.›</a:t>
+            </a:fld>
+            <a:endParaRPr lang="de-DE"/>
+          </a:p>
+        </p:txBody>
+      </p:sp>
+    </p:spTree>
+    <p:extLst>
+      <p:ext uri="{BB962C8B-B14F-4D97-AF65-F5344CB8AC3E}">
+        <p14:creationId xmlns:p14="http://schemas.microsoft.com/office/powerpoint/2010/main" val="2357494647"/>
+      </p:ext>
+    </p:extLst>
+  </p:cSld>
+  <p:clrMapOvr>
+    <a:masterClrMapping/>
+  </p:clrMapOvr>
+</p:sldLayout>
+</file>
+
 <file path=ppt/slideLayouts/slideLayout6.xml><?xml version="1.0" encoding="utf-8"?>
 <p:sldLayout xmlns:a="http://schemas.openxmlformats.org/drawingml/2006/main" xmlns:r="http://schemas.openxmlformats.org/officeDocument/2006/relationships" xmlns:p="http://schemas.openxmlformats.org/presentationml/2006/main" type="titleOnly" preserve="1">
   <p:cSld name="Nur Titel">
@@ -28840,6 +34224,784 @@
     <p:extLst>
       <p:ext uri="{BB962C8B-B14F-4D97-AF65-F5344CB8AC3E}">
         <p14:creationId xmlns:p14="http://schemas.microsoft.com/office/powerpoint/2010/main" val="892184302"/>
+      </p:ext>
+    </p:extLst>
+  </p:cSld>
+  <p:clrMapOvr>
+    <a:masterClrMapping/>
+  </p:clrMapOvr>
+</p:sldLayout>
+</file>
+
+<file path=ppt/slideLayouts/slideLayout60.xml><?xml version="1.0" encoding="utf-8"?>
+<p:sldLayout xmlns:a="http://schemas.openxmlformats.org/drawingml/2006/main" xmlns:r="http://schemas.openxmlformats.org/officeDocument/2006/relationships" xmlns:p="http://schemas.openxmlformats.org/presentationml/2006/main" type="secHead" preserve="1">
+  <p:cSld name="Abschnitts-&#10;überschrift">
+    <p:spTree>
+      <p:nvGrpSpPr>
+        <p:cNvPr id="1" name=""/>
+        <p:cNvGrpSpPr/>
+        <p:nvPr/>
+      </p:nvGrpSpPr>
+      <p:grpSpPr>
+        <a:xfrm>
+          <a:off x="0" y="0"/>
+          <a:ext cx="0" cy="0"/>
+          <a:chOff x="0" y="0"/>
+          <a:chExt cx="0" cy="0"/>
+        </a:xfrm>
+      </p:grpSpPr>
+      <p:sp>
+        <p:nvSpPr>
+          <p:cNvPr id="2" name="Titel 1"/>
+          <p:cNvSpPr>
+            <a:spLocks noGrp="1"/>
+          </p:cNvSpPr>
+          <p:nvPr>
+            <p:ph type="title"/>
+          </p:nvPr>
+        </p:nvSpPr>
+        <p:spPr>
+          <a:xfrm>
+            <a:off x="831850" y="1709738"/>
+            <a:ext cx="10515600" cy="2852737"/>
+          </a:xfrm>
+        </p:spPr>
+        <p:txBody>
+          <a:bodyPr anchor="b"/>
+          <a:lstStyle>
+            <a:lvl1pPr>
+              <a:defRPr sz="6000"/>
+            </a:lvl1pPr>
+          </a:lstStyle>
+          <a:p>
+            <a:r>
+              <a:rPr lang="de-DE"/>
+              <a:t>Titelmasterformat durch Klicken bearbeiten</a:t>
+            </a:r>
+          </a:p>
+        </p:txBody>
+      </p:sp>
+      <p:sp>
+        <p:nvSpPr>
+          <p:cNvPr id="3" name="Textplatzhalter 2"/>
+          <p:cNvSpPr>
+            <a:spLocks noGrp="1"/>
+          </p:cNvSpPr>
+          <p:nvPr>
+            <p:ph type="body" idx="1"/>
+          </p:nvPr>
+        </p:nvSpPr>
+        <p:spPr>
+          <a:xfrm>
+            <a:off x="831850" y="4589463"/>
+            <a:ext cx="10515600" cy="1500187"/>
+          </a:xfrm>
+        </p:spPr>
+        <p:txBody>
+          <a:bodyPr/>
+          <a:lstStyle>
+            <a:lvl1pPr marL="0" indent="0">
+              <a:buNone/>
+              <a:defRPr sz="2400">
+                <a:solidFill>
+                  <a:schemeClr val="tx1">
+                    <a:tint val="75000"/>
+                  </a:schemeClr>
+                </a:solidFill>
+              </a:defRPr>
+            </a:lvl1pPr>
+            <a:lvl2pPr marL="457200" indent="0">
+              <a:buNone/>
+              <a:defRPr sz="2000">
+                <a:solidFill>
+                  <a:schemeClr val="tx1">
+                    <a:tint val="75000"/>
+                  </a:schemeClr>
+                </a:solidFill>
+              </a:defRPr>
+            </a:lvl2pPr>
+            <a:lvl3pPr marL="914400" indent="0">
+              <a:buNone/>
+              <a:defRPr sz="1800">
+                <a:solidFill>
+                  <a:schemeClr val="tx1">
+                    <a:tint val="75000"/>
+                  </a:schemeClr>
+                </a:solidFill>
+              </a:defRPr>
+            </a:lvl3pPr>
+            <a:lvl4pPr marL="1371600" indent="0">
+              <a:buNone/>
+              <a:defRPr sz="1600">
+                <a:solidFill>
+                  <a:schemeClr val="tx1">
+                    <a:tint val="75000"/>
+                  </a:schemeClr>
+                </a:solidFill>
+              </a:defRPr>
+            </a:lvl4pPr>
+            <a:lvl5pPr marL="1828800" indent="0">
+              <a:buNone/>
+              <a:defRPr sz="1600">
+                <a:solidFill>
+                  <a:schemeClr val="tx1">
+                    <a:tint val="75000"/>
+                  </a:schemeClr>
+                </a:solidFill>
+              </a:defRPr>
+            </a:lvl5pPr>
+            <a:lvl6pPr marL="2286000" indent="0">
+              <a:buNone/>
+              <a:defRPr sz="1600">
+                <a:solidFill>
+                  <a:schemeClr val="tx1">
+                    <a:tint val="75000"/>
+                  </a:schemeClr>
+                </a:solidFill>
+              </a:defRPr>
+            </a:lvl6pPr>
+            <a:lvl7pPr marL="2743200" indent="0">
+              <a:buNone/>
+              <a:defRPr sz="1600">
+                <a:solidFill>
+                  <a:schemeClr val="tx1">
+                    <a:tint val="75000"/>
+                  </a:schemeClr>
+                </a:solidFill>
+              </a:defRPr>
+            </a:lvl7pPr>
+            <a:lvl8pPr marL="3200400" indent="0">
+              <a:buNone/>
+              <a:defRPr sz="1600">
+                <a:solidFill>
+                  <a:schemeClr val="tx1">
+                    <a:tint val="75000"/>
+                  </a:schemeClr>
+                </a:solidFill>
+              </a:defRPr>
+            </a:lvl8pPr>
+            <a:lvl9pPr marL="3657600" indent="0">
+              <a:buNone/>
+              <a:defRPr sz="1600">
+                <a:solidFill>
+                  <a:schemeClr val="tx1">
+                    <a:tint val="75000"/>
+                  </a:schemeClr>
+                </a:solidFill>
+              </a:defRPr>
+            </a:lvl9pPr>
+          </a:lstStyle>
+          <a:p>
+            <a:pPr lvl="0"/>
+            <a:r>
+              <a:rPr lang="de-DE"/>
+              <a:t>Formatvorlagen des Textmasters bearbeiten</a:t>
+            </a:r>
+          </a:p>
+        </p:txBody>
+      </p:sp>
+      <p:sp>
+        <p:nvSpPr>
+          <p:cNvPr id="4" name="Datumsplatzhalter 3"/>
+          <p:cNvSpPr>
+            <a:spLocks noGrp="1"/>
+          </p:cNvSpPr>
+          <p:nvPr>
+            <p:ph type="dt" sz="half" idx="10"/>
+          </p:nvPr>
+        </p:nvSpPr>
+        <p:spPr/>
+        <p:txBody>
+          <a:bodyPr/>
+          <a:lstStyle/>
+          <a:p>
+            <a:r>
+              <a:rPr lang="de-DE"/>
+              <a:t>23.01.2017</a:t>
+            </a:r>
+          </a:p>
+        </p:txBody>
+      </p:sp>
+      <p:sp>
+        <p:nvSpPr>
+          <p:cNvPr id="5" name="Fußzeilenplatzhalter 4"/>
+          <p:cNvSpPr>
+            <a:spLocks noGrp="1"/>
+          </p:cNvSpPr>
+          <p:nvPr>
+            <p:ph type="ftr" sz="quarter" idx="11"/>
+          </p:nvPr>
+        </p:nvSpPr>
+        <p:spPr/>
+        <p:txBody>
+          <a:bodyPr/>
+          <a:lstStyle/>
+          <a:p>
+            <a:r>
+              <a:rPr lang="de-DE"/>
+              <a:t>Florian Blessing, Lisa Böhler, Markus Götz, Jan Habersetzer, Wendelin Herrmann</a:t>
+            </a:r>
+          </a:p>
+        </p:txBody>
+      </p:sp>
+      <p:sp>
+        <p:nvSpPr>
+          <p:cNvPr id="6" name="Foliennummernplatzhalter 5"/>
+          <p:cNvSpPr>
+            <a:spLocks noGrp="1"/>
+          </p:cNvSpPr>
+          <p:nvPr>
+            <p:ph type="sldNum" sz="quarter" idx="12"/>
+          </p:nvPr>
+        </p:nvSpPr>
+        <p:spPr/>
+        <p:txBody>
+          <a:bodyPr/>
+          <a:lstStyle/>
+          <a:p>
+            <a:fld id="{9A8D1588-5235-4A3E-9519-E5C37E4E16B7}" type="slidenum">
+              <a:rPr lang="de-DE" smtClean="0"/>
+              <a:t>‹Nr.›</a:t>
+            </a:fld>
+            <a:endParaRPr lang="de-DE"/>
+          </a:p>
+        </p:txBody>
+      </p:sp>
+    </p:spTree>
+    <p:extLst>
+      <p:ext uri="{BB962C8B-B14F-4D97-AF65-F5344CB8AC3E}">
+        <p14:creationId xmlns:p14="http://schemas.microsoft.com/office/powerpoint/2010/main" val="3320953536"/>
+      </p:ext>
+    </p:extLst>
+  </p:cSld>
+  <p:clrMapOvr>
+    <a:masterClrMapping/>
+  </p:clrMapOvr>
+</p:sldLayout>
+</file>
+
+<file path=ppt/slideLayouts/slideLayout61.xml><?xml version="1.0" encoding="utf-8"?>
+<p:sldLayout xmlns:a="http://schemas.openxmlformats.org/drawingml/2006/main" xmlns:r="http://schemas.openxmlformats.org/officeDocument/2006/relationships" xmlns:p="http://schemas.openxmlformats.org/presentationml/2006/main" preserve="1" userDrawn="1">
+  <p:cSld name="Inhalt mit Überschrift">
+    <p:spTree>
+      <p:nvGrpSpPr>
+        <p:cNvPr id="1" name=""/>
+        <p:cNvGrpSpPr/>
+        <p:nvPr/>
+      </p:nvGrpSpPr>
+      <p:grpSpPr>
+        <a:xfrm>
+          <a:off x="0" y="0"/>
+          <a:ext cx="0" cy="0"/>
+          <a:chOff x="0" y="0"/>
+          <a:chExt cx="0" cy="0"/>
+        </a:xfrm>
+      </p:grpSpPr>
+      <p:sp>
+        <p:nvSpPr>
+          <p:cNvPr id="3" name="Inhaltsplatzhalter 2"/>
+          <p:cNvSpPr>
+            <a:spLocks noGrp="1"/>
+          </p:cNvSpPr>
+          <p:nvPr>
+            <p:ph idx="1"/>
+          </p:nvPr>
+        </p:nvSpPr>
+        <p:spPr>
+          <a:xfrm>
+            <a:off x="5183188" y="987425"/>
+            <a:ext cx="6172200" cy="4873625"/>
+          </a:xfrm>
+        </p:spPr>
+        <p:txBody>
+          <a:bodyPr/>
+          <a:lstStyle>
+            <a:lvl1pPr>
+              <a:defRPr sz="3200"/>
+            </a:lvl1pPr>
+            <a:lvl2pPr>
+              <a:defRPr sz="2800"/>
+            </a:lvl2pPr>
+            <a:lvl3pPr>
+              <a:defRPr sz="2400"/>
+            </a:lvl3pPr>
+            <a:lvl4pPr>
+              <a:defRPr sz="2000"/>
+            </a:lvl4pPr>
+            <a:lvl5pPr>
+              <a:defRPr sz="2000"/>
+            </a:lvl5pPr>
+            <a:lvl6pPr>
+              <a:defRPr sz="2000"/>
+            </a:lvl6pPr>
+            <a:lvl7pPr>
+              <a:defRPr sz="2000"/>
+            </a:lvl7pPr>
+            <a:lvl8pPr>
+              <a:defRPr sz="2000"/>
+            </a:lvl8pPr>
+            <a:lvl9pPr>
+              <a:defRPr sz="2000"/>
+            </a:lvl9pPr>
+          </a:lstStyle>
+          <a:p>
+            <a:pPr lvl="0"/>
+            <a:r>
+              <a:rPr lang="de-DE"/>
+              <a:t>Formatvorlagen des Textmasters bearbeiten</a:t>
+            </a:r>
+          </a:p>
+          <a:p>
+            <a:pPr lvl="1"/>
+            <a:r>
+              <a:rPr lang="de-DE"/>
+              <a:t>Zweite Ebene</a:t>
+            </a:r>
+          </a:p>
+          <a:p>
+            <a:pPr lvl="2"/>
+            <a:r>
+              <a:rPr lang="de-DE"/>
+              <a:t>Dritte Ebene</a:t>
+            </a:r>
+          </a:p>
+          <a:p>
+            <a:pPr lvl="3"/>
+            <a:r>
+              <a:rPr lang="de-DE"/>
+              <a:t>Vierte Ebene</a:t>
+            </a:r>
+          </a:p>
+          <a:p>
+            <a:pPr lvl="4"/>
+            <a:r>
+              <a:rPr lang="de-DE"/>
+              <a:t>Fünfte Ebene</a:t>
+            </a:r>
+          </a:p>
+        </p:txBody>
+      </p:sp>
+      <p:sp>
+        <p:nvSpPr>
+          <p:cNvPr id="4" name="Textplatzhalter 3"/>
+          <p:cNvSpPr>
+            <a:spLocks noGrp="1"/>
+          </p:cNvSpPr>
+          <p:nvPr>
+            <p:ph type="body" sz="half" idx="2"/>
+          </p:nvPr>
+        </p:nvSpPr>
+        <p:spPr>
+          <a:xfrm>
+            <a:off x="839788" y="2057400"/>
+            <a:ext cx="3932237" cy="3811588"/>
+          </a:xfrm>
+        </p:spPr>
+        <p:txBody>
+          <a:bodyPr/>
+          <a:lstStyle>
+            <a:lvl1pPr marL="0" indent="0">
+              <a:buNone/>
+              <a:defRPr sz="1600"/>
+            </a:lvl1pPr>
+            <a:lvl2pPr marL="457200" indent="0">
+              <a:buNone/>
+              <a:defRPr sz="1400"/>
+            </a:lvl2pPr>
+            <a:lvl3pPr marL="914400" indent="0">
+              <a:buNone/>
+              <a:defRPr sz="1200"/>
+            </a:lvl3pPr>
+            <a:lvl4pPr marL="1371600" indent="0">
+              <a:buNone/>
+              <a:defRPr sz="1000"/>
+            </a:lvl4pPr>
+            <a:lvl5pPr marL="1828800" indent="0">
+              <a:buNone/>
+              <a:defRPr sz="1000"/>
+            </a:lvl5pPr>
+            <a:lvl6pPr marL="2286000" indent="0">
+              <a:buNone/>
+              <a:defRPr sz="1000"/>
+            </a:lvl6pPr>
+            <a:lvl7pPr marL="2743200" indent="0">
+              <a:buNone/>
+              <a:defRPr sz="1000"/>
+            </a:lvl7pPr>
+            <a:lvl8pPr marL="3200400" indent="0">
+              <a:buNone/>
+              <a:defRPr sz="1000"/>
+            </a:lvl8pPr>
+            <a:lvl9pPr marL="3657600" indent="0">
+              <a:buNone/>
+              <a:defRPr sz="1000"/>
+            </a:lvl9pPr>
+          </a:lstStyle>
+          <a:p>
+            <a:pPr lvl="0"/>
+            <a:r>
+              <a:rPr lang="de-DE"/>
+              <a:t>Formatvorlagen des Textmasters bearbeiten</a:t>
+            </a:r>
+          </a:p>
+        </p:txBody>
+      </p:sp>
+      <p:sp>
+        <p:nvSpPr>
+          <p:cNvPr id="5" name="Datumsplatzhalter 4"/>
+          <p:cNvSpPr>
+            <a:spLocks noGrp="1"/>
+          </p:cNvSpPr>
+          <p:nvPr>
+            <p:ph type="dt" sz="half" idx="10"/>
+          </p:nvPr>
+        </p:nvSpPr>
+        <p:spPr/>
+        <p:txBody>
+          <a:bodyPr/>
+          <a:lstStyle/>
+          <a:p>
+            <a:r>
+              <a:rPr lang="de-DE"/>
+              <a:t>23.01.2017</a:t>
+            </a:r>
+          </a:p>
+        </p:txBody>
+      </p:sp>
+      <p:sp>
+        <p:nvSpPr>
+          <p:cNvPr id="6" name="Fußzeilenplatzhalter 5"/>
+          <p:cNvSpPr>
+            <a:spLocks noGrp="1"/>
+          </p:cNvSpPr>
+          <p:nvPr>
+            <p:ph type="ftr" sz="quarter" idx="11"/>
+          </p:nvPr>
+        </p:nvSpPr>
+        <p:spPr/>
+        <p:txBody>
+          <a:bodyPr/>
+          <a:lstStyle/>
+          <a:p>
+            <a:r>
+              <a:rPr lang="de-DE"/>
+              <a:t>Florian Blessing, Lisa Böhler, Markus Götz, Jan Habersetzer, Wendelin Herrmann</a:t>
+            </a:r>
+          </a:p>
+        </p:txBody>
+      </p:sp>
+      <p:sp>
+        <p:nvSpPr>
+          <p:cNvPr id="7" name="Foliennummernplatzhalter 6"/>
+          <p:cNvSpPr>
+            <a:spLocks noGrp="1"/>
+          </p:cNvSpPr>
+          <p:nvPr>
+            <p:ph type="sldNum" sz="quarter" idx="12"/>
+          </p:nvPr>
+        </p:nvSpPr>
+        <p:spPr/>
+        <p:txBody>
+          <a:bodyPr/>
+          <a:lstStyle/>
+          <a:p>
+            <a:fld id="{9A8D1588-5235-4A3E-9519-E5C37E4E16B7}" type="slidenum">
+              <a:rPr lang="de-DE" smtClean="0"/>
+              <a:t>‹Nr.›</a:t>
+            </a:fld>
+            <a:endParaRPr lang="de-DE"/>
+          </a:p>
+        </p:txBody>
+      </p:sp>
+      <p:sp>
+        <p:nvSpPr>
+          <p:cNvPr id="8" name="Titel 1"/>
+          <p:cNvSpPr>
+            <a:spLocks noGrp="1"/>
+          </p:cNvSpPr>
+          <p:nvPr>
+            <p:ph type="title"/>
+          </p:nvPr>
+        </p:nvSpPr>
+        <p:spPr>
+          <a:xfrm>
+            <a:off x="839788" y="595222"/>
+            <a:ext cx="3932237" cy="1462177"/>
+          </a:xfrm>
+        </p:spPr>
+        <p:txBody>
+          <a:bodyPr anchor="b"/>
+          <a:lstStyle>
+            <a:lvl1pPr>
+              <a:defRPr sz="3200"/>
+            </a:lvl1pPr>
+          </a:lstStyle>
+          <a:p>
+            <a:r>
+              <a:rPr lang="de-DE" dirty="0"/>
+              <a:t>Titelmasterformat durch Klicken bearbeiten</a:t>
+            </a:r>
+          </a:p>
+        </p:txBody>
+      </p:sp>
+    </p:spTree>
+    <p:extLst>
+      <p:ext uri="{BB962C8B-B14F-4D97-AF65-F5344CB8AC3E}">
+        <p14:creationId xmlns:p14="http://schemas.microsoft.com/office/powerpoint/2010/main" val="3502589630"/>
+      </p:ext>
+    </p:extLst>
+  </p:cSld>
+  <p:clrMapOvr>
+    <a:masterClrMapping/>
+  </p:clrMapOvr>
+</p:sldLayout>
+</file>
+
+<file path=ppt/slideLayouts/slideLayout62.xml><?xml version="1.0" encoding="utf-8"?>
+<p:sldLayout xmlns:a="http://schemas.openxmlformats.org/drawingml/2006/main" xmlns:r="http://schemas.openxmlformats.org/officeDocument/2006/relationships" xmlns:p="http://schemas.openxmlformats.org/presentationml/2006/main" type="picTx" preserve="1">
+  <p:cSld name="Bild mit Überschrift">
+    <p:spTree>
+      <p:nvGrpSpPr>
+        <p:cNvPr id="1" name=""/>
+        <p:cNvGrpSpPr/>
+        <p:nvPr/>
+      </p:nvGrpSpPr>
+      <p:grpSpPr>
+        <a:xfrm>
+          <a:off x="0" y="0"/>
+          <a:ext cx="0" cy="0"/>
+          <a:chOff x="0" y="0"/>
+          <a:chExt cx="0" cy="0"/>
+        </a:xfrm>
+      </p:grpSpPr>
+      <p:sp>
+        <p:nvSpPr>
+          <p:cNvPr id="2" name="Titel 1"/>
+          <p:cNvSpPr>
+            <a:spLocks noGrp="1"/>
+          </p:cNvSpPr>
+          <p:nvPr>
+            <p:ph type="title"/>
+          </p:nvPr>
+        </p:nvSpPr>
+        <p:spPr>
+          <a:xfrm>
+            <a:off x="839788" y="595222"/>
+            <a:ext cx="3932237" cy="1462177"/>
+          </a:xfrm>
+        </p:spPr>
+        <p:txBody>
+          <a:bodyPr anchor="b"/>
+          <a:lstStyle>
+            <a:lvl1pPr>
+              <a:defRPr sz="3200"/>
+            </a:lvl1pPr>
+          </a:lstStyle>
+          <a:p>
+            <a:r>
+              <a:rPr lang="de-DE" dirty="0"/>
+              <a:t>Titelmasterformat durch Klicken bearbeiten</a:t>
+            </a:r>
+          </a:p>
+        </p:txBody>
+      </p:sp>
+      <p:sp>
+        <p:nvSpPr>
+          <p:cNvPr id="3" name="Bildplatzhalter 2"/>
+          <p:cNvSpPr>
+            <a:spLocks noGrp="1"/>
+          </p:cNvSpPr>
+          <p:nvPr>
+            <p:ph type="pic" idx="1"/>
+          </p:nvPr>
+        </p:nvSpPr>
+        <p:spPr>
+          <a:xfrm>
+            <a:off x="5183188" y="987425"/>
+            <a:ext cx="6172200" cy="4873625"/>
+          </a:xfrm>
+        </p:spPr>
+        <p:txBody>
+          <a:bodyPr/>
+          <a:lstStyle>
+            <a:lvl1pPr marL="0" indent="0">
+              <a:buNone/>
+              <a:defRPr sz="3200"/>
+            </a:lvl1pPr>
+            <a:lvl2pPr marL="457200" indent="0">
+              <a:buNone/>
+              <a:defRPr sz="2800"/>
+            </a:lvl2pPr>
+            <a:lvl3pPr marL="914400" indent="0">
+              <a:buNone/>
+              <a:defRPr sz="2400"/>
+            </a:lvl3pPr>
+            <a:lvl4pPr marL="1371600" indent="0">
+              <a:buNone/>
+              <a:defRPr sz="2000"/>
+            </a:lvl4pPr>
+            <a:lvl5pPr marL="1828800" indent="0">
+              <a:buNone/>
+              <a:defRPr sz="2000"/>
+            </a:lvl5pPr>
+            <a:lvl6pPr marL="2286000" indent="0">
+              <a:buNone/>
+              <a:defRPr sz="2000"/>
+            </a:lvl6pPr>
+            <a:lvl7pPr marL="2743200" indent="0">
+              <a:buNone/>
+              <a:defRPr sz="2000"/>
+            </a:lvl7pPr>
+            <a:lvl8pPr marL="3200400" indent="0">
+              <a:buNone/>
+              <a:defRPr sz="2000"/>
+            </a:lvl8pPr>
+            <a:lvl9pPr marL="3657600" indent="0">
+              <a:buNone/>
+              <a:defRPr sz="2000"/>
+            </a:lvl9pPr>
+          </a:lstStyle>
+          <a:p>
+            <a:endParaRPr lang="de-DE"/>
+          </a:p>
+        </p:txBody>
+      </p:sp>
+      <p:sp>
+        <p:nvSpPr>
+          <p:cNvPr id="4" name="Textplatzhalter 3"/>
+          <p:cNvSpPr>
+            <a:spLocks noGrp="1"/>
+          </p:cNvSpPr>
+          <p:nvPr>
+            <p:ph type="body" sz="half" idx="2"/>
+          </p:nvPr>
+        </p:nvSpPr>
+        <p:spPr>
+          <a:xfrm>
+            <a:off x="839788" y="2057400"/>
+            <a:ext cx="3932237" cy="3811588"/>
+          </a:xfrm>
+        </p:spPr>
+        <p:txBody>
+          <a:bodyPr/>
+          <a:lstStyle>
+            <a:lvl1pPr marL="0" indent="0">
+              <a:buNone/>
+              <a:defRPr sz="1600"/>
+            </a:lvl1pPr>
+            <a:lvl2pPr marL="457200" indent="0">
+              <a:buNone/>
+              <a:defRPr sz="1400"/>
+            </a:lvl2pPr>
+            <a:lvl3pPr marL="914400" indent="0">
+              <a:buNone/>
+              <a:defRPr sz="1200"/>
+            </a:lvl3pPr>
+            <a:lvl4pPr marL="1371600" indent="0">
+              <a:buNone/>
+              <a:defRPr sz="1000"/>
+            </a:lvl4pPr>
+            <a:lvl5pPr marL="1828800" indent="0">
+              <a:buNone/>
+              <a:defRPr sz="1000"/>
+            </a:lvl5pPr>
+            <a:lvl6pPr marL="2286000" indent="0">
+              <a:buNone/>
+              <a:defRPr sz="1000"/>
+            </a:lvl6pPr>
+            <a:lvl7pPr marL="2743200" indent="0">
+              <a:buNone/>
+              <a:defRPr sz="1000"/>
+            </a:lvl7pPr>
+            <a:lvl8pPr marL="3200400" indent="0">
+              <a:buNone/>
+              <a:defRPr sz="1000"/>
+            </a:lvl8pPr>
+            <a:lvl9pPr marL="3657600" indent="0">
+              <a:buNone/>
+              <a:defRPr sz="1000"/>
+            </a:lvl9pPr>
+          </a:lstStyle>
+          <a:p>
+            <a:pPr lvl="0"/>
+            <a:r>
+              <a:rPr lang="de-DE"/>
+              <a:t>Formatvorlagen des Textmasters bearbeiten</a:t>
+            </a:r>
+          </a:p>
+        </p:txBody>
+      </p:sp>
+      <p:sp>
+        <p:nvSpPr>
+          <p:cNvPr id="5" name="Datumsplatzhalter 4"/>
+          <p:cNvSpPr>
+            <a:spLocks noGrp="1"/>
+          </p:cNvSpPr>
+          <p:nvPr>
+            <p:ph type="dt" sz="half" idx="10"/>
+          </p:nvPr>
+        </p:nvSpPr>
+        <p:spPr/>
+        <p:txBody>
+          <a:bodyPr/>
+          <a:lstStyle/>
+          <a:p>
+            <a:r>
+              <a:rPr lang="de-DE"/>
+              <a:t>23.01.2017</a:t>
+            </a:r>
+          </a:p>
+        </p:txBody>
+      </p:sp>
+      <p:sp>
+        <p:nvSpPr>
+          <p:cNvPr id="6" name="Fußzeilenplatzhalter 5"/>
+          <p:cNvSpPr>
+            <a:spLocks noGrp="1"/>
+          </p:cNvSpPr>
+          <p:nvPr>
+            <p:ph type="ftr" sz="quarter" idx="11"/>
+          </p:nvPr>
+        </p:nvSpPr>
+        <p:spPr/>
+        <p:txBody>
+          <a:bodyPr/>
+          <a:lstStyle/>
+          <a:p>
+            <a:r>
+              <a:rPr lang="de-DE"/>
+              <a:t>Florian Blessing, Lisa Böhler, Markus Götz, Jan Habersetzer, Wendelin Herrmann</a:t>
+            </a:r>
+          </a:p>
+        </p:txBody>
+      </p:sp>
+      <p:sp>
+        <p:nvSpPr>
+          <p:cNvPr id="7" name="Foliennummernplatzhalter 6"/>
+          <p:cNvSpPr>
+            <a:spLocks noGrp="1"/>
+          </p:cNvSpPr>
+          <p:nvPr>
+            <p:ph type="sldNum" sz="quarter" idx="12"/>
+          </p:nvPr>
+        </p:nvSpPr>
+        <p:spPr/>
+        <p:txBody>
+          <a:bodyPr/>
+          <a:lstStyle/>
+          <a:p>
+            <a:fld id="{9A8D1588-5235-4A3E-9519-E5C37E4E16B7}" type="slidenum">
+              <a:rPr lang="de-DE" smtClean="0"/>
+              <a:t>‹Nr.›</a:t>
+            </a:fld>
+            <a:endParaRPr lang="de-DE"/>
+          </a:p>
+        </p:txBody>
+      </p:sp>
+    </p:spTree>
+    <p:extLst>
+      <p:ext uri="{BB962C8B-B14F-4D97-AF65-F5344CB8AC3E}">
+        <p14:creationId xmlns:p14="http://schemas.microsoft.com/office/powerpoint/2010/main" val="1352192331"/>
       </p:ext>
     </p:extLst>
   </p:cSld>
@@ -30332,7 +36494,7 @@
           <p:nvPr userDrawn="1">
             <p:extLst>
               <p:ext uri="{D42A27DB-BD31-4B8C-83A1-F6EECF244321}">
-                <p14:modId xmlns:p14="http://schemas.microsoft.com/office/powerpoint/2010/main" val="240445517"/>
+                <p14:modId xmlns:p14="http://schemas.microsoft.com/office/powerpoint/2010/main" val="972709699"/>
               </p:ext>
             </p:extLst>
           </p:nvPr>
@@ -30941,7 +37103,7 @@
           <p:nvPr userDrawn="1">
             <p:extLst>
               <p:ext uri="{D42A27DB-BD31-4B8C-83A1-F6EECF244321}">
-                <p14:modId xmlns:p14="http://schemas.microsoft.com/office/powerpoint/2010/main" val="3905288228"/>
+                <p14:modId xmlns:p14="http://schemas.microsoft.com/office/powerpoint/2010/main" val="3809613919"/>
               </p:ext>
             </p:extLst>
           </p:nvPr>
@@ -31550,7 +37712,7 @@
           <p:nvPr userDrawn="1">
             <p:extLst>
               <p:ext uri="{D42A27DB-BD31-4B8C-83A1-F6EECF244321}">
-                <p14:modId xmlns:p14="http://schemas.microsoft.com/office/powerpoint/2010/main" val="146545065"/>
+                <p14:modId xmlns:p14="http://schemas.microsoft.com/office/powerpoint/2010/main" val="2262264115"/>
               </p:ext>
             </p:extLst>
           </p:nvPr>
@@ -32161,7 +38323,7 @@
           <p:nvPr userDrawn="1">
             <p:extLst>
               <p:ext uri="{D42A27DB-BD31-4B8C-83A1-F6EECF244321}">
-                <p14:modId xmlns:p14="http://schemas.microsoft.com/office/powerpoint/2010/main" val="906659231"/>
+                <p14:modId xmlns:p14="http://schemas.microsoft.com/office/powerpoint/2010/main" val="1463367713"/>
               </p:ext>
             </p:extLst>
           </p:nvPr>
@@ -32495,6 +38657,615 @@
 </p:sldMaster>
 </file>
 
+<file path=ppt/slideMasters/slideMaster6.xml><?xml version="1.0" encoding="utf-8"?>
+<p:sldMaster xmlns:a="http://schemas.openxmlformats.org/drawingml/2006/main" xmlns:r="http://schemas.openxmlformats.org/officeDocument/2006/relationships" xmlns:p="http://schemas.openxmlformats.org/presentationml/2006/main" preserve="1">
+  <p:cSld>
+    <p:bg>
+      <p:bgRef idx="1001">
+        <a:schemeClr val="bg1"/>
+      </p:bgRef>
+    </p:bg>
+    <p:spTree>
+      <p:nvGrpSpPr>
+        <p:cNvPr id="1" name=""/>
+        <p:cNvGrpSpPr/>
+        <p:nvPr/>
+      </p:nvGrpSpPr>
+      <p:grpSpPr>
+        <a:xfrm>
+          <a:off x="0" y="0"/>
+          <a:ext cx="0" cy="0"/>
+          <a:chOff x="0" y="0"/>
+          <a:chExt cx="0" cy="0"/>
+        </a:xfrm>
+      </p:grpSpPr>
+      <p:sp>
+        <p:nvSpPr>
+          <p:cNvPr id="2" name="Titelplatzhalter 1"/>
+          <p:cNvSpPr>
+            <a:spLocks noGrp="1"/>
+          </p:cNvSpPr>
+          <p:nvPr>
+            <p:ph type="title"/>
+          </p:nvPr>
+        </p:nvSpPr>
+        <p:spPr>
+          <a:xfrm>
+            <a:off x="838200" y="694963"/>
+            <a:ext cx="10515600" cy="995725"/>
+          </a:xfrm>
+          <a:prstGeom prst="rect">
+            <a:avLst/>
+          </a:prstGeom>
+        </p:spPr>
+        <p:txBody>
+          <a:bodyPr vert="horz" lIns="91440" tIns="45720" rIns="91440" bIns="45720" rtlCol="0" anchor="ctr">
+            <a:normAutofit/>
+          </a:bodyPr>
+          <a:lstStyle/>
+          <a:p>
+            <a:r>
+              <a:rPr lang="de-DE" dirty="0"/>
+              <a:t>Titelmasterformat durch Klicken bearbeiten</a:t>
+            </a:r>
+          </a:p>
+        </p:txBody>
+      </p:sp>
+      <p:sp>
+        <p:nvSpPr>
+          <p:cNvPr id="3" name="Textplatzhalter 2"/>
+          <p:cNvSpPr>
+            <a:spLocks noGrp="1"/>
+          </p:cNvSpPr>
+          <p:nvPr>
+            <p:ph type="body" idx="1"/>
+          </p:nvPr>
+        </p:nvSpPr>
+        <p:spPr>
+          <a:xfrm>
+            <a:off x="838200" y="1825625"/>
+            <a:ext cx="10515600" cy="4351338"/>
+          </a:xfrm>
+          <a:prstGeom prst="rect">
+            <a:avLst/>
+          </a:prstGeom>
+        </p:spPr>
+        <p:txBody>
+          <a:bodyPr vert="horz" lIns="91440" tIns="45720" rIns="91440" bIns="45720" rtlCol="0">
+            <a:normAutofit/>
+          </a:bodyPr>
+          <a:lstStyle/>
+          <a:p>
+            <a:pPr lvl="0"/>
+            <a:r>
+              <a:rPr lang="de-DE" dirty="0"/>
+              <a:t>Formatvorlagen des Textmasters bearbeiten</a:t>
+            </a:r>
+          </a:p>
+          <a:p>
+            <a:pPr lvl="1"/>
+            <a:r>
+              <a:rPr lang="de-DE" dirty="0"/>
+              <a:t>Zweite Ebene</a:t>
+            </a:r>
+          </a:p>
+          <a:p>
+            <a:pPr lvl="2"/>
+            <a:r>
+              <a:rPr lang="de-DE" dirty="0"/>
+              <a:t>Dritte Ebene</a:t>
+            </a:r>
+          </a:p>
+          <a:p>
+            <a:pPr lvl="3"/>
+            <a:r>
+              <a:rPr lang="de-DE" dirty="0"/>
+              <a:t>Vierte Ebene</a:t>
+            </a:r>
+          </a:p>
+          <a:p>
+            <a:pPr lvl="4"/>
+            <a:r>
+              <a:rPr lang="de-DE" dirty="0"/>
+              <a:t>Fünfte Ebene</a:t>
+            </a:r>
+          </a:p>
+        </p:txBody>
+      </p:sp>
+      <p:sp>
+        <p:nvSpPr>
+          <p:cNvPr id="4" name="Datumsplatzhalter 3"/>
+          <p:cNvSpPr>
+            <a:spLocks noGrp="1"/>
+          </p:cNvSpPr>
+          <p:nvPr>
+            <p:ph type="dt" sz="half" idx="2"/>
+          </p:nvPr>
+        </p:nvSpPr>
+        <p:spPr>
+          <a:xfrm>
+            <a:off x="290512" y="6356350"/>
+            <a:ext cx="1095375" cy="365125"/>
+          </a:xfrm>
+          <a:prstGeom prst="rect">
+            <a:avLst/>
+          </a:prstGeom>
+        </p:spPr>
+        <p:txBody>
+          <a:bodyPr vert="horz" lIns="91440" tIns="45720" rIns="91440" bIns="45720" rtlCol="0" anchor="ctr"/>
+          <a:lstStyle>
+            <a:lvl1pPr algn="l">
+              <a:defRPr sz="1200">
+                <a:solidFill>
+                  <a:schemeClr val="tx1">
+                    <a:tint val="75000"/>
+                  </a:schemeClr>
+                </a:solidFill>
+              </a:defRPr>
+            </a:lvl1pPr>
+          </a:lstStyle>
+          <a:p>
+            <a:r>
+              <a:rPr lang="de-DE"/>
+              <a:t>23.01.2017</a:t>
+            </a:r>
+            <a:endParaRPr lang="de-DE" dirty="0"/>
+          </a:p>
+        </p:txBody>
+      </p:sp>
+      <p:sp>
+        <p:nvSpPr>
+          <p:cNvPr id="5" name="Fußzeilenplatzhalter 4"/>
+          <p:cNvSpPr>
+            <a:spLocks noGrp="1"/>
+          </p:cNvSpPr>
+          <p:nvPr>
+            <p:ph type="ftr" sz="quarter" idx="3"/>
+          </p:nvPr>
+        </p:nvSpPr>
+        <p:spPr>
+          <a:xfrm>
+            <a:off x="2014539" y="6356350"/>
+            <a:ext cx="6138861" cy="365125"/>
+          </a:xfrm>
+          <a:prstGeom prst="rect">
+            <a:avLst/>
+          </a:prstGeom>
+        </p:spPr>
+        <p:txBody>
+          <a:bodyPr vert="horz" lIns="91440" tIns="45720" rIns="91440" bIns="45720" rtlCol="0" anchor="ctr"/>
+          <a:lstStyle>
+            <a:lvl1pPr algn="ctr">
+              <a:defRPr sz="1200">
+                <a:solidFill>
+                  <a:schemeClr val="tx1">
+                    <a:tint val="75000"/>
+                  </a:schemeClr>
+                </a:solidFill>
+              </a:defRPr>
+            </a:lvl1pPr>
+          </a:lstStyle>
+          <a:p>
+            <a:r>
+              <a:rPr lang="de-DE"/>
+              <a:t>Florian Blessing, Lisa Böhler, Markus Götz, Jan Habersetzer, Wendelin Herrmann</a:t>
+            </a:r>
+            <a:endParaRPr lang="de-DE" dirty="0"/>
+          </a:p>
+        </p:txBody>
+      </p:sp>
+      <p:sp>
+        <p:nvSpPr>
+          <p:cNvPr id="6" name="Foliennummernplatzhalter 5"/>
+          <p:cNvSpPr>
+            <a:spLocks noGrp="1"/>
+          </p:cNvSpPr>
+          <p:nvPr>
+            <p:ph type="sldNum" sz="quarter" idx="4"/>
+          </p:nvPr>
+        </p:nvSpPr>
+        <p:spPr>
+          <a:xfrm>
+            <a:off x="8782052" y="6356350"/>
+            <a:ext cx="590548" cy="365125"/>
+          </a:xfrm>
+          <a:prstGeom prst="rect">
+            <a:avLst/>
+          </a:prstGeom>
+        </p:spPr>
+        <p:txBody>
+          <a:bodyPr vert="horz" lIns="91440" tIns="45720" rIns="91440" bIns="45720" rtlCol="0" anchor="ctr"/>
+          <a:lstStyle>
+            <a:lvl1pPr algn="r">
+              <a:defRPr sz="1200">
+                <a:solidFill>
+                  <a:schemeClr val="tx1">
+                    <a:tint val="75000"/>
+                  </a:schemeClr>
+                </a:solidFill>
+              </a:defRPr>
+            </a:lvl1pPr>
+          </a:lstStyle>
+          <a:p>
+            <a:fld id="{9A8D1588-5235-4A3E-9519-E5C37E4E16B7}" type="slidenum">
+              <a:rPr lang="de-DE" smtClean="0"/>
+              <a:t>‹Nr.›</a:t>
+            </a:fld>
+            <a:endParaRPr lang="de-DE"/>
+          </a:p>
+        </p:txBody>
+      </p:sp>
+      <p:pic>
+        <p:nvPicPr>
+          <p:cNvPr id="7" name="Grafik 6"/>
+          <p:cNvPicPr>
+            <a:picLocks noChangeAspect="1"/>
+          </p:cNvPicPr>
+          <p:nvPr userDrawn="1"/>
+        </p:nvPicPr>
+        <p:blipFill>
+          <a:blip r:embed="rId12">
+            <a:extLst>
+              <a:ext uri="{28A0092B-C50C-407E-A947-70E740481C1C}">
+                <a14:useLocalDpi xmlns:a14="http://schemas.microsoft.com/office/drawing/2010/main" val="0"/>
+              </a:ext>
+            </a:extLst>
+          </a:blip>
+          <a:stretch>
+            <a:fillRect/>
+          </a:stretch>
+        </p:blipFill>
+        <p:spPr>
+          <a:xfrm>
+            <a:off x="10001252" y="6217012"/>
+            <a:ext cx="2006561" cy="612000"/>
+          </a:xfrm>
+          <a:prstGeom prst="rect">
+            <a:avLst/>
+          </a:prstGeom>
+        </p:spPr>
+      </p:pic>
+      <p:graphicFrame>
+        <p:nvGraphicFramePr>
+          <p:cNvPr id="9" name="Diagramm 8"/>
+          <p:cNvGraphicFramePr/>
+          <p:nvPr userDrawn="1">
+            <p:extLst>
+              <p:ext uri="{D42A27DB-BD31-4B8C-83A1-F6EECF244321}">
+                <p14:modId xmlns:p14="http://schemas.microsoft.com/office/powerpoint/2010/main" val="1061109577"/>
+              </p:ext>
+            </p:extLst>
+          </p:nvPr>
+        </p:nvGraphicFramePr>
+        <p:xfrm>
+          <a:off x="0" y="132821"/>
+          <a:ext cx="12193200" cy="286279"/>
+        </p:xfrm>
+        <a:graphic>
+          <a:graphicData uri="http://schemas.openxmlformats.org/drawingml/2006/diagram">
+            <dgm:relIds xmlns:dgm="http://schemas.openxmlformats.org/drawingml/2006/diagram" xmlns:r="http://schemas.openxmlformats.org/officeDocument/2006/relationships" r:dm="rId13" r:lo="rId14" r:qs="rId15" r:cs="rId16"/>
+          </a:graphicData>
+        </a:graphic>
+      </p:graphicFrame>
+    </p:spTree>
+    <p:extLst>
+      <p:ext uri="{BB962C8B-B14F-4D97-AF65-F5344CB8AC3E}">
+        <p14:creationId xmlns:p14="http://schemas.microsoft.com/office/powerpoint/2010/main" val="2980542069"/>
+      </p:ext>
+    </p:extLst>
+  </p:cSld>
+  <p:clrMap bg1="lt1" tx1="dk1" bg2="lt2" tx2="dk2" accent1="accent1" accent2="accent2" accent3="accent3" accent4="accent4" accent5="accent5" accent6="accent6" hlink="hlink" folHlink="folHlink"/>
+  <p:sldLayoutIdLst>
+    <p:sldLayoutId id="2147483708" r:id="rId1"/>
+    <p:sldLayoutId id="2147483709" r:id="rId2"/>
+    <p:sldLayoutId id="2147483710" r:id="rId3"/>
+    <p:sldLayoutId id="2147483711" r:id="rId4"/>
+    <p:sldLayoutId id="2147483712" r:id="rId5"/>
+    <p:sldLayoutId id="2147483713" r:id="rId6"/>
+    <p:sldLayoutId id="2147483714" r:id="rId7"/>
+    <p:sldLayoutId id="2147483715" r:id="rId8"/>
+    <p:sldLayoutId id="2147483716" r:id="rId9"/>
+    <p:sldLayoutId id="2147483717" r:id="rId10"/>
+  </p:sldLayoutIdLst>
+  <p:hf sldNum="0" hdr="0"/>
+  <p:txStyles>
+    <p:titleStyle>
+      <a:lvl1pPr algn="l" defTabSz="914400" rtl="0" eaLnBrk="1" latinLnBrk="0" hangingPunct="1">
+        <a:lnSpc>
+          <a:spcPct val="90000"/>
+        </a:lnSpc>
+        <a:spcBef>
+          <a:spcPct val="0"/>
+        </a:spcBef>
+        <a:buNone/>
+        <a:defRPr sz="4400" kern="1200">
+          <a:solidFill>
+            <a:schemeClr val="tx1"/>
+          </a:solidFill>
+          <a:latin typeface="+mj-lt"/>
+          <a:ea typeface="+mj-ea"/>
+          <a:cs typeface="+mj-cs"/>
+        </a:defRPr>
+      </a:lvl1pPr>
+    </p:titleStyle>
+    <p:bodyStyle>
+      <a:lvl1pPr marL="228600" indent="-228600" algn="l" defTabSz="914400" rtl="0" eaLnBrk="1" latinLnBrk="0" hangingPunct="1">
+        <a:lnSpc>
+          <a:spcPct val="90000"/>
+        </a:lnSpc>
+        <a:spcBef>
+          <a:spcPts val="1000"/>
+        </a:spcBef>
+        <a:buClr>
+          <a:srgbClr val="9A2120"/>
+        </a:buClr>
+        <a:buFont typeface="Wingdings" panose="05000000000000000000" pitchFamily="2" charset="2"/>
+        <a:buChar char="§"/>
+        <a:defRPr sz="2800" kern="1200">
+          <a:solidFill>
+            <a:schemeClr val="tx1"/>
+          </a:solidFill>
+          <a:latin typeface="+mn-lt"/>
+          <a:ea typeface="+mn-ea"/>
+          <a:cs typeface="+mn-cs"/>
+        </a:defRPr>
+      </a:lvl1pPr>
+      <a:lvl2pPr marL="685800" indent="-228600" algn="l" defTabSz="914400" rtl="0" eaLnBrk="1" latinLnBrk="0" hangingPunct="1">
+        <a:lnSpc>
+          <a:spcPct val="90000"/>
+        </a:lnSpc>
+        <a:spcBef>
+          <a:spcPts val="500"/>
+        </a:spcBef>
+        <a:buClr>
+          <a:srgbClr val="9A2120"/>
+        </a:buClr>
+        <a:buFont typeface="Wingdings" panose="05000000000000000000" pitchFamily="2" charset="2"/>
+        <a:buChar char="§"/>
+        <a:defRPr sz="2400" kern="1200">
+          <a:solidFill>
+            <a:schemeClr val="tx1"/>
+          </a:solidFill>
+          <a:latin typeface="+mn-lt"/>
+          <a:ea typeface="+mn-ea"/>
+          <a:cs typeface="+mn-cs"/>
+        </a:defRPr>
+      </a:lvl2pPr>
+      <a:lvl3pPr marL="1143000" indent="-228600" algn="l" defTabSz="914400" rtl="0" eaLnBrk="1" latinLnBrk="0" hangingPunct="1">
+        <a:lnSpc>
+          <a:spcPct val="90000"/>
+        </a:lnSpc>
+        <a:spcBef>
+          <a:spcPts val="500"/>
+        </a:spcBef>
+        <a:buClr>
+          <a:srgbClr val="9A2120"/>
+        </a:buClr>
+        <a:buFont typeface="Wingdings" panose="05000000000000000000" pitchFamily="2" charset="2"/>
+        <a:buChar char="§"/>
+        <a:defRPr sz="2000" kern="1200">
+          <a:solidFill>
+            <a:schemeClr val="tx1"/>
+          </a:solidFill>
+          <a:latin typeface="+mn-lt"/>
+          <a:ea typeface="+mn-ea"/>
+          <a:cs typeface="+mn-cs"/>
+        </a:defRPr>
+      </a:lvl3pPr>
+      <a:lvl4pPr marL="1600200" indent="-228600" algn="l" defTabSz="914400" rtl="0" eaLnBrk="1" latinLnBrk="0" hangingPunct="1">
+        <a:lnSpc>
+          <a:spcPct val="90000"/>
+        </a:lnSpc>
+        <a:spcBef>
+          <a:spcPts val="500"/>
+        </a:spcBef>
+        <a:buClr>
+          <a:srgbClr val="9A2120"/>
+        </a:buClr>
+        <a:buFont typeface="Wingdings" panose="05000000000000000000" pitchFamily="2" charset="2"/>
+        <a:buChar char="§"/>
+        <a:defRPr sz="1800" kern="1200">
+          <a:solidFill>
+            <a:schemeClr val="tx1"/>
+          </a:solidFill>
+          <a:latin typeface="+mn-lt"/>
+          <a:ea typeface="+mn-ea"/>
+          <a:cs typeface="+mn-cs"/>
+        </a:defRPr>
+      </a:lvl4pPr>
+      <a:lvl5pPr marL="2057400" indent="-228600" algn="l" defTabSz="914400" rtl="0" eaLnBrk="1" latinLnBrk="0" hangingPunct="1">
+        <a:lnSpc>
+          <a:spcPct val="90000"/>
+        </a:lnSpc>
+        <a:spcBef>
+          <a:spcPts val="500"/>
+        </a:spcBef>
+        <a:buClr>
+          <a:srgbClr val="9A2120"/>
+        </a:buClr>
+        <a:buFont typeface="Wingdings" panose="05000000000000000000" pitchFamily="2" charset="2"/>
+        <a:buChar char="§"/>
+        <a:defRPr sz="1800" kern="1200">
+          <a:solidFill>
+            <a:schemeClr val="tx1"/>
+          </a:solidFill>
+          <a:latin typeface="+mn-lt"/>
+          <a:ea typeface="+mn-ea"/>
+          <a:cs typeface="+mn-cs"/>
+        </a:defRPr>
+      </a:lvl5pPr>
+      <a:lvl6pPr marL="2514600" indent="-228600" algn="l" defTabSz="914400" rtl="0" eaLnBrk="1" latinLnBrk="0" hangingPunct="1">
+        <a:lnSpc>
+          <a:spcPct val="90000"/>
+        </a:lnSpc>
+        <a:spcBef>
+          <a:spcPts val="500"/>
+        </a:spcBef>
+        <a:buFont typeface="Arial" panose="020B0604020202020204" pitchFamily="34" charset="0"/>
+        <a:buChar char="•"/>
+        <a:defRPr sz="1800" kern="1200">
+          <a:solidFill>
+            <a:schemeClr val="tx1"/>
+          </a:solidFill>
+          <a:latin typeface="+mn-lt"/>
+          <a:ea typeface="+mn-ea"/>
+          <a:cs typeface="+mn-cs"/>
+        </a:defRPr>
+      </a:lvl6pPr>
+      <a:lvl7pPr marL="2971800" indent="-228600" algn="l" defTabSz="914400" rtl="0" eaLnBrk="1" latinLnBrk="0" hangingPunct="1">
+        <a:lnSpc>
+          <a:spcPct val="90000"/>
+        </a:lnSpc>
+        <a:spcBef>
+          <a:spcPts val="500"/>
+        </a:spcBef>
+        <a:buFont typeface="Arial" panose="020B0604020202020204" pitchFamily="34" charset="0"/>
+        <a:buChar char="•"/>
+        <a:defRPr sz="1800" kern="1200">
+          <a:solidFill>
+            <a:schemeClr val="tx1"/>
+          </a:solidFill>
+          <a:latin typeface="+mn-lt"/>
+          <a:ea typeface="+mn-ea"/>
+          <a:cs typeface="+mn-cs"/>
+        </a:defRPr>
+      </a:lvl7pPr>
+      <a:lvl8pPr marL="3429000" indent="-228600" algn="l" defTabSz="914400" rtl="0" eaLnBrk="1" latinLnBrk="0" hangingPunct="1">
+        <a:lnSpc>
+          <a:spcPct val="90000"/>
+        </a:lnSpc>
+        <a:spcBef>
+          <a:spcPts val="500"/>
+        </a:spcBef>
+        <a:buFont typeface="Arial" panose="020B0604020202020204" pitchFamily="34" charset="0"/>
+        <a:buChar char="•"/>
+        <a:defRPr sz="1800" kern="1200">
+          <a:solidFill>
+            <a:schemeClr val="tx1"/>
+          </a:solidFill>
+          <a:latin typeface="+mn-lt"/>
+          <a:ea typeface="+mn-ea"/>
+          <a:cs typeface="+mn-cs"/>
+        </a:defRPr>
+      </a:lvl8pPr>
+      <a:lvl9pPr marL="3886200" indent="-228600" algn="l" defTabSz="914400" rtl="0" eaLnBrk="1" latinLnBrk="0" hangingPunct="1">
+        <a:lnSpc>
+          <a:spcPct val="90000"/>
+        </a:lnSpc>
+        <a:spcBef>
+          <a:spcPts val="500"/>
+        </a:spcBef>
+        <a:buFont typeface="Arial" panose="020B0604020202020204" pitchFamily="34" charset="0"/>
+        <a:buChar char="•"/>
+        <a:defRPr sz="1800" kern="1200">
+          <a:solidFill>
+            <a:schemeClr val="tx1"/>
+          </a:solidFill>
+          <a:latin typeface="+mn-lt"/>
+          <a:ea typeface="+mn-ea"/>
+          <a:cs typeface="+mn-cs"/>
+        </a:defRPr>
+      </a:lvl9pPr>
+    </p:bodyStyle>
+    <p:otherStyle>
+      <a:defPPr>
+        <a:defRPr lang="de-DE"/>
+      </a:defPPr>
+      <a:lvl1pPr marL="0" algn="l" defTabSz="914400" rtl="0" eaLnBrk="1" latinLnBrk="0" hangingPunct="1">
+        <a:defRPr sz="1800" kern="1200">
+          <a:solidFill>
+            <a:schemeClr val="tx1"/>
+          </a:solidFill>
+          <a:latin typeface="+mn-lt"/>
+          <a:ea typeface="+mn-ea"/>
+          <a:cs typeface="+mn-cs"/>
+        </a:defRPr>
+      </a:lvl1pPr>
+      <a:lvl2pPr marL="457200" algn="l" defTabSz="914400" rtl="0" eaLnBrk="1" latinLnBrk="0" hangingPunct="1">
+        <a:defRPr sz="1800" kern="1200">
+          <a:solidFill>
+            <a:schemeClr val="tx1"/>
+          </a:solidFill>
+          <a:latin typeface="+mn-lt"/>
+          <a:ea typeface="+mn-ea"/>
+          <a:cs typeface="+mn-cs"/>
+        </a:defRPr>
+      </a:lvl2pPr>
+      <a:lvl3pPr marL="914400" algn="l" defTabSz="914400" rtl="0" eaLnBrk="1" latinLnBrk="0" hangingPunct="1">
+        <a:defRPr sz="1800" kern="1200">
+          <a:solidFill>
+            <a:schemeClr val="tx1"/>
+          </a:solidFill>
+          <a:latin typeface="+mn-lt"/>
+          <a:ea typeface="+mn-ea"/>
+          <a:cs typeface="+mn-cs"/>
+        </a:defRPr>
+      </a:lvl3pPr>
+      <a:lvl4pPr marL="1371600" algn="l" defTabSz="914400" rtl="0" eaLnBrk="1" latinLnBrk="0" hangingPunct="1">
+        <a:defRPr sz="1800" kern="1200">
+          <a:solidFill>
+            <a:schemeClr val="tx1"/>
+          </a:solidFill>
+          <a:latin typeface="+mn-lt"/>
+          <a:ea typeface="+mn-ea"/>
+          <a:cs typeface="+mn-cs"/>
+        </a:defRPr>
+      </a:lvl4pPr>
+      <a:lvl5pPr marL="1828800" algn="l" defTabSz="914400" rtl="0" eaLnBrk="1" latinLnBrk="0" hangingPunct="1">
+        <a:defRPr sz="1800" kern="1200">
+          <a:solidFill>
+            <a:schemeClr val="tx1"/>
+          </a:solidFill>
+          <a:latin typeface="+mn-lt"/>
+          <a:ea typeface="+mn-ea"/>
+          <a:cs typeface="+mn-cs"/>
+        </a:defRPr>
+      </a:lvl5pPr>
+      <a:lvl6pPr marL="2286000" algn="l" defTabSz="914400" rtl="0" eaLnBrk="1" latinLnBrk="0" hangingPunct="1">
+        <a:defRPr sz="1800" kern="1200">
+          <a:solidFill>
+            <a:schemeClr val="tx1"/>
+          </a:solidFill>
+          <a:latin typeface="+mn-lt"/>
+          <a:ea typeface="+mn-ea"/>
+          <a:cs typeface="+mn-cs"/>
+        </a:defRPr>
+      </a:lvl6pPr>
+      <a:lvl7pPr marL="2743200" algn="l" defTabSz="914400" rtl="0" eaLnBrk="1" latinLnBrk="0" hangingPunct="1">
+        <a:defRPr sz="1800" kern="1200">
+          <a:solidFill>
+            <a:schemeClr val="tx1"/>
+          </a:solidFill>
+          <a:latin typeface="+mn-lt"/>
+          <a:ea typeface="+mn-ea"/>
+          <a:cs typeface="+mn-cs"/>
+        </a:defRPr>
+      </a:lvl7pPr>
+      <a:lvl8pPr marL="3200400" algn="l" defTabSz="914400" rtl="0" eaLnBrk="1" latinLnBrk="0" hangingPunct="1">
+        <a:defRPr sz="1800" kern="1200">
+          <a:solidFill>
+            <a:schemeClr val="tx1"/>
+          </a:solidFill>
+          <a:latin typeface="+mn-lt"/>
+          <a:ea typeface="+mn-ea"/>
+          <a:cs typeface="+mn-cs"/>
+        </a:defRPr>
+      </a:lvl8pPr>
+      <a:lvl9pPr marL="3657600" algn="l" defTabSz="914400" rtl="0" eaLnBrk="1" latinLnBrk="0" hangingPunct="1">
+        <a:defRPr sz="1800" kern="1200">
+          <a:solidFill>
+            <a:schemeClr val="tx1"/>
+          </a:solidFill>
+          <a:latin typeface="+mn-lt"/>
+          <a:ea typeface="+mn-ea"/>
+          <a:cs typeface="+mn-cs"/>
+        </a:defRPr>
+      </a:lvl9pPr>
+    </p:otherStyle>
+  </p:txStyles>
+</p:sldMaster>
+</file>
+
 <file path=ppt/slides/slide1.xml><?xml version="1.0" encoding="utf-8"?>
 <p:sld xmlns:a="http://schemas.openxmlformats.org/drawingml/2006/main" xmlns:r="http://schemas.openxmlformats.org/officeDocument/2006/relationships" xmlns:p="http://schemas.openxmlformats.org/presentationml/2006/main">
   <p:cSld>
@@ -32617,6 +39388,569 @@
 </p:sld>
 </file>
 
+<file path=ppt/slides/slide10.xml><?xml version="1.0" encoding="utf-8"?>
+<p:sld xmlns:a="http://schemas.openxmlformats.org/drawingml/2006/main" xmlns:r="http://schemas.openxmlformats.org/officeDocument/2006/relationships" xmlns:p="http://schemas.openxmlformats.org/presentationml/2006/main">
+  <p:cSld>
+    <p:spTree>
+      <p:nvGrpSpPr>
+        <p:cNvPr id="1" name=""/>
+        <p:cNvGrpSpPr/>
+        <p:nvPr/>
+      </p:nvGrpSpPr>
+      <p:grpSpPr>
+        <a:xfrm>
+          <a:off x="0" y="0"/>
+          <a:ext cx="0" cy="0"/>
+          <a:chOff x="0" y="0"/>
+          <a:chExt cx="0" cy="0"/>
+        </a:xfrm>
+      </p:grpSpPr>
+      <p:sp>
+        <p:nvSpPr>
+          <p:cNvPr id="2" name="Titel 1"/>
+          <p:cNvSpPr>
+            <a:spLocks noGrp="1"/>
+          </p:cNvSpPr>
+          <p:nvPr>
+            <p:ph type="title"/>
+          </p:nvPr>
+        </p:nvSpPr>
+        <p:spPr/>
+        <p:txBody>
+          <a:bodyPr/>
+          <a:lstStyle/>
+          <a:p>
+            <a:r>
+              <a:rPr lang="de-DE" dirty="0"/>
+              <a:t>Fallstudie 2 – „</a:t>
+            </a:r>
+            <a:r>
+              <a:rPr lang="de-DE" dirty="0" err="1"/>
+              <a:t>Bubbles</a:t>
+            </a:r>
+            <a:r>
+              <a:rPr lang="de-DE" dirty="0"/>
+              <a:t>“</a:t>
+            </a:r>
+          </a:p>
+        </p:txBody>
+      </p:sp>
+      <p:sp>
+        <p:nvSpPr>
+          <p:cNvPr id="3" name="Textplatzhalter 2"/>
+          <p:cNvSpPr>
+            <a:spLocks noGrp="1"/>
+          </p:cNvSpPr>
+          <p:nvPr>
+            <p:ph type="body" idx="1"/>
+          </p:nvPr>
+        </p:nvSpPr>
+        <p:spPr/>
+        <p:txBody>
+          <a:bodyPr/>
+          <a:lstStyle/>
+          <a:p>
+            <a:endParaRPr lang="de-DE"/>
+          </a:p>
+        </p:txBody>
+      </p:sp>
+      <p:sp>
+        <p:nvSpPr>
+          <p:cNvPr id="4" name="Datumsplatzhalter 3"/>
+          <p:cNvSpPr>
+            <a:spLocks noGrp="1"/>
+          </p:cNvSpPr>
+          <p:nvPr>
+            <p:ph type="dt" sz="half" idx="10"/>
+          </p:nvPr>
+        </p:nvSpPr>
+        <p:spPr/>
+        <p:txBody>
+          <a:bodyPr/>
+          <a:lstStyle/>
+          <a:p>
+            <a:r>
+              <a:rPr lang="de-DE"/>
+              <a:t>23.01.2017</a:t>
+            </a:r>
+          </a:p>
+        </p:txBody>
+      </p:sp>
+      <p:sp>
+        <p:nvSpPr>
+          <p:cNvPr id="5" name="Fußzeilenplatzhalter 4"/>
+          <p:cNvSpPr>
+            <a:spLocks noGrp="1"/>
+          </p:cNvSpPr>
+          <p:nvPr>
+            <p:ph type="ftr" sz="quarter" idx="11"/>
+          </p:nvPr>
+        </p:nvSpPr>
+        <p:spPr/>
+        <p:txBody>
+          <a:bodyPr/>
+          <a:lstStyle/>
+          <a:p>
+            <a:r>
+              <a:rPr lang="de-DE"/>
+              <a:t>Florian Blessing, Lisa Böhler, Markus Götz, Jan Habersetzer, Wendelin Herrmann</a:t>
+            </a:r>
+          </a:p>
+        </p:txBody>
+      </p:sp>
+    </p:spTree>
+    <p:extLst>
+      <p:ext uri="{BB962C8B-B14F-4D97-AF65-F5344CB8AC3E}">
+        <p14:creationId xmlns:p14="http://schemas.microsoft.com/office/powerpoint/2010/main" val="3046980272"/>
+      </p:ext>
+    </p:extLst>
+  </p:cSld>
+  <p:clrMapOvr>
+    <a:masterClrMapping/>
+  </p:clrMapOvr>
+</p:sld>
+</file>
+
+<file path=ppt/slides/slide11.xml><?xml version="1.0" encoding="utf-8"?>
+<p:sld xmlns:a="http://schemas.openxmlformats.org/drawingml/2006/main" xmlns:r="http://schemas.openxmlformats.org/officeDocument/2006/relationships" xmlns:p="http://schemas.openxmlformats.org/presentationml/2006/main">
+  <p:cSld>
+    <p:spTree>
+      <p:nvGrpSpPr>
+        <p:cNvPr id="1" name=""/>
+        <p:cNvGrpSpPr/>
+        <p:nvPr/>
+      </p:nvGrpSpPr>
+      <p:grpSpPr>
+        <a:xfrm>
+          <a:off x="0" y="0"/>
+          <a:ext cx="0" cy="0"/>
+          <a:chOff x="0" y="0"/>
+          <a:chExt cx="0" cy="0"/>
+        </a:xfrm>
+      </p:grpSpPr>
+      <p:sp>
+        <p:nvSpPr>
+          <p:cNvPr id="2" name="Titel 1"/>
+          <p:cNvSpPr>
+            <a:spLocks noGrp="1"/>
+          </p:cNvSpPr>
+          <p:nvPr>
+            <p:ph type="title"/>
+          </p:nvPr>
+        </p:nvSpPr>
+        <p:spPr/>
+        <p:txBody>
+          <a:bodyPr/>
+          <a:lstStyle/>
+          <a:p>
+            <a:r>
+              <a:rPr lang="de-DE" dirty="0"/>
+              <a:t>Entwurf</a:t>
+            </a:r>
+          </a:p>
+        </p:txBody>
+      </p:sp>
+      <p:pic>
+        <p:nvPicPr>
+          <p:cNvPr id="6" name="Inhaltsplatzhalter 5"/>
+          <p:cNvPicPr>
+            <a:picLocks noGrp="1" noChangeAspect="1"/>
+          </p:cNvPicPr>
+          <p:nvPr>
+            <p:ph idx="1"/>
+          </p:nvPr>
+        </p:nvPicPr>
+        <p:blipFill>
+          <a:blip r:embed="rId2">
+            <a:extLst>
+              <a:ext uri="{28A0092B-C50C-407E-A947-70E740481C1C}">
+                <a14:useLocalDpi xmlns:a14="http://schemas.microsoft.com/office/drawing/2010/main" val="0"/>
+              </a:ext>
+            </a:extLst>
+          </a:blip>
+          <a:stretch>
+            <a:fillRect/>
+          </a:stretch>
+        </p:blipFill>
+        <p:spPr>
+          <a:xfrm>
+            <a:off x="2259990" y="1508400"/>
+            <a:ext cx="7672020" cy="4546800"/>
+          </a:xfrm>
+        </p:spPr>
+      </p:pic>
+      <p:sp>
+        <p:nvSpPr>
+          <p:cNvPr id="4" name="Datumsplatzhalter 3"/>
+          <p:cNvSpPr>
+            <a:spLocks noGrp="1"/>
+          </p:cNvSpPr>
+          <p:nvPr>
+            <p:ph type="dt" sz="half" idx="10"/>
+          </p:nvPr>
+        </p:nvSpPr>
+        <p:spPr/>
+        <p:txBody>
+          <a:bodyPr/>
+          <a:lstStyle/>
+          <a:p>
+            <a:r>
+              <a:rPr lang="de-DE"/>
+              <a:t>23.01.2017</a:t>
+            </a:r>
+          </a:p>
+        </p:txBody>
+      </p:sp>
+      <p:sp>
+        <p:nvSpPr>
+          <p:cNvPr id="5" name="Fußzeilenplatzhalter 4"/>
+          <p:cNvSpPr>
+            <a:spLocks noGrp="1"/>
+          </p:cNvSpPr>
+          <p:nvPr>
+            <p:ph type="ftr" sz="quarter" idx="11"/>
+          </p:nvPr>
+        </p:nvSpPr>
+        <p:spPr/>
+        <p:txBody>
+          <a:bodyPr/>
+          <a:lstStyle/>
+          <a:p>
+            <a:r>
+              <a:rPr lang="de-DE"/>
+              <a:t>Florian Blessing, Lisa Böhler, Markus Götz, Jan Habersetzer, Wendelin Herrmann</a:t>
+            </a:r>
+          </a:p>
+        </p:txBody>
+      </p:sp>
+    </p:spTree>
+    <p:extLst>
+      <p:ext uri="{BB962C8B-B14F-4D97-AF65-F5344CB8AC3E}">
+        <p14:creationId xmlns:p14="http://schemas.microsoft.com/office/powerpoint/2010/main" val="1581791314"/>
+      </p:ext>
+    </p:extLst>
+  </p:cSld>
+  <p:clrMapOvr>
+    <a:masterClrMapping/>
+  </p:clrMapOvr>
+</p:sld>
+</file>
+
+<file path=ppt/slides/slide12.xml><?xml version="1.0" encoding="utf-8"?>
+<p:sld xmlns:a="http://schemas.openxmlformats.org/drawingml/2006/main" xmlns:r="http://schemas.openxmlformats.org/officeDocument/2006/relationships" xmlns:p="http://schemas.openxmlformats.org/presentationml/2006/main">
+  <p:cSld>
+    <p:spTree>
+      <p:nvGrpSpPr>
+        <p:cNvPr id="1" name=""/>
+        <p:cNvGrpSpPr/>
+        <p:nvPr/>
+      </p:nvGrpSpPr>
+      <p:grpSpPr>
+        <a:xfrm>
+          <a:off x="0" y="0"/>
+          <a:ext cx="0" cy="0"/>
+          <a:chOff x="0" y="0"/>
+          <a:chExt cx="0" cy="0"/>
+        </a:xfrm>
+      </p:grpSpPr>
+      <p:sp>
+        <p:nvSpPr>
+          <p:cNvPr id="2" name="Titel 1"/>
+          <p:cNvSpPr>
+            <a:spLocks noGrp="1"/>
+          </p:cNvSpPr>
+          <p:nvPr>
+            <p:ph type="title"/>
+          </p:nvPr>
+        </p:nvSpPr>
+        <p:spPr/>
+        <p:txBody>
+          <a:bodyPr/>
+          <a:lstStyle/>
+          <a:p>
+            <a:r>
+              <a:rPr lang="de-DE" dirty="0"/>
+              <a:t>Live-Demo und Fazit</a:t>
+            </a:r>
+          </a:p>
+        </p:txBody>
+      </p:sp>
+      <p:sp>
+        <p:nvSpPr>
+          <p:cNvPr id="3" name="Textplatzhalter 2"/>
+          <p:cNvSpPr>
+            <a:spLocks noGrp="1"/>
+          </p:cNvSpPr>
+          <p:nvPr>
+            <p:ph type="body" idx="1"/>
+          </p:nvPr>
+        </p:nvSpPr>
+        <p:spPr/>
+        <p:txBody>
+          <a:bodyPr/>
+          <a:lstStyle/>
+          <a:p>
+            <a:endParaRPr lang="de-DE"/>
+          </a:p>
+        </p:txBody>
+      </p:sp>
+      <p:sp>
+        <p:nvSpPr>
+          <p:cNvPr id="4" name="Datumsplatzhalter 3"/>
+          <p:cNvSpPr>
+            <a:spLocks noGrp="1"/>
+          </p:cNvSpPr>
+          <p:nvPr>
+            <p:ph type="dt" sz="half" idx="10"/>
+          </p:nvPr>
+        </p:nvSpPr>
+        <p:spPr/>
+        <p:txBody>
+          <a:bodyPr/>
+          <a:lstStyle/>
+          <a:p>
+            <a:r>
+              <a:rPr lang="de-DE"/>
+              <a:t>23.01.2017</a:t>
+            </a:r>
+          </a:p>
+        </p:txBody>
+      </p:sp>
+      <p:sp>
+        <p:nvSpPr>
+          <p:cNvPr id="5" name="Fußzeilenplatzhalter 4"/>
+          <p:cNvSpPr>
+            <a:spLocks noGrp="1"/>
+          </p:cNvSpPr>
+          <p:nvPr>
+            <p:ph type="ftr" sz="quarter" idx="11"/>
+          </p:nvPr>
+        </p:nvSpPr>
+        <p:spPr/>
+        <p:txBody>
+          <a:bodyPr/>
+          <a:lstStyle/>
+          <a:p>
+            <a:r>
+              <a:rPr lang="de-DE"/>
+              <a:t>Florian Blessing, Lisa Böhler, Markus Götz, Jan Habersetzer, Wendelin Herrmann</a:t>
+            </a:r>
+          </a:p>
+        </p:txBody>
+      </p:sp>
+    </p:spTree>
+    <p:extLst>
+      <p:ext uri="{BB962C8B-B14F-4D97-AF65-F5344CB8AC3E}">
+        <p14:creationId xmlns:p14="http://schemas.microsoft.com/office/powerpoint/2010/main" val="3778453304"/>
+      </p:ext>
+    </p:extLst>
+  </p:cSld>
+  <p:clrMapOvr>
+    <a:masterClrMapping/>
+  </p:clrMapOvr>
+</p:sld>
+</file>
+
+<file path=ppt/slides/slide13.xml><?xml version="1.0" encoding="utf-8"?>
+<p:sld xmlns:a="http://schemas.openxmlformats.org/drawingml/2006/main" xmlns:r="http://schemas.openxmlformats.org/officeDocument/2006/relationships" xmlns:p="http://schemas.openxmlformats.org/presentationml/2006/main">
+  <p:cSld>
+    <p:spTree>
+      <p:nvGrpSpPr>
+        <p:cNvPr id="1" name=""/>
+        <p:cNvGrpSpPr/>
+        <p:nvPr/>
+      </p:nvGrpSpPr>
+      <p:grpSpPr>
+        <a:xfrm>
+          <a:off x="0" y="0"/>
+          <a:ext cx="0" cy="0"/>
+          <a:chOff x="0" y="0"/>
+          <a:chExt cx="0" cy="0"/>
+        </a:xfrm>
+      </p:grpSpPr>
+      <p:sp>
+        <p:nvSpPr>
+          <p:cNvPr id="2" name="Titel 1"/>
+          <p:cNvSpPr>
+            <a:spLocks noGrp="1"/>
+          </p:cNvSpPr>
+          <p:nvPr>
+            <p:ph type="title"/>
+          </p:nvPr>
+        </p:nvSpPr>
+        <p:spPr/>
+        <p:txBody>
+          <a:bodyPr/>
+          <a:lstStyle/>
+          <a:p>
+            <a:endParaRPr lang="de-DE"/>
+          </a:p>
+        </p:txBody>
+      </p:sp>
+      <p:sp>
+        <p:nvSpPr>
+          <p:cNvPr id="3" name="Inhaltsplatzhalter 2"/>
+          <p:cNvSpPr>
+            <a:spLocks noGrp="1"/>
+          </p:cNvSpPr>
+          <p:nvPr>
+            <p:ph idx="1"/>
+          </p:nvPr>
+        </p:nvSpPr>
+        <p:spPr/>
+        <p:txBody>
+          <a:bodyPr/>
+          <a:lstStyle/>
+          <a:p>
+            <a:endParaRPr lang="de-DE"/>
+          </a:p>
+        </p:txBody>
+      </p:sp>
+      <p:sp>
+        <p:nvSpPr>
+          <p:cNvPr id="4" name="Datumsplatzhalter 3"/>
+          <p:cNvSpPr>
+            <a:spLocks noGrp="1"/>
+          </p:cNvSpPr>
+          <p:nvPr>
+            <p:ph type="dt" sz="half" idx="10"/>
+          </p:nvPr>
+        </p:nvSpPr>
+        <p:spPr/>
+        <p:txBody>
+          <a:bodyPr/>
+          <a:lstStyle/>
+          <a:p>
+            <a:r>
+              <a:rPr lang="de-DE"/>
+              <a:t>23.01.2017</a:t>
+            </a:r>
+          </a:p>
+        </p:txBody>
+      </p:sp>
+      <p:sp>
+        <p:nvSpPr>
+          <p:cNvPr id="5" name="Fußzeilenplatzhalter 4"/>
+          <p:cNvSpPr>
+            <a:spLocks noGrp="1"/>
+          </p:cNvSpPr>
+          <p:nvPr>
+            <p:ph type="ftr" sz="quarter" idx="11"/>
+          </p:nvPr>
+        </p:nvSpPr>
+        <p:spPr/>
+        <p:txBody>
+          <a:bodyPr/>
+          <a:lstStyle/>
+          <a:p>
+            <a:r>
+              <a:rPr lang="de-DE"/>
+              <a:t>Florian Blessing, Lisa Böhler, Markus Götz, Jan Habersetzer, Wendelin Herrmann</a:t>
+            </a:r>
+          </a:p>
+        </p:txBody>
+      </p:sp>
+    </p:spTree>
+    <p:extLst>
+      <p:ext uri="{BB962C8B-B14F-4D97-AF65-F5344CB8AC3E}">
+        <p14:creationId xmlns:p14="http://schemas.microsoft.com/office/powerpoint/2010/main" val="3039045178"/>
+      </p:ext>
+    </p:extLst>
+  </p:cSld>
+  <p:clrMapOvr>
+    <a:masterClrMapping/>
+  </p:clrMapOvr>
+</p:sld>
+</file>
+
+<file path=ppt/slides/slide14.xml><?xml version="1.0" encoding="utf-8"?>
+<p:sld xmlns:a="http://schemas.openxmlformats.org/drawingml/2006/main" xmlns:r="http://schemas.openxmlformats.org/officeDocument/2006/relationships" xmlns:p="http://schemas.openxmlformats.org/presentationml/2006/main">
+  <p:cSld>
+    <p:spTree>
+      <p:nvGrpSpPr>
+        <p:cNvPr id="1" name=""/>
+        <p:cNvGrpSpPr/>
+        <p:nvPr/>
+      </p:nvGrpSpPr>
+      <p:grpSpPr>
+        <a:xfrm>
+          <a:off x="0" y="0"/>
+          <a:ext cx="0" cy="0"/>
+          <a:chOff x="0" y="0"/>
+          <a:chExt cx="0" cy="0"/>
+        </a:xfrm>
+      </p:grpSpPr>
+      <p:sp>
+        <p:nvSpPr>
+          <p:cNvPr id="2" name="Titel 1"/>
+          <p:cNvSpPr>
+            <a:spLocks noGrp="1"/>
+          </p:cNvSpPr>
+          <p:nvPr>
+            <p:ph type="ctrTitle"/>
+          </p:nvPr>
+        </p:nvSpPr>
+        <p:spPr/>
+        <p:txBody>
+          <a:bodyPr/>
+          <a:lstStyle/>
+          <a:p>
+            <a:r>
+              <a:rPr lang="de-DE" dirty="0"/>
+              <a:t>VIELEN DANK!</a:t>
+            </a:r>
+          </a:p>
+        </p:txBody>
+      </p:sp>
+      <p:sp>
+        <p:nvSpPr>
+          <p:cNvPr id="3" name="Untertitel 2"/>
+          <p:cNvSpPr>
+            <a:spLocks noGrp="1"/>
+          </p:cNvSpPr>
+          <p:nvPr>
+            <p:ph type="subTitle" idx="1"/>
+          </p:nvPr>
+        </p:nvSpPr>
+        <p:spPr>
+          <a:xfrm>
+            <a:off x="676275" y="3602038"/>
+            <a:ext cx="10839450" cy="1655762"/>
+          </a:xfrm>
+        </p:spPr>
+        <p:txBody>
+          <a:bodyPr/>
+          <a:lstStyle/>
+          <a:p>
+            <a:r>
+              <a:rPr lang="de-DE" dirty="0"/>
+              <a:t>Gruppenname</a:t>
+            </a:r>
+          </a:p>
+          <a:p>
+            <a:r>
+              <a:rPr lang="de-DE" dirty="0"/>
+              <a:t>Name1, Name2, Name3, Name4</a:t>
+            </a:r>
+          </a:p>
+          <a:p>
+            <a:endParaRPr lang="de-DE" dirty="0"/>
+          </a:p>
+        </p:txBody>
+      </p:sp>
+    </p:spTree>
+    <p:extLst>
+      <p:ext uri="{BB962C8B-B14F-4D97-AF65-F5344CB8AC3E}">
+        <p14:creationId xmlns:p14="http://schemas.microsoft.com/office/powerpoint/2010/main" val="1461806567"/>
+      </p:ext>
+    </p:extLst>
+  </p:cSld>
+  <p:clrMapOvr>
+    <a:masterClrMapping/>
+  </p:clrMapOvr>
+</p:sld>
+</file>
+
 <file path=ppt/slides/slide2.xml><?xml version="1.0" encoding="utf-8"?>
 <p:sld xmlns:a="http://schemas.openxmlformats.org/drawingml/2006/main" xmlns:r="http://schemas.openxmlformats.org/officeDocument/2006/relationships" xmlns:p="http://schemas.openxmlformats.org/presentationml/2006/main">
   <p:cSld>
@@ -32666,7 +40000,7 @@
             <p:ph idx="1"/>
             <p:extLst>
               <p:ext uri="{D42A27DB-BD31-4B8C-83A1-F6EECF244321}">
-                <p14:modId xmlns:p14="http://schemas.microsoft.com/office/powerpoint/2010/main" val="3272945092"/>
+                <p14:modId xmlns:p14="http://schemas.microsoft.com/office/powerpoint/2010/main" val="885796497"/>
               </p:ext>
             </p:extLst>
           </p:nvPr>
@@ -32762,7 +40096,7 @@
             <a:spLocks noGrp="1"/>
           </p:cNvSpPr>
           <p:nvPr>
-            <p:ph type="ctrTitle"/>
+            <p:ph type="title"/>
           </p:nvPr>
         </p:nvSpPr>
         <p:spPr/>
@@ -32772,51 +40106,843 @@
           <a:p>
             <a:r>
               <a:rPr lang="de-DE" dirty="0"/>
-              <a:t>VIELEN DANK!</a:t>
-            </a:r>
-          </a:p>
-        </p:txBody>
-      </p:sp>
-      <p:sp>
-        <p:nvSpPr>
-          <p:cNvPr id="3" name="Untertitel 2"/>
-          <p:cNvSpPr>
-            <a:spLocks noGrp="1"/>
-          </p:cNvSpPr>
-          <p:nvPr>
-            <p:ph type="subTitle" idx="1"/>
-          </p:nvPr>
-        </p:nvSpPr>
-        <p:spPr>
-          <a:xfrm>
-            <a:off x="676275" y="3602038"/>
-            <a:ext cx="10839450" cy="1655762"/>
-          </a:xfrm>
-        </p:spPr>
+              <a:t>Rückblick Phase 1</a:t>
+            </a:r>
+          </a:p>
+        </p:txBody>
+      </p:sp>
+      <p:sp>
+        <p:nvSpPr>
+          <p:cNvPr id="3" name="Textplatzhalter 2"/>
+          <p:cNvSpPr>
+            <a:spLocks noGrp="1"/>
+          </p:cNvSpPr>
+          <p:nvPr>
+            <p:ph type="body" idx="1"/>
+          </p:nvPr>
+        </p:nvSpPr>
+        <p:spPr/>
         <p:txBody>
           <a:bodyPr/>
           <a:lstStyle/>
           <a:p>
-            <a:r>
-              <a:rPr lang="de-DE" dirty="0"/>
-              <a:t>Gruppenname</a:t>
-            </a:r>
-          </a:p>
-          <a:p>
-            <a:r>
-              <a:rPr lang="de-DE" dirty="0"/>
-              <a:t>Name1, Name2, Name3, Name4</a:t>
-            </a:r>
-          </a:p>
-          <a:p>
-            <a:endParaRPr lang="de-DE" dirty="0"/>
+            <a:endParaRPr lang="de-DE"/>
+          </a:p>
+        </p:txBody>
+      </p:sp>
+      <p:sp>
+        <p:nvSpPr>
+          <p:cNvPr id="4" name="Datumsplatzhalter 3"/>
+          <p:cNvSpPr>
+            <a:spLocks noGrp="1"/>
+          </p:cNvSpPr>
+          <p:nvPr>
+            <p:ph type="dt" sz="half" idx="10"/>
+          </p:nvPr>
+        </p:nvSpPr>
+        <p:spPr/>
+        <p:txBody>
+          <a:bodyPr/>
+          <a:lstStyle/>
+          <a:p>
+            <a:r>
+              <a:rPr lang="de-DE"/>
+              <a:t>23.01.2017</a:t>
+            </a:r>
+          </a:p>
+        </p:txBody>
+      </p:sp>
+      <p:sp>
+        <p:nvSpPr>
+          <p:cNvPr id="5" name="Fußzeilenplatzhalter 4"/>
+          <p:cNvSpPr>
+            <a:spLocks noGrp="1"/>
+          </p:cNvSpPr>
+          <p:nvPr>
+            <p:ph type="ftr" sz="quarter" idx="11"/>
+          </p:nvPr>
+        </p:nvSpPr>
+        <p:spPr/>
+        <p:txBody>
+          <a:bodyPr/>
+          <a:lstStyle/>
+          <a:p>
+            <a:r>
+              <a:rPr lang="de-DE"/>
+              <a:t>Florian Blessing, Lisa Böhler, Markus Götz, Jan Habersetzer, Wendelin Herrmann</a:t>
+            </a:r>
           </a:p>
         </p:txBody>
       </p:sp>
     </p:spTree>
     <p:extLst>
       <p:ext uri="{BB962C8B-B14F-4D97-AF65-F5344CB8AC3E}">
-        <p14:creationId xmlns:p14="http://schemas.microsoft.com/office/powerpoint/2010/main" val="1461806567"/>
+        <p14:creationId xmlns:p14="http://schemas.microsoft.com/office/powerpoint/2010/main" val="1114490201"/>
+      </p:ext>
+    </p:extLst>
+  </p:cSld>
+  <p:clrMapOvr>
+    <a:masterClrMapping/>
+  </p:clrMapOvr>
+</p:sld>
+</file>
+
+<file path=ppt/slides/slide4.xml><?xml version="1.0" encoding="utf-8"?>
+<p:sld xmlns:a="http://schemas.openxmlformats.org/drawingml/2006/main" xmlns:r="http://schemas.openxmlformats.org/officeDocument/2006/relationships" xmlns:p="http://schemas.openxmlformats.org/presentationml/2006/main">
+  <p:cSld>
+    <p:spTree>
+      <p:nvGrpSpPr>
+        <p:cNvPr id="1" name=""/>
+        <p:cNvGrpSpPr/>
+        <p:nvPr/>
+      </p:nvGrpSpPr>
+      <p:grpSpPr>
+        <a:xfrm>
+          <a:off x="0" y="0"/>
+          <a:ext cx="0" cy="0"/>
+          <a:chOff x="0" y="0"/>
+          <a:chExt cx="0" cy="0"/>
+        </a:xfrm>
+      </p:grpSpPr>
+      <p:sp>
+        <p:nvSpPr>
+          <p:cNvPr id="6" name="Titel 5"/>
+          <p:cNvSpPr>
+            <a:spLocks noGrp="1"/>
+          </p:cNvSpPr>
+          <p:nvPr>
+            <p:ph type="title"/>
+          </p:nvPr>
+        </p:nvSpPr>
+        <p:spPr/>
+        <p:txBody>
+          <a:bodyPr/>
+          <a:lstStyle/>
+          <a:p>
+            <a:r>
+              <a:rPr lang="de-DE" dirty="0"/>
+              <a:t>Einordnung in das Gesamtsystem</a:t>
+            </a:r>
+          </a:p>
+        </p:txBody>
+      </p:sp>
+      <p:sp>
+        <p:nvSpPr>
+          <p:cNvPr id="4" name="Datumsplatzhalter 3"/>
+          <p:cNvSpPr>
+            <a:spLocks noGrp="1"/>
+          </p:cNvSpPr>
+          <p:nvPr>
+            <p:ph type="dt" sz="half" idx="10"/>
+          </p:nvPr>
+        </p:nvSpPr>
+        <p:spPr/>
+        <p:txBody>
+          <a:bodyPr/>
+          <a:lstStyle/>
+          <a:p>
+            <a:r>
+              <a:rPr lang="de-DE"/>
+              <a:t>23.01.2017</a:t>
+            </a:r>
+          </a:p>
+        </p:txBody>
+      </p:sp>
+      <p:sp>
+        <p:nvSpPr>
+          <p:cNvPr id="5" name="Fußzeilenplatzhalter 4"/>
+          <p:cNvSpPr>
+            <a:spLocks noGrp="1"/>
+          </p:cNvSpPr>
+          <p:nvPr>
+            <p:ph type="ftr" sz="quarter" idx="11"/>
+          </p:nvPr>
+        </p:nvSpPr>
+        <p:spPr/>
+        <p:txBody>
+          <a:bodyPr/>
+          <a:lstStyle/>
+          <a:p>
+            <a:r>
+              <a:rPr lang="de-DE"/>
+              <a:t>Florian Blessing, Lisa Böhler, Markus Götz, Jan Habersetzer, Wendelin Herrmann</a:t>
+            </a:r>
+          </a:p>
+        </p:txBody>
+      </p:sp>
+      <p:pic>
+        <p:nvPicPr>
+          <p:cNvPr id="1026" name="Picture 2" descr="https://lh6.googleusercontent.com/2S6o5AQx6RXfkgAS5D_3JmIk563-cf4efUjaD4p-8IkbB5HLGA5cSpp6AiltoR6aFKgb4ihrAwL8SEcnBptU5jt9vWoMdbutKi-SLmZuvwJsdK5J4MvVWyGCYxQD__xonL9OlBQ0Xg2v5f_ZJw"/>
+          <p:cNvPicPr>
+            <a:picLocks noGrp="1" noChangeAspect="1" noChangeArrowheads="1"/>
+          </p:cNvPicPr>
+          <p:nvPr>
+            <p:ph idx="1"/>
+          </p:nvPr>
+        </p:nvPicPr>
+        <p:blipFill rotWithShape="1">
+          <a:blip r:embed="rId2">
+            <a:extLst>
+              <a:ext uri="{28A0092B-C50C-407E-A947-70E740481C1C}">
+                <a14:useLocalDpi xmlns:a14="http://schemas.microsoft.com/office/drawing/2010/main" val="0"/>
+              </a:ext>
+            </a:extLst>
+          </a:blip>
+          <a:srcRect l="16727" t="4106" r="9086" b="18842"/>
+          <a:stretch/>
+        </p:blipFill>
+        <p:spPr bwMode="auto">
+          <a:xfrm>
+            <a:off x="3123875" y="1690688"/>
+            <a:ext cx="5944249" cy="4630392"/>
+          </a:xfrm>
+          <a:prstGeom prst="rect">
+            <a:avLst/>
+          </a:prstGeom>
+          <a:noFill/>
+          <a:extLst>
+            <a:ext uri="{909E8E84-426E-40DD-AFC4-6F175D3DCCD1}">
+              <a14:hiddenFill xmlns:a14="http://schemas.microsoft.com/office/drawing/2010/main">
+                <a:solidFill>
+                  <a:srgbClr val="FFFFFF"/>
+                </a:solidFill>
+              </a14:hiddenFill>
+            </a:ext>
+          </a:extLst>
+        </p:spPr>
+      </p:pic>
+      <p:sp>
+        <p:nvSpPr>
+          <p:cNvPr id="8" name="Rechteck 7"/>
+          <p:cNvSpPr/>
+          <p:nvPr/>
+        </p:nvSpPr>
+        <p:spPr>
+          <a:xfrm>
+            <a:off x="3214255" y="1819564"/>
+            <a:ext cx="5735781" cy="1108361"/>
+          </a:xfrm>
+          <a:prstGeom prst="rect">
+            <a:avLst/>
+          </a:prstGeom>
+          <a:noFill/>
+          <a:ln w="57150">
+            <a:solidFill>
+              <a:srgbClr val="971917"/>
+            </a:solidFill>
+          </a:ln>
+        </p:spPr>
+        <p:style>
+          <a:lnRef idx="2">
+            <a:schemeClr val="accent1">
+              <a:shade val="50000"/>
+            </a:schemeClr>
+          </a:lnRef>
+          <a:fillRef idx="1">
+            <a:schemeClr val="accent1"/>
+          </a:fillRef>
+          <a:effectRef idx="0">
+            <a:schemeClr val="accent1"/>
+          </a:effectRef>
+          <a:fontRef idx="minor">
+            <a:schemeClr val="lt1"/>
+          </a:fontRef>
+        </p:style>
+        <p:txBody>
+          <a:bodyPr rtlCol="0" anchor="ctr"/>
+          <a:lstStyle/>
+          <a:p>
+            <a:pPr algn="ctr"/>
+            <a:endParaRPr lang="de-DE"/>
+          </a:p>
+        </p:txBody>
+      </p:sp>
+    </p:spTree>
+    <p:extLst>
+      <p:ext uri="{BB962C8B-B14F-4D97-AF65-F5344CB8AC3E}">
+        <p14:creationId xmlns:p14="http://schemas.microsoft.com/office/powerpoint/2010/main" val="370217713"/>
+      </p:ext>
+    </p:extLst>
+  </p:cSld>
+  <p:clrMapOvr>
+    <a:masterClrMapping/>
+  </p:clrMapOvr>
+</p:sld>
+</file>
+
+<file path=ppt/slides/slide5.xml><?xml version="1.0" encoding="utf-8"?>
+<p:sld xmlns:a="http://schemas.openxmlformats.org/drawingml/2006/main" xmlns:r="http://schemas.openxmlformats.org/officeDocument/2006/relationships" xmlns:p="http://schemas.openxmlformats.org/presentationml/2006/main">
+  <p:cSld>
+    <p:spTree>
+      <p:nvGrpSpPr>
+        <p:cNvPr id="1" name=""/>
+        <p:cNvGrpSpPr/>
+        <p:nvPr/>
+      </p:nvGrpSpPr>
+      <p:grpSpPr>
+        <a:xfrm>
+          <a:off x="0" y="0"/>
+          <a:ext cx="0" cy="0"/>
+          <a:chOff x="0" y="0"/>
+          <a:chExt cx="0" cy="0"/>
+        </a:xfrm>
+      </p:grpSpPr>
+      <p:sp>
+        <p:nvSpPr>
+          <p:cNvPr id="2" name="Titel 1"/>
+          <p:cNvSpPr>
+            <a:spLocks noGrp="1"/>
+          </p:cNvSpPr>
+          <p:nvPr>
+            <p:ph type="title"/>
+          </p:nvPr>
+        </p:nvSpPr>
+        <p:spPr/>
+        <p:txBody>
+          <a:bodyPr/>
+          <a:lstStyle/>
+          <a:p>
+            <a:r>
+              <a:rPr lang="de-DE" dirty="0"/>
+              <a:t>Fazit von Phase 1</a:t>
+            </a:r>
+          </a:p>
+        </p:txBody>
+      </p:sp>
+      <p:sp>
+        <p:nvSpPr>
+          <p:cNvPr id="3" name="Inhaltsplatzhalter 2"/>
+          <p:cNvSpPr>
+            <a:spLocks noGrp="1"/>
+          </p:cNvSpPr>
+          <p:nvPr>
+            <p:ph idx="1"/>
+          </p:nvPr>
+        </p:nvSpPr>
+        <p:spPr/>
+        <p:txBody>
+          <a:bodyPr/>
+          <a:lstStyle/>
+          <a:p>
+            <a:endParaRPr lang="de-DE" dirty="0"/>
+          </a:p>
+        </p:txBody>
+      </p:sp>
+      <p:sp>
+        <p:nvSpPr>
+          <p:cNvPr id="4" name="Datumsplatzhalter 3"/>
+          <p:cNvSpPr>
+            <a:spLocks noGrp="1"/>
+          </p:cNvSpPr>
+          <p:nvPr>
+            <p:ph type="dt" sz="half" idx="10"/>
+          </p:nvPr>
+        </p:nvSpPr>
+        <p:spPr/>
+        <p:txBody>
+          <a:bodyPr/>
+          <a:lstStyle/>
+          <a:p>
+            <a:r>
+              <a:rPr lang="de-DE"/>
+              <a:t>23.01.2017</a:t>
+            </a:r>
+          </a:p>
+        </p:txBody>
+      </p:sp>
+      <p:sp>
+        <p:nvSpPr>
+          <p:cNvPr id="5" name="Fußzeilenplatzhalter 4"/>
+          <p:cNvSpPr>
+            <a:spLocks noGrp="1"/>
+          </p:cNvSpPr>
+          <p:nvPr>
+            <p:ph type="ftr" sz="quarter" idx="11"/>
+          </p:nvPr>
+        </p:nvSpPr>
+        <p:spPr/>
+        <p:txBody>
+          <a:bodyPr/>
+          <a:lstStyle/>
+          <a:p>
+            <a:r>
+              <a:rPr lang="de-DE"/>
+              <a:t>Florian Blessing, Lisa Böhler, Markus Götz, Jan Habersetzer, Wendelin Herrmann</a:t>
+            </a:r>
+          </a:p>
+        </p:txBody>
+      </p:sp>
+    </p:spTree>
+    <p:extLst>
+      <p:ext uri="{BB962C8B-B14F-4D97-AF65-F5344CB8AC3E}">
+        <p14:creationId xmlns:p14="http://schemas.microsoft.com/office/powerpoint/2010/main" val="1572106097"/>
+      </p:ext>
+    </p:extLst>
+  </p:cSld>
+  <p:clrMapOvr>
+    <a:masterClrMapping/>
+  </p:clrMapOvr>
+</p:sld>
+</file>
+
+<file path=ppt/slides/slide6.xml><?xml version="1.0" encoding="utf-8"?>
+<p:sld xmlns:a="http://schemas.openxmlformats.org/drawingml/2006/main" xmlns:r="http://schemas.openxmlformats.org/officeDocument/2006/relationships" xmlns:p="http://schemas.openxmlformats.org/presentationml/2006/main">
+  <p:cSld>
+    <p:spTree>
+      <p:nvGrpSpPr>
+        <p:cNvPr id="1" name=""/>
+        <p:cNvGrpSpPr/>
+        <p:nvPr/>
+      </p:nvGrpSpPr>
+      <p:grpSpPr>
+        <a:xfrm>
+          <a:off x="0" y="0"/>
+          <a:ext cx="0" cy="0"/>
+          <a:chOff x="0" y="0"/>
+          <a:chExt cx="0" cy="0"/>
+        </a:xfrm>
+      </p:grpSpPr>
+      <p:sp>
+        <p:nvSpPr>
+          <p:cNvPr id="2" name="Titel 1"/>
+          <p:cNvSpPr>
+            <a:spLocks noGrp="1"/>
+          </p:cNvSpPr>
+          <p:nvPr>
+            <p:ph type="title"/>
+          </p:nvPr>
+        </p:nvSpPr>
+        <p:spPr/>
+        <p:txBody>
+          <a:bodyPr/>
+          <a:lstStyle/>
+          <a:p>
+            <a:r>
+              <a:rPr lang="de-DE" dirty="0"/>
+              <a:t>Veränderungen</a:t>
+            </a:r>
+          </a:p>
+        </p:txBody>
+      </p:sp>
+      <p:sp>
+        <p:nvSpPr>
+          <p:cNvPr id="3" name="Textplatzhalter 2"/>
+          <p:cNvSpPr>
+            <a:spLocks noGrp="1"/>
+          </p:cNvSpPr>
+          <p:nvPr>
+            <p:ph type="body" idx="1"/>
+          </p:nvPr>
+        </p:nvSpPr>
+        <p:spPr/>
+        <p:txBody>
+          <a:bodyPr/>
+          <a:lstStyle/>
+          <a:p>
+            <a:endParaRPr lang="de-DE"/>
+          </a:p>
+        </p:txBody>
+      </p:sp>
+      <p:sp>
+        <p:nvSpPr>
+          <p:cNvPr id="4" name="Datumsplatzhalter 3"/>
+          <p:cNvSpPr>
+            <a:spLocks noGrp="1"/>
+          </p:cNvSpPr>
+          <p:nvPr>
+            <p:ph type="dt" sz="half" idx="10"/>
+          </p:nvPr>
+        </p:nvSpPr>
+        <p:spPr/>
+        <p:txBody>
+          <a:bodyPr/>
+          <a:lstStyle/>
+          <a:p>
+            <a:r>
+              <a:rPr lang="de-DE"/>
+              <a:t>23.01.2017</a:t>
+            </a:r>
+          </a:p>
+        </p:txBody>
+      </p:sp>
+      <p:sp>
+        <p:nvSpPr>
+          <p:cNvPr id="5" name="Fußzeilenplatzhalter 4"/>
+          <p:cNvSpPr>
+            <a:spLocks noGrp="1"/>
+          </p:cNvSpPr>
+          <p:nvPr>
+            <p:ph type="ftr" sz="quarter" idx="11"/>
+          </p:nvPr>
+        </p:nvSpPr>
+        <p:spPr/>
+        <p:txBody>
+          <a:bodyPr/>
+          <a:lstStyle/>
+          <a:p>
+            <a:r>
+              <a:rPr lang="de-DE"/>
+              <a:t>Florian Blessing, Lisa Böhler, Markus Götz, Jan Habersetzer, Wendelin Herrmann</a:t>
+            </a:r>
+          </a:p>
+        </p:txBody>
+      </p:sp>
+    </p:spTree>
+    <p:extLst>
+      <p:ext uri="{BB962C8B-B14F-4D97-AF65-F5344CB8AC3E}">
+        <p14:creationId xmlns:p14="http://schemas.microsoft.com/office/powerpoint/2010/main" val="3150155636"/>
+      </p:ext>
+    </p:extLst>
+  </p:cSld>
+  <p:clrMapOvr>
+    <a:masterClrMapping/>
+  </p:clrMapOvr>
+</p:sld>
+</file>
+
+<file path=ppt/slides/slide7.xml><?xml version="1.0" encoding="utf-8"?>
+<p:sld xmlns:a="http://schemas.openxmlformats.org/drawingml/2006/main" xmlns:r="http://schemas.openxmlformats.org/officeDocument/2006/relationships" xmlns:p="http://schemas.openxmlformats.org/presentationml/2006/main">
+  <p:cSld>
+    <p:spTree>
+      <p:nvGrpSpPr>
+        <p:cNvPr id="1" name=""/>
+        <p:cNvGrpSpPr/>
+        <p:nvPr/>
+      </p:nvGrpSpPr>
+      <p:grpSpPr>
+        <a:xfrm>
+          <a:off x="0" y="0"/>
+          <a:ext cx="0" cy="0"/>
+          <a:chOff x="0" y="0"/>
+          <a:chExt cx="0" cy="0"/>
+        </a:xfrm>
+      </p:grpSpPr>
+      <p:sp>
+        <p:nvSpPr>
+          <p:cNvPr id="2" name="Titel 1"/>
+          <p:cNvSpPr>
+            <a:spLocks noGrp="1"/>
+          </p:cNvSpPr>
+          <p:nvPr>
+            <p:ph type="title"/>
+          </p:nvPr>
+        </p:nvSpPr>
+        <p:spPr/>
+        <p:txBody>
+          <a:bodyPr/>
+          <a:lstStyle/>
+          <a:p>
+            <a:endParaRPr lang="de-DE"/>
+          </a:p>
+        </p:txBody>
+      </p:sp>
+      <p:sp>
+        <p:nvSpPr>
+          <p:cNvPr id="3" name="Inhaltsplatzhalter 2"/>
+          <p:cNvSpPr>
+            <a:spLocks noGrp="1"/>
+          </p:cNvSpPr>
+          <p:nvPr>
+            <p:ph idx="1"/>
+          </p:nvPr>
+        </p:nvSpPr>
+        <p:spPr/>
+        <p:txBody>
+          <a:bodyPr/>
+          <a:lstStyle/>
+          <a:p>
+            <a:endParaRPr lang="de-DE"/>
+          </a:p>
+        </p:txBody>
+      </p:sp>
+      <p:sp>
+        <p:nvSpPr>
+          <p:cNvPr id="4" name="Datumsplatzhalter 3"/>
+          <p:cNvSpPr>
+            <a:spLocks noGrp="1"/>
+          </p:cNvSpPr>
+          <p:nvPr>
+            <p:ph type="dt" sz="half" idx="10"/>
+          </p:nvPr>
+        </p:nvSpPr>
+        <p:spPr/>
+        <p:txBody>
+          <a:bodyPr/>
+          <a:lstStyle/>
+          <a:p>
+            <a:r>
+              <a:rPr lang="de-DE"/>
+              <a:t>23.01.2017</a:t>
+            </a:r>
+          </a:p>
+        </p:txBody>
+      </p:sp>
+      <p:sp>
+        <p:nvSpPr>
+          <p:cNvPr id="5" name="Fußzeilenplatzhalter 4"/>
+          <p:cNvSpPr>
+            <a:spLocks noGrp="1"/>
+          </p:cNvSpPr>
+          <p:nvPr>
+            <p:ph type="ftr" sz="quarter" idx="11"/>
+          </p:nvPr>
+        </p:nvSpPr>
+        <p:spPr/>
+        <p:txBody>
+          <a:bodyPr/>
+          <a:lstStyle/>
+          <a:p>
+            <a:r>
+              <a:rPr lang="de-DE"/>
+              <a:t>Florian Blessing, Lisa Böhler, Markus Götz, Jan Habersetzer, Wendelin Herrmann</a:t>
+            </a:r>
+          </a:p>
+        </p:txBody>
+      </p:sp>
+    </p:spTree>
+    <p:extLst>
+      <p:ext uri="{BB962C8B-B14F-4D97-AF65-F5344CB8AC3E}">
+        <p14:creationId xmlns:p14="http://schemas.microsoft.com/office/powerpoint/2010/main" val="2504723623"/>
+      </p:ext>
+    </p:extLst>
+  </p:cSld>
+  <p:clrMapOvr>
+    <a:masterClrMapping/>
+  </p:clrMapOvr>
+</p:sld>
+</file>
+
+<file path=ppt/slides/slide8.xml><?xml version="1.0" encoding="utf-8"?>
+<p:sld xmlns:a="http://schemas.openxmlformats.org/drawingml/2006/main" xmlns:r="http://schemas.openxmlformats.org/officeDocument/2006/relationships" xmlns:p="http://schemas.openxmlformats.org/presentationml/2006/main">
+  <p:cSld>
+    <p:spTree>
+      <p:nvGrpSpPr>
+        <p:cNvPr id="1" name=""/>
+        <p:cNvGrpSpPr/>
+        <p:nvPr/>
+      </p:nvGrpSpPr>
+      <p:grpSpPr>
+        <a:xfrm>
+          <a:off x="0" y="0"/>
+          <a:ext cx="0" cy="0"/>
+          <a:chOff x="0" y="0"/>
+          <a:chExt cx="0" cy="0"/>
+        </a:xfrm>
+      </p:grpSpPr>
+      <p:sp>
+        <p:nvSpPr>
+          <p:cNvPr id="2" name="Titel 1"/>
+          <p:cNvSpPr>
+            <a:spLocks noGrp="1"/>
+          </p:cNvSpPr>
+          <p:nvPr>
+            <p:ph type="title"/>
+          </p:nvPr>
+        </p:nvSpPr>
+        <p:spPr/>
+        <p:txBody>
+          <a:bodyPr/>
+          <a:lstStyle/>
+          <a:p>
+            <a:r>
+              <a:rPr lang="de-DE" dirty="0"/>
+              <a:t>Fallstudie 1 – „Explorer“</a:t>
+            </a:r>
+          </a:p>
+        </p:txBody>
+      </p:sp>
+      <p:sp>
+        <p:nvSpPr>
+          <p:cNvPr id="3" name="Textplatzhalter 2"/>
+          <p:cNvSpPr>
+            <a:spLocks noGrp="1"/>
+          </p:cNvSpPr>
+          <p:nvPr>
+            <p:ph type="body" idx="1"/>
+          </p:nvPr>
+        </p:nvSpPr>
+        <p:spPr/>
+        <p:txBody>
+          <a:bodyPr/>
+          <a:lstStyle/>
+          <a:p>
+            <a:endParaRPr lang="de-DE"/>
+          </a:p>
+        </p:txBody>
+      </p:sp>
+      <p:sp>
+        <p:nvSpPr>
+          <p:cNvPr id="4" name="Datumsplatzhalter 3"/>
+          <p:cNvSpPr>
+            <a:spLocks noGrp="1"/>
+          </p:cNvSpPr>
+          <p:nvPr>
+            <p:ph type="dt" sz="half" idx="10"/>
+          </p:nvPr>
+        </p:nvSpPr>
+        <p:spPr/>
+        <p:txBody>
+          <a:bodyPr/>
+          <a:lstStyle/>
+          <a:p>
+            <a:r>
+              <a:rPr lang="de-DE"/>
+              <a:t>23.01.2017</a:t>
+            </a:r>
+          </a:p>
+        </p:txBody>
+      </p:sp>
+      <p:sp>
+        <p:nvSpPr>
+          <p:cNvPr id="5" name="Fußzeilenplatzhalter 4"/>
+          <p:cNvSpPr>
+            <a:spLocks noGrp="1"/>
+          </p:cNvSpPr>
+          <p:nvPr>
+            <p:ph type="ftr" sz="quarter" idx="11"/>
+          </p:nvPr>
+        </p:nvSpPr>
+        <p:spPr/>
+        <p:txBody>
+          <a:bodyPr/>
+          <a:lstStyle/>
+          <a:p>
+            <a:r>
+              <a:rPr lang="de-DE"/>
+              <a:t>Florian Blessing, Lisa Böhler, Markus Götz, Jan Habersetzer, Wendelin Herrmann</a:t>
+            </a:r>
+          </a:p>
+        </p:txBody>
+      </p:sp>
+    </p:spTree>
+    <p:extLst>
+      <p:ext uri="{BB962C8B-B14F-4D97-AF65-F5344CB8AC3E}">
+        <p14:creationId xmlns:p14="http://schemas.microsoft.com/office/powerpoint/2010/main" val="315793774"/>
+      </p:ext>
+    </p:extLst>
+  </p:cSld>
+  <p:clrMapOvr>
+    <a:masterClrMapping/>
+  </p:clrMapOvr>
+</p:sld>
+</file>
+
+<file path=ppt/slides/slide9.xml><?xml version="1.0" encoding="utf-8"?>
+<p:sld xmlns:a="http://schemas.openxmlformats.org/drawingml/2006/main" xmlns:r="http://schemas.openxmlformats.org/officeDocument/2006/relationships" xmlns:p="http://schemas.openxmlformats.org/presentationml/2006/main">
+  <p:cSld>
+    <p:spTree>
+      <p:nvGrpSpPr>
+        <p:cNvPr id="1" name=""/>
+        <p:cNvGrpSpPr/>
+        <p:nvPr/>
+      </p:nvGrpSpPr>
+      <p:grpSpPr>
+        <a:xfrm>
+          <a:off x="0" y="0"/>
+          <a:ext cx="0" cy="0"/>
+          <a:chOff x="0" y="0"/>
+          <a:chExt cx="0" cy="0"/>
+        </a:xfrm>
+      </p:grpSpPr>
+      <p:sp>
+        <p:nvSpPr>
+          <p:cNvPr id="2" name="Titel 1"/>
+          <p:cNvSpPr>
+            <a:spLocks noGrp="1"/>
+          </p:cNvSpPr>
+          <p:nvPr>
+            <p:ph type="title"/>
+          </p:nvPr>
+        </p:nvSpPr>
+        <p:spPr/>
+        <p:txBody>
+          <a:bodyPr/>
+          <a:lstStyle/>
+          <a:p>
+            <a:r>
+              <a:rPr lang="de-DE" dirty="0"/>
+              <a:t>Entwurf</a:t>
+            </a:r>
+          </a:p>
+        </p:txBody>
+      </p:sp>
+      <p:pic>
+        <p:nvPicPr>
+          <p:cNvPr id="6" name="Inhaltsplatzhalter 5"/>
+          <p:cNvPicPr>
+            <a:picLocks noGrp="1" noChangeAspect="1"/>
+          </p:cNvPicPr>
+          <p:nvPr>
+            <p:ph idx="1"/>
+          </p:nvPr>
+        </p:nvPicPr>
+        <p:blipFill>
+          <a:blip r:embed="rId2">
+            <a:extLst>
+              <a:ext uri="{28A0092B-C50C-407E-A947-70E740481C1C}">
+                <a14:useLocalDpi xmlns:a14="http://schemas.microsoft.com/office/drawing/2010/main" val="0"/>
+              </a:ext>
+            </a:extLst>
+          </a:blip>
+          <a:stretch>
+            <a:fillRect/>
+          </a:stretch>
+        </p:blipFill>
+        <p:spPr>
+          <a:xfrm>
+            <a:off x="2232314" y="1507218"/>
+            <a:ext cx="7727373" cy="4545514"/>
+          </a:xfrm>
+        </p:spPr>
+      </p:pic>
+      <p:sp>
+        <p:nvSpPr>
+          <p:cNvPr id="4" name="Datumsplatzhalter 3"/>
+          <p:cNvSpPr>
+            <a:spLocks noGrp="1"/>
+          </p:cNvSpPr>
+          <p:nvPr>
+            <p:ph type="dt" sz="half" idx="10"/>
+          </p:nvPr>
+        </p:nvSpPr>
+        <p:spPr/>
+        <p:txBody>
+          <a:bodyPr/>
+          <a:lstStyle/>
+          <a:p>
+            <a:r>
+              <a:rPr lang="de-DE"/>
+              <a:t>23.01.2017</a:t>
+            </a:r>
+          </a:p>
+        </p:txBody>
+      </p:sp>
+      <p:sp>
+        <p:nvSpPr>
+          <p:cNvPr id="5" name="Fußzeilenplatzhalter 4"/>
+          <p:cNvSpPr>
+            <a:spLocks noGrp="1"/>
+          </p:cNvSpPr>
+          <p:nvPr>
+            <p:ph type="ftr" sz="quarter" idx="11"/>
+          </p:nvPr>
+        </p:nvSpPr>
+        <p:spPr/>
+        <p:txBody>
+          <a:bodyPr/>
+          <a:lstStyle/>
+          <a:p>
+            <a:r>
+              <a:rPr lang="de-DE"/>
+              <a:t>Florian Blessing, Lisa Böhler, Markus Götz, Jan Habersetzer, Wendelin Herrmann</a:t>
+            </a:r>
+          </a:p>
+        </p:txBody>
+      </p:sp>
+    </p:spTree>
+    <p:extLst>
+      <p:ext uri="{BB962C8B-B14F-4D97-AF65-F5344CB8AC3E}">
+        <p14:creationId xmlns:p14="http://schemas.microsoft.com/office/powerpoint/2010/main" val="3750113887"/>
       </p:ext>
     </p:extLst>
   </p:cSld>
@@ -34432,7 +42558,7 @@
 </file>
 
 <file path=ppt/theme/theme6.xml><?xml version="1.0" encoding="utf-8"?>
-<a:theme xmlns:a="http://schemas.openxmlformats.org/drawingml/2006/main" name="Office">
+<a:theme xmlns:a="http://schemas.openxmlformats.org/drawingml/2006/main" name="1_Agenda 4">
   <a:themeElements>
     <a:clrScheme name="Office">
       <a:dk1>
@@ -34716,7 +42842,33 @@
       </a:bgFillStyleLst>
     </a:fmtScheme>
   </a:themeElements>
-  <a:objectDefaults/>
+  <a:objectDefaults>
+    <a:spDef>
+      <a:spPr/>
+      <a:bodyPr rtlCol="0" anchor="ctr"/>
+      <a:lstStyle>
+        <a:defPPr algn="ctr">
+          <a:defRPr/>
+        </a:defPPr>
+      </a:lstStyle>
+      <a:style>
+        <a:lnRef idx="2">
+          <a:schemeClr val="accent1">
+            <a:shade val="50000"/>
+          </a:schemeClr>
+        </a:lnRef>
+        <a:fillRef idx="1">
+          <a:schemeClr val="accent1"/>
+        </a:fillRef>
+        <a:effectRef idx="0">
+          <a:schemeClr val="accent1"/>
+        </a:effectRef>
+        <a:fontRef idx="minor">
+          <a:schemeClr val="lt1"/>
+        </a:fontRef>
+      </a:style>
+    </a:spDef>
+  </a:objectDefaults>
   <a:extraClrSchemeLst/>
   <a:extLst>
     <a:ext uri="{05A4C25C-085E-4340-85A3-A5531E510DB2}">
@@ -35019,4 +43171,299 @@
     </a:ext>
   </a:extLst>
 </a:theme>
+</file>
+
+<file path=ppt/theme/theme8.xml><?xml version="1.0" encoding="utf-8"?>
+<a:theme xmlns:a="http://schemas.openxmlformats.org/drawingml/2006/main" name="Office">
+  <a:themeElements>
+    <a:clrScheme name="Office">
+      <a:dk1>
+        <a:sysClr val="windowText" lastClr="000000"/>
+      </a:dk1>
+      <a:lt1>
+        <a:sysClr val="window" lastClr="FFFFFF"/>
+      </a:lt1>
+      <a:dk2>
+        <a:srgbClr val="44546A"/>
+      </a:dk2>
+      <a:lt2>
+        <a:srgbClr val="E7E6E6"/>
+      </a:lt2>
+      <a:accent1>
+        <a:srgbClr val="5B9BD5"/>
+      </a:accent1>
+      <a:accent2>
+        <a:srgbClr val="ED7D31"/>
+      </a:accent2>
+      <a:accent3>
+        <a:srgbClr val="A5A5A5"/>
+      </a:accent3>
+      <a:accent4>
+        <a:srgbClr val="FFC000"/>
+      </a:accent4>
+      <a:accent5>
+        <a:srgbClr val="4472C4"/>
+      </a:accent5>
+      <a:accent6>
+        <a:srgbClr val="70AD47"/>
+      </a:accent6>
+      <a:hlink>
+        <a:srgbClr val="0563C1"/>
+      </a:hlink>
+      <a:folHlink>
+        <a:srgbClr val="954F72"/>
+      </a:folHlink>
+    </a:clrScheme>
+    <a:fontScheme name="Office">
+      <a:majorFont>
+        <a:latin typeface="Calibri Light" panose="020F0302020204030204"/>
+        <a:ea typeface=""/>
+        <a:cs typeface=""/>
+        <a:font script="Jpan" typeface="游ゴシック Light"/>
+        <a:font script="Hang" typeface="맑은 고딕"/>
+        <a:font script="Hans" typeface="等线 Light"/>
+        <a:font script="Hant" typeface="新細明體"/>
+        <a:font script="Arab" typeface="Times New Roman"/>
+        <a:font script="Hebr" typeface="Times New Roman"/>
+        <a:font script="Thai" typeface="Angsana New"/>
+        <a:font script="Ethi" typeface="Nyala"/>
+        <a:font script="Beng" typeface="Vrinda"/>
+        <a:font script="Gujr" typeface="Shruti"/>
+        <a:font script="Khmr" typeface="MoolBoran"/>
+        <a:font script="Knda" typeface="Tunga"/>
+        <a:font script="Guru" typeface="Raavi"/>
+        <a:font script="Cans" typeface="Euphemia"/>
+        <a:font script="Cher" typeface="Plantagenet Cherokee"/>
+        <a:font script="Yiii" typeface="Microsoft Yi Baiti"/>
+        <a:font script="Tibt" typeface="Microsoft Himalaya"/>
+        <a:font script="Thaa" typeface="MV Boli"/>
+        <a:font script="Deva" typeface="Mangal"/>
+        <a:font script="Telu" typeface="Gautami"/>
+        <a:font script="Taml" typeface="Latha"/>
+        <a:font script="Syrc" typeface="Estrangelo Edessa"/>
+        <a:font script="Orya" typeface="Kalinga"/>
+        <a:font script="Mlym" typeface="Kartika"/>
+        <a:font script="Laoo" typeface="DokChampa"/>
+        <a:font script="Sinh" typeface="Iskoola Pota"/>
+        <a:font script="Mong" typeface="Mongolian Baiti"/>
+        <a:font script="Viet" typeface="Times New Roman"/>
+        <a:font script="Uigh" typeface="Microsoft Uighur"/>
+        <a:font script="Geor" typeface="Sylfaen"/>
+        <a:font script="Armn" typeface="Arial"/>
+        <a:font script="Bugi" typeface="Leelawadee UI"/>
+        <a:font script="Bopo" typeface="Microsoft JhengHei"/>
+        <a:font script="Java" typeface="Javanese Text"/>
+        <a:font script="Lisu" typeface="Segoe UI"/>
+        <a:font script="Mymr" typeface="Myanmar Text"/>
+        <a:font script="Nkoo" typeface="Ebrima"/>
+        <a:font script="Olck" typeface="Nirmala UI"/>
+        <a:font script="Osma" typeface="Ebrima"/>
+        <a:font script="Phag" typeface="Phagspa"/>
+        <a:font script="Syrn" typeface="Estrangelo Edessa"/>
+        <a:font script="Syrj" typeface="Estrangelo Edessa"/>
+        <a:font script="Syre" typeface="Estrangelo Edessa"/>
+        <a:font script="Sora" typeface="Nirmala UI"/>
+        <a:font script="Tale" typeface="Microsoft Tai Le"/>
+        <a:font script="Talu" typeface="Microsoft New Tai Lue"/>
+        <a:font script="Tfng" typeface="Ebrima"/>
+      </a:majorFont>
+      <a:minorFont>
+        <a:latin typeface="Calibri" panose="020F0502020204030204"/>
+        <a:ea typeface=""/>
+        <a:cs typeface=""/>
+        <a:font script="Jpan" typeface="游ゴシック"/>
+        <a:font script="Hang" typeface="맑은 고딕"/>
+        <a:font script="Hans" typeface="等线"/>
+        <a:font script="Hant" typeface="新細明體"/>
+        <a:font script="Arab" typeface="Arial"/>
+        <a:font script="Hebr" typeface="Arial"/>
+        <a:font script="Thai" typeface="Cordia New"/>
+        <a:font script="Ethi" typeface="Nyala"/>
+        <a:font script="Beng" typeface="Vrinda"/>
+        <a:font script="Gujr" typeface="Shruti"/>
+        <a:font script="Khmr" typeface="DaunPenh"/>
+        <a:font script="Knda" typeface="Tunga"/>
+        <a:font script="Guru" typeface="Raavi"/>
+        <a:font script="Cans" typeface="Euphemia"/>
+        <a:font script="Cher" typeface="Plantagenet Cherokee"/>
+        <a:font script="Yiii" typeface="Microsoft Yi Baiti"/>
+        <a:font script="Tibt" typeface="Microsoft Himalaya"/>
+        <a:font script="Thaa" typeface="MV Boli"/>
+        <a:font script="Deva" typeface="Mangal"/>
+        <a:font script="Telu" typeface="Gautami"/>
+        <a:font script="Taml" typeface="Latha"/>
+        <a:font script="Syrc" typeface="Estrangelo Edessa"/>
+        <a:font script="Orya" typeface="Kalinga"/>
+        <a:font script="Mlym" typeface="Kartika"/>
+        <a:font script="Laoo" typeface="DokChampa"/>
+        <a:font script="Sinh" typeface="Iskoola Pota"/>
+        <a:font script="Mong" typeface="Mongolian Baiti"/>
+        <a:font script="Viet" typeface="Arial"/>
+        <a:font script="Uigh" typeface="Microsoft Uighur"/>
+        <a:font script="Geor" typeface="Sylfaen"/>
+        <a:font script="Armn" typeface="Arial"/>
+        <a:font script="Bugi" typeface="Leelawadee UI"/>
+        <a:font script="Bopo" typeface="Microsoft JhengHei"/>
+        <a:font script="Java" typeface="Javanese Text"/>
+        <a:font script="Lisu" typeface="Segoe UI"/>
+        <a:font script="Mymr" typeface="Myanmar Text"/>
+        <a:font script="Nkoo" typeface="Ebrima"/>
+        <a:font script="Olck" typeface="Nirmala UI"/>
+        <a:font script="Osma" typeface="Ebrima"/>
+        <a:font script="Phag" typeface="Phagspa"/>
+        <a:font script="Syrn" typeface="Estrangelo Edessa"/>
+        <a:font script="Syrj" typeface="Estrangelo Edessa"/>
+        <a:font script="Syre" typeface="Estrangelo Edessa"/>
+        <a:font script="Sora" typeface="Nirmala UI"/>
+        <a:font script="Tale" typeface="Microsoft Tai Le"/>
+        <a:font script="Talu" typeface="Microsoft New Tai Lue"/>
+        <a:font script="Tfng" typeface="Ebrima"/>
+      </a:minorFont>
+    </a:fontScheme>
+    <a:fmtScheme name="Office">
+      <a:fillStyleLst>
+        <a:solidFill>
+          <a:schemeClr val="phClr"/>
+        </a:solidFill>
+        <a:gradFill rotWithShape="1">
+          <a:gsLst>
+            <a:gs pos="0">
+              <a:schemeClr val="phClr">
+                <a:lumMod val="110000"/>
+                <a:satMod val="105000"/>
+                <a:tint val="67000"/>
+              </a:schemeClr>
+            </a:gs>
+            <a:gs pos="50000">
+              <a:schemeClr val="phClr">
+                <a:lumMod val="105000"/>
+                <a:satMod val="103000"/>
+                <a:tint val="73000"/>
+              </a:schemeClr>
+            </a:gs>
+            <a:gs pos="100000">
+              <a:schemeClr val="phClr">
+                <a:lumMod val="105000"/>
+                <a:satMod val="109000"/>
+                <a:tint val="81000"/>
+              </a:schemeClr>
+            </a:gs>
+          </a:gsLst>
+          <a:lin ang="5400000" scaled="0"/>
+        </a:gradFill>
+        <a:gradFill rotWithShape="1">
+          <a:gsLst>
+            <a:gs pos="0">
+              <a:schemeClr val="phClr">
+                <a:satMod val="103000"/>
+                <a:lumMod val="102000"/>
+                <a:tint val="94000"/>
+              </a:schemeClr>
+            </a:gs>
+            <a:gs pos="50000">
+              <a:schemeClr val="phClr">
+                <a:satMod val="110000"/>
+                <a:lumMod val="100000"/>
+                <a:shade val="100000"/>
+              </a:schemeClr>
+            </a:gs>
+            <a:gs pos="100000">
+              <a:schemeClr val="phClr">
+                <a:lumMod val="99000"/>
+                <a:satMod val="120000"/>
+                <a:shade val="78000"/>
+              </a:schemeClr>
+            </a:gs>
+          </a:gsLst>
+          <a:lin ang="5400000" scaled="0"/>
+        </a:gradFill>
+      </a:fillStyleLst>
+      <a:lnStyleLst>
+        <a:ln w="6350" cap="flat" cmpd="sng" algn="ctr">
+          <a:solidFill>
+            <a:schemeClr val="phClr"/>
+          </a:solidFill>
+          <a:prstDash val="solid"/>
+          <a:miter lim="800000"/>
+        </a:ln>
+        <a:ln w="12700" cap="flat" cmpd="sng" algn="ctr">
+          <a:solidFill>
+            <a:schemeClr val="phClr"/>
+          </a:solidFill>
+          <a:prstDash val="solid"/>
+          <a:miter lim="800000"/>
+        </a:ln>
+        <a:ln w="19050" cap="flat" cmpd="sng" algn="ctr">
+          <a:solidFill>
+            <a:schemeClr val="phClr"/>
+          </a:solidFill>
+          <a:prstDash val="solid"/>
+          <a:miter lim="800000"/>
+        </a:ln>
+      </a:lnStyleLst>
+      <a:effectStyleLst>
+        <a:effectStyle>
+          <a:effectLst/>
+        </a:effectStyle>
+        <a:effectStyle>
+          <a:effectLst/>
+        </a:effectStyle>
+        <a:effectStyle>
+          <a:effectLst>
+            <a:outerShdw blurRad="57150" dist="19050" dir="5400000" algn="ctr" rotWithShape="0">
+              <a:srgbClr val="000000">
+                <a:alpha val="63000"/>
+              </a:srgbClr>
+            </a:outerShdw>
+          </a:effectLst>
+        </a:effectStyle>
+      </a:effectStyleLst>
+      <a:bgFillStyleLst>
+        <a:solidFill>
+          <a:schemeClr val="phClr"/>
+        </a:solidFill>
+        <a:solidFill>
+          <a:schemeClr val="phClr">
+            <a:tint val="95000"/>
+            <a:satMod val="170000"/>
+          </a:schemeClr>
+        </a:solidFill>
+        <a:gradFill rotWithShape="1">
+          <a:gsLst>
+            <a:gs pos="0">
+              <a:schemeClr val="phClr">
+                <a:tint val="93000"/>
+                <a:satMod val="150000"/>
+                <a:shade val="98000"/>
+                <a:lumMod val="102000"/>
+              </a:schemeClr>
+            </a:gs>
+            <a:gs pos="50000">
+              <a:schemeClr val="phClr">
+                <a:tint val="98000"/>
+                <a:satMod val="130000"/>
+                <a:shade val="90000"/>
+                <a:lumMod val="103000"/>
+              </a:schemeClr>
+            </a:gs>
+            <a:gs pos="100000">
+              <a:schemeClr val="phClr">
+                <a:shade val="63000"/>
+                <a:satMod val="120000"/>
+              </a:schemeClr>
+            </a:gs>
+          </a:gsLst>
+          <a:lin ang="5400000" scaled="0"/>
+        </a:gradFill>
+      </a:bgFillStyleLst>
+    </a:fmtScheme>
+  </a:themeElements>
+  <a:objectDefaults/>
+  <a:extraClrSchemeLst/>
+  <a:extLst>
+    <a:ext uri="{05A4C25C-085E-4340-85A3-A5531E510DB2}">
+      <thm15:themeFamily xmlns:thm15="http://schemas.microsoft.com/office/thememl/2012/main" name="Office Theme" id="{62F939B6-93AF-4DB8-9C6B-D6C7DFDC589F}" vid="{4A3C46E8-61CC-4603-A589-7422A47A8E4A}"/>
+    </a:ext>
+  </a:extLst>
+</a:theme>
 </file>
--- a/Non-Code (Doku usw.)/Präsentationen/Abschlusspräsentation STEP 2.pptx
+++ b/Non-Code (Doku usw.)/Präsentationen/Abschlusspräsentation STEP 2.pptx
@@ -10,10 +10,10 @@
     <p:sldMasterId id="2147483707" r:id="rId6"/>
   </p:sldMasterIdLst>
   <p:notesMasterIdLst>
-    <p:notesMasterId r:id="rId21"/>
+    <p:notesMasterId r:id="rId27"/>
   </p:notesMasterIdLst>
   <p:handoutMasterIdLst>
-    <p:handoutMasterId r:id="rId22"/>
+    <p:handoutMasterId r:id="rId28"/>
   </p:handoutMasterIdLst>
   <p:sldIdLst>
     <p:sldId id="293" r:id="rId7"/>
@@ -21,15 +21,21 @@
     <p:sldId id="307" r:id="rId9"/>
     <p:sldId id="312" r:id="rId10"/>
     <p:sldId id="317" r:id="rId11"/>
-    <p:sldId id="308" r:id="rId12"/>
-    <p:sldId id="313" r:id="rId13"/>
-    <p:sldId id="309" r:id="rId14"/>
-    <p:sldId id="314" r:id="rId15"/>
-    <p:sldId id="310" r:id="rId16"/>
-    <p:sldId id="318" r:id="rId17"/>
-    <p:sldId id="311" r:id="rId18"/>
-    <p:sldId id="316" r:id="rId19"/>
-    <p:sldId id="278" r:id="rId20"/>
+    <p:sldId id="319" r:id="rId12"/>
+    <p:sldId id="308" r:id="rId13"/>
+    <p:sldId id="313" r:id="rId14"/>
+    <p:sldId id="320" r:id="rId15"/>
+    <p:sldId id="322" r:id="rId16"/>
+    <p:sldId id="321" r:id="rId17"/>
+    <p:sldId id="309" r:id="rId18"/>
+    <p:sldId id="314" r:id="rId19"/>
+    <p:sldId id="323" r:id="rId20"/>
+    <p:sldId id="310" r:id="rId21"/>
+    <p:sldId id="318" r:id="rId22"/>
+    <p:sldId id="325" r:id="rId23"/>
+    <p:sldId id="311" r:id="rId24"/>
+    <p:sldId id="316" r:id="rId25"/>
+    <p:sldId id="278" r:id="rId26"/>
   </p:sldIdLst>
   <p:sldSz cx="12192000" cy="6858000"/>
   <p:notesSz cx="6858000" cy="9144000"/>
@@ -17224,6 +17230,483 @@
           <a:bodyPr/>
           <a:lstStyle/>
           <a:p>
+            <a:pPr marL="171450" indent="-171450">
+              <a:buFont typeface="Wingdings" panose="05000000000000000000" pitchFamily="2" charset="2"/>
+              <a:buChar char="à"/>
+            </a:pPr>
+            <a:r>
+              <a:rPr lang="de-DE" dirty="0">
+                <a:sym typeface="Wingdings" panose="05000000000000000000" pitchFamily="2" charset="2"/>
+              </a:rPr>
+              <a:t>Es wird eine </a:t>
+            </a:r>
+            <a:r>
+              <a:rPr lang="de-DE" dirty="0" err="1">
+                <a:sym typeface="Wingdings" panose="05000000000000000000" pitchFamily="2" charset="2"/>
+              </a:rPr>
+              <a:t>Hangouts</a:t>
+            </a:r>
+            <a:r>
+              <a:rPr lang="de-DE" dirty="0">
+                <a:sym typeface="Wingdings" panose="05000000000000000000" pitchFamily="2" charset="2"/>
+              </a:rPr>
+              <a:t>-Applikation mit vorgeschalteter Landingpage entwickelt</a:t>
+            </a:r>
+          </a:p>
+          <a:p>
+            <a:pPr marL="171450" indent="-171450">
+              <a:buFont typeface="Wingdings" panose="05000000000000000000" pitchFamily="2" charset="2"/>
+              <a:buChar char="à"/>
+            </a:pPr>
+            <a:r>
+              <a:rPr lang="de-DE" dirty="0">
+                <a:sym typeface="Wingdings" panose="05000000000000000000" pitchFamily="2" charset="2"/>
+              </a:rPr>
+              <a:t>Das System wird in JavaScript und HTML &amp; CSS entwickelt</a:t>
+            </a:r>
+          </a:p>
+          <a:p>
+            <a:pPr marL="171450" indent="-171450">
+              <a:buFont typeface="Wingdings" panose="05000000000000000000" pitchFamily="2" charset="2"/>
+              <a:buChar char="à"/>
+            </a:pPr>
+            <a:r>
+              <a:rPr lang="de-DE" dirty="0">
+                <a:sym typeface="Wingdings" panose="05000000000000000000" pitchFamily="2" charset="2"/>
+              </a:rPr>
+              <a:t>Es wird auf Frameworks u.a. </a:t>
+            </a:r>
+            <a:r>
+              <a:rPr lang="de-DE" dirty="0" err="1">
+                <a:sym typeface="Wingdings" panose="05000000000000000000" pitchFamily="2" charset="2"/>
+              </a:rPr>
+              <a:t>jQuery</a:t>
+            </a:r>
+            <a:r>
+              <a:rPr lang="de-DE" dirty="0">
+                <a:sym typeface="Wingdings" panose="05000000000000000000" pitchFamily="2" charset="2"/>
+              </a:rPr>
+              <a:t> zurückgegriffen</a:t>
+            </a:r>
+          </a:p>
+          <a:p>
+            <a:pPr marL="0" indent="0">
+              <a:buFont typeface="Wingdings" panose="05000000000000000000" pitchFamily="2" charset="2"/>
+              <a:buNone/>
+            </a:pPr>
+            <a:endParaRPr lang="de-DE" dirty="0"/>
+          </a:p>
+        </p:txBody>
+      </p:sp>
+      <p:sp>
+        <p:nvSpPr>
+          <p:cNvPr id="4" name="Foliennummernplatzhalter 3"/>
+          <p:cNvSpPr>
+            <a:spLocks noGrp="1"/>
+          </p:cNvSpPr>
+          <p:nvPr>
+            <p:ph type="sldNum" sz="quarter" idx="10"/>
+          </p:nvPr>
+        </p:nvSpPr>
+        <p:spPr/>
+        <p:txBody>
+          <a:bodyPr/>
+          <a:lstStyle/>
+          <a:p>
+            <a:fld id="{2C6D43BA-BF3B-4C35-86C4-88F3F3542AEC}" type="slidenum">
+              <a:rPr lang="de-DE" smtClean="0"/>
+              <a:t>5</a:t>
+            </a:fld>
+            <a:endParaRPr lang="de-DE"/>
+          </a:p>
+        </p:txBody>
+      </p:sp>
+    </p:spTree>
+    <p:extLst>
+      <p:ext uri="{BB962C8B-B14F-4D97-AF65-F5344CB8AC3E}">
+        <p14:creationId xmlns:p14="http://schemas.microsoft.com/office/powerpoint/2010/main" val="3424596539"/>
+      </p:ext>
+    </p:extLst>
+  </p:cSld>
+  <p:clrMapOvr>
+    <a:masterClrMapping/>
+  </p:clrMapOvr>
+</p:notes>
+</file>
+
+<file path=ppt/notesSlides/notesSlide3.xml><?xml version="1.0" encoding="utf-8"?>
+<p:notes xmlns:a="http://schemas.openxmlformats.org/drawingml/2006/main" xmlns:r="http://schemas.openxmlformats.org/officeDocument/2006/relationships" xmlns:p="http://schemas.openxmlformats.org/presentationml/2006/main">
+  <p:cSld>
+    <p:spTree>
+      <p:nvGrpSpPr>
+        <p:cNvPr id="1" name=""/>
+        <p:cNvGrpSpPr/>
+        <p:nvPr/>
+      </p:nvGrpSpPr>
+      <p:grpSpPr>
+        <a:xfrm>
+          <a:off x="0" y="0"/>
+          <a:ext cx="0" cy="0"/>
+          <a:chOff x="0" y="0"/>
+          <a:chExt cx="0" cy="0"/>
+        </a:xfrm>
+      </p:grpSpPr>
+      <p:sp>
+        <p:nvSpPr>
+          <p:cNvPr id="2" name="Folienbildplatzhalter 1"/>
+          <p:cNvSpPr>
+            <a:spLocks noGrp="1" noRot="1" noChangeAspect="1"/>
+          </p:cNvSpPr>
+          <p:nvPr>
+            <p:ph type="sldImg"/>
+          </p:nvPr>
+        </p:nvSpPr>
+        <p:spPr/>
+      </p:sp>
+      <p:sp>
+        <p:nvSpPr>
+          <p:cNvPr id="3" name="Notizenplatzhalter 2"/>
+          <p:cNvSpPr>
+            <a:spLocks noGrp="1"/>
+          </p:cNvSpPr>
+          <p:nvPr>
+            <p:ph type="body" idx="1"/>
+          </p:nvPr>
+        </p:nvSpPr>
+        <p:spPr/>
+        <p:txBody>
+          <a:bodyPr/>
+          <a:lstStyle/>
+          <a:p>
+            <a:pPr marL="171450" indent="-171450">
+              <a:buFont typeface="Wingdings" panose="05000000000000000000" pitchFamily="2" charset="2"/>
+              <a:buChar char="à"/>
+            </a:pPr>
+            <a:r>
+              <a:rPr lang="de-DE" dirty="0">
+                <a:sym typeface="Wingdings" panose="05000000000000000000" pitchFamily="2" charset="2"/>
+              </a:rPr>
+              <a:t>Die meisten der erdachten Visualisierungskonzepte erhielten kaum Framework-Unterstützung</a:t>
+            </a:r>
+          </a:p>
+          <a:p>
+            <a:pPr marL="171450" indent="-171450">
+              <a:buFont typeface="Wingdings" panose="05000000000000000000" pitchFamily="2" charset="2"/>
+              <a:buChar char="à"/>
+            </a:pPr>
+            <a:r>
+              <a:rPr lang="de-DE" dirty="0">
+                <a:sym typeface="Wingdings" panose="05000000000000000000" pitchFamily="2" charset="2"/>
+              </a:rPr>
+              <a:t>Review-Gespräch mit Herrn Rathke</a:t>
+            </a:r>
+          </a:p>
+          <a:p>
+            <a:pPr marL="171450" indent="-171450">
+              <a:buFont typeface="Wingdings" panose="05000000000000000000" pitchFamily="2" charset="2"/>
+              <a:buChar char="à"/>
+            </a:pPr>
+            <a:r>
+              <a:rPr lang="de-DE" dirty="0">
+                <a:sym typeface="Wingdings" panose="05000000000000000000" pitchFamily="2" charset="2"/>
+              </a:rPr>
+              <a:t>Zwei neue Ansätze entwickelt: Explorer und </a:t>
+            </a:r>
+            <a:r>
+              <a:rPr lang="de-DE" dirty="0" err="1">
+                <a:sym typeface="Wingdings" panose="05000000000000000000" pitchFamily="2" charset="2"/>
+              </a:rPr>
+              <a:t>Bubbles</a:t>
+            </a:r>
+            <a:r>
+              <a:rPr lang="de-DE" dirty="0">
+                <a:sym typeface="Wingdings" panose="05000000000000000000" pitchFamily="2" charset="2"/>
+              </a:rPr>
+              <a:t>, die gleich genauer vorgestellt werden</a:t>
+            </a:r>
+            <a:endParaRPr lang="de-DE" dirty="0"/>
+          </a:p>
+        </p:txBody>
+      </p:sp>
+      <p:sp>
+        <p:nvSpPr>
+          <p:cNvPr id="4" name="Foliennummernplatzhalter 3"/>
+          <p:cNvSpPr>
+            <a:spLocks noGrp="1"/>
+          </p:cNvSpPr>
+          <p:nvPr>
+            <p:ph type="sldNum" sz="quarter" idx="10"/>
+          </p:nvPr>
+        </p:nvSpPr>
+        <p:spPr/>
+        <p:txBody>
+          <a:bodyPr/>
+          <a:lstStyle/>
+          <a:p>
+            <a:fld id="{2C6D43BA-BF3B-4C35-86C4-88F3F3542AEC}" type="slidenum">
+              <a:rPr lang="de-DE" smtClean="0"/>
+              <a:t>8</a:t>
+            </a:fld>
+            <a:endParaRPr lang="de-DE"/>
+          </a:p>
+        </p:txBody>
+      </p:sp>
+    </p:spTree>
+    <p:extLst>
+      <p:ext uri="{BB962C8B-B14F-4D97-AF65-F5344CB8AC3E}">
+        <p14:creationId xmlns:p14="http://schemas.microsoft.com/office/powerpoint/2010/main" val="3623863316"/>
+      </p:ext>
+    </p:extLst>
+  </p:cSld>
+  <p:clrMapOvr>
+    <a:masterClrMapping/>
+  </p:clrMapOvr>
+</p:notes>
+</file>
+
+<file path=ppt/notesSlides/notesSlide4.xml><?xml version="1.0" encoding="utf-8"?>
+<p:notes xmlns:a="http://schemas.openxmlformats.org/drawingml/2006/main" xmlns:r="http://schemas.openxmlformats.org/officeDocument/2006/relationships" xmlns:p="http://schemas.openxmlformats.org/presentationml/2006/main">
+  <p:cSld>
+    <p:spTree>
+      <p:nvGrpSpPr>
+        <p:cNvPr id="1" name=""/>
+        <p:cNvGrpSpPr/>
+        <p:nvPr/>
+      </p:nvGrpSpPr>
+      <p:grpSpPr>
+        <a:xfrm>
+          <a:off x="0" y="0"/>
+          <a:ext cx="0" cy="0"/>
+          <a:chOff x="0" y="0"/>
+          <a:chExt cx="0" cy="0"/>
+        </a:xfrm>
+      </p:grpSpPr>
+      <p:sp>
+        <p:nvSpPr>
+          <p:cNvPr id="2" name="Folienbildplatzhalter 1"/>
+          <p:cNvSpPr>
+            <a:spLocks noGrp="1" noRot="1" noChangeAspect="1"/>
+          </p:cNvSpPr>
+          <p:nvPr>
+            <p:ph type="sldImg"/>
+          </p:nvPr>
+        </p:nvSpPr>
+        <p:spPr/>
+      </p:sp>
+      <p:sp>
+        <p:nvSpPr>
+          <p:cNvPr id="3" name="Notizenplatzhalter 2"/>
+          <p:cNvSpPr>
+            <a:spLocks noGrp="1"/>
+          </p:cNvSpPr>
+          <p:nvPr>
+            <p:ph type="body" idx="1"/>
+          </p:nvPr>
+        </p:nvSpPr>
+        <p:spPr/>
+        <p:txBody>
+          <a:bodyPr/>
+          <a:lstStyle/>
+          <a:p>
+            <a:pPr marL="171450" indent="-171450">
+              <a:buFont typeface="Wingdings" panose="05000000000000000000" pitchFamily="2" charset="2"/>
+              <a:buChar char="à"/>
+            </a:pPr>
+            <a:r>
+              <a:rPr lang="de-DE" dirty="0">
+                <a:sym typeface="Wingdings" panose="05000000000000000000" pitchFamily="2" charset="2"/>
+              </a:rPr>
+              <a:t>Entwicklung mit </a:t>
+            </a:r>
+            <a:r>
+              <a:rPr lang="de-DE" dirty="0" err="1">
+                <a:sym typeface="Wingdings" panose="05000000000000000000" pitchFamily="2" charset="2"/>
+              </a:rPr>
+              <a:t>Hangouts</a:t>
+            </a:r>
+            <a:r>
+              <a:rPr lang="de-DE" dirty="0">
+                <a:sym typeface="Wingdings" panose="05000000000000000000" pitchFamily="2" charset="2"/>
+              </a:rPr>
+              <a:t>-App Ansatz begonnen</a:t>
+            </a:r>
+          </a:p>
+          <a:p>
+            <a:pPr marL="171450" indent="-171450">
+              <a:buFont typeface="Wingdings" panose="05000000000000000000" pitchFamily="2" charset="2"/>
+              <a:buChar char="à"/>
+            </a:pPr>
+            <a:r>
+              <a:rPr lang="de-DE" dirty="0">
+                <a:sym typeface="Wingdings" panose="05000000000000000000" pitchFamily="2" charset="2"/>
+              </a:rPr>
+              <a:t>06.01.2017 Email Google: </a:t>
+            </a:r>
+            <a:r>
+              <a:rPr lang="de-DE" dirty="0" err="1">
+                <a:sym typeface="Wingdings" panose="05000000000000000000" pitchFamily="2" charset="2"/>
+              </a:rPr>
+              <a:t>Hangouts</a:t>
+            </a:r>
+            <a:r>
+              <a:rPr lang="de-DE" dirty="0">
+                <a:sym typeface="Wingdings" panose="05000000000000000000" pitchFamily="2" charset="2"/>
+              </a:rPr>
+              <a:t>-API mit sofortiger Wirkung geschlossen </a:t>
+            </a:r>
+            <a:r>
+              <a:rPr lang="de-DE" b="1" dirty="0">
+                <a:sym typeface="Wingdings" panose="05000000000000000000" pitchFamily="2" charset="2"/>
+              </a:rPr>
+              <a:t>(KLICK)</a:t>
+            </a:r>
+          </a:p>
+          <a:p>
+            <a:pPr marL="171450" indent="-171450">
+              <a:buFont typeface="Wingdings" panose="05000000000000000000" pitchFamily="2" charset="2"/>
+              <a:buChar char="à"/>
+            </a:pPr>
+            <a:r>
+              <a:rPr lang="de-DE" dirty="0">
+                <a:sym typeface="Wingdings" panose="05000000000000000000" pitchFamily="2" charset="2"/>
+              </a:rPr>
+              <a:t>Erzwungener Rückgriff auf getrennten Ansatz, weil einzig verbliebener </a:t>
+            </a:r>
+            <a:r>
+              <a:rPr lang="de-DE" b="1" dirty="0">
+                <a:sym typeface="Wingdings" panose="05000000000000000000" pitchFamily="2" charset="2"/>
+              </a:rPr>
+              <a:t>(KLICK)</a:t>
+            </a:r>
+          </a:p>
+          <a:p>
+            <a:pPr marL="171450" indent="-171450">
+              <a:buFont typeface="Wingdings" panose="05000000000000000000" pitchFamily="2" charset="2"/>
+              <a:buChar char="à"/>
+            </a:pPr>
+            <a:r>
+              <a:rPr lang="de-DE" dirty="0">
+                <a:sym typeface="Wingdings" panose="05000000000000000000" pitchFamily="2" charset="2"/>
+              </a:rPr>
+              <a:t>Applikation wird direkt in Link-Landingpage eingebettet</a:t>
+            </a:r>
+          </a:p>
+          <a:p>
+            <a:pPr marL="171450" indent="-171450">
+              <a:buFont typeface="Wingdings" panose="05000000000000000000" pitchFamily="2" charset="2"/>
+              <a:buChar char="à"/>
+            </a:pPr>
+            <a:endParaRPr lang="de-DE" dirty="0">
+              <a:sym typeface="Wingdings" panose="05000000000000000000" pitchFamily="2" charset="2"/>
+            </a:endParaRPr>
+          </a:p>
+          <a:p>
+            <a:pPr marL="171450" indent="-171450">
+              <a:buFont typeface="Wingdings" panose="05000000000000000000" pitchFamily="2" charset="2"/>
+              <a:buChar char="à"/>
+            </a:pPr>
+            <a:r>
+              <a:rPr lang="de-DE" dirty="0">
+                <a:sym typeface="Wingdings" panose="05000000000000000000" pitchFamily="2" charset="2"/>
+              </a:rPr>
+              <a:t>KEINE DIREKTE VERBINDUNG MEHR ZU HANGOUTS</a:t>
+            </a:r>
+          </a:p>
+          <a:p>
+            <a:pPr marL="171450" indent="-171450">
+              <a:buFont typeface="Wingdings" panose="05000000000000000000" pitchFamily="2" charset="2"/>
+              <a:buChar char="à"/>
+            </a:pPr>
+            <a:r>
+              <a:rPr lang="de-DE" dirty="0">
+                <a:sym typeface="Wingdings" panose="05000000000000000000" pitchFamily="2" charset="2"/>
+              </a:rPr>
+              <a:t>Freier, weniger Bindungen an Google-Richtlinien und theoretische Unabhängigkeit vom Gesprächstool</a:t>
+            </a:r>
+            <a:endParaRPr lang="de-DE" dirty="0"/>
+          </a:p>
+        </p:txBody>
+      </p:sp>
+      <p:sp>
+        <p:nvSpPr>
+          <p:cNvPr id="4" name="Foliennummernplatzhalter 3"/>
+          <p:cNvSpPr>
+            <a:spLocks noGrp="1"/>
+          </p:cNvSpPr>
+          <p:nvPr>
+            <p:ph type="sldNum" sz="quarter" idx="10"/>
+          </p:nvPr>
+        </p:nvSpPr>
+        <p:spPr/>
+        <p:txBody>
+          <a:bodyPr/>
+          <a:lstStyle/>
+          <a:p>
+            <a:fld id="{2C6D43BA-BF3B-4C35-86C4-88F3F3542AEC}" type="slidenum">
+              <a:rPr lang="de-DE" smtClean="0"/>
+              <a:t>9</a:t>
+            </a:fld>
+            <a:endParaRPr lang="de-DE"/>
+          </a:p>
+        </p:txBody>
+      </p:sp>
+    </p:spTree>
+    <p:extLst>
+      <p:ext uri="{BB962C8B-B14F-4D97-AF65-F5344CB8AC3E}">
+        <p14:creationId xmlns:p14="http://schemas.microsoft.com/office/powerpoint/2010/main" val="2517473429"/>
+      </p:ext>
+    </p:extLst>
+  </p:cSld>
+  <p:clrMapOvr>
+    <a:masterClrMapping/>
+  </p:clrMapOvr>
+</p:notes>
+</file>
+
+<file path=ppt/notesSlides/notesSlide5.xml><?xml version="1.0" encoding="utf-8"?>
+<p:notes xmlns:a="http://schemas.openxmlformats.org/drawingml/2006/main" xmlns:r="http://schemas.openxmlformats.org/officeDocument/2006/relationships" xmlns:p="http://schemas.openxmlformats.org/presentationml/2006/main">
+  <p:cSld>
+    <p:spTree>
+      <p:nvGrpSpPr>
+        <p:cNvPr id="1" name=""/>
+        <p:cNvGrpSpPr/>
+        <p:nvPr/>
+      </p:nvGrpSpPr>
+      <p:grpSpPr>
+        <a:xfrm>
+          <a:off x="0" y="0"/>
+          <a:ext cx="0" cy="0"/>
+          <a:chOff x="0" y="0"/>
+          <a:chExt cx="0" cy="0"/>
+        </a:xfrm>
+      </p:grpSpPr>
+      <p:sp>
+        <p:nvSpPr>
+          <p:cNvPr id="2" name="Folienbildplatzhalter 1"/>
+          <p:cNvSpPr>
+            <a:spLocks noGrp="1" noRot="1" noChangeAspect="1"/>
+          </p:cNvSpPr>
+          <p:nvPr>
+            <p:ph type="sldImg"/>
+          </p:nvPr>
+        </p:nvSpPr>
+        <p:spPr/>
+      </p:sp>
+      <p:sp>
+        <p:nvSpPr>
+          <p:cNvPr id="3" name="Notizenplatzhalter 2"/>
+          <p:cNvSpPr>
+            <a:spLocks noGrp="1"/>
+          </p:cNvSpPr>
+          <p:nvPr>
+            <p:ph type="body" idx="1"/>
+          </p:nvPr>
+        </p:nvSpPr>
+        <p:spPr/>
+        <p:txBody>
+          <a:bodyPr/>
+          <a:lstStyle/>
+          <a:p>
             <a:pPr marL="0" marR="0" lvl="0" indent="0" algn="l" defTabSz="914400" rtl="0" eaLnBrk="1" fontAlgn="auto" latinLnBrk="0" hangingPunct="1">
               <a:lnSpc>
                 <a:spcPct val="100000"/>
@@ -17268,7 +17751,7 @@
           <a:p>
             <a:fld id="{2C6D43BA-BF3B-4C35-86C4-88F3F3542AEC}" type="slidenum">
               <a:rPr lang="de-DE" smtClean="0"/>
-              <a:t>14</a:t>
+              <a:t>20</a:t>
             </a:fld>
             <a:endParaRPr lang="de-DE"/>
           </a:p>
@@ -39407,7 +39890,7 @@
       </p:grpSpPr>
       <p:sp>
         <p:nvSpPr>
-          <p:cNvPr id="2" name="Titel 1"/>
+          <p:cNvPr id="7" name="Titel 6"/>
           <p:cNvSpPr>
             <a:spLocks noGrp="1"/>
           </p:cNvSpPr>
@@ -39422,27 +39905,19 @@
           <a:p>
             <a:r>
               <a:rPr lang="de-DE" dirty="0"/>
-              <a:t>Fallstudie 2 – „</a:t>
-            </a:r>
-            <a:r>
-              <a:rPr lang="de-DE" dirty="0" err="1"/>
-              <a:t>Bubbles</a:t>
-            </a:r>
-            <a:r>
-              <a:rPr lang="de-DE" dirty="0"/>
-              <a:t>“</a:t>
-            </a:r>
-          </a:p>
-        </p:txBody>
-      </p:sp>
-      <p:sp>
-        <p:nvSpPr>
-          <p:cNvPr id="3" name="Textplatzhalter 2"/>
-          <p:cNvSpPr>
-            <a:spLocks noGrp="1"/>
-          </p:cNvSpPr>
-          <p:nvPr>
-            <p:ph type="body" idx="1"/>
+              <a:t>Systemübersicht</a:t>
+            </a:r>
+          </a:p>
+        </p:txBody>
+      </p:sp>
+      <p:sp>
+        <p:nvSpPr>
+          <p:cNvPr id="5" name="Datumsplatzhalter 4"/>
+          <p:cNvSpPr>
+            <a:spLocks noGrp="1"/>
+          </p:cNvSpPr>
+          <p:nvPr>
+            <p:ph type="dt" sz="half" idx="10"/>
           </p:nvPr>
         </p:nvSpPr>
         <p:spPr/>
@@ -39450,18 +39925,21 @@
           <a:bodyPr/>
           <a:lstStyle/>
           <a:p>
-            <a:endParaRPr lang="de-DE"/>
-          </a:p>
-        </p:txBody>
-      </p:sp>
-      <p:sp>
-        <p:nvSpPr>
-          <p:cNvPr id="4" name="Datumsplatzhalter 3"/>
-          <p:cNvSpPr>
-            <a:spLocks noGrp="1"/>
-          </p:cNvSpPr>
-          <p:nvPr>
-            <p:ph type="dt" sz="half" idx="10"/>
+            <a:r>
+              <a:rPr lang="de-DE"/>
+              <a:t>23.01.2017</a:t>
+            </a:r>
+          </a:p>
+        </p:txBody>
+      </p:sp>
+      <p:sp>
+        <p:nvSpPr>
+          <p:cNvPr id="6" name="Fußzeilenplatzhalter 5"/>
+          <p:cNvSpPr>
+            <a:spLocks noGrp="1"/>
+          </p:cNvSpPr>
+          <p:nvPr>
+            <p:ph type="ftr" sz="quarter" idx="11"/>
           </p:nvPr>
         </p:nvSpPr>
         <p:spPr/>
@@ -39471,29 +39949,159 @@
           <a:p>
             <a:r>
               <a:rPr lang="de-DE"/>
-              <a:t>23.01.2017</a:t>
-            </a:r>
-          </a:p>
-        </p:txBody>
-      </p:sp>
-      <p:sp>
-        <p:nvSpPr>
-          <p:cNvPr id="5" name="Fußzeilenplatzhalter 4"/>
-          <p:cNvSpPr>
-            <a:spLocks noGrp="1"/>
-          </p:cNvSpPr>
-          <p:nvPr>
-            <p:ph type="ftr" sz="quarter" idx="11"/>
-          </p:nvPr>
-        </p:nvSpPr>
-        <p:spPr/>
-        <p:txBody>
-          <a:bodyPr/>
+              <a:t>Florian Blessing, Lisa Böhler, Markus Götz, Jan Habersetzer, Wendelin Herrmann</a:t>
+            </a:r>
+          </a:p>
+        </p:txBody>
+      </p:sp>
+      <p:pic>
+        <p:nvPicPr>
+          <p:cNvPr id="2056" name="Picture 8" descr="Systemübersicht neu korrigiert.jpg"/>
+          <p:cNvPicPr>
+            <a:picLocks noGrp="1" noChangeAspect="1" noChangeArrowheads="1"/>
+          </p:cNvPicPr>
+          <p:nvPr>
+            <p:ph sz="half" idx="2"/>
+          </p:nvPr>
+        </p:nvPicPr>
+        <p:blipFill>
+          <a:blip r:embed="rId2">
+            <a:extLst>
+              <a:ext uri="{28A0092B-C50C-407E-A947-70E740481C1C}">
+                <a14:useLocalDpi xmlns:a14="http://schemas.microsoft.com/office/drawing/2010/main" val="0"/>
+              </a:ext>
+            </a:extLst>
+          </a:blip>
+          <a:srcRect/>
+          <a:stretch>
+            <a:fillRect/>
+          </a:stretch>
+        </p:blipFill>
+        <p:spPr bwMode="auto">
+          <a:xfrm>
+            <a:off x="6172200" y="1962000"/>
+            <a:ext cx="5181600" cy="2971473"/>
+          </a:xfrm>
+          <a:prstGeom prst="rect">
+            <a:avLst/>
+          </a:prstGeom>
+          <a:noFill/>
+          <a:extLst>
+            <a:ext uri="{909E8E84-426E-40DD-AFC4-6F175D3DCCD1}">
+              <a14:hiddenFill xmlns:a14="http://schemas.microsoft.com/office/drawing/2010/main">
+                <a:solidFill>
+                  <a:srgbClr val="FFFFFF"/>
+                </a:solidFill>
+              </a14:hiddenFill>
+            </a:ext>
+          </a:extLst>
+        </p:spPr>
+      </p:pic>
+      <p:pic>
+        <p:nvPicPr>
+          <p:cNvPr id="2060" name="Picture 12" descr="Systemübersicht alt.jpg"/>
+          <p:cNvPicPr>
+            <a:picLocks noGrp="1" noChangeAspect="1" noChangeArrowheads="1"/>
+          </p:cNvPicPr>
+          <p:nvPr>
+            <p:ph sz="half" idx="1"/>
+          </p:nvPr>
+        </p:nvPicPr>
+        <p:blipFill>
+          <a:blip r:embed="rId3">
+            <a:extLst>
+              <a:ext uri="{28A0092B-C50C-407E-A947-70E740481C1C}">
+                <a14:useLocalDpi xmlns:a14="http://schemas.microsoft.com/office/drawing/2010/main" val="0"/>
+              </a:ext>
+            </a:extLst>
+          </a:blip>
+          <a:srcRect/>
+          <a:stretch>
+            <a:fillRect/>
+          </a:stretch>
+        </p:blipFill>
+        <p:spPr bwMode="auto">
+          <a:xfrm>
+            <a:off x="838199" y="1961999"/>
+            <a:ext cx="5181600" cy="2971473"/>
+          </a:xfrm>
+          <a:prstGeom prst="rect">
+            <a:avLst/>
+          </a:prstGeom>
+          <a:noFill/>
+          <a:extLst>
+            <a:ext uri="{909E8E84-426E-40DD-AFC4-6F175D3DCCD1}">
+              <a14:hiddenFill xmlns:a14="http://schemas.microsoft.com/office/drawing/2010/main">
+                <a:solidFill>
+                  <a:srgbClr val="FFFFFF"/>
+                </a:solidFill>
+              </a14:hiddenFill>
+            </a:ext>
+          </a:extLst>
+        </p:spPr>
+      </p:pic>
+      <p:sp>
+        <p:nvSpPr>
+          <p:cNvPr id="16" name="Textfeld 15"/>
+          <p:cNvSpPr txBox="1"/>
+          <p:nvPr/>
+        </p:nvSpPr>
+        <p:spPr>
+          <a:xfrm>
+            <a:off x="1781272" y="5061528"/>
+            <a:ext cx="3295454" cy="461665"/>
+          </a:xfrm>
+          <a:prstGeom prst="rect">
+            <a:avLst/>
+          </a:prstGeom>
+          <a:noFill/>
+        </p:spPr>
+        <p:txBody>
+          <a:bodyPr wrap="none" rtlCol="0">
+            <a:spAutoFit/>
+          </a:bodyPr>
           <a:lstStyle/>
           <a:p>
             <a:r>
-              <a:rPr lang="de-DE"/>
-              <a:t>Florian Blessing, Lisa Böhler, Markus Götz, Jan Habersetzer, Wendelin Herrmann</a:t>
+              <a:rPr lang="de-DE" sz="2400" dirty="0"/>
+              <a:t>als </a:t>
+            </a:r>
+            <a:r>
+              <a:rPr lang="de-DE" sz="2400" dirty="0" err="1"/>
+              <a:t>Hangouts</a:t>
+            </a:r>
+            <a:r>
+              <a:rPr lang="de-DE" sz="2400" dirty="0"/>
+              <a:t>-Applikation</a:t>
+            </a:r>
+          </a:p>
+        </p:txBody>
+      </p:sp>
+      <p:sp>
+        <p:nvSpPr>
+          <p:cNvPr id="24" name="Textfeld 23"/>
+          <p:cNvSpPr txBox="1"/>
+          <p:nvPr/>
+        </p:nvSpPr>
+        <p:spPr>
+          <a:xfrm>
+            <a:off x="7828481" y="5061528"/>
+            <a:ext cx="1869038" cy="461665"/>
+          </a:xfrm>
+          <a:prstGeom prst="rect">
+            <a:avLst/>
+          </a:prstGeom>
+          <a:noFill/>
+        </p:spPr>
+        <p:txBody>
+          <a:bodyPr wrap="none" rtlCol="0">
+            <a:spAutoFit/>
+          </a:bodyPr>
+          <a:lstStyle/>
+          <a:p>
+            <a:r>
+              <a:rPr lang="de-DE" sz="2400" dirty="0"/>
+              <a:t>alleinstehend</a:t>
             </a:r>
           </a:p>
         </p:txBody>
@@ -39501,7 +40109,7 @@
     </p:spTree>
     <p:extLst>
       <p:ext uri="{BB962C8B-B14F-4D97-AF65-F5344CB8AC3E}">
-        <p14:creationId xmlns:p14="http://schemas.microsoft.com/office/powerpoint/2010/main" val="3046980272"/>
+        <p14:creationId xmlns:p14="http://schemas.microsoft.com/office/powerpoint/2010/main" val="143207006"/>
       </p:ext>
     </p:extLst>
   </p:cSld>
@@ -39538,87 +40146,1104 @@
             <p:ph type="title"/>
           </p:nvPr>
         </p:nvSpPr>
-        <p:spPr/>
+        <p:spPr>
+          <a:xfrm>
+            <a:off x="838200" y="694963"/>
+            <a:ext cx="10515600" cy="995725"/>
+          </a:xfrm>
+        </p:spPr>
         <p:txBody>
           <a:bodyPr/>
           <a:lstStyle/>
           <a:p>
             <a:r>
               <a:rPr lang="de-DE" dirty="0"/>
-              <a:t>Entwurf</a:t>
-            </a:r>
-          </a:p>
-        </p:txBody>
-      </p:sp>
-      <p:pic>
-        <p:nvPicPr>
-          <p:cNvPr id="6" name="Inhaltsplatzhalter 5"/>
-          <p:cNvPicPr>
-            <a:picLocks noGrp="1" noChangeAspect="1"/>
-          </p:cNvPicPr>
-          <p:nvPr>
-            <p:ph idx="1"/>
-          </p:nvPr>
-        </p:nvPicPr>
-        <p:blipFill>
-          <a:blip r:embed="rId2">
-            <a:extLst>
-              <a:ext uri="{28A0092B-C50C-407E-A947-70E740481C1C}">
-                <a14:useLocalDpi xmlns:a14="http://schemas.microsoft.com/office/drawing/2010/main" val="0"/>
-              </a:ext>
-            </a:extLst>
-          </a:blip>
-          <a:stretch>
-            <a:fillRect/>
-          </a:stretch>
-        </p:blipFill>
+              <a:t>Umstellung auf User Stories</a:t>
+            </a:r>
+          </a:p>
+        </p:txBody>
+      </p:sp>
+      <p:sp>
+        <p:nvSpPr>
+          <p:cNvPr id="5" name="Datumsplatzhalter 4"/>
+          <p:cNvSpPr>
+            <a:spLocks noGrp="1"/>
+          </p:cNvSpPr>
+          <p:nvPr>
+            <p:ph type="dt" sz="half" idx="10"/>
+          </p:nvPr>
+        </p:nvSpPr>
+        <p:spPr/>
+        <p:txBody>
+          <a:bodyPr/>
+          <a:lstStyle/>
+          <a:p>
+            <a:r>
+              <a:rPr lang="de-DE"/>
+              <a:t>23.01.2017</a:t>
+            </a:r>
+          </a:p>
+        </p:txBody>
+      </p:sp>
+      <p:sp>
+        <p:nvSpPr>
+          <p:cNvPr id="6" name="Fußzeilenplatzhalter 5"/>
+          <p:cNvSpPr>
+            <a:spLocks noGrp="1"/>
+          </p:cNvSpPr>
+          <p:nvPr>
+            <p:ph type="ftr" sz="quarter" idx="11"/>
+          </p:nvPr>
+        </p:nvSpPr>
+        <p:spPr/>
+        <p:txBody>
+          <a:bodyPr/>
+          <a:lstStyle/>
+          <a:p>
+            <a:r>
+              <a:rPr lang="de-DE"/>
+              <a:t>Florian Blessing, Lisa Böhler, Markus Götz, Jan Habersetzer, Wendelin Herrmann</a:t>
+            </a:r>
+          </a:p>
+        </p:txBody>
+      </p:sp>
+      <p:sp>
+        <p:nvSpPr>
+          <p:cNvPr id="7" name="Freeform 18"/>
+          <p:cNvSpPr>
+            <a:spLocks noChangeAspect="1" noEditPoints="1"/>
+          </p:cNvSpPr>
+          <p:nvPr/>
+        </p:nvSpPr>
+        <p:spPr bwMode="auto">
+          <a:xfrm>
+            <a:off x="3367970" y="2733628"/>
+            <a:ext cx="814980" cy="1080000"/>
+          </a:xfrm>
+          <a:custGeom>
+            <a:avLst/>
+            <a:gdLst>
+              <a:gd name="T0" fmla="*/ 0 w 62"/>
+              <a:gd name="T1" fmla="*/ 41 h 82"/>
+              <a:gd name="T2" fmla="*/ 1 w 62"/>
+              <a:gd name="T3" fmla="*/ 35 h 82"/>
+              <a:gd name="T4" fmla="*/ 2 w 62"/>
+              <a:gd name="T5" fmla="*/ 29 h 82"/>
+              <a:gd name="T6" fmla="*/ 5 w 62"/>
+              <a:gd name="T7" fmla="*/ 24 h 82"/>
+              <a:gd name="T8" fmla="*/ 9 w 62"/>
+              <a:gd name="T9" fmla="*/ 19 h 82"/>
+              <a:gd name="T10" fmla="*/ 19 w 62"/>
+              <a:gd name="T11" fmla="*/ 13 h 82"/>
+              <a:gd name="T12" fmla="*/ 31 w 62"/>
+              <a:gd name="T13" fmla="*/ 10 h 82"/>
+              <a:gd name="T14" fmla="*/ 31 w 62"/>
+              <a:gd name="T15" fmla="*/ 0 h 82"/>
+              <a:gd name="T16" fmla="*/ 57 w 62"/>
+              <a:gd name="T17" fmla="*/ 16 h 82"/>
+              <a:gd name="T18" fmla="*/ 31 w 62"/>
+              <a:gd name="T19" fmla="*/ 32 h 82"/>
+              <a:gd name="T20" fmla="*/ 31 w 62"/>
+              <a:gd name="T21" fmla="*/ 22 h 82"/>
+              <a:gd name="T22" fmla="*/ 17 w 62"/>
+              <a:gd name="T23" fmla="*/ 28 h 82"/>
+              <a:gd name="T24" fmla="*/ 12 w 62"/>
+              <a:gd name="T25" fmla="*/ 41 h 82"/>
+              <a:gd name="T26" fmla="*/ 13 w 62"/>
+              <a:gd name="T27" fmla="*/ 48 h 82"/>
+              <a:gd name="T28" fmla="*/ 3 w 62"/>
+              <a:gd name="T29" fmla="*/ 54 h 82"/>
+              <a:gd name="T30" fmla="*/ 0 w 62"/>
+              <a:gd name="T31" fmla="*/ 41 h 82"/>
+              <a:gd name="T32" fmla="*/ 5 w 62"/>
+              <a:gd name="T33" fmla="*/ 66 h 82"/>
+              <a:gd name="T34" fmla="*/ 31 w 62"/>
+              <a:gd name="T35" fmla="*/ 51 h 82"/>
+              <a:gd name="T36" fmla="*/ 31 w 62"/>
+              <a:gd name="T37" fmla="*/ 61 h 82"/>
+              <a:gd name="T38" fmla="*/ 45 w 62"/>
+              <a:gd name="T39" fmla="*/ 55 h 82"/>
+              <a:gd name="T40" fmla="*/ 50 w 62"/>
+              <a:gd name="T41" fmla="*/ 41 h 82"/>
+              <a:gd name="T42" fmla="*/ 49 w 62"/>
+              <a:gd name="T43" fmla="*/ 35 h 82"/>
+              <a:gd name="T44" fmla="*/ 59 w 62"/>
+              <a:gd name="T45" fmla="*/ 29 h 82"/>
+              <a:gd name="T46" fmla="*/ 62 w 62"/>
+              <a:gd name="T47" fmla="*/ 41 h 82"/>
+              <a:gd name="T48" fmla="*/ 61 w 62"/>
+              <a:gd name="T49" fmla="*/ 47 h 82"/>
+              <a:gd name="T50" fmla="*/ 59 w 62"/>
+              <a:gd name="T51" fmla="*/ 53 h 82"/>
+              <a:gd name="T52" fmla="*/ 56 w 62"/>
+              <a:gd name="T53" fmla="*/ 59 h 82"/>
+              <a:gd name="T54" fmla="*/ 53 w 62"/>
+              <a:gd name="T55" fmla="*/ 63 h 82"/>
+              <a:gd name="T56" fmla="*/ 43 w 62"/>
+              <a:gd name="T57" fmla="*/ 70 h 82"/>
+              <a:gd name="T58" fmla="*/ 31 w 62"/>
+              <a:gd name="T59" fmla="*/ 72 h 82"/>
+              <a:gd name="T60" fmla="*/ 31 w 62"/>
+              <a:gd name="T61" fmla="*/ 82 h 82"/>
+              <a:gd name="T62" fmla="*/ 5 w 62"/>
+              <a:gd name="T63" fmla="*/ 66 h 82"/>
+              <a:gd name="T64" fmla="*/ 5 w 62"/>
+              <a:gd name="T65" fmla="*/ 66 h 82"/>
+            </a:gdLst>
+            <a:ahLst/>
+            <a:cxnLst>
+              <a:cxn ang="0">
+                <a:pos x="T0" y="T1"/>
+              </a:cxn>
+              <a:cxn ang="0">
+                <a:pos x="T2" y="T3"/>
+              </a:cxn>
+              <a:cxn ang="0">
+                <a:pos x="T4" y="T5"/>
+              </a:cxn>
+              <a:cxn ang="0">
+                <a:pos x="T6" y="T7"/>
+              </a:cxn>
+              <a:cxn ang="0">
+                <a:pos x="T8" y="T9"/>
+              </a:cxn>
+              <a:cxn ang="0">
+                <a:pos x="T10" y="T11"/>
+              </a:cxn>
+              <a:cxn ang="0">
+                <a:pos x="T12" y="T13"/>
+              </a:cxn>
+              <a:cxn ang="0">
+                <a:pos x="T14" y="T15"/>
+              </a:cxn>
+              <a:cxn ang="0">
+                <a:pos x="T16" y="T17"/>
+              </a:cxn>
+              <a:cxn ang="0">
+                <a:pos x="T18" y="T19"/>
+              </a:cxn>
+              <a:cxn ang="0">
+                <a:pos x="T20" y="T21"/>
+              </a:cxn>
+              <a:cxn ang="0">
+                <a:pos x="T22" y="T23"/>
+              </a:cxn>
+              <a:cxn ang="0">
+                <a:pos x="T24" y="T25"/>
+              </a:cxn>
+              <a:cxn ang="0">
+                <a:pos x="T26" y="T27"/>
+              </a:cxn>
+              <a:cxn ang="0">
+                <a:pos x="T28" y="T29"/>
+              </a:cxn>
+              <a:cxn ang="0">
+                <a:pos x="T30" y="T31"/>
+              </a:cxn>
+              <a:cxn ang="0">
+                <a:pos x="T32" y="T33"/>
+              </a:cxn>
+              <a:cxn ang="0">
+                <a:pos x="T34" y="T35"/>
+              </a:cxn>
+              <a:cxn ang="0">
+                <a:pos x="T36" y="T37"/>
+              </a:cxn>
+              <a:cxn ang="0">
+                <a:pos x="T38" y="T39"/>
+              </a:cxn>
+              <a:cxn ang="0">
+                <a:pos x="T40" y="T41"/>
+              </a:cxn>
+              <a:cxn ang="0">
+                <a:pos x="T42" y="T43"/>
+              </a:cxn>
+              <a:cxn ang="0">
+                <a:pos x="T44" y="T45"/>
+              </a:cxn>
+              <a:cxn ang="0">
+                <a:pos x="T46" y="T47"/>
+              </a:cxn>
+              <a:cxn ang="0">
+                <a:pos x="T48" y="T49"/>
+              </a:cxn>
+              <a:cxn ang="0">
+                <a:pos x="T50" y="T51"/>
+              </a:cxn>
+              <a:cxn ang="0">
+                <a:pos x="T52" y="T53"/>
+              </a:cxn>
+              <a:cxn ang="0">
+                <a:pos x="T54" y="T55"/>
+              </a:cxn>
+              <a:cxn ang="0">
+                <a:pos x="T56" y="T57"/>
+              </a:cxn>
+              <a:cxn ang="0">
+                <a:pos x="T58" y="T59"/>
+              </a:cxn>
+              <a:cxn ang="0">
+                <a:pos x="T60" y="T61"/>
+              </a:cxn>
+              <a:cxn ang="0">
+                <a:pos x="T62" y="T63"/>
+              </a:cxn>
+              <a:cxn ang="0">
+                <a:pos x="T64" y="T65"/>
+              </a:cxn>
+            </a:cxnLst>
+            <a:rect l="0" t="0" r="r" b="b"/>
+            <a:pathLst>
+              <a:path w="62" h="82">
+                <a:moveTo>
+                  <a:pt x="0" y="41"/>
+                </a:moveTo>
+                <a:cubicBezTo>
+                  <a:pt x="0" y="39"/>
+                  <a:pt x="0" y="37"/>
+                  <a:pt x="1" y="35"/>
+                </a:cubicBezTo>
+                <a:cubicBezTo>
+                  <a:pt x="1" y="33"/>
+                  <a:pt x="2" y="31"/>
+                  <a:pt x="2" y="29"/>
+                </a:cubicBezTo>
+                <a:cubicBezTo>
+                  <a:pt x="3" y="27"/>
+                  <a:pt x="4" y="26"/>
+                  <a:pt x="5" y="24"/>
+                </a:cubicBezTo>
+                <a:cubicBezTo>
+                  <a:pt x="6" y="22"/>
+                  <a:pt x="8" y="21"/>
+                  <a:pt x="9" y="19"/>
+                </a:cubicBezTo>
+                <a:cubicBezTo>
+                  <a:pt x="12" y="16"/>
+                  <a:pt x="15" y="14"/>
+                  <a:pt x="19" y="13"/>
+                </a:cubicBezTo>
+                <a:cubicBezTo>
+                  <a:pt x="23" y="11"/>
+                  <a:pt x="26" y="10"/>
+                  <a:pt x="31" y="10"/>
+                </a:cubicBezTo>
+                <a:cubicBezTo>
+                  <a:pt x="31" y="0"/>
+                  <a:pt x="31" y="0"/>
+                  <a:pt x="31" y="0"/>
+                </a:cubicBezTo>
+                <a:cubicBezTo>
+                  <a:pt x="57" y="16"/>
+                  <a:pt x="57" y="16"/>
+                  <a:pt x="57" y="16"/>
+                </a:cubicBezTo>
+                <a:cubicBezTo>
+                  <a:pt x="31" y="32"/>
+                  <a:pt x="31" y="32"/>
+                  <a:pt x="31" y="32"/>
+                </a:cubicBezTo>
+                <a:cubicBezTo>
+                  <a:pt x="31" y="22"/>
+                  <a:pt x="31" y="22"/>
+                  <a:pt x="31" y="22"/>
+                </a:cubicBezTo>
+                <a:cubicBezTo>
+                  <a:pt x="26" y="22"/>
+                  <a:pt x="21" y="24"/>
+                  <a:pt x="17" y="28"/>
+                </a:cubicBezTo>
+                <a:cubicBezTo>
+                  <a:pt x="13" y="31"/>
+                  <a:pt x="12" y="36"/>
+                  <a:pt x="12" y="41"/>
+                </a:cubicBezTo>
+                <a:cubicBezTo>
+                  <a:pt x="12" y="44"/>
+                  <a:pt x="12" y="46"/>
+                  <a:pt x="13" y="48"/>
+                </a:cubicBezTo>
+                <a:cubicBezTo>
+                  <a:pt x="3" y="54"/>
+                  <a:pt x="3" y="54"/>
+                  <a:pt x="3" y="54"/>
+                </a:cubicBezTo>
+                <a:cubicBezTo>
+                  <a:pt x="1" y="50"/>
+                  <a:pt x="0" y="46"/>
+                  <a:pt x="0" y="41"/>
+                </a:cubicBezTo>
+                <a:close/>
+                <a:moveTo>
+                  <a:pt x="5" y="66"/>
+                </a:moveTo>
+                <a:cubicBezTo>
+                  <a:pt x="31" y="51"/>
+                  <a:pt x="31" y="51"/>
+                  <a:pt x="31" y="51"/>
+                </a:cubicBezTo>
+                <a:cubicBezTo>
+                  <a:pt x="31" y="61"/>
+                  <a:pt x="31" y="61"/>
+                  <a:pt x="31" y="61"/>
+                </a:cubicBezTo>
+                <a:cubicBezTo>
+                  <a:pt x="36" y="61"/>
+                  <a:pt x="41" y="59"/>
+                  <a:pt x="45" y="55"/>
+                </a:cubicBezTo>
+                <a:cubicBezTo>
+                  <a:pt x="48" y="51"/>
+                  <a:pt x="50" y="47"/>
+                  <a:pt x="50" y="41"/>
+                </a:cubicBezTo>
+                <a:cubicBezTo>
+                  <a:pt x="50" y="39"/>
+                  <a:pt x="50" y="37"/>
+                  <a:pt x="49" y="35"/>
+                </a:cubicBezTo>
+                <a:cubicBezTo>
+                  <a:pt x="59" y="29"/>
+                  <a:pt x="59" y="29"/>
+                  <a:pt x="59" y="29"/>
+                </a:cubicBezTo>
+                <a:cubicBezTo>
+                  <a:pt x="61" y="32"/>
+                  <a:pt x="62" y="37"/>
+                  <a:pt x="62" y="41"/>
+                </a:cubicBezTo>
+                <a:cubicBezTo>
+                  <a:pt x="62" y="43"/>
+                  <a:pt x="62" y="45"/>
+                  <a:pt x="61" y="47"/>
+                </a:cubicBezTo>
+                <a:cubicBezTo>
+                  <a:pt x="61" y="50"/>
+                  <a:pt x="60" y="51"/>
+                  <a:pt x="59" y="53"/>
+                </a:cubicBezTo>
+                <a:cubicBezTo>
+                  <a:pt x="59" y="55"/>
+                  <a:pt x="58" y="57"/>
+                  <a:pt x="56" y="59"/>
+                </a:cubicBezTo>
+                <a:cubicBezTo>
+                  <a:pt x="55" y="60"/>
+                  <a:pt x="54" y="62"/>
+                  <a:pt x="53" y="63"/>
+                </a:cubicBezTo>
+                <a:cubicBezTo>
+                  <a:pt x="50" y="66"/>
+                  <a:pt x="47" y="68"/>
+                  <a:pt x="43" y="70"/>
+                </a:cubicBezTo>
+                <a:cubicBezTo>
+                  <a:pt x="39" y="72"/>
+                  <a:pt x="35" y="72"/>
+                  <a:pt x="31" y="72"/>
+                </a:cubicBezTo>
+                <a:cubicBezTo>
+                  <a:pt x="31" y="82"/>
+                  <a:pt x="31" y="82"/>
+                  <a:pt x="31" y="82"/>
+                </a:cubicBezTo>
+                <a:cubicBezTo>
+                  <a:pt x="5" y="66"/>
+                  <a:pt x="5" y="66"/>
+                  <a:pt x="5" y="66"/>
+                </a:cubicBezTo>
+                <a:cubicBezTo>
+                  <a:pt x="5" y="66"/>
+                  <a:pt x="5" y="66"/>
+                  <a:pt x="5" y="66"/>
+                </a:cubicBezTo>
+                <a:close/>
+              </a:path>
+            </a:pathLst>
+          </a:custGeom>
+          <a:solidFill>
+            <a:srgbClr val="971917"/>
+          </a:solidFill>
+          <a:ln>
+            <a:noFill/>
+          </a:ln>
+          <a:extLst/>
+        </p:spPr>
+        <p:txBody>
+          <a:bodyPr vert="horz" wrap="square" lIns="91440" tIns="45720" rIns="91440" bIns="45720" numCol="1" anchor="t" anchorCtr="0" compatLnSpc="1">
+            <a:prstTxWarp prst="textNoShape">
+              <a:avLst/>
+            </a:prstTxWarp>
+          </a:bodyPr>
+          <a:lstStyle/>
+          <a:p>
+            <a:endParaRPr lang="de-DE"/>
+          </a:p>
+        </p:txBody>
+      </p:sp>
+      <p:sp>
+        <p:nvSpPr>
+          <p:cNvPr id="8" name="Freeform 22"/>
+          <p:cNvSpPr>
+            <a:spLocks noChangeAspect="1" noEditPoints="1"/>
+          </p:cNvSpPr>
+          <p:nvPr/>
+        </p:nvSpPr>
+        <p:spPr bwMode="auto">
+          <a:xfrm>
+            <a:off x="7550920" y="2752677"/>
+            <a:ext cx="1273110" cy="1080000"/>
+          </a:xfrm>
+          <a:custGeom>
+            <a:avLst/>
+            <a:gdLst>
+              <a:gd name="T0" fmla="*/ 77 w 98"/>
+              <a:gd name="T1" fmla="*/ 69 h 83"/>
+              <a:gd name="T2" fmla="*/ 77 w 98"/>
+              <a:gd name="T3" fmla="*/ 80 h 83"/>
+              <a:gd name="T4" fmla="*/ 66 w 98"/>
+              <a:gd name="T5" fmla="*/ 80 h 83"/>
+              <a:gd name="T6" fmla="*/ 45 w 98"/>
+              <a:gd name="T7" fmla="*/ 59 h 83"/>
+              <a:gd name="T8" fmla="*/ 27 w 98"/>
+              <a:gd name="T9" fmla="*/ 81 h 83"/>
+              <a:gd name="T10" fmla="*/ 20 w 98"/>
+              <a:gd name="T11" fmla="*/ 81 h 83"/>
+              <a:gd name="T12" fmla="*/ 15 w 98"/>
+              <a:gd name="T13" fmla="*/ 76 h 83"/>
+              <a:gd name="T14" fmla="*/ 15 w 98"/>
+              <a:gd name="T15" fmla="*/ 70 h 83"/>
+              <a:gd name="T16" fmla="*/ 37 w 98"/>
+              <a:gd name="T17" fmla="*/ 50 h 83"/>
+              <a:gd name="T18" fmla="*/ 26 w 98"/>
+              <a:gd name="T19" fmla="*/ 39 h 83"/>
+              <a:gd name="T20" fmla="*/ 18 w 98"/>
+              <a:gd name="T21" fmla="*/ 36 h 83"/>
+              <a:gd name="T22" fmla="*/ 7 w 98"/>
+              <a:gd name="T23" fmla="*/ 35 h 83"/>
+              <a:gd name="T24" fmla="*/ 0 w 98"/>
+              <a:gd name="T25" fmla="*/ 20 h 83"/>
+              <a:gd name="T26" fmla="*/ 1 w 98"/>
+              <a:gd name="T27" fmla="*/ 19 h 83"/>
+              <a:gd name="T28" fmla="*/ 9 w 98"/>
+              <a:gd name="T29" fmla="*/ 24 h 83"/>
+              <a:gd name="T30" fmla="*/ 17 w 98"/>
+              <a:gd name="T31" fmla="*/ 22 h 83"/>
+              <a:gd name="T32" fmla="*/ 17 w 98"/>
+              <a:gd name="T33" fmla="*/ 12 h 83"/>
+              <a:gd name="T34" fmla="*/ 9 w 98"/>
+              <a:gd name="T35" fmla="*/ 7 h 83"/>
+              <a:gd name="T36" fmla="*/ 10 w 98"/>
+              <a:gd name="T37" fmla="*/ 6 h 83"/>
+              <a:gd name="T38" fmla="*/ 25 w 98"/>
+              <a:gd name="T39" fmla="*/ 6 h 83"/>
+              <a:gd name="T40" fmla="*/ 28 w 98"/>
+              <a:gd name="T41" fmla="*/ 8 h 83"/>
+              <a:gd name="T42" fmla="*/ 32 w 98"/>
+              <a:gd name="T43" fmla="*/ 22 h 83"/>
+              <a:gd name="T44" fmla="*/ 35 w 98"/>
+              <a:gd name="T45" fmla="*/ 30 h 83"/>
+              <a:gd name="T46" fmla="*/ 46 w 98"/>
+              <a:gd name="T47" fmla="*/ 40 h 83"/>
+              <a:gd name="T48" fmla="*/ 58 w 98"/>
+              <a:gd name="T49" fmla="*/ 27 h 83"/>
+              <a:gd name="T50" fmla="*/ 67 w 98"/>
+              <a:gd name="T51" fmla="*/ 37 h 83"/>
+              <a:gd name="T52" fmla="*/ 55 w 98"/>
+              <a:gd name="T53" fmla="*/ 49 h 83"/>
+              <a:gd name="T54" fmla="*/ 77 w 98"/>
+              <a:gd name="T55" fmla="*/ 69 h 83"/>
+              <a:gd name="T56" fmla="*/ 77 w 98"/>
+              <a:gd name="T57" fmla="*/ 69 h 83"/>
+              <a:gd name="T58" fmla="*/ 96 w 98"/>
+              <a:gd name="T59" fmla="*/ 37 h 83"/>
+              <a:gd name="T60" fmla="*/ 89 w 98"/>
+              <a:gd name="T61" fmla="*/ 44 h 83"/>
+              <a:gd name="T62" fmla="*/ 84 w 98"/>
+              <a:gd name="T63" fmla="*/ 44 h 83"/>
+              <a:gd name="T64" fmla="*/ 83 w 98"/>
+              <a:gd name="T65" fmla="*/ 42 h 83"/>
+              <a:gd name="T66" fmla="*/ 82 w 98"/>
+              <a:gd name="T67" fmla="*/ 38 h 83"/>
+              <a:gd name="T68" fmla="*/ 80 w 98"/>
+              <a:gd name="T69" fmla="*/ 34 h 83"/>
+              <a:gd name="T70" fmla="*/ 72 w 98"/>
+              <a:gd name="T71" fmla="*/ 32 h 83"/>
+              <a:gd name="T72" fmla="*/ 69 w 98"/>
+              <a:gd name="T73" fmla="*/ 34 h 83"/>
+              <a:gd name="T74" fmla="*/ 60 w 98"/>
+              <a:gd name="T75" fmla="*/ 25 h 83"/>
+              <a:gd name="T76" fmla="*/ 61 w 98"/>
+              <a:gd name="T77" fmla="*/ 24 h 83"/>
+              <a:gd name="T78" fmla="*/ 63 w 98"/>
+              <a:gd name="T79" fmla="*/ 22 h 83"/>
+              <a:gd name="T80" fmla="*/ 62 w 98"/>
+              <a:gd name="T81" fmla="*/ 16 h 83"/>
+              <a:gd name="T82" fmla="*/ 43 w 98"/>
+              <a:gd name="T83" fmla="*/ 8 h 83"/>
+              <a:gd name="T84" fmla="*/ 43 w 98"/>
+              <a:gd name="T85" fmla="*/ 6 h 83"/>
+              <a:gd name="T86" fmla="*/ 78 w 98"/>
+              <a:gd name="T87" fmla="*/ 13 h 83"/>
+              <a:gd name="T88" fmla="*/ 84 w 98"/>
+              <a:gd name="T89" fmla="*/ 20 h 83"/>
+              <a:gd name="T90" fmla="*/ 87 w 98"/>
+              <a:gd name="T91" fmla="*/ 28 h 83"/>
+              <a:gd name="T92" fmla="*/ 90 w 98"/>
+              <a:gd name="T93" fmla="*/ 30 h 83"/>
+              <a:gd name="T94" fmla="*/ 95 w 98"/>
+              <a:gd name="T95" fmla="*/ 30 h 83"/>
+              <a:gd name="T96" fmla="*/ 96 w 98"/>
+              <a:gd name="T97" fmla="*/ 32 h 83"/>
+              <a:gd name="T98" fmla="*/ 96 w 98"/>
+              <a:gd name="T99" fmla="*/ 37 h 83"/>
+              <a:gd name="T100" fmla="*/ 74 w 98"/>
+              <a:gd name="T101" fmla="*/ 71 h 83"/>
+              <a:gd name="T102" fmla="*/ 68 w 98"/>
+              <a:gd name="T103" fmla="*/ 71 h 83"/>
+              <a:gd name="T104" fmla="*/ 68 w 98"/>
+              <a:gd name="T105" fmla="*/ 77 h 83"/>
+              <a:gd name="T106" fmla="*/ 74 w 98"/>
+              <a:gd name="T107" fmla="*/ 78 h 83"/>
+              <a:gd name="T108" fmla="*/ 74 w 98"/>
+              <a:gd name="T109" fmla="*/ 71 h 83"/>
+            </a:gdLst>
+            <a:ahLst/>
+            <a:cxnLst>
+              <a:cxn ang="0">
+                <a:pos x="T0" y="T1"/>
+              </a:cxn>
+              <a:cxn ang="0">
+                <a:pos x="T2" y="T3"/>
+              </a:cxn>
+              <a:cxn ang="0">
+                <a:pos x="T4" y="T5"/>
+              </a:cxn>
+              <a:cxn ang="0">
+                <a:pos x="T6" y="T7"/>
+              </a:cxn>
+              <a:cxn ang="0">
+                <a:pos x="T8" y="T9"/>
+              </a:cxn>
+              <a:cxn ang="0">
+                <a:pos x="T10" y="T11"/>
+              </a:cxn>
+              <a:cxn ang="0">
+                <a:pos x="T12" y="T13"/>
+              </a:cxn>
+              <a:cxn ang="0">
+                <a:pos x="T14" y="T15"/>
+              </a:cxn>
+              <a:cxn ang="0">
+                <a:pos x="T16" y="T17"/>
+              </a:cxn>
+              <a:cxn ang="0">
+                <a:pos x="T18" y="T19"/>
+              </a:cxn>
+              <a:cxn ang="0">
+                <a:pos x="T20" y="T21"/>
+              </a:cxn>
+              <a:cxn ang="0">
+                <a:pos x="T22" y="T23"/>
+              </a:cxn>
+              <a:cxn ang="0">
+                <a:pos x="T24" y="T25"/>
+              </a:cxn>
+              <a:cxn ang="0">
+                <a:pos x="T26" y="T27"/>
+              </a:cxn>
+              <a:cxn ang="0">
+                <a:pos x="T28" y="T29"/>
+              </a:cxn>
+              <a:cxn ang="0">
+                <a:pos x="T30" y="T31"/>
+              </a:cxn>
+              <a:cxn ang="0">
+                <a:pos x="T32" y="T33"/>
+              </a:cxn>
+              <a:cxn ang="0">
+                <a:pos x="T34" y="T35"/>
+              </a:cxn>
+              <a:cxn ang="0">
+                <a:pos x="T36" y="T37"/>
+              </a:cxn>
+              <a:cxn ang="0">
+                <a:pos x="T38" y="T39"/>
+              </a:cxn>
+              <a:cxn ang="0">
+                <a:pos x="T40" y="T41"/>
+              </a:cxn>
+              <a:cxn ang="0">
+                <a:pos x="T42" y="T43"/>
+              </a:cxn>
+              <a:cxn ang="0">
+                <a:pos x="T44" y="T45"/>
+              </a:cxn>
+              <a:cxn ang="0">
+                <a:pos x="T46" y="T47"/>
+              </a:cxn>
+              <a:cxn ang="0">
+                <a:pos x="T48" y="T49"/>
+              </a:cxn>
+              <a:cxn ang="0">
+                <a:pos x="T50" y="T51"/>
+              </a:cxn>
+              <a:cxn ang="0">
+                <a:pos x="T52" y="T53"/>
+              </a:cxn>
+              <a:cxn ang="0">
+                <a:pos x="T54" y="T55"/>
+              </a:cxn>
+              <a:cxn ang="0">
+                <a:pos x="T56" y="T57"/>
+              </a:cxn>
+              <a:cxn ang="0">
+                <a:pos x="T58" y="T59"/>
+              </a:cxn>
+              <a:cxn ang="0">
+                <a:pos x="T60" y="T61"/>
+              </a:cxn>
+              <a:cxn ang="0">
+                <a:pos x="T62" y="T63"/>
+              </a:cxn>
+              <a:cxn ang="0">
+                <a:pos x="T64" y="T65"/>
+              </a:cxn>
+              <a:cxn ang="0">
+                <a:pos x="T66" y="T67"/>
+              </a:cxn>
+              <a:cxn ang="0">
+                <a:pos x="T68" y="T69"/>
+              </a:cxn>
+              <a:cxn ang="0">
+                <a:pos x="T70" y="T71"/>
+              </a:cxn>
+              <a:cxn ang="0">
+                <a:pos x="T72" y="T73"/>
+              </a:cxn>
+              <a:cxn ang="0">
+                <a:pos x="T74" y="T75"/>
+              </a:cxn>
+              <a:cxn ang="0">
+                <a:pos x="T76" y="T77"/>
+              </a:cxn>
+              <a:cxn ang="0">
+                <a:pos x="T78" y="T79"/>
+              </a:cxn>
+              <a:cxn ang="0">
+                <a:pos x="T80" y="T81"/>
+              </a:cxn>
+              <a:cxn ang="0">
+                <a:pos x="T82" y="T83"/>
+              </a:cxn>
+              <a:cxn ang="0">
+                <a:pos x="T84" y="T85"/>
+              </a:cxn>
+              <a:cxn ang="0">
+                <a:pos x="T86" y="T87"/>
+              </a:cxn>
+              <a:cxn ang="0">
+                <a:pos x="T88" y="T89"/>
+              </a:cxn>
+              <a:cxn ang="0">
+                <a:pos x="T90" y="T91"/>
+              </a:cxn>
+              <a:cxn ang="0">
+                <a:pos x="T92" y="T93"/>
+              </a:cxn>
+              <a:cxn ang="0">
+                <a:pos x="T94" y="T95"/>
+              </a:cxn>
+              <a:cxn ang="0">
+                <a:pos x="T96" y="T97"/>
+              </a:cxn>
+              <a:cxn ang="0">
+                <a:pos x="T98" y="T99"/>
+              </a:cxn>
+              <a:cxn ang="0">
+                <a:pos x="T100" y="T101"/>
+              </a:cxn>
+              <a:cxn ang="0">
+                <a:pos x="T102" y="T103"/>
+              </a:cxn>
+              <a:cxn ang="0">
+                <a:pos x="T104" y="T105"/>
+              </a:cxn>
+              <a:cxn ang="0">
+                <a:pos x="T106" y="T107"/>
+              </a:cxn>
+              <a:cxn ang="0">
+                <a:pos x="T108" y="T109"/>
+              </a:cxn>
+            </a:cxnLst>
+            <a:rect l="0" t="0" r="r" b="b"/>
+            <a:pathLst>
+              <a:path w="98" h="83">
+                <a:moveTo>
+                  <a:pt x="77" y="69"/>
+                </a:moveTo>
+                <a:cubicBezTo>
+                  <a:pt x="80" y="72"/>
+                  <a:pt x="80" y="77"/>
+                  <a:pt x="77" y="80"/>
+                </a:cubicBezTo>
+                <a:cubicBezTo>
+                  <a:pt x="74" y="83"/>
+                  <a:pt x="69" y="83"/>
+                  <a:pt x="66" y="80"/>
+                </a:cubicBezTo>
+                <a:cubicBezTo>
+                  <a:pt x="45" y="59"/>
+                  <a:pt x="45" y="59"/>
+                  <a:pt x="45" y="59"/>
+                </a:cubicBezTo>
+                <a:cubicBezTo>
+                  <a:pt x="27" y="81"/>
+                  <a:pt x="27" y="81"/>
+                  <a:pt x="27" y="81"/>
+                </a:cubicBezTo>
+                <a:cubicBezTo>
+                  <a:pt x="25" y="83"/>
+                  <a:pt x="22" y="83"/>
+                  <a:pt x="20" y="81"/>
+                </a:cubicBezTo>
+                <a:cubicBezTo>
+                  <a:pt x="15" y="76"/>
+                  <a:pt x="15" y="76"/>
+                  <a:pt x="15" y="76"/>
+                </a:cubicBezTo>
+                <a:cubicBezTo>
+                  <a:pt x="13" y="75"/>
+                  <a:pt x="13" y="71"/>
+                  <a:pt x="15" y="70"/>
+                </a:cubicBezTo>
+                <a:cubicBezTo>
+                  <a:pt x="37" y="50"/>
+                  <a:pt x="37" y="50"/>
+                  <a:pt x="37" y="50"/>
+                </a:cubicBezTo>
+                <a:cubicBezTo>
+                  <a:pt x="26" y="39"/>
+                  <a:pt x="26" y="39"/>
+                  <a:pt x="26" y="39"/>
+                </a:cubicBezTo>
+                <a:cubicBezTo>
+                  <a:pt x="22" y="36"/>
+                  <a:pt x="20" y="35"/>
+                  <a:pt x="18" y="36"/>
+                </a:cubicBezTo>
+                <a:cubicBezTo>
+                  <a:pt x="15" y="37"/>
+                  <a:pt x="11" y="37"/>
+                  <a:pt x="7" y="35"/>
+                </a:cubicBezTo>
+                <a:cubicBezTo>
+                  <a:pt x="0" y="30"/>
+                  <a:pt x="0" y="20"/>
+                  <a:pt x="0" y="20"/>
+                </a:cubicBezTo>
+                <a:cubicBezTo>
+                  <a:pt x="1" y="19"/>
+                  <a:pt x="1" y="19"/>
+                  <a:pt x="1" y="19"/>
+                </a:cubicBezTo>
+                <a:cubicBezTo>
+                  <a:pt x="1" y="19"/>
+                  <a:pt x="8" y="24"/>
+                  <a:pt x="9" y="24"/>
+                </a:cubicBezTo>
+                <a:cubicBezTo>
+                  <a:pt x="10" y="25"/>
+                  <a:pt x="14" y="27"/>
+                  <a:pt x="17" y="22"/>
+                </a:cubicBezTo>
+                <a:cubicBezTo>
+                  <a:pt x="21" y="16"/>
+                  <a:pt x="18" y="13"/>
+                  <a:pt x="17" y="12"/>
+                </a:cubicBezTo>
+                <a:cubicBezTo>
+                  <a:pt x="16" y="12"/>
+                  <a:pt x="9" y="7"/>
+                  <a:pt x="9" y="7"/>
+                </a:cubicBezTo>
+                <a:cubicBezTo>
+                  <a:pt x="10" y="6"/>
+                  <a:pt x="10" y="6"/>
+                  <a:pt x="10" y="6"/>
+                </a:cubicBezTo>
+                <a:cubicBezTo>
+                  <a:pt x="10" y="6"/>
+                  <a:pt x="18" y="2"/>
+                  <a:pt x="25" y="6"/>
+                </a:cubicBezTo>
+                <a:cubicBezTo>
+                  <a:pt x="25" y="6"/>
+                  <a:pt x="27" y="8"/>
+                  <a:pt x="28" y="8"/>
+                </a:cubicBezTo>
+                <a:cubicBezTo>
+                  <a:pt x="33" y="13"/>
+                  <a:pt x="33" y="17"/>
+                  <a:pt x="32" y="22"/>
+                </a:cubicBezTo>
+                <a:cubicBezTo>
+                  <a:pt x="31" y="25"/>
+                  <a:pt x="32" y="27"/>
+                  <a:pt x="35" y="30"/>
+                </a:cubicBezTo>
+                <a:cubicBezTo>
+                  <a:pt x="46" y="40"/>
+                  <a:pt x="46" y="40"/>
+                  <a:pt x="46" y="40"/>
+                </a:cubicBezTo>
+                <a:cubicBezTo>
+                  <a:pt x="58" y="27"/>
+                  <a:pt x="58" y="27"/>
+                  <a:pt x="58" y="27"/>
+                </a:cubicBezTo>
+                <a:cubicBezTo>
+                  <a:pt x="67" y="37"/>
+                  <a:pt x="67" y="37"/>
+                  <a:pt x="67" y="37"/>
+                </a:cubicBezTo>
+                <a:cubicBezTo>
+                  <a:pt x="55" y="49"/>
+                  <a:pt x="55" y="49"/>
+                  <a:pt x="55" y="49"/>
+                </a:cubicBezTo>
+                <a:cubicBezTo>
+                  <a:pt x="77" y="69"/>
+                  <a:pt x="77" y="69"/>
+                  <a:pt x="77" y="69"/>
+                </a:cubicBezTo>
+                <a:cubicBezTo>
+                  <a:pt x="77" y="69"/>
+                  <a:pt x="77" y="69"/>
+                  <a:pt x="77" y="69"/>
+                </a:cubicBezTo>
+                <a:close/>
+                <a:moveTo>
+                  <a:pt x="96" y="37"/>
+                </a:moveTo>
+                <a:cubicBezTo>
+                  <a:pt x="89" y="44"/>
+                  <a:pt x="89" y="44"/>
+                  <a:pt x="89" y="44"/>
+                </a:cubicBezTo>
+                <a:cubicBezTo>
+                  <a:pt x="88" y="45"/>
+                  <a:pt x="86" y="45"/>
+                  <a:pt x="84" y="44"/>
+                </a:cubicBezTo>
+                <a:cubicBezTo>
+                  <a:pt x="83" y="42"/>
+                  <a:pt x="83" y="42"/>
+                  <a:pt x="83" y="42"/>
+                </a:cubicBezTo>
+                <a:cubicBezTo>
+                  <a:pt x="82" y="41"/>
+                  <a:pt x="81" y="39"/>
+                  <a:pt x="82" y="38"/>
+                </a:cubicBezTo>
+                <a:cubicBezTo>
+                  <a:pt x="83" y="38"/>
+                  <a:pt x="83" y="36"/>
+                  <a:pt x="80" y="34"/>
+                </a:cubicBezTo>
+                <a:cubicBezTo>
+                  <a:pt x="77" y="30"/>
+                  <a:pt x="73" y="30"/>
+                  <a:pt x="72" y="32"/>
+                </a:cubicBezTo>
+                <a:cubicBezTo>
+                  <a:pt x="71" y="32"/>
+                  <a:pt x="69" y="34"/>
+                  <a:pt x="69" y="34"/>
+                </a:cubicBezTo>
+                <a:cubicBezTo>
+                  <a:pt x="60" y="25"/>
+                  <a:pt x="60" y="25"/>
+                  <a:pt x="60" y="25"/>
+                </a:cubicBezTo>
+                <a:cubicBezTo>
+                  <a:pt x="61" y="24"/>
+                  <a:pt x="61" y="24"/>
+                  <a:pt x="61" y="24"/>
+                </a:cubicBezTo>
+                <a:cubicBezTo>
+                  <a:pt x="61" y="24"/>
+                  <a:pt x="62" y="23"/>
+                  <a:pt x="63" y="22"/>
+                </a:cubicBezTo>
+                <a:cubicBezTo>
+                  <a:pt x="66" y="20"/>
+                  <a:pt x="62" y="16"/>
+                  <a:pt x="62" y="16"/>
+                </a:cubicBezTo>
+                <a:cubicBezTo>
+                  <a:pt x="54" y="8"/>
+                  <a:pt x="43" y="8"/>
+                  <a:pt x="43" y="8"/>
+                </a:cubicBezTo>
+                <a:cubicBezTo>
+                  <a:pt x="43" y="6"/>
+                  <a:pt x="43" y="6"/>
+                  <a:pt x="43" y="6"/>
+                </a:cubicBezTo>
+                <a:cubicBezTo>
+                  <a:pt x="66" y="0"/>
+                  <a:pt x="74" y="10"/>
+                  <a:pt x="78" y="13"/>
+                </a:cubicBezTo>
+                <a:cubicBezTo>
+                  <a:pt x="80" y="16"/>
+                  <a:pt x="83" y="19"/>
+                  <a:pt x="84" y="20"/>
+                </a:cubicBezTo>
+                <a:cubicBezTo>
+                  <a:pt x="86" y="21"/>
+                  <a:pt x="84" y="26"/>
+                  <a:pt x="87" y="28"/>
+                </a:cubicBezTo>
+                <a:cubicBezTo>
+                  <a:pt x="88" y="29"/>
+                  <a:pt x="89" y="30"/>
+                  <a:pt x="90" y="30"/>
+                </a:cubicBezTo>
+                <a:cubicBezTo>
+                  <a:pt x="92" y="29"/>
+                  <a:pt x="94" y="29"/>
+                  <a:pt x="95" y="30"/>
+                </a:cubicBezTo>
+                <a:cubicBezTo>
+                  <a:pt x="96" y="32"/>
+                  <a:pt x="96" y="32"/>
+                  <a:pt x="96" y="32"/>
+                </a:cubicBezTo>
+                <a:cubicBezTo>
+                  <a:pt x="98" y="33"/>
+                  <a:pt x="98" y="36"/>
+                  <a:pt x="96" y="37"/>
+                </a:cubicBezTo>
+                <a:close/>
+                <a:moveTo>
+                  <a:pt x="74" y="71"/>
+                </a:moveTo>
+                <a:cubicBezTo>
+                  <a:pt x="73" y="70"/>
+                  <a:pt x="70" y="70"/>
+                  <a:pt x="68" y="71"/>
+                </a:cubicBezTo>
+                <a:cubicBezTo>
+                  <a:pt x="67" y="73"/>
+                  <a:pt x="67" y="76"/>
+                  <a:pt x="68" y="77"/>
+                </a:cubicBezTo>
+                <a:cubicBezTo>
+                  <a:pt x="70" y="79"/>
+                  <a:pt x="73" y="79"/>
+                  <a:pt x="74" y="78"/>
+                </a:cubicBezTo>
+                <a:cubicBezTo>
+                  <a:pt x="76" y="76"/>
+                  <a:pt x="76" y="73"/>
+                  <a:pt x="74" y="71"/>
+                </a:cubicBezTo>
+                <a:close/>
+              </a:path>
+            </a:pathLst>
+          </a:custGeom>
+          <a:solidFill>
+            <a:srgbClr val="3E3E3E"/>
+          </a:solidFill>
+          <a:ln>
+            <a:noFill/>
+          </a:ln>
+          <a:extLst/>
+        </p:spPr>
+        <p:txBody>
+          <a:bodyPr vert="horz" wrap="square" lIns="91440" tIns="45720" rIns="91440" bIns="45720" numCol="1" anchor="t" anchorCtr="0" compatLnSpc="1">
+            <a:prstTxWarp prst="textNoShape">
+              <a:avLst/>
+            </a:prstTxWarp>
+          </a:bodyPr>
+          <a:lstStyle/>
+          <a:p>
+            <a:endParaRPr lang="de-DE" dirty="0"/>
+          </a:p>
+        </p:txBody>
+      </p:sp>
+      <p:sp>
+        <p:nvSpPr>
+          <p:cNvPr id="9" name="Textfeld 8"/>
+          <p:cNvSpPr txBox="1"/>
+          <p:nvPr/>
+        </p:nvSpPr>
         <p:spPr>
           <a:xfrm>
-            <a:off x="2259990" y="1508400"/>
-            <a:ext cx="7672020" cy="4546800"/>
+            <a:off x="2660073" y="4012513"/>
+            <a:ext cx="2219005" cy="830997"/>
           </a:xfrm>
+          <a:prstGeom prst="rect">
+            <a:avLst/>
+          </a:prstGeom>
+          <a:noFill/>
         </p:spPr>
-      </p:pic>
-      <p:sp>
-        <p:nvSpPr>
-          <p:cNvPr id="4" name="Datumsplatzhalter 3"/>
-          <p:cNvSpPr>
-            <a:spLocks noGrp="1"/>
-          </p:cNvSpPr>
-          <p:nvPr>
-            <p:ph type="dt" sz="half" idx="10"/>
-          </p:nvPr>
-        </p:nvSpPr>
-        <p:spPr/>
-        <p:txBody>
-          <a:bodyPr/>
+        <p:txBody>
+          <a:bodyPr wrap="none" rtlCol="0">
+            <a:spAutoFit/>
+          </a:bodyPr>
           <a:lstStyle/>
           <a:p>
-            <a:r>
-              <a:rPr lang="de-DE"/>
-              <a:t>23.01.2017</a:t>
-            </a:r>
-          </a:p>
-        </p:txBody>
-      </p:sp>
-      <p:sp>
-        <p:nvSpPr>
-          <p:cNvPr id="5" name="Fußzeilenplatzhalter 4"/>
-          <p:cNvSpPr>
-            <a:spLocks noGrp="1"/>
-          </p:cNvSpPr>
-          <p:nvPr>
-            <p:ph type="ftr" sz="quarter" idx="11"/>
-          </p:nvPr>
-        </p:nvSpPr>
-        <p:spPr/>
-        <p:txBody>
-          <a:bodyPr/>
+            <a:pPr algn="ctr"/>
+            <a:r>
+              <a:rPr lang="de-DE" sz="2400" dirty="0"/>
+              <a:t>Agile </a:t>
+            </a:r>
+            <a:br>
+              <a:rPr lang="de-DE" sz="2400" dirty="0"/>
+            </a:br>
+            <a:r>
+              <a:rPr lang="de-DE" sz="2400" dirty="0"/>
+              <a:t>Vorgehensweise</a:t>
+            </a:r>
+          </a:p>
+        </p:txBody>
+      </p:sp>
+      <p:sp>
+        <p:nvSpPr>
+          <p:cNvPr id="10" name="Textfeld 9"/>
+          <p:cNvSpPr txBox="1"/>
+          <p:nvPr/>
+        </p:nvSpPr>
+        <p:spPr>
+          <a:xfrm>
+            <a:off x="7193934" y="4006932"/>
+            <a:ext cx="1987082" cy="830997"/>
+          </a:xfrm>
+          <a:prstGeom prst="rect">
+            <a:avLst/>
+          </a:prstGeom>
+          <a:noFill/>
+        </p:spPr>
+        <p:txBody>
+          <a:bodyPr wrap="none" rtlCol="0">
+            <a:spAutoFit/>
+          </a:bodyPr>
           <a:lstStyle/>
           <a:p>
-            <a:r>
-              <a:rPr lang="de-DE"/>
-              <a:t>Florian Blessing, Lisa Böhler, Markus Götz, Jan Habersetzer, Wendelin Herrmann</a:t>
+            <a:pPr algn="ctr"/>
+            <a:r>
+              <a:rPr lang="de-DE" sz="2400" dirty="0"/>
+              <a:t>Grundlage für </a:t>
+            </a:r>
+            <a:br>
+              <a:rPr lang="de-DE" sz="2400" dirty="0"/>
+            </a:br>
+            <a:r>
+              <a:rPr lang="de-DE" sz="2400" dirty="0"/>
+              <a:t>Entwicklung</a:t>
             </a:r>
           </a:p>
         </p:txBody>
@@ -39626,7 +41251,7 @@
     </p:spTree>
     <p:extLst>
       <p:ext uri="{BB962C8B-B14F-4D97-AF65-F5344CB8AC3E}">
-        <p14:creationId xmlns:p14="http://schemas.microsoft.com/office/powerpoint/2010/main" val="1581791314"/>
+        <p14:creationId xmlns:p14="http://schemas.microsoft.com/office/powerpoint/2010/main" val="3935459762"/>
       </p:ext>
     </p:extLst>
   </p:cSld>
@@ -39670,7 +41295,7 @@
           <a:p>
             <a:r>
               <a:rPr lang="de-DE" dirty="0"/>
-              <a:t>Live-Demo und Fazit</a:t>
+              <a:t>Fallstudie 1 – „Explorer“</a:t>
             </a:r>
           </a:p>
         </p:txBody>
@@ -39741,7 +41366,7 @@
     </p:spTree>
     <p:extLst>
       <p:ext uri="{BB962C8B-B14F-4D97-AF65-F5344CB8AC3E}">
-        <p14:creationId xmlns:p14="http://schemas.microsoft.com/office/powerpoint/2010/main" val="3778453304"/>
+        <p14:creationId xmlns:p14="http://schemas.microsoft.com/office/powerpoint/2010/main" val="315793774"/>
       </p:ext>
     </p:extLst>
   </p:cSld>
@@ -39783,29 +41408,42 @@
           <a:bodyPr/>
           <a:lstStyle/>
           <a:p>
-            <a:endParaRPr lang="de-DE"/>
-          </a:p>
-        </p:txBody>
-      </p:sp>
-      <p:sp>
-        <p:nvSpPr>
-          <p:cNvPr id="3" name="Inhaltsplatzhalter 2"/>
-          <p:cNvSpPr>
-            <a:spLocks noGrp="1"/>
-          </p:cNvSpPr>
+            <a:r>
+              <a:rPr lang="de-DE" dirty="0"/>
+              <a:t>Entwurf</a:t>
+            </a:r>
+          </a:p>
+        </p:txBody>
+      </p:sp>
+      <p:pic>
+        <p:nvPicPr>
+          <p:cNvPr id="6" name="Inhaltsplatzhalter 5"/>
+          <p:cNvPicPr>
+            <a:picLocks noGrp="1" noChangeAspect="1"/>
+          </p:cNvPicPr>
           <p:nvPr>
             <p:ph idx="1"/>
           </p:nvPr>
-        </p:nvSpPr>
-        <p:spPr/>
-        <p:txBody>
-          <a:bodyPr/>
-          <a:lstStyle/>
-          <a:p>
-            <a:endParaRPr lang="de-DE"/>
-          </a:p>
-        </p:txBody>
-      </p:sp>
+        </p:nvPicPr>
+        <p:blipFill>
+          <a:blip r:embed="rId2">
+            <a:extLst>
+              <a:ext uri="{28A0092B-C50C-407E-A947-70E740481C1C}">
+                <a14:useLocalDpi xmlns:a14="http://schemas.microsoft.com/office/drawing/2010/main" val="0"/>
+              </a:ext>
+            </a:extLst>
+          </a:blip>
+          <a:stretch>
+            <a:fillRect/>
+          </a:stretch>
+        </p:blipFill>
+        <p:spPr>
+          <a:xfrm>
+            <a:off x="2232314" y="1507218"/>
+            <a:ext cx="7727373" cy="4545514"/>
+          </a:xfrm>
+        </p:spPr>
+      </p:pic>
       <p:sp>
         <p:nvSpPr>
           <p:cNvPr id="4" name="Datumsplatzhalter 3"/>
@@ -39853,7 +41491,7 @@
     </p:spTree>
     <p:extLst>
       <p:ext uri="{BB962C8B-B14F-4D97-AF65-F5344CB8AC3E}">
-        <p14:creationId xmlns:p14="http://schemas.microsoft.com/office/powerpoint/2010/main" val="3039045178"/>
+        <p14:creationId xmlns:p14="http://schemas.microsoft.com/office/powerpoint/2010/main" val="3750113887"/>
       </p:ext>
     </p:extLst>
   </p:cSld>
@@ -39887,7 +41525,7 @@
             <a:spLocks noGrp="1"/>
           </p:cNvSpPr>
           <p:nvPr>
-            <p:ph type="ctrTitle"/>
+            <p:ph type="title"/>
           </p:nvPr>
         </p:nvSpPr>
         <p:spPr/>
@@ -39897,25 +41535,25 @@
           <a:p>
             <a:r>
               <a:rPr lang="de-DE" dirty="0"/>
-              <a:t>VIELEN DANK!</a:t>
-            </a:r>
-          </a:p>
-        </p:txBody>
-      </p:sp>
-      <p:sp>
-        <p:nvSpPr>
-          <p:cNvPr id="3" name="Untertitel 2"/>
-          <p:cNvSpPr>
-            <a:spLocks noGrp="1"/>
-          </p:cNvSpPr>
-          <p:nvPr>
-            <p:ph type="subTitle" idx="1"/>
+              <a:t>Teilfazit „Explorer“</a:t>
+            </a:r>
+          </a:p>
+        </p:txBody>
+      </p:sp>
+      <p:sp>
+        <p:nvSpPr>
+          <p:cNvPr id="6" name="Inhaltsplatzhalter 5"/>
+          <p:cNvSpPr>
+            <a:spLocks noGrp="1"/>
+          </p:cNvSpPr>
+          <p:nvPr>
+            <p:ph sz="half" idx="1"/>
           </p:nvPr>
         </p:nvSpPr>
         <p:spPr>
           <a:xfrm>
-            <a:off x="676275" y="3602038"/>
-            <a:ext cx="10839450" cy="1655762"/>
+            <a:off x="838200" y="3240000"/>
+            <a:ext cx="5181600" cy="2988000"/>
           </a:xfrm>
         </p:spPr>
         <p:txBody>
@@ -39924,24 +41562,1990 @@
           <a:p>
             <a:r>
               <a:rPr lang="de-DE" dirty="0"/>
-              <a:t>Gruppenname</a:t>
+              <a:t>strukturierte Darstellung</a:t>
             </a:r>
           </a:p>
           <a:p>
             <a:r>
               <a:rPr lang="de-DE" dirty="0"/>
-              <a:t>Name1, Name2, Name3, Name4</a:t>
-            </a:r>
-          </a:p>
-          <a:p>
-            <a:endParaRPr lang="de-DE" dirty="0"/>
+              <a:t>einfache Informationsentnahme</a:t>
+            </a:r>
+          </a:p>
+          <a:p>
+            <a:r>
+              <a:rPr lang="de-DE" dirty="0"/>
+              <a:t>Darstellung des Pfads</a:t>
+            </a:r>
+          </a:p>
+        </p:txBody>
+      </p:sp>
+      <p:sp>
+        <p:nvSpPr>
+          <p:cNvPr id="7" name="Inhaltsplatzhalter 6"/>
+          <p:cNvSpPr>
+            <a:spLocks noGrp="1"/>
+          </p:cNvSpPr>
+          <p:nvPr>
+            <p:ph sz="half" idx="2"/>
+          </p:nvPr>
+        </p:nvSpPr>
+        <p:spPr>
+          <a:xfrm>
+            <a:off x="6172200" y="3240000"/>
+            <a:ext cx="5181600" cy="2988000"/>
+          </a:xfrm>
+        </p:spPr>
+        <p:txBody>
+          <a:bodyPr/>
+          <a:lstStyle/>
+          <a:p>
+            <a:r>
+              <a:rPr lang="de-DE" dirty="0"/>
+              <a:t>keine einheitliche Einbindung aller Vorschlagstypen</a:t>
+            </a:r>
+          </a:p>
+          <a:p>
+            <a:r>
+              <a:rPr lang="de-DE" dirty="0"/>
+              <a:t>eher altmodisch</a:t>
+            </a:r>
+          </a:p>
+        </p:txBody>
+      </p:sp>
+      <p:sp>
+        <p:nvSpPr>
+          <p:cNvPr id="4" name="Datumsplatzhalter 3"/>
+          <p:cNvSpPr>
+            <a:spLocks noGrp="1"/>
+          </p:cNvSpPr>
+          <p:nvPr>
+            <p:ph type="dt" sz="half" idx="10"/>
+          </p:nvPr>
+        </p:nvSpPr>
+        <p:spPr/>
+        <p:txBody>
+          <a:bodyPr/>
+          <a:lstStyle/>
+          <a:p>
+            <a:r>
+              <a:rPr lang="de-DE"/>
+              <a:t>23.01.2017</a:t>
+            </a:r>
+          </a:p>
+        </p:txBody>
+      </p:sp>
+      <p:sp>
+        <p:nvSpPr>
+          <p:cNvPr id="5" name="Fußzeilenplatzhalter 4"/>
+          <p:cNvSpPr>
+            <a:spLocks noGrp="1"/>
+          </p:cNvSpPr>
+          <p:nvPr>
+            <p:ph type="ftr" sz="quarter" idx="11"/>
+          </p:nvPr>
+        </p:nvSpPr>
+        <p:spPr/>
+        <p:txBody>
+          <a:bodyPr/>
+          <a:lstStyle/>
+          <a:p>
+            <a:r>
+              <a:rPr lang="de-DE"/>
+              <a:t>Florian Blessing, Lisa Böhler, Markus Götz, Jan Habersetzer, Wendelin Herrmann</a:t>
+            </a:r>
+          </a:p>
+        </p:txBody>
+      </p:sp>
+      <p:sp>
+        <p:nvSpPr>
+          <p:cNvPr id="9" name="Freeform 68"/>
+          <p:cNvSpPr>
+            <a:spLocks noChangeAspect="1" noEditPoints="1"/>
+          </p:cNvSpPr>
+          <p:nvPr/>
+        </p:nvSpPr>
+        <p:spPr bwMode="auto">
+          <a:xfrm>
+            <a:off x="2862749" y="1690688"/>
+            <a:ext cx="1132501" cy="1080000"/>
+          </a:xfrm>
+          <a:custGeom>
+            <a:avLst/>
+            <a:gdLst>
+              <a:gd name="T0" fmla="*/ 4 w 83"/>
+              <a:gd name="T1" fmla="*/ 33 h 79"/>
+              <a:gd name="T2" fmla="*/ 19 w 83"/>
+              <a:gd name="T3" fmla="*/ 33 h 79"/>
+              <a:gd name="T4" fmla="*/ 19 w 83"/>
+              <a:gd name="T5" fmla="*/ 69 h 79"/>
+              <a:gd name="T6" fmla="*/ 4 w 83"/>
+              <a:gd name="T7" fmla="*/ 69 h 79"/>
+              <a:gd name="T8" fmla="*/ 0 w 83"/>
+              <a:gd name="T9" fmla="*/ 65 h 79"/>
+              <a:gd name="T10" fmla="*/ 0 w 83"/>
+              <a:gd name="T11" fmla="*/ 37 h 79"/>
+              <a:gd name="T12" fmla="*/ 4 w 83"/>
+              <a:gd name="T13" fmla="*/ 33 h 79"/>
+              <a:gd name="T14" fmla="*/ 83 w 83"/>
+              <a:gd name="T15" fmla="*/ 41 h 79"/>
+              <a:gd name="T16" fmla="*/ 83 w 83"/>
+              <a:gd name="T17" fmla="*/ 63 h 79"/>
+              <a:gd name="T18" fmla="*/ 63 w 83"/>
+              <a:gd name="T19" fmla="*/ 79 h 79"/>
+              <a:gd name="T20" fmla="*/ 43 w 83"/>
+              <a:gd name="T21" fmla="*/ 79 h 79"/>
+              <a:gd name="T22" fmla="*/ 23 w 83"/>
+              <a:gd name="T23" fmla="*/ 69 h 79"/>
+              <a:gd name="T24" fmla="*/ 23 w 83"/>
+              <a:gd name="T25" fmla="*/ 33 h 79"/>
+              <a:gd name="T26" fmla="*/ 24 w 83"/>
+              <a:gd name="T27" fmla="*/ 33 h 79"/>
+              <a:gd name="T28" fmla="*/ 44 w 83"/>
+              <a:gd name="T29" fmla="*/ 14 h 79"/>
+              <a:gd name="T30" fmla="*/ 50 w 83"/>
+              <a:gd name="T31" fmla="*/ 0 h 79"/>
+              <a:gd name="T32" fmla="*/ 57 w 83"/>
+              <a:gd name="T33" fmla="*/ 13 h 79"/>
+              <a:gd name="T34" fmla="*/ 56 w 83"/>
+              <a:gd name="T35" fmla="*/ 27 h 79"/>
+              <a:gd name="T36" fmla="*/ 73 w 83"/>
+              <a:gd name="T37" fmla="*/ 27 h 79"/>
+              <a:gd name="T38" fmla="*/ 83 w 83"/>
+              <a:gd name="T39" fmla="*/ 41 h 79"/>
+            </a:gdLst>
+            <a:ahLst/>
+            <a:cxnLst>
+              <a:cxn ang="0">
+                <a:pos x="T0" y="T1"/>
+              </a:cxn>
+              <a:cxn ang="0">
+                <a:pos x="T2" y="T3"/>
+              </a:cxn>
+              <a:cxn ang="0">
+                <a:pos x="T4" y="T5"/>
+              </a:cxn>
+              <a:cxn ang="0">
+                <a:pos x="T6" y="T7"/>
+              </a:cxn>
+              <a:cxn ang="0">
+                <a:pos x="T8" y="T9"/>
+              </a:cxn>
+              <a:cxn ang="0">
+                <a:pos x="T10" y="T11"/>
+              </a:cxn>
+              <a:cxn ang="0">
+                <a:pos x="T12" y="T13"/>
+              </a:cxn>
+              <a:cxn ang="0">
+                <a:pos x="T14" y="T15"/>
+              </a:cxn>
+              <a:cxn ang="0">
+                <a:pos x="T16" y="T17"/>
+              </a:cxn>
+              <a:cxn ang="0">
+                <a:pos x="T18" y="T19"/>
+              </a:cxn>
+              <a:cxn ang="0">
+                <a:pos x="T20" y="T21"/>
+              </a:cxn>
+              <a:cxn ang="0">
+                <a:pos x="T22" y="T23"/>
+              </a:cxn>
+              <a:cxn ang="0">
+                <a:pos x="T24" y="T25"/>
+              </a:cxn>
+              <a:cxn ang="0">
+                <a:pos x="T26" y="T27"/>
+              </a:cxn>
+              <a:cxn ang="0">
+                <a:pos x="T28" y="T29"/>
+              </a:cxn>
+              <a:cxn ang="0">
+                <a:pos x="T30" y="T31"/>
+              </a:cxn>
+              <a:cxn ang="0">
+                <a:pos x="T32" y="T33"/>
+              </a:cxn>
+              <a:cxn ang="0">
+                <a:pos x="T34" y="T35"/>
+              </a:cxn>
+              <a:cxn ang="0">
+                <a:pos x="T36" y="T37"/>
+              </a:cxn>
+              <a:cxn ang="0">
+                <a:pos x="T38" y="T39"/>
+              </a:cxn>
+            </a:cxnLst>
+            <a:rect l="0" t="0" r="r" b="b"/>
+            <a:pathLst>
+              <a:path w="83" h="79">
+                <a:moveTo>
+                  <a:pt x="4" y="33"/>
+                </a:moveTo>
+                <a:cubicBezTo>
+                  <a:pt x="19" y="33"/>
+                  <a:pt x="19" y="33"/>
+                  <a:pt x="19" y="33"/>
+                </a:cubicBezTo>
+                <a:cubicBezTo>
+                  <a:pt x="19" y="69"/>
+                  <a:pt x="19" y="69"/>
+                  <a:pt x="19" y="69"/>
+                </a:cubicBezTo>
+                <a:cubicBezTo>
+                  <a:pt x="13" y="69"/>
+                  <a:pt x="4" y="69"/>
+                  <a:pt x="4" y="69"/>
+                </a:cubicBezTo>
+                <a:cubicBezTo>
+                  <a:pt x="1" y="69"/>
+                  <a:pt x="0" y="68"/>
+                  <a:pt x="0" y="65"/>
+                </a:cubicBezTo>
+                <a:cubicBezTo>
+                  <a:pt x="0" y="37"/>
+                  <a:pt x="0" y="37"/>
+                  <a:pt x="0" y="37"/>
+                </a:cubicBezTo>
+                <a:cubicBezTo>
+                  <a:pt x="0" y="35"/>
+                  <a:pt x="1" y="33"/>
+                  <a:pt x="4" y="33"/>
+                </a:cubicBezTo>
+                <a:close/>
+                <a:moveTo>
+                  <a:pt x="83" y="41"/>
+                </a:moveTo>
+                <a:cubicBezTo>
+                  <a:pt x="83" y="63"/>
+                  <a:pt x="83" y="63"/>
+                  <a:pt x="83" y="63"/>
+                </a:cubicBezTo>
+                <a:cubicBezTo>
+                  <a:pt x="83" y="70"/>
+                  <a:pt x="73" y="79"/>
+                  <a:pt x="63" y="79"/>
+                </a:cubicBezTo>
+                <a:cubicBezTo>
+                  <a:pt x="63" y="79"/>
+                  <a:pt x="50" y="79"/>
+                  <a:pt x="43" y="79"/>
+                </a:cubicBezTo>
+                <a:cubicBezTo>
+                  <a:pt x="34" y="79"/>
+                  <a:pt x="34" y="69"/>
+                  <a:pt x="23" y="69"/>
+                </a:cubicBezTo>
+                <a:cubicBezTo>
+                  <a:pt x="23" y="33"/>
+                  <a:pt x="23" y="33"/>
+                  <a:pt x="23" y="33"/>
+                </a:cubicBezTo>
+                <a:cubicBezTo>
+                  <a:pt x="24" y="33"/>
+                  <a:pt x="24" y="33"/>
+                  <a:pt x="24" y="33"/>
+                </a:cubicBezTo>
+                <a:cubicBezTo>
+                  <a:pt x="32" y="33"/>
+                  <a:pt x="43" y="20"/>
+                  <a:pt x="44" y="14"/>
+                </a:cubicBezTo>
+                <a:cubicBezTo>
+                  <a:pt x="46" y="8"/>
+                  <a:pt x="44" y="0"/>
+                  <a:pt x="50" y="0"/>
+                </a:cubicBezTo>
+                <a:cubicBezTo>
+                  <a:pt x="54" y="0"/>
+                  <a:pt x="57" y="4"/>
+                  <a:pt x="57" y="13"/>
+                </a:cubicBezTo>
+                <a:cubicBezTo>
+                  <a:pt x="56" y="27"/>
+                  <a:pt x="56" y="27"/>
+                  <a:pt x="56" y="27"/>
+                </a:cubicBezTo>
+                <a:cubicBezTo>
+                  <a:pt x="56" y="27"/>
+                  <a:pt x="67" y="27"/>
+                  <a:pt x="73" y="27"/>
+                </a:cubicBezTo>
+                <a:cubicBezTo>
+                  <a:pt x="80" y="27"/>
+                  <a:pt x="83" y="32"/>
+                  <a:pt x="83" y="41"/>
+                </a:cubicBezTo>
+                <a:close/>
+              </a:path>
+            </a:pathLst>
+          </a:custGeom>
+          <a:solidFill>
+            <a:srgbClr val="92D050"/>
+          </a:solidFill>
+          <a:ln>
+            <a:noFill/>
+          </a:ln>
+          <a:extLst/>
+        </p:spPr>
+        <p:txBody>
+          <a:bodyPr vert="horz" wrap="square" lIns="91440" tIns="45720" rIns="91440" bIns="45720" numCol="1" anchor="t" anchorCtr="0" compatLnSpc="1">
+            <a:prstTxWarp prst="textNoShape">
+              <a:avLst/>
+            </a:prstTxWarp>
+          </a:bodyPr>
+          <a:lstStyle/>
+          <a:p>
+            <a:endParaRPr lang="de-DE"/>
+          </a:p>
+        </p:txBody>
+      </p:sp>
+      <p:sp>
+        <p:nvSpPr>
+          <p:cNvPr id="10" name="Freeform 68"/>
+          <p:cNvSpPr>
+            <a:spLocks noChangeAspect="1" noEditPoints="1"/>
+          </p:cNvSpPr>
+          <p:nvPr/>
+        </p:nvSpPr>
+        <p:spPr bwMode="auto">
+          <a:xfrm flipV="1">
+            <a:off x="8197237" y="2008800"/>
+            <a:ext cx="1132501" cy="1080000"/>
+          </a:xfrm>
+          <a:custGeom>
+            <a:avLst/>
+            <a:gdLst>
+              <a:gd name="T0" fmla="*/ 4 w 83"/>
+              <a:gd name="T1" fmla="*/ 33 h 79"/>
+              <a:gd name="T2" fmla="*/ 19 w 83"/>
+              <a:gd name="T3" fmla="*/ 33 h 79"/>
+              <a:gd name="T4" fmla="*/ 19 w 83"/>
+              <a:gd name="T5" fmla="*/ 69 h 79"/>
+              <a:gd name="T6" fmla="*/ 4 w 83"/>
+              <a:gd name="T7" fmla="*/ 69 h 79"/>
+              <a:gd name="T8" fmla="*/ 0 w 83"/>
+              <a:gd name="T9" fmla="*/ 65 h 79"/>
+              <a:gd name="T10" fmla="*/ 0 w 83"/>
+              <a:gd name="T11" fmla="*/ 37 h 79"/>
+              <a:gd name="T12" fmla="*/ 4 w 83"/>
+              <a:gd name="T13" fmla="*/ 33 h 79"/>
+              <a:gd name="T14" fmla="*/ 83 w 83"/>
+              <a:gd name="T15" fmla="*/ 41 h 79"/>
+              <a:gd name="T16" fmla="*/ 83 w 83"/>
+              <a:gd name="T17" fmla="*/ 63 h 79"/>
+              <a:gd name="T18" fmla="*/ 63 w 83"/>
+              <a:gd name="T19" fmla="*/ 79 h 79"/>
+              <a:gd name="T20" fmla="*/ 43 w 83"/>
+              <a:gd name="T21" fmla="*/ 79 h 79"/>
+              <a:gd name="T22" fmla="*/ 23 w 83"/>
+              <a:gd name="T23" fmla="*/ 69 h 79"/>
+              <a:gd name="T24" fmla="*/ 23 w 83"/>
+              <a:gd name="T25" fmla="*/ 33 h 79"/>
+              <a:gd name="T26" fmla="*/ 24 w 83"/>
+              <a:gd name="T27" fmla="*/ 33 h 79"/>
+              <a:gd name="T28" fmla="*/ 44 w 83"/>
+              <a:gd name="T29" fmla="*/ 14 h 79"/>
+              <a:gd name="T30" fmla="*/ 50 w 83"/>
+              <a:gd name="T31" fmla="*/ 0 h 79"/>
+              <a:gd name="T32" fmla="*/ 57 w 83"/>
+              <a:gd name="T33" fmla="*/ 13 h 79"/>
+              <a:gd name="T34" fmla="*/ 56 w 83"/>
+              <a:gd name="T35" fmla="*/ 27 h 79"/>
+              <a:gd name="T36" fmla="*/ 73 w 83"/>
+              <a:gd name="T37" fmla="*/ 27 h 79"/>
+              <a:gd name="T38" fmla="*/ 83 w 83"/>
+              <a:gd name="T39" fmla="*/ 41 h 79"/>
+            </a:gdLst>
+            <a:ahLst/>
+            <a:cxnLst>
+              <a:cxn ang="0">
+                <a:pos x="T0" y="T1"/>
+              </a:cxn>
+              <a:cxn ang="0">
+                <a:pos x="T2" y="T3"/>
+              </a:cxn>
+              <a:cxn ang="0">
+                <a:pos x="T4" y="T5"/>
+              </a:cxn>
+              <a:cxn ang="0">
+                <a:pos x="T6" y="T7"/>
+              </a:cxn>
+              <a:cxn ang="0">
+                <a:pos x="T8" y="T9"/>
+              </a:cxn>
+              <a:cxn ang="0">
+                <a:pos x="T10" y="T11"/>
+              </a:cxn>
+              <a:cxn ang="0">
+                <a:pos x="T12" y="T13"/>
+              </a:cxn>
+              <a:cxn ang="0">
+                <a:pos x="T14" y="T15"/>
+              </a:cxn>
+              <a:cxn ang="0">
+                <a:pos x="T16" y="T17"/>
+              </a:cxn>
+              <a:cxn ang="0">
+                <a:pos x="T18" y="T19"/>
+              </a:cxn>
+              <a:cxn ang="0">
+                <a:pos x="T20" y="T21"/>
+              </a:cxn>
+              <a:cxn ang="0">
+                <a:pos x="T22" y="T23"/>
+              </a:cxn>
+              <a:cxn ang="0">
+                <a:pos x="T24" y="T25"/>
+              </a:cxn>
+              <a:cxn ang="0">
+                <a:pos x="T26" y="T27"/>
+              </a:cxn>
+              <a:cxn ang="0">
+                <a:pos x="T28" y="T29"/>
+              </a:cxn>
+              <a:cxn ang="0">
+                <a:pos x="T30" y="T31"/>
+              </a:cxn>
+              <a:cxn ang="0">
+                <a:pos x="T32" y="T33"/>
+              </a:cxn>
+              <a:cxn ang="0">
+                <a:pos x="T34" y="T35"/>
+              </a:cxn>
+              <a:cxn ang="0">
+                <a:pos x="T36" y="T37"/>
+              </a:cxn>
+              <a:cxn ang="0">
+                <a:pos x="T38" y="T39"/>
+              </a:cxn>
+            </a:cxnLst>
+            <a:rect l="0" t="0" r="r" b="b"/>
+            <a:pathLst>
+              <a:path w="83" h="79">
+                <a:moveTo>
+                  <a:pt x="4" y="33"/>
+                </a:moveTo>
+                <a:cubicBezTo>
+                  <a:pt x="19" y="33"/>
+                  <a:pt x="19" y="33"/>
+                  <a:pt x="19" y="33"/>
+                </a:cubicBezTo>
+                <a:cubicBezTo>
+                  <a:pt x="19" y="69"/>
+                  <a:pt x="19" y="69"/>
+                  <a:pt x="19" y="69"/>
+                </a:cubicBezTo>
+                <a:cubicBezTo>
+                  <a:pt x="13" y="69"/>
+                  <a:pt x="4" y="69"/>
+                  <a:pt x="4" y="69"/>
+                </a:cubicBezTo>
+                <a:cubicBezTo>
+                  <a:pt x="1" y="69"/>
+                  <a:pt x="0" y="68"/>
+                  <a:pt x="0" y="65"/>
+                </a:cubicBezTo>
+                <a:cubicBezTo>
+                  <a:pt x="0" y="37"/>
+                  <a:pt x="0" y="37"/>
+                  <a:pt x="0" y="37"/>
+                </a:cubicBezTo>
+                <a:cubicBezTo>
+                  <a:pt x="0" y="35"/>
+                  <a:pt x="1" y="33"/>
+                  <a:pt x="4" y="33"/>
+                </a:cubicBezTo>
+                <a:close/>
+                <a:moveTo>
+                  <a:pt x="83" y="41"/>
+                </a:moveTo>
+                <a:cubicBezTo>
+                  <a:pt x="83" y="63"/>
+                  <a:pt x="83" y="63"/>
+                  <a:pt x="83" y="63"/>
+                </a:cubicBezTo>
+                <a:cubicBezTo>
+                  <a:pt x="83" y="70"/>
+                  <a:pt x="73" y="79"/>
+                  <a:pt x="63" y="79"/>
+                </a:cubicBezTo>
+                <a:cubicBezTo>
+                  <a:pt x="63" y="79"/>
+                  <a:pt x="50" y="79"/>
+                  <a:pt x="43" y="79"/>
+                </a:cubicBezTo>
+                <a:cubicBezTo>
+                  <a:pt x="34" y="79"/>
+                  <a:pt x="34" y="69"/>
+                  <a:pt x="23" y="69"/>
+                </a:cubicBezTo>
+                <a:cubicBezTo>
+                  <a:pt x="23" y="33"/>
+                  <a:pt x="23" y="33"/>
+                  <a:pt x="23" y="33"/>
+                </a:cubicBezTo>
+                <a:cubicBezTo>
+                  <a:pt x="24" y="33"/>
+                  <a:pt x="24" y="33"/>
+                  <a:pt x="24" y="33"/>
+                </a:cubicBezTo>
+                <a:cubicBezTo>
+                  <a:pt x="32" y="33"/>
+                  <a:pt x="43" y="20"/>
+                  <a:pt x="44" y="14"/>
+                </a:cubicBezTo>
+                <a:cubicBezTo>
+                  <a:pt x="46" y="8"/>
+                  <a:pt x="44" y="0"/>
+                  <a:pt x="50" y="0"/>
+                </a:cubicBezTo>
+                <a:cubicBezTo>
+                  <a:pt x="54" y="0"/>
+                  <a:pt x="57" y="4"/>
+                  <a:pt x="57" y="13"/>
+                </a:cubicBezTo>
+                <a:cubicBezTo>
+                  <a:pt x="56" y="27"/>
+                  <a:pt x="56" y="27"/>
+                  <a:pt x="56" y="27"/>
+                </a:cubicBezTo>
+                <a:cubicBezTo>
+                  <a:pt x="56" y="27"/>
+                  <a:pt x="67" y="27"/>
+                  <a:pt x="73" y="27"/>
+                </a:cubicBezTo>
+                <a:cubicBezTo>
+                  <a:pt x="80" y="27"/>
+                  <a:pt x="83" y="32"/>
+                  <a:pt x="83" y="41"/>
+                </a:cubicBezTo>
+                <a:close/>
+              </a:path>
+            </a:pathLst>
+          </a:custGeom>
+          <a:solidFill>
+            <a:srgbClr val="971917"/>
+          </a:solidFill>
+          <a:ln>
+            <a:noFill/>
+          </a:ln>
+          <a:extLst/>
+        </p:spPr>
+        <p:txBody>
+          <a:bodyPr vert="horz" wrap="square" lIns="91440" tIns="45720" rIns="91440" bIns="45720" numCol="1" anchor="t" anchorCtr="0" compatLnSpc="1">
+            <a:prstTxWarp prst="textNoShape">
+              <a:avLst/>
+            </a:prstTxWarp>
+          </a:bodyPr>
+          <a:lstStyle/>
+          <a:p>
+            <a:endParaRPr lang="de-DE"/>
           </a:p>
         </p:txBody>
       </p:sp>
     </p:spTree>
     <p:extLst>
       <p:ext uri="{BB962C8B-B14F-4D97-AF65-F5344CB8AC3E}">
-        <p14:creationId xmlns:p14="http://schemas.microsoft.com/office/powerpoint/2010/main" val="1461806567"/>
+        <p14:creationId xmlns:p14="http://schemas.microsoft.com/office/powerpoint/2010/main" val="2972060244"/>
+      </p:ext>
+    </p:extLst>
+  </p:cSld>
+  <p:clrMapOvr>
+    <a:masterClrMapping/>
+  </p:clrMapOvr>
+</p:sld>
+</file>
+
+<file path=ppt/slides/slide15.xml><?xml version="1.0" encoding="utf-8"?>
+<p:sld xmlns:a="http://schemas.openxmlformats.org/drawingml/2006/main" xmlns:r="http://schemas.openxmlformats.org/officeDocument/2006/relationships" xmlns:p="http://schemas.openxmlformats.org/presentationml/2006/main">
+  <p:cSld>
+    <p:spTree>
+      <p:nvGrpSpPr>
+        <p:cNvPr id="1" name=""/>
+        <p:cNvGrpSpPr/>
+        <p:nvPr/>
+      </p:nvGrpSpPr>
+      <p:grpSpPr>
+        <a:xfrm>
+          <a:off x="0" y="0"/>
+          <a:ext cx="0" cy="0"/>
+          <a:chOff x="0" y="0"/>
+          <a:chExt cx="0" cy="0"/>
+        </a:xfrm>
+      </p:grpSpPr>
+      <p:sp>
+        <p:nvSpPr>
+          <p:cNvPr id="2" name="Titel 1"/>
+          <p:cNvSpPr>
+            <a:spLocks noGrp="1"/>
+          </p:cNvSpPr>
+          <p:nvPr>
+            <p:ph type="title"/>
+          </p:nvPr>
+        </p:nvSpPr>
+        <p:spPr/>
+        <p:txBody>
+          <a:bodyPr/>
+          <a:lstStyle/>
+          <a:p>
+            <a:r>
+              <a:rPr lang="de-DE" dirty="0"/>
+              <a:t>Fallstudie 2 – „</a:t>
+            </a:r>
+            <a:r>
+              <a:rPr lang="de-DE" dirty="0" err="1"/>
+              <a:t>Bubbles</a:t>
+            </a:r>
+            <a:r>
+              <a:rPr lang="de-DE" dirty="0"/>
+              <a:t>“</a:t>
+            </a:r>
+          </a:p>
+        </p:txBody>
+      </p:sp>
+      <p:sp>
+        <p:nvSpPr>
+          <p:cNvPr id="3" name="Textplatzhalter 2"/>
+          <p:cNvSpPr>
+            <a:spLocks noGrp="1"/>
+          </p:cNvSpPr>
+          <p:nvPr>
+            <p:ph type="body" idx="1"/>
+          </p:nvPr>
+        </p:nvSpPr>
+        <p:spPr/>
+        <p:txBody>
+          <a:bodyPr/>
+          <a:lstStyle/>
+          <a:p>
+            <a:endParaRPr lang="de-DE"/>
+          </a:p>
+        </p:txBody>
+      </p:sp>
+      <p:sp>
+        <p:nvSpPr>
+          <p:cNvPr id="4" name="Datumsplatzhalter 3"/>
+          <p:cNvSpPr>
+            <a:spLocks noGrp="1"/>
+          </p:cNvSpPr>
+          <p:nvPr>
+            <p:ph type="dt" sz="half" idx="10"/>
+          </p:nvPr>
+        </p:nvSpPr>
+        <p:spPr/>
+        <p:txBody>
+          <a:bodyPr/>
+          <a:lstStyle/>
+          <a:p>
+            <a:r>
+              <a:rPr lang="de-DE"/>
+              <a:t>23.01.2017</a:t>
+            </a:r>
+          </a:p>
+        </p:txBody>
+      </p:sp>
+      <p:sp>
+        <p:nvSpPr>
+          <p:cNvPr id="5" name="Fußzeilenplatzhalter 4"/>
+          <p:cNvSpPr>
+            <a:spLocks noGrp="1"/>
+          </p:cNvSpPr>
+          <p:nvPr>
+            <p:ph type="ftr" sz="quarter" idx="11"/>
+          </p:nvPr>
+        </p:nvSpPr>
+        <p:spPr/>
+        <p:txBody>
+          <a:bodyPr/>
+          <a:lstStyle/>
+          <a:p>
+            <a:r>
+              <a:rPr lang="de-DE"/>
+              <a:t>Florian Blessing, Lisa Böhler, Markus Götz, Jan Habersetzer, Wendelin Herrmann</a:t>
+            </a:r>
+          </a:p>
+        </p:txBody>
+      </p:sp>
+    </p:spTree>
+    <p:extLst>
+      <p:ext uri="{BB962C8B-B14F-4D97-AF65-F5344CB8AC3E}">
+        <p14:creationId xmlns:p14="http://schemas.microsoft.com/office/powerpoint/2010/main" val="3046980272"/>
+      </p:ext>
+    </p:extLst>
+  </p:cSld>
+  <p:clrMapOvr>
+    <a:masterClrMapping/>
+  </p:clrMapOvr>
+</p:sld>
+</file>
+
+<file path=ppt/slides/slide16.xml><?xml version="1.0" encoding="utf-8"?>
+<p:sld xmlns:a="http://schemas.openxmlformats.org/drawingml/2006/main" xmlns:r="http://schemas.openxmlformats.org/officeDocument/2006/relationships" xmlns:p="http://schemas.openxmlformats.org/presentationml/2006/main">
+  <p:cSld>
+    <p:spTree>
+      <p:nvGrpSpPr>
+        <p:cNvPr id="1" name=""/>
+        <p:cNvGrpSpPr/>
+        <p:nvPr/>
+      </p:nvGrpSpPr>
+      <p:grpSpPr>
+        <a:xfrm>
+          <a:off x="0" y="0"/>
+          <a:ext cx="0" cy="0"/>
+          <a:chOff x="0" y="0"/>
+          <a:chExt cx="0" cy="0"/>
+        </a:xfrm>
+      </p:grpSpPr>
+      <p:sp>
+        <p:nvSpPr>
+          <p:cNvPr id="2" name="Titel 1"/>
+          <p:cNvSpPr>
+            <a:spLocks noGrp="1"/>
+          </p:cNvSpPr>
+          <p:nvPr>
+            <p:ph type="title"/>
+          </p:nvPr>
+        </p:nvSpPr>
+        <p:spPr/>
+        <p:txBody>
+          <a:bodyPr/>
+          <a:lstStyle/>
+          <a:p>
+            <a:r>
+              <a:rPr lang="de-DE" dirty="0"/>
+              <a:t>Entwurf</a:t>
+            </a:r>
+          </a:p>
+        </p:txBody>
+      </p:sp>
+      <p:pic>
+        <p:nvPicPr>
+          <p:cNvPr id="6" name="Inhaltsplatzhalter 5"/>
+          <p:cNvPicPr>
+            <a:picLocks noGrp="1" noChangeAspect="1"/>
+          </p:cNvPicPr>
+          <p:nvPr>
+            <p:ph idx="1"/>
+          </p:nvPr>
+        </p:nvPicPr>
+        <p:blipFill>
+          <a:blip r:embed="rId2">
+            <a:extLst>
+              <a:ext uri="{28A0092B-C50C-407E-A947-70E740481C1C}">
+                <a14:useLocalDpi xmlns:a14="http://schemas.microsoft.com/office/drawing/2010/main" val="0"/>
+              </a:ext>
+            </a:extLst>
+          </a:blip>
+          <a:stretch>
+            <a:fillRect/>
+          </a:stretch>
+        </p:blipFill>
+        <p:spPr>
+          <a:xfrm>
+            <a:off x="2259990" y="1508400"/>
+            <a:ext cx="7672020" cy="4546800"/>
+          </a:xfrm>
+        </p:spPr>
+      </p:pic>
+      <p:sp>
+        <p:nvSpPr>
+          <p:cNvPr id="4" name="Datumsplatzhalter 3"/>
+          <p:cNvSpPr>
+            <a:spLocks noGrp="1"/>
+          </p:cNvSpPr>
+          <p:nvPr>
+            <p:ph type="dt" sz="half" idx="10"/>
+          </p:nvPr>
+        </p:nvSpPr>
+        <p:spPr/>
+        <p:txBody>
+          <a:bodyPr/>
+          <a:lstStyle/>
+          <a:p>
+            <a:r>
+              <a:rPr lang="de-DE"/>
+              <a:t>23.01.2017</a:t>
+            </a:r>
+          </a:p>
+        </p:txBody>
+      </p:sp>
+      <p:sp>
+        <p:nvSpPr>
+          <p:cNvPr id="5" name="Fußzeilenplatzhalter 4"/>
+          <p:cNvSpPr>
+            <a:spLocks noGrp="1"/>
+          </p:cNvSpPr>
+          <p:nvPr>
+            <p:ph type="ftr" sz="quarter" idx="11"/>
+          </p:nvPr>
+        </p:nvSpPr>
+        <p:spPr/>
+        <p:txBody>
+          <a:bodyPr/>
+          <a:lstStyle/>
+          <a:p>
+            <a:r>
+              <a:rPr lang="de-DE"/>
+              <a:t>Florian Blessing, Lisa Böhler, Markus Götz, Jan Habersetzer, Wendelin Herrmann</a:t>
+            </a:r>
+          </a:p>
+        </p:txBody>
+      </p:sp>
+    </p:spTree>
+    <p:extLst>
+      <p:ext uri="{BB962C8B-B14F-4D97-AF65-F5344CB8AC3E}">
+        <p14:creationId xmlns:p14="http://schemas.microsoft.com/office/powerpoint/2010/main" val="1581791314"/>
+      </p:ext>
+    </p:extLst>
+  </p:cSld>
+  <p:clrMapOvr>
+    <a:masterClrMapping/>
+  </p:clrMapOvr>
+</p:sld>
+</file>
+
+<file path=ppt/slides/slide17.xml><?xml version="1.0" encoding="utf-8"?>
+<p:sld xmlns:a="http://schemas.openxmlformats.org/drawingml/2006/main" xmlns:r="http://schemas.openxmlformats.org/officeDocument/2006/relationships" xmlns:p="http://schemas.openxmlformats.org/presentationml/2006/main">
+  <p:cSld>
+    <p:spTree>
+      <p:nvGrpSpPr>
+        <p:cNvPr id="1" name=""/>
+        <p:cNvGrpSpPr/>
+        <p:nvPr/>
+      </p:nvGrpSpPr>
+      <p:grpSpPr>
+        <a:xfrm>
+          <a:off x="0" y="0"/>
+          <a:ext cx="0" cy="0"/>
+          <a:chOff x="0" y="0"/>
+          <a:chExt cx="0" cy="0"/>
+        </a:xfrm>
+      </p:grpSpPr>
+      <p:sp>
+        <p:nvSpPr>
+          <p:cNvPr id="2" name="Titel 1"/>
+          <p:cNvSpPr>
+            <a:spLocks noGrp="1"/>
+          </p:cNvSpPr>
+          <p:nvPr>
+            <p:ph type="title"/>
+          </p:nvPr>
+        </p:nvSpPr>
+        <p:spPr/>
+        <p:txBody>
+          <a:bodyPr/>
+          <a:lstStyle/>
+          <a:p>
+            <a:r>
+              <a:rPr lang="de-DE" dirty="0"/>
+              <a:t>Teilfazit „</a:t>
+            </a:r>
+            <a:r>
+              <a:rPr lang="de-DE" dirty="0" err="1"/>
+              <a:t>Bubbles</a:t>
+            </a:r>
+            <a:r>
+              <a:rPr lang="de-DE" dirty="0"/>
+              <a:t>“</a:t>
+            </a:r>
+          </a:p>
+        </p:txBody>
+      </p:sp>
+      <p:sp>
+        <p:nvSpPr>
+          <p:cNvPr id="3" name="Inhaltsplatzhalter 2"/>
+          <p:cNvSpPr>
+            <a:spLocks noGrp="1"/>
+          </p:cNvSpPr>
+          <p:nvPr>
+            <p:ph sz="half" idx="1"/>
+          </p:nvPr>
+        </p:nvSpPr>
+        <p:spPr>
+          <a:xfrm>
+            <a:off x="838200" y="3239999"/>
+            <a:ext cx="5181600" cy="2988000"/>
+          </a:xfrm>
+        </p:spPr>
+        <p:txBody>
+          <a:bodyPr/>
+          <a:lstStyle/>
+          <a:p>
+            <a:r>
+              <a:rPr lang="de-DE" dirty="0"/>
+              <a:t>ansprechende, innovative Darstellung</a:t>
+            </a:r>
+          </a:p>
+          <a:p>
+            <a:r>
+              <a:rPr lang="de-DE" dirty="0"/>
+              <a:t>einfache Informationsentnahme</a:t>
+            </a:r>
+          </a:p>
+          <a:p>
+            <a:r>
+              <a:rPr lang="de-DE" dirty="0"/>
+              <a:t>gleiche Darstellung für jeden Vorschlagstyp</a:t>
+            </a:r>
+          </a:p>
+          <a:p>
+            <a:r>
+              <a:rPr lang="de-DE" dirty="0"/>
+              <a:t>automatische </a:t>
+            </a:r>
+            <a:r>
+              <a:rPr lang="de-DE" dirty="0" err="1"/>
+              <a:t>Historieerstellung</a:t>
+            </a:r>
+            <a:endParaRPr lang="de-DE" dirty="0"/>
+          </a:p>
+          <a:p>
+            <a:endParaRPr lang="de-DE" dirty="0"/>
+          </a:p>
+        </p:txBody>
+      </p:sp>
+      <p:sp>
+        <p:nvSpPr>
+          <p:cNvPr id="8" name="Inhaltsplatzhalter 7"/>
+          <p:cNvSpPr>
+            <a:spLocks noGrp="1"/>
+          </p:cNvSpPr>
+          <p:nvPr>
+            <p:ph sz="half" idx="2"/>
+          </p:nvPr>
+        </p:nvSpPr>
+        <p:spPr>
+          <a:xfrm>
+            <a:off x="6172200" y="3239999"/>
+            <a:ext cx="5181600" cy="2988000"/>
+          </a:xfrm>
+        </p:spPr>
+        <p:txBody>
+          <a:bodyPr/>
+          <a:lstStyle/>
+          <a:p>
+            <a:r>
+              <a:rPr lang="de-DE" dirty="0"/>
+              <a:t>keine Darstellung des Pfads</a:t>
+            </a:r>
+          </a:p>
+          <a:p>
+            <a:endParaRPr lang="de-DE" dirty="0"/>
+          </a:p>
+        </p:txBody>
+      </p:sp>
+      <p:sp>
+        <p:nvSpPr>
+          <p:cNvPr id="4" name="Datumsplatzhalter 3"/>
+          <p:cNvSpPr>
+            <a:spLocks noGrp="1"/>
+          </p:cNvSpPr>
+          <p:nvPr>
+            <p:ph type="dt" sz="half" idx="10"/>
+          </p:nvPr>
+        </p:nvSpPr>
+        <p:spPr/>
+        <p:txBody>
+          <a:bodyPr/>
+          <a:lstStyle/>
+          <a:p>
+            <a:r>
+              <a:rPr lang="de-DE"/>
+              <a:t>23.01.2017</a:t>
+            </a:r>
+          </a:p>
+        </p:txBody>
+      </p:sp>
+      <p:sp>
+        <p:nvSpPr>
+          <p:cNvPr id="5" name="Fußzeilenplatzhalter 4"/>
+          <p:cNvSpPr>
+            <a:spLocks noGrp="1"/>
+          </p:cNvSpPr>
+          <p:nvPr>
+            <p:ph type="ftr" sz="quarter" idx="11"/>
+          </p:nvPr>
+        </p:nvSpPr>
+        <p:spPr/>
+        <p:txBody>
+          <a:bodyPr/>
+          <a:lstStyle/>
+          <a:p>
+            <a:r>
+              <a:rPr lang="de-DE"/>
+              <a:t>Florian Blessing, Lisa Böhler, Markus Götz, Jan Habersetzer, Wendelin Herrmann</a:t>
+            </a:r>
+          </a:p>
+        </p:txBody>
+      </p:sp>
+      <p:sp>
+        <p:nvSpPr>
+          <p:cNvPr id="9" name="Freeform 68"/>
+          <p:cNvSpPr>
+            <a:spLocks noChangeAspect="1" noEditPoints="1"/>
+          </p:cNvSpPr>
+          <p:nvPr/>
+        </p:nvSpPr>
+        <p:spPr bwMode="auto">
+          <a:xfrm>
+            <a:off x="2862749" y="1690688"/>
+            <a:ext cx="1132501" cy="1080000"/>
+          </a:xfrm>
+          <a:custGeom>
+            <a:avLst/>
+            <a:gdLst>
+              <a:gd name="T0" fmla="*/ 4 w 83"/>
+              <a:gd name="T1" fmla="*/ 33 h 79"/>
+              <a:gd name="T2" fmla="*/ 19 w 83"/>
+              <a:gd name="T3" fmla="*/ 33 h 79"/>
+              <a:gd name="T4" fmla="*/ 19 w 83"/>
+              <a:gd name="T5" fmla="*/ 69 h 79"/>
+              <a:gd name="T6" fmla="*/ 4 w 83"/>
+              <a:gd name="T7" fmla="*/ 69 h 79"/>
+              <a:gd name="T8" fmla="*/ 0 w 83"/>
+              <a:gd name="T9" fmla="*/ 65 h 79"/>
+              <a:gd name="T10" fmla="*/ 0 w 83"/>
+              <a:gd name="T11" fmla="*/ 37 h 79"/>
+              <a:gd name="T12" fmla="*/ 4 w 83"/>
+              <a:gd name="T13" fmla="*/ 33 h 79"/>
+              <a:gd name="T14" fmla="*/ 83 w 83"/>
+              <a:gd name="T15" fmla="*/ 41 h 79"/>
+              <a:gd name="T16" fmla="*/ 83 w 83"/>
+              <a:gd name="T17" fmla="*/ 63 h 79"/>
+              <a:gd name="T18" fmla="*/ 63 w 83"/>
+              <a:gd name="T19" fmla="*/ 79 h 79"/>
+              <a:gd name="T20" fmla="*/ 43 w 83"/>
+              <a:gd name="T21" fmla="*/ 79 h 79"/>
+              <a:gd name="T22" fmla="*/ 23 w 83"/>
+              <a:gd name="T23" fmla="*/ 69 h 79"/>
+              <a:gd name="T24" fmla="*/ 23 w 83"/>
+              <a:gd name="T25" fmla="*/ 33 h 79"/>
+              <a:gd name="T26" fmla="*/ 24 w 83"/>
+              <a:gd name="T27" fmla="*/ 33 h 79"/>
+              <a:gd name="T28" fmla="*/ 44 w 83"/>
+              <a:gd name="T29" fmla="*/ 14 h 79"/>
+              <a:gd name="T30" fmla="*/ 50 w 83"/>
+              <a:gd name="T31" fmla="*/ 0 h 79"/>
+              <a:gd name="T32" fmla="*/ 57 w 83"/>
+              <a:gd name="T33" fmla="*/ 13 h 79"/>
+              <a:gd name="T34" fmla="*/ 56 w 83"/>
+              <a:gd name="T35" fmla="*/ 27 h 79"/>
+              <a:gd name="T36" fmla="*/ 73 w 83"/>
+              <a:gd name="T37" fmla="*/ 27 h 79"/>
+              <a:gd name="T38" fmla="*/ 83 w 83"/>
+              <a:gd name="T39" fmla="*/ 41 h 79"/>
+            </a:gdLst>
+            <a:ahLst/>
+            <a:cxnLst>
+              <a:cxn ang="0">
+                <a:pos x="T0" y="T1"/>
+              </a:cxn>
+              <a:cxn ang="0">
+                <a:pos x="T2" y="T3"/>
+              </a:cxn>
+              <a:cxn ang="0">
+                <a:pos x="T4" y="T5"/>
+              </a:cxn>
+              <a:cxn ang="0">
+                <a:pos x="T6" y="T7"/>
+              </a:cxn>
+              <a:cxn ang="0">
+                <a:pos x="T8" y="T9"/>
+              </a:cxn>
+              <a:cxn ang="0">
+                <a:pos x="T10" y="T11"/>
+              </a:cxn>
+              <a:cxn ang="0">
+                <a:pos x="T12" y="T13"/>
+              </a:cxn>
+              <a:cxn ang="0">
+                <a:pos x="T14" y="T15"/>
+              </a:cxn>
+              <a:cxn ang="0">
+                <a:pos x="T16" y="T17"/>
+              </a:cxn>
+              <a:cxn ang="0">
+                <a:pos x="T18" y="T19"/>
+              </a:cxn>
+              <a:cxn ang="0">
+                <a:pos x="T20" y="T21"/>
+              </a:cxn>
+              <a:cxn ang="0">
+                <a:pos x="T22" y="T23"/>
+              </a:cxn>
+              <a:cxn ang="0">
+                <a:pos x="T24" y="T25"/>
+              </a:cxn>
+              <a:cxn ang="0">
+                <a:pos x="T26" y="T27"/>
+              </a:cxn>
+              <a:cxn ang="0">
+                <a:pos x="T28" y="T29"/>
+              </a:cxn>
+              <a:cxn ang="0">
+                <a:pos x="T30" y="T31"/>
+              </a:cxn>
+              <a:cxn ang="0">
+                <a:pos x="T32" y="T33"/>
+              </a:cxn>
+              <a:cxn ang="0">
+                <a:pos x="T34" y="T35"/>
+              </a:cxn>
+              <a:cxn ang="0">
+                <a:pos x="T36" y="T37"/>
+              </a:cxn>
+              <a:cxn ang="0">
+                <a:pos x="T38" y="T39"/>
+              </a:cxn>
+            </a:cxnLst>
+            <a:rect l="0" t="0" r="r" b="b"/>
+            <a:pathLst>
+              <a:path w="83" h="79">
+                <a:moveTo>
+                  <a:pt x="4" y="33"/>
+                </a:moveTo>
+                <a:cubicBezTo>
+                  <a:pt x="19" y="33"/>
+                  <a:pt x="19" y="33"/>
+                  <a:pt x="19" y="33"/>
+                </a:cubicBezTo>
+                <a:cubicBezTo>
+                  <a:pt x="19" y="69"/>
+                  <a:pt x="19" y="69"/>
+                  <a:pt x="19" y="69"/>
+                </a:cubicBezTo>
+                <a:cubicBezTo>
+                  <a:pt x="13" y="69"/>
+                  <a:pt x="4" y="69"/>
+                  <a:pt x="4" y="69"/>
+                </a:cubicBezTo>
+                <a:cubicBezTo>
+                  <a:pt x="1" y="69"/>
+                  <a:pt x="0" y="68"/>
+                  <a:pt x="0" y="65"/>
+                </a:cubicBezTo>
+                <a:cubicBezTo>
+                  <a:pt x="0" y="37"/>
+                  <a:pt x="0" y="37"/>
+                  <a:pt x="0" y="37"/>
+                </a:cubicBezTo>
+                <a:cubicBezTo>
+                  <a:pt x="0" y="35"/>
+                  <a:pt x="1" y="33"/>
+                  <a:pt x="4" y="33"/>
+                </a:cubicBezTo>
+                <a:close/>
+                <a:moveTo>
+                  <a:pt x="83" y="41"/>
+                </a:moveTo>
+                <a:cubicBezTo>
+                  <a:pt x="83" y="63"/>
+                  <a:pt x="83" y="63"/>
+                  <a:pt x="83" y="63"/>
+                </a:cubicBezTo>
+                <a:cubicBezTo>
+                  <a:pt x="83" y="70"/>
+                  <a:pt x="73" y="79"/>
+                  <a:pt x="63" y="79"/>
+                </a:cubicBezTo>
+                <a:cubicBezTo>
+                  <a:pt x="63" y="79"/>
+                  <a:pt x="50" y="79"/>
+                  <a:pt x="43" y="79"/>
+                </a:cubicBezTo>
+                <a:cubicBezTo>
+                  <a:pt x="34" y="79"/>
+                  <a:pt x="34" y="69"/>
+                  <a:pt x="23" y="69"/>
+                </a:cubicBezTo>
+                <a:cubicBezTo>
+                  <a:pt x="23" y="33"/>
+                  <a:pt x="23" y="33"/>
+                  <a:pt x="23" y="33"/>
+                </a:cubicBezTo>
+                <a:cubicBezTo>
+                  <a:pt x="24" y="33"/>
+                  <a:pt x="24" y="33"/>
+                  <a:pt x="24" y="33"/>
+                </a:cubicBezTo>
+                <a:cubicBezTo>
+                  <a:pt x="32" y="33"/>
+                  <a:pt x="43" y="20"/>
+                  <a:pt x="44" y="14"/>
+                </a:cubicBezTo>
+                <a:cubicBezTo>
+                  <a:pt x="46" y="8"/>
+                  <a:pt x="44" y="0"/>
+                  <a:pt x="50" y="0"/>
+                </a:cubicBezTo>
+                <a:cubicBezTo>
+                  <a:pt x="54" y="0"/>
+                  <a:pt x="57" y="4"/>
+                  <a:pt x="57" y="13"/>
+                </a:cubicBezTo>
+                <a:cubicBezTo>
+                  <a:pt x="56" y="27"/>
+                  <a:pt x="56" y="27"/>
+                  <a:pt x="56" y="27"/>
+                </a:cubicBezTo>
+                <a:cubicBezTo>
+                  <a:pt x="56" y="27"/>
+                  <a:pt x="67" y="27"/>
+                  <a:pt x="73" y="27"/>
+                </a:cubicBezTo>
+                <a:cubicBezTo>
+                  <a:pt x="80" y="27"/>
+                  <a:pt x="83" y="32"/>
+                  <a:pt x="83" y="41"/>
+                </a:cubicBezTo>
+                <a:close/>
+              </a:path>
+            </a:pathLst>
+          </a:custGeom>
+          <a:solidFill>
+            <a:srgbClr val="92D050"/>
+          </a:solidFill>
+          <a:ln>
+            <a:noFill/>
+          </a:ln>
+          <a:extLst/>
+        </p:spPr>
+        <p:txBody>
+          <a:bodyPr vert="horz" wrap="square" lIns="91440" tIns="45720" rIns="91440" bIns="45720" numCol="1" anchor="t" anchorCtr="0" compatLnSpc="1">
+            <a:prstTxWarp prst="textNoShape">
+              <a:avLst/>
+            </a:prstTxWarp>
+          </a:bodyPr>
+          <a:lstStyle/>
+          <a:p>
+            <a:endParaRPr lang="de-DE"/>
+          </a:p>
+        </p:txBody>
+      </p:sp>
+      <p:sp>
+        <p:nvSpPr>
+          <p:cNvPr id="10" name="Freeform 68"/>
+          <p:cNvSpPr>
+            <a:spLocks noChangeAspect="1" noEditPoints="1"/>
+          </p:cNvSpPr>
+          <p:nvPr/>
+        </p:nvSpPr>
+        <p:spPr bwMode="auto">
+          <a:xfrm flipV="1">
+            <a:off x="8197237" y="2008800"/>
+            <a:ext cx="1132501" cy="1080000"/>
+          </a:xfrm>
+          <a:custGeom>
+            <a:avLst/>
+            <a:gdLst>
+              <a:gd name="T0" fmla="*/ 4 w 83"/>
+              <a:gd name="T1" fmla="*/ 33 h 79"/>
+              <a:gd name="T2" fmla="*/ 19 w 83"/>
+              <a:gd name="T3" fmla="*/ 33 h 79"/>
+              <a:gd name="T4" fmla="*/ 19 w 83"/>
+              <a:gd name="T5" fmla="*/ 69 h 79"/>
+              <a:gd name="T6" fmla="*/ 4 w 83"/>
+              <a:gd name="T7" fmla="*/ 69 h 79"/>
+              <a:gd name="T8" fmla="*/ 0 w 83"/>
+              <a:gd name="T9" fmla="*/ 65 h 79"/>
+              <a:gd name="T10" fmla="*/ 0 w 83"/>
+              <a:gd name="T11" fmla="*/ 37 h 79"/>
+              <a:gd name="T12" fmla="*/ 4 w 83"/>
+              <a:gd name="T13" fmla="*/ 33 h 79"/>
+              <a:gd name="T14" fmla="*/ 83 w 83"/>
+              <a:gd name="T15" fmla="*/ 41 h 79"/>
+              <a:gd name="T16" fmla="*/ 83 w 83"/>
+              <a:gd name="T17" fmla="*/ 63 h 79"/>
+              <a:gd name="T18" fmla="*/ 63 w 83"/>
+              <a:gd name="T19" fmla="*/ 79 h 79"/>
+              <a:gd name="T20" fmla="*/ 43 w 83"/>
+              <a:gd name="T21" fmla="*/ 79 h 79"/>
+              <a:gd name="T22" fmla="*/ 23 w 83"/>
+              <a:gd name="T23" fmla="*/ 69 h 79"/>
+              <a:gd name="T24" fmla="*/ 23 w 83"/>
+              <a:gd name="T25" fmla="*/ 33 h 79"/>
+              <a:gd name="T26" fmla="*/ 24 w 83"/>
+              <a:gd name="T27" fmla="*/ 33 h 79"/>
+              <a:gd name="T28" fmla="*/ 44 w 83"/>
+              <a:gd name="T29" fmla="*/ 14 h 79"/>
+              <a:gd name="T30" fmla="*/ 50 w 83"/>
+              <a:gd name="T31" fmla="*/ 0 h 79"/>
+              <a:gd name="T32" fmla="*/ 57 w 83"/>
+              <a:gd name="T33" fmla="*/ 13 h 79"/>
+              <a:gd name="T34" fmla="*/ 56 w 83"/>
+              <a:gd name="T35" fmla="*/ 27 h 79"/>
+              <a:gd name="T36" fmla="*/ 73 w 83"/>
+              <a:gd name="T37" fmla="*/ 27 h 79"/>
+              <a:gd name="T38" fmla="*/ 83 w 83"/>
+              <a:gd name="T39" fmla="*/ 41 h 79"/>
+            </a:gdLst>
+            <a:ahLst/>
+            <a:cxnLst>
+              <a:cxn ang="0">
+                <a:pos x="T0" y="T1"/>
+              </a:cxn>
+              <a:cxn ang="0">
+                <a:pos x="T2" y="T3"/>
+              </a:cxn>
+              <a:cxn ang="0">
+                <a:pos x="T4" y="T5"/>
+              </a:cxn>
+              <a:cxn ang="0">
+                <a:pos x="T6" y="T7"/>
+              </a:cxn>
+              <a:cxn ang="0">
+                <a:pos x="T8" y="T9"/>
+              </a:cxn>
+              <a:cxn ang="0">
+                <a:pos x="T10" y="T11"/>
+              </a:cxn>
+              <a:cxn ang="0">
+                <a:pos x="T12" y="T13"/>
+              </a:cxn>
+              <a:cxn ang="0">
+                <a:pos x="T14" y="T15"/>
+              </a:cxn>
+              <a:cxn ang="0">
+                <a:pos x="T16" y="T17"/>
+              </a:cxn>
+              <a:cxn ang="0">
+                <a:pos x="T18" y="T19"/>
+              </a:cxn>
+              <a:cxn ang="0">
+                <a:pos x="T20" y="T21"/>
+              </a:cxn>
+              <a:cxn ang="0">
+                <a:pos x="T22" y="T23"/>
+              </a:cxn>
+              <a:cxn ang="0">
+                <a:pos x="T24" y="T25"/>
+              </a:cxn>
+              <a:cxn ang="0">
+                <a:pos x="T26" y="T27"/>
+              </a:cxn>
+              <a:cxn ang="0">
+                <a:pos x="T28" y="T29"/>
+              </a:cxn>
+              <a:cxn ang="0">
+                <a:pos x="T30" y="T31"/>
+              </a:cxn>
+              <a:cxn ang="0">
+                <a:pos x="T32" y="T33"/>
+              </a:cxn>
+              <a:cxn ang="0">
+                <a:pos x="T34" y="T35"/>
+              </a:cxn>
+              <a:cxn ang="0">
+                <a:pos x="T36" y="T37"/>
+              </a:cxn>
+              <a:cxn ang="0">
+                <a:pos x="T38" y="T39"/>
+              </a:cxn>
+            </a:cxnLst>
+            <a:rect l="0" t="0" r="r" b="b"/>
+            <a:pathLst>
+              <a:path w="83" h="79">
+                <a:moveTo>
+                  <a:pt x="4" y="33"/>
+                </a:moveTo>
+                <a:cubicBezTo>
+                  <a:pt x="19" y="33"/>
+                  <a:pt x="19" y="33"/>
+                  <a:pt x="19" y="33"/>
+                </a:cubicBezTo>
+                <a:cubicBezTo>
+                  <a:pt x="19" y="69"/>
+                  <a:pt x="19" y="69"/>
+                  <a:pt x="19" y="69"/>
+                </a:cubicBezTo>
+                <a:cubicBezTo>
+                  <a:pt x="13" y="69"/>
+                  <a:pt x="4" y="69"/>
+                  <a:pt x="4" y="69"/>
+                </a:cubicBezTo>
+                <a:cubicBezTo>
+                  <a:pt x="1" y="69"/>
+                  <a:pt x="0" y="68"/>
+                  <a:pt x="0" y="65"/>
+                </a:cubicBezTo>
+                <a:cubicBezTo>
+                  <a:pt x="0" y="37"/>
+                  <a:pt x="0" y="37"/>
+                  <a:pt x="0" y="37"/>
+                </a:cubicBezTo>
+                <a:cubicBezTo>
+                  <a:pt x="0" y="35"/>
+                  <a:pt x="1" y="33"/>
+                  <a:pt x="4" y="33"/>
+                </a:cubicBezTo>
+                <a:close/>
+                <a:moveTo>
+                  <a:pt x="83" y="41"/>
+                </a:moveTo>
+                <a:cubicBezTo>
+                  <a:pt x="83" y="63"/>
+                  <a:pt x="83" y="63"/>
+                  <a:pt x="83" y="63"/>
+                </a:cubicBezTo>
+                <a:cubicBezTo>
+                  <a:pt x="83" y="70"/>
+                  <a:pt x="73" y="79"/>
+                  <a:pt x="63" y="79"/>
+                </a:cubicBezTo>
+                <a:cubicBezTo>
+                  <a:pt x="63" y="79"/>
+                  <a:pt x="50" y="79"/>
+                  <a:pt x="43" y="79"/>
+                </a:cubicBezTo>
+                <a:cubicBezTo>
+                  <a:pt x="34" y="79"/>
+                  <a:pt x="34" y="69"/>
+                  <a:pt x="23" y="69"/>
+                </a:cubicBezTo>
+                <a:cubicBezTo>
+                  <a:pt x="23" y="33"/>
+                  <a:pt x="23" y="33"/>
+                  <a:pt x="23" y="33"/>
+                </a:cubicBezTo>
+                <a:cubicBezTo>
+                  <a:pt x="24" y="33"/>
+                  <a:pt x="24" y="33"/>
+                  <a:pt x="24" y="33"/>
+                </a:cubicBezTo>
+                <a:cubicBezTo>
+                  <a:pt x="32" y="33"/>
+                  <a:pt x="43" y="20"/>
+                  <a:pt x="44" y="14"/>
+                </a:cubicBezTo>
+                <a:cubicBezTo>
+                  <a:pt x="46" y="8"/>
+                  <a:pt x="44" y="0"/>
+                  <a:pt x="50" y="0"/>
+                </a:cubicBezTo>
+                <a:cubicBezTo>
+                  <a:pt x="54" y="0"/>
+                  <a:pt x="57" y="4"/>
+                  <a:pt x="57" y="13"/>
+                </a:cubicBezTo>
+                <a:cubicBezTo>
+                  <a:pt x="56" y="27"/>
+                  <a:pt x="56" y="27"/>
+                  <a:pt x="56" y="27"/>
+                </a:cubicBezTo>
+                <a:cubicBezTo>
+                  <a:pt x="56" y="27"/>
+                  <a:pt x="67" y="27"/>
+                  <a:pt x="73" y="27"/>
+                </a:cubicBezTo>
+                <a:cubicBezTo>
+                  <a:pt x="80" y="27"/>
+                  <a:pt x="83" y="32"/>
+                  <a:pt x="83" y="41"/>
+                </a:cubicBezTo>
+                <a:close/>
+              </a:path>
+            </a:pathLst>
+          </a:custGeom>
+          <a:solidFill>
+            <a:srgbClr val="971917"/>
+          </a:solidFill>
+          <a:ln>
+            <a:noFill/>
+          </a:ln>
+          <a:extLst/>
+        </p:spPr>
+        <p:txBody>
+          <a:bodyPr vert="horz" wrap="square" lIns="91440" tIns="45720" rIns="91440" bIns="45720" numCol="1" anchor="t" anchorCtr="0" compatLnSpc="1">
+            <a:prstTxWarp prst="textNoShape">
+              <a:avLst/>
+            </a:prstTxWarp>
+          </a:bodyPr>
+          <a:lstStyle/>
+          <a:p>
+            <a:endParaRPr lang="de-DE"/>
+          </a:p>
+        </p:txBody>
+      </p:sp>
+    </p:spTree>
+    <p:extLst>
+      <p:ext uri="{BB962C8B-B14F-4D97-AF65-F5344CB8AC3E}">
+        <p14:creationId xmlns:p14="http://schemas.microsoft.com/office/powerpoint/2010/main" val="597313970"/>
+      </p:ext>
+    </p:extLst>
+  </p:cSld>
+  <p:clrMapOvr>
+    <a:masterClrMapping/>
+  </p:clrMapOvr>
+</p:sld>
+</file>
+
+<file path=ppt/slides/slide18.xml><?xml version="1.0" encoding="utf-8"?>
+<p:sld xmlns:a="http://schemas.openxmlformats.org/drawingml/2006/main" xmlns:r="http://schemas.openxmlformats.org/officeDocument/2006/relationships" xmlns:p="http://schemas.openxmlformats.org/presentationml/2006/main">
+  <p:cSld>
+    <p:spTree>
+      <p:nvGrpSpPr>
+        <p:cNvPr id="1" name=""/>
+        <p:cNvGrpSpPr/>
+        <p:nvPr/>
+      </p:nvGrpSpPr>
+      <p:grpSpPr>
+        <a:xfrm>
+          <a:off x="0" y="0"/>
+          <a:ext cx="0" cy="0"/>
+          <a:chOff x="0" y="0"/>
+          <a:chExt cx="0" cy="0"/>
+        </a:xfrm>
+      </p:grpSpPr>
+      <p:sp>
+        <p:nvSpPr>
+          <p:cNvPr id="2" name="Titel 1"/>
+          <p:cNvSpPr>
+            <a:spLocks noGrp="1"/>
+          </p:cNvSpPr>
+          <p:nvPr>
+            <p:ph type="title"/>
+          </p:nvPr>
+        </p:nvSpPr>
+        <p:spPr/>
+        <p:txBody>
+          <a:bodyPr/>
+          <a:lstStyle/>
+          <a:p>
+            <a:r>
+              <a:rPr lang="de-DE" dirty="0"/>
+              <a:t>Live-Demo und Fazit</a:t>
+            </a:r>
+          </a:p>
+        </p:txBody>
+      </p:sp>
+      <p:sp>
+        <p:nvSpPr>
+          <p:cNvPr id="3" name="Textplatzhalter 2"/>
+          <p:cNvSpPr>
+            <a:spLocks noGrp="1"/>
+          </p:cNvSpPr>
+          <p:nvPr>
+            <p:ph type="body" idx="1"/>
+          </p:nvPr>
+        </p:nvSpPr>
+        <p:spPr/>
+        <p:txBody>
+          <a:bodyPr/>
+          <a:lstStyle/>
+          <a:p>
+            <a:endParaRPr lang="de-DE"/>
+          </a:p>
+        </p:txBody>
+      </p:sp>
+      <p:sp>
+        <p:nvSpPr>
+          <p:cNvPr id="4" name="Datumsplatzhalter 3"/>
+          <p:cNvSpPr>
+            <a:spLocks noGrp="1"/>
+          </p:cNvSpPr>
+          <p:nvPr>
+            <p:ph type="dt" sz="half" idx="10"/>
+          </p:nvPr>
+        </p:nvSpPr>
+        <p:spPr/>
+        <p:txBody>
+          <a:bodyPr/>
+          <a:lstStyle/>
+          <a:p>
+            <a:r>
+              <a:rPr lang="de-DE"/>
+              <a:t>23.01.2017</a:t>
+            </a:r>
+          </a:p>
+        </p:txBody>
+      </p:sp>
+      <p:sp>
+        <p:nvSpPr>
+          <p:cNvPr id="5" name="Fußzeilenplatzhalter 4"/>
+          <p:cNvSpPr>
+            <a:spLocks noGrp="1"/>
+          </p:cNvSpPr>
+          <p:nvPr>
+            <p:ph type="ftr" sz="quarter" idx="11"/>
+          </p:nvPr>
+        </p:nvSpPr>
+        <p:spPr/>
+        <p:txBody>
+          <a:bodyPr/>
+          <a:lstStyle/>
+          <a:p>
+            <a:r>
+              <a:rPr lang="de-DE"/>
+              <a:t>Florian Blessing, Lisa Böhler, Markus Götz, Jan Habersetzer, Wendelin Herrmann</a:t>
+            </a:r>
+          </a:p>
+        </p:txBody>
+      </p:sp>
+    </p:spTree>
+    <p:extLst>
+      <p:ext uri="{BB962C8B-B14F-4D97-AF65-F5344CB8AC3E}">
+        <p14:creationId xmlns:p14="http://schemas.microsoft.com/office/powerpoint/2010/main" val="3778453304"/>
+      </p:ext>
+    </p:extLst>
+  </p:cSld>
+  <p:clrMapOvr>
+    <a:masterClrMapping/>
+  </p:clrMapOvr>
+</p:sld>
+</file>
+
+<file path=ppt/slides/slide19.xml><?xml version="1.0" encoding="utf-8"?>
+<p:sld xmlns:a="http://schemas.openxmlformats.org/drawingml/2006/main" xmlns:r="http://schemas.openxmlformats.org/officeDocument/2006/relationships" xmlns:p="http://schemas.openxmlformats.org/presentationml/2006/main">
+  <p:cSld>
+    <p:bg>
+      <p:bgPr>
+        <a:blipFill dpi="0" rotWithShape="1">
+          <a:blip r:embed="rId2">
+            <a:lum/>
+          </a:blip>
+          <a:srcRect/>
+          <a:stretch>
+            <a:fillRect t="-9000" b="-9000"/>
+          </a:stretch>
+        </a:blipFill>
+        <a:effectLst/>
+      </p:bgPr>
+    </p:bg>
+    <p:spTree>
+      <p:nvGrpSpPr>
+        <p:cNvPr id="1" name=""/>
+        <p:cNvGrpSpPr/>
+        <p:nvPr/>
+      </p:nvGrpSpPr>
+      <p:grpSpPr>
+        <a:xfrm>
+          <a:off x="0" y="0"/>
+          <a:ext cx="0" cy="0"/>
+          <a:chOff x="0" y="0"/>
+          <a:chExt cx="0" cy="0"/>
+        </a:xfrm>
+      </p:grpSpPr>
+      <p:sp>
+        <p:nvSpPr>
+          <p:cNvPr id="4" name="Datumsplatzhalter 3"/>
+          <p:cNvSpPr>
+            <a:spLocks noGrp="1"/>
+          </p:cNvSpPr>
+          <p:nvPr>
+            <p:ph type="dt" sz="half" idx="10"/>
+          </p:nvPr>
+        </p:nvSpPr>
+        <p:spPr/>
+        <p:txBody>
+          <a:bodyPr/>
+          <a:lstStyle/>
+          <a:p>
+            <a:r>
+              <a:rPr lang="de-DE"/>
+              <a:t>23.01.2017</a:t>
+            </a:r>
+          </a:p>
+        </p:txBody>
+      </p:sp>
+      <p:sp>
+        <p:nvSpPr>
+          <p:cNvPr id="5" name="Fußzeilenplatzhalter 4"/>
+          <p:cNvSpPr>
+            <a:spLocks noGrp="1"/>
+          </p:cNvSpPr>
+          <p:nvPr>
+            <p:ph type="ftr" sz="quarter" idx="11"/>
+          </p:nvPr>
+        </p:nvSpPr>
+        <p:spPr/>
+        <p:txBody>
+          <a:bodyPr/>
+          <a:lstStyle/>
+          <a:p>
+            <a:r>
+              <a:rPr lang="de-DE"/>
+              <a:t>Florian Blessing, Lisa Böhler, Markus Götz, Jan Habersetzer, Wendelin Herrmann</a:t>
+            </a:r>
+          </a:p>
+        </p:txBody>
+      </p:sp>
+      <p:grpSp>
+        <p:nvGrpSpPr>
+          <p:cNvPr id="8" name="Gruppieren 7"/>
+          <p:cNvGrpSpPr/>
+          <p:nvPr/>
+        </p:nvGrpSpPr>
+        <p:grpSpPr>
+          <a:xfrm>
+            <a:off x="4891279" y="1578845"/>
+            <a:ext cx="2409442" cy="2039886"/>
+            <a:chOff x="4891279" y="1578845"/>
+            <a:chExt cx="2409442" cy="2039886"/>
+          </a:xfrm>
+        </p:grpSpPr>
+        <p:sp>
+          <p:nvSpPr>
+            <p:cNvPr id="6" name="Freeform 480">
+              <a:hlinkClick r:id="rId3"/>
+            </p:cNvPr>
+            <p:cNvSpPr>
+              <a:spLocks noChangeAspect="1"/>
+            </p:cNvSpPr>
+            <p:nvPr/>
+          </p:nvSpPr>
+          <p:spPr bwMode="auto">
+            <a:xfrm>
+              <a:off x="4928094" y="1578845"/>
+              <a:ext cx="2335812" cy="1332000"/>
+            </a:xfrm>
+            <a:custGeom>
+              <a:avLst/>
+              <a:gdLst>
+                <a:gd name="T0" fmla="*/ 104 w 109"/>
+                <a:gd name="T1" fmla="*/ 32 h 62"/>
+                <a:gd name="T2" fmla="*/ 91 w 109"/>
+                <a:gd name="T3" fmla="*/ 27 h 62"/>
+                <a:gd name="T4" fmla="*/ 88 w 109"/>
+                <a:gd name="T5" fmla="*/ 27 h 62"/>
+                <a:gd name="T6" fmla="*/ 87 w 109"/>
+                <a:gd name="T7" fmla="*/ 27 h 62"/>
+                <a:gd name="T8" fmla="*/ 87 w 109"/>
+                <a:gd name="T9" fmla="*/ 26 h 62"/>
+                <a:gd name="T10" fmla="*/ 56 w 109"/>
+                <a:gd name="T11" fmla="*/ 0 h 62"/>
+                <a:gd name="T12" fmla="*/ 27 w 109"/>
+                <a:gd name="T13" fmla="*/ 19 h 62"/>
+                <a:gd name="T14" fmla="*/ 26 w 109"/>
+                <a:gd name="T15" fmla="*/ 20 h 62"/>
+                <a:gd name="T16" fmla="*/ 25 w 109"/>
+                <a:gd name="T17" fmla="*/ 20 h 62"/>
+                <a:gd name="T18" fmla="*/ 21 w 109"/>
+                <a:gd name="T19" fmla="*/ 19 h 62"/>
+                <a:gd name="T20" fmla="*/ 6 w 109"/>
+                <a:gd name="T21" fmla="*/ 26 h 62"/>
+                <a:gd name="T22" fmla="*/ 0 w 109"/>
+                <a:gd name="T23" fmla="*/ 41 h 62"/>
+                <a:gd name="T24" fmla="*/ 21 w 109"/>
+                <a:gd name="T25" fmla="*/ 62 h 62"/>
+                <a:gd name="T26" fmla="*/ 22 w 109"/>
+                <a:gd name="T27" fmla="*/ 62 h 62"/>
+                <a:gd name="T28" fmla="*/ 91 w 109"/>
+                <a:gd name="T29" fmla="*/ 62 h 62"/>
+                <a:gd name="T30" fmla="*/ 91 w 109"/>
+                <a:gd name="T31" fmla="*/ 62 h 62"/>
+                <a:gd name="T32" fmla="*/ 109 w 109"/>
+                <a:gd name="T33" fmla="*/ 44 h 62"/>
+                <a:gd name="T34" fmla="*/ 104 w 109"/>
+                <a:gd name="T35" fmla="*/ 32 h 62"/>
+              </a:gdLst>
+              <a:ahLst/>
+              <a:cxnLst>
+                <a:cxn ang="0">
+                  <a:pos x="T0" y="T1"/>
+                </a:cxn>
+                <a:cxn ang="0">
+                  <a:pos x="T2" y="T3"/>
+                </a:cxn>
+                <a:cxn ang="0">
+                  <a:pos x="T4" y="T5"/>
+                </a:cxn>
+                <a:cxn ang="0">
+                  <a:pos x="T6" y="T7"/>
+                </a:cxn>
+                <a:cxn ang="0">
+                  <a:pos x="T8" y="T9"/>
+                </a:cxn>
+                <a:cxn ang="0">
+                  <a:pos x="T10" y="T11"/>
+                </a:cxn>
+                <a:cxn ang="0">
+                  <a:pos x="T12" y="T13"/>
+                </a:cxn>
+                <a:cxn ang="0">
+                  <a:pos x="T14" y="T15"/>
+                </a:cxn>
+                <a:cxn ang="0">
+                  <a:pos x="T16" y="T17"/>
+                </a:cxn>
+                <a:cxn ang="0">
+                  <a:pos x="T18" y="T19"/>
+                </a:cxn>
+                <a:cxn ang="0">
+                  <a:pos x="T20" y="T21"/>
+                </a:cxn>
+                <a:cxn ang="0">
+                  <a:pos x="T22" y="T23"/>
+                </a:cxn>
+                <a:cxn ang="0">
+                  <a:pos x="T24" y="T25"/>
+                </a:cxn>
+                <a:cxn ang="0">
+                  <a:pos x="T26" y="T27"/>
+                </a:cxn>
+                <a:cxn ang="0">
+                  <a:pos x="T28" y="T29"/>
+                </a:cxn>
+                <a:cxn ang="0">
+                  <a:pos x="T30" y="T31"/>
+                </a:cxn>
+                <a:cxn ang="0">
+                  <a:pos x="T32" y="T33"/>
+                </a:cxn>
+                <a:cxn ang="0">
+                  <a:pos x="T34" y="T35"/>
+                </a:cxn>
+              </a:cxnLst>
+              <a:rect l="0" t="0" r="r" b="b"/>
+              <a:pathLst>
+                <a:path w="109" h="62">
+                  <a:moveTo>
+                    <a:pt x="104" y="32"/>
+                  </a:moveTo>
+                  <a:cubicBezTo>
+                    <a:pt x="100" y="29"/>
+                    <a:pt x="96" y="27"/>
+                    <a:pt x="91" y="27"/>
+                  </a:cubicBezTo>
+                  <a:cubicBezTo>
+                    <a:pt x="90" y="27"/>
+                    <a:pt x="89" y="27"/>
+                    <a:pt x="88" y="27"/>
+                  </a:cubicBezTo>
+                  <a:cubicBezTo>
+                    <a:pt x="87" y="27"/>
+                    <a:pt x="87" y="27"/>
+                    <a:pt x="87" y="27"/>
+                  </a:cubicBezTo>
+                  <a:cubicBezTo>
+                    <a:pt x="87" y="26"/>
+                    <a:pt x="87" y="26"/>
+                    <a:pt x="87" y="26"/>
+                  </a:cubicBezTo>
+                  <a:cubicBezTo>
+                    <a:pt x="84" y="11"/>
+                    <a:pt x="71" y="0"/>
+                    <a:pt x="56" y="0"/>
+                  </a:cubicBezTo>
+                  <a:cubicBezTo>
+                    <a:pt x="43" y="0"/>
+                    <a:pt x="31" y="8"/>
+                    <a:pt x="27" y="19"/>
+                  </a:cubicBezTo>
+                  <a:cubicBezTo>
+                    <a:pt x="26" y="20"/>
+                    <a:pt x="26" y="20"/>
+                    <a:pt x="26" y="20"/>
+                  </a:cubicBezTo>
+                  <a:cubicBezTo>
+                    <a:pt x="25" y="20"/>
+                    <a:pt x="25" y="20"/>
+                    <a:pt x="25" y="20"/>
+                  </a:cubicBezTo>
+                  <a:cubicBezTo>
+                    <a:pt x="24" y="20"/>
+                    <a:pt x="23" y="19"/>
+                    <a:pt x="21" y="19"/>
+                  </a:cubicBezTo>
+                  <a:cubicBezTo>
+                    <a:pt x="15" y="19"/>
+                    <a:pt x="10" y="22"/>
+                    <a:pt x="6" y="26"/>
+                  </a:cubicBezTo>
+                  <a:cubicBezTo>
+                    <a:pt x="2" y="30"/>
+                    <a:pt x="0" y="35"/>
+                    <a:pt x="0" y="41"/>
+                  </a:cubicBezTo>
+                  <a:cubicBezTo>
+                    <a:pt x="0" y="53"/>
+                    <a:pt x="10" y="62"/>
+                    <a:pt x="21" y="62"/>
+                  </a:cubicBezTo>
+                  <a:cubicBezTo>
+                    <a:pt x="22" y="62"/>
+                    <a:pt x="22" y="62"/>
+                    <a:pt x="22" y="62"/>
+                  </a:cubicBezTo>
+                  <a:cubicBezTo>
+                    <a:pt x="91" y="62"/>
+                    <a:pt x="91" y="62"/>
+                    <a:pt x="91" y="62"/>
+                  </a:cubicBezTo>
+                  <a:cubicBezTo>
+                    <a:pt x="91" y="62"/>
+                    <a:pt x="91" y="62"/>
+                    <a:pt x="91" y="62"/>
+                  </a:cubicBezTo>
+                  <a:cubicBezTo>
+                    <a:pt x="101" y="62"/>
+                    <a:pt x="109" y="54"/>
+                    <a:pt x="109" y="44"/>
+                  </a:cubicBezTo>
+                  <a:cubicBezTo>
+                    <a:pt x="109" y="39"/>
+                    <a:pt x="107" y="35"/>
+                    <a:pt x="104" y="32"/>
+                  </a:cubicBezTo>
+                  <a:close/>
+                </a:path>
+              </a:pathLst>
+            </a:custGeom>
+            <a:solidFill>
+              <a:srgbClr val="971917"/>
+            </a:solidFill>
+            <a:ln>
+              <a:noFill/>
+            </a:ln>
+            <a:extLst/>
+          </p:spPr>
+          <p:txBody>
+            <a:bodyPr vert="horz" wrap="square" lIns="91440" tIns="45720" rIns="91440" bIns="45720" numCol="1" anchor="t" anchorCtr="0" compatLnSpc="1">
+              <a:prstTxWarp prst="textNoShape">
+                <a:avLst/>
+              </a:prstTxWarp>
+            </a:bodyPr>
+            <a:lstStyle/>
+            <a:p>
+              <a:endParaRPr lang="de-DE"/>
+            </a:p>
+          </p:txBody>
+        </p:sp>
+        <p:sp>
+          <p:nvSpPr>
+            <p:cNvPr id="7" name="Textfeld 6"/>
+            <p:cNvSpPr txBox="1"/>
+            <p:nvPr/>
+          </p:nvSpPr>
+          <p:spPr>
+            <a:xfrm>
+              <a:off x="4891279" y="2910845"/>
+              <a:ext cx="2409442" cy="707886"/>
+            </a:xfrm>
+            <a:prstGeom prst="rect">
+              <a:avLst/>
+            </a:prstGeom>
+            <a:noFill/>
+          </p:spPr>
+          <p:txBody>
+            <a:bodyPr wrap="none" rtlCol="0">
+              <a:spAutoFit/>
+            </a:bodyPr>
+            <a:lstStyle/>
+            <a:p>
+              <a:pPr algn="ctr"/>
+              <a:r>
+                <a:rPr lang="de-DE" sz="4000" dirty="0"/>
+                <a:t>Live-Demo</a:t>
+              </a:r>
+            </a:p>
+          </p:txBody>
+        </p:sp>
+      </p:grpSp>
+    </p:spTree>
+    <p:extLst>
+      <p:ext uri="{BB962C8B-B14F-4D97-AF65-F5344CB8AC3E}">
+        <p14:creationId xmlns:p14="http://schemas.microsoft.com/office/powerpoint/2010/main" val="3039045178"/>
       </p:ext>
     </p:extLst>
   </p:cSld>
@@ -40063,6 +43667,94 @@
     <p:extLst>
       <p:ext uri="{BB962C8B-B14F-4D97-AF65-F5344CB8AC3E}">
         <p14:creationId xmlns:p14="http://schemas.microsoft.com/office/powerpoint/2010/main" val="3060933778"/>
+      </p:ext>
+    </p:extLst>
+  </p:cSld>
+  <p:clrMapOvr>
+    <a:masterClrMapping/>
+  </p:clrMapOvr>
+</p:sld>
+</file>
+
+<file path=ppt/slides/slide20.xml><?xml version="1.0" encoding="utf-8"?>
+<p:sld xmlns:a="http://schemas.openxmlformats.org/drawingml/2006/main" xmlns:r="http://schemas.openxmlformats.org/officeDocument/2006/relationships" xmlns:p="http://schemas.openxmlformats.org/presentationml/2006/main">
+  <p:cSld>
+    <p:spTree>
+      <p:nvGrpSpPr>
+        <p:cNvPr id="1" name=""/>
+        <p:cNvGrpSpPr/>
+        <p:nvPr/>
+      </p:nvGrpSpPr>
+      <p:grpSpPr>
+        <a:xfrm>
+          <a:off x="0" y="0"/>
+          <a:ext cx="0" cy="0"/>
+          <a:chOff x="0" y="0"/>
+          <a:chExt cx="0" cy="0"/>
+        </a:xfrm>
+      </p:grpSpPr>
+      <p:sp>
+        <p:nvSpPr>
+          <p:cNvPr id="2" name="Titel 1"/>
+          <p:cNvSpPr>
+            <a:spLocks noGrp="1"/>
+          </p:cNvSpPr>
+          <p:nvPr>
+            <p:ph type="ctrTitle"/>
+          </p:nvPr>
+        </p:nvSpPr>
+        <p:spPr/>
+        <p:txBody>
+          <a:bodyPr/>
+          <a:lstStyle/>
+          <a:p>
+            <a:r>
+              <a:rPr lang="de-DE" dirty="0"/>
+              <a:t>VIELEN DANK!</a:t>
+            </a:r>
+          </a:p>
+        </p:txBody>
+      </p:sp>
+      <p:sp>
+        <p:nvSpPr>
+          <p:cNvPr id="3" name="Untertitel 2"/>
+          <p:cNvSpPr>
+            <a:spLocks noGrp="1"/>
+          </p:cNvSpPr>
+          <p:nvPr>
+            <p:ph type="subTitle" idx="1"/>
+          </p:nvPr>
+        </p:nvSpPr>
+        <p:spPr>
+          <a:xfrm>
+            <a:off x="676275" y="3602038"/>
+            <a:ext cx="10839450" cy="1655762"/>
+          </a:xfrm>
+        </p:spPr>
+        <p:txBody>
+          <a:bodyPr/>
+          <a:lstStyle/>
+          <a:p>
+            <a:r>
+              <a:rPr lang="de-DE" dirty="0"/>
+              <a:t>Gruppenname</a:t>
+            </a:r>
+          </a:p>
+          <a:p>
+            <a:r>
+              <a:rPr lang="de-DE" dirty="0"/>
+              <a:t>Name1, Name2, Name3, Name4</a:t>
+            </a:r>
+          </a:p>
+          <a:p>
+            <a:endParaRPr lang="de-DE" dirty="0"/>
+          </a:p>
+        </p:txBody>
+      </p:sp>
+    </p:spTree>
+    <p:extLst>
+      <p:ext uri="{BB962C8B-B14F-4D97-AF65-F5344CB8AC3E}">
+        <p14:creationId xmlns:p14="http://schemas.microsoft.com/office/powerpoint/2010/main" val="1461806567"/>
       </p:ext>
     </p:extLst>
   </p:cSld>
@@ -40411,12 +44103,12 @@
       </p:sp>
       <p:sp>
         <p:nvSpPr>
-          <p:cNvPr id="3" name="Inhaltsplatzhalter 2"/>
-          <p:cNvSpPr>
-            <a:spLocks noGrp="1"/>
-          </p:cNvSpPr>
-          <p:nvPr>
-            <p:ph idx="1"/>
+          <p:cNvPr id="4" name="Datumsplatzhalter 3"/>
+          <p:cNvSpPr>
+            <a:spLocks noGrp="1"/>
+          </p:cNvSpPr>
+          <p:nvPr>
+            <p:ph type="dt" sz="half" idx="10"/>
           </p:nvPr>
         </p:nvSpPr>
         <p:spPr/>
@@ -40424,18 +44116,21 @@
           <a:bodyPr/>
           <a:lstStyle/>
           <a:p>
-            <a:endParaRPr lang="de-DE" dirty="0"/>
-          </a:p>
-        </p:txBody>
-      </p:sp>
-      <p:sp>
-        <p:nvSpPr>
-          <p:cNvPr id="4" name="Datumsplatzhalter 3"/>
-          <p:cNvSpPr>
-            <a:spLocks noGrp="1"/>
-          </p:cNvSpPr>
-          <p:nvPr>
-            <p:ph type="dt" sz="half" idx="10"/>
+            <a:r>
+              <a:rPr lang="de-DE"/>
+              <a:t>23.01.2017</a:t>
+            </a:r>
+          </a:p>
+        </p:txBody>
+      </p:sp>
+      <p:sp>
+        <p:nvSpPr>
+          <p:cNvPr id="5" name="Fußzeilenplatzhalter 4"/>
+          <p:cNvSpPr>
+            <a:spLocks noGrp="1"/>
+          </p:cNvSpPr>
+          <p:nvPr>
+            <p:ph type="ftr" sz="quarter" idx="11"/>
           </p:nvPr>
         </p:nvSpPr>
         <p:spPr/>
@@ -40445,29 +44140,152 @@
           <a:p>
             <a:r>
               <a:rPr lang="de-DE"/>
-              <a:t>23.01.2017</a:t>
-            </a:r>
-          </a:p>
-        </p:txBody>
-      </p:sp>
-      <p:sp>
-        <p:nvSpPr>
-          <p:cNvPr id="5" name="Fußzeilenplatzhalter 4"/>
-          <p:cNvSpPr>
-            <a:spLocks noGrp="1"/>
-          </p:cNvSpPr>
-          <p:nvPr>
-            <p:ph type="ftr" sz="quarter" idx="11"/>
-          </p:nvPr>
-        </p:nvSpPr>
-        <p:spPr/>
-        <p:txBody>
-          <a:bodyPr/>
+              <a:t>Florian Blessing, Lisa Böhler, Markus Götz, Jan Habersetzer, Wendelin Herrmann</a:t>
+            </a:r>
+          </a:p>
+        </p:txBody>
+      </p:sp>
+      <p:pic>
+        <p:nvPicPr>
+          <p:cNvPr id="12" name="Inhaltsplatzhalter 11"/>
+          <p:cNvPicPr>
+            <a:picLocks noGrp="1" noChangeAspect="1"/>
+          </p:cNvPicPr>
+          <p:nvPr>
+            <p:ph sz="quarter" idx="19"/>
+          </p:nvPr>
+        </p:nvPicPr>
+        <p:blipFill>
+          <a:blip r:embed="rId3">
+            <a:extLst>
+              <a:ext uri="{28A0092B-C50C-407E-A947-70E740481C1C}">
+                <a14:useLocalDpi xmlns:a14="http://schemas.microsoft.com/office/drawing/2010/main" val="0"/>
+              </a:ext>
+            </a:extLst>
+          </a:blip>
+          <a:stretch>
+            <a:fillRect/>
+          </a:stretch>
+        </p:blipFill>
+        <p:spPr>
+          <a:xfrm>
+            <a:off x="838199" y="2062821"/>
+            <a:ext cx="3672001" cy="2160000"/>
+          </a:xfrm>
+        </p:spPr>
+      </p:pic>
+      <p:pic>
+        <p:nvPicPr>
+          <p:cNvPr id="13" name="Shape 184"/>
+          <p:cNvPicPr preferRelativeResize="0">
+            <a:picLocks noGrp="1" noChangeAspect="1"/>
+          </p:cNvPicPr>
+          <p:nvPr>
+            <p:ph sz="quarter" idx="20"/>
+          </p:nvPr>
+        </p:nvPicPr>
+        <p:blipFill>
+          <a:blip r:embed="rId4">
+            <a:alphaModFix/>
+          </a:blip>
+          <a:stretch>
+            <a:fillRect/>
+          </a:stretch>
+        </p:blipFill>
+        <p:spPr>
+          <a:xfrm>
+            <a:off x="6030881" y="2062821"/>
+            <a:ext cx="1642239" cy="2160000"/>
+          </a:xfrm>
+          <a:prstGeom prst="rect">
+            <a:avLst/>
+          </a:prstGeom>
+          <a:noFill/>
+          <a:ln>
+            <a:noFill/>
+          </a:ln>
+        </p:spPr>
+      </p:pic>
+      <p:pic>
+        <p:nvPicPr>
+          <p:cNvPr id="14" name="Picture 2" descr="http://precision-software.com/wp-content/uploads/2014/04/jQurery.gif"/>
+          <p:cNvPicPr>
+            <a:picLocks noGrp="1" noChangeAspect="1" noChangeArrowheads="1"/>
+          </p:cNvPicPr>
+          <p:nvPr>
+            <p:ph sz="quarter" idx="21"/>
+          </p:nvPr>
+        </p:nvPicPr>
+        <p:blipFill>
+          <a:blip r:embed="rId5" cstate="print">
+            <a:extLst>
+              <a:ext uri="{28A0092B-C50C-407E-A947-70E740481C1C}">
+                <a14:useLocalDpi xmlns:a14="http://schemas.microsoft.com/office/drawing/2010/main" val="0"/>
+              </a:ext>
+            </a:extLst>
+          </a:blip>
+          <a:srcRect/>
+          <a:stretch>
+            <a:fillRect/>
+          </a:stretch>
+        </p:blipFill>
+        <p:spPr bwMode="auto">
+          <a:xfrm>
+            <a:off x="9193800" y="2062821"/>
+            <a:ext cx="2160000" cy="2160000"/>
+          </a:xfrm>
+          <a:prstGeom prst="rect">
+            <a:avLst/>
+          </a:prstGeom>
+          <a:noFill/>
+          <a:extLst>
+            <a:ext uri="{909E8E84-426E-40DD-AFC4-6F175D3DCCD1}">
+              <a14:hiddenFill xmlns:a14="http://schemas.microsoft.com/office/drawing/2010/main">
+                <a:solidFill>
+                  <a:srgbClr val="FFFFFF"/>
+                </a:solidFill>
+              </a14:hiddenFill>
+            </a:ext>
+          </a:extLst>
+        </p:spPr>
+      </p:pic>
+      <p:sp>
+        <p:nvSpPr>
+          <p:cNvPr id="15" name="Textfeld 14"/>
+          <p:cNvSpPr txBox="1"/>
+          <p:nvPr/>
+        </p:nvSpPr>
+        <p:spPr>
+          <a:xfrm>
+            <a:off x="986397" y="4222821"/>
+            <a:ext cx="3375604" cy="830997"/>
+          </a:xfrm>
+          <a:prstGeom prst="rect">
+            <a:avLst/>
+          </a:prstGeom>
+          <a:noFill/>
+        </p:spPr>
+        <p:txBody>
+          <a:bodyPr wrap="none" rtlCol="0">
+            <a:spAutoFit/>
+          </a:bodyPr>
           <a:lstStyle/>
           <a:p>
-            <a:r>
-              <a:rPr lang="de-DE"/>
-              <a:t>Florian Blessing, Lisa Böhler, Markus Götz, Jan Habersetzer, Wendelin Herrmann</a:t>
+            <a:pPr algn="ctr"/>
+            <a:r>
+              <a:rPr lang="de-DE" sz="2400" dirty="0" err="1"/>
+              <a:t>Hangouts</a:t>
+            </a:r>
+            <a:r>
+              <a:rPr lang="de-DE" sz="2400" dirty="0"/>
+              <a:t>-Applikation mit</a:t>
+            </a:r>
+            <a:br>
+              <a:rPr lang="de-DE" sz="2400" dirty="0"/>
+            </a:br>
+            <a:r>
+              <a:rPr lang="de-DE" sz="2400" dirty="0"/>
+              <a:t>Landingpage</a:t>
             </a:r>
           </a:p>
         </p:txBody>
@@ -40512,26 +44330,31 @@
             <p:ph type="title"/>
           </p:nvPr>
         </p:nvSpPr>
-        <p:spPr/>
+        <p:spPr>
+          <a:xfrm>
+            <a:off x="838200" y="694963"/>
+            <a:ext cx="10515600" cy="995725"/>
+          </a:xfrm>
+        </p:spPr>
         <p:txBody>
           <a:bodyPr/>
           <a:lstStyle/>
           <a:p>
             <a:r>
               <a:rPr lang="de-DE" dirty="0"/>
-              <a:t>Veränderungen</a:t>
-            </a:r>
-          </a:p>
-        </p:txBody>
-      </p:sp>
-      <p:sp>
-        <p:nvSpPr>
-          <p:cNvPr id="3" name="Textplatzhalter 2"/>
-          <p:cNvSpPr>
-            <a:spLocks noGrp="1"/>
-          </p:cNvSpPr>
-          <p:nvPr>
-            <p:ph type="body" idx="1"/>
+              <a:t>Vorgestellte Visualisierungskonzepte</a:t>
+            </a:r>
+          </a:p>
+        </p:txBody>
+      </p:sp>
+      <p:sp>
+        <p:nvSpPr>
+          <p:cNvPr id="3" name="Datumsplatzhalter 2"/>
+          <p:cNvSpPr>
+            <a:spLocks noGrp="1"/>
+          </p:cNvSpPr>
+          <p:nvPr>
+            <p:ph type="dt" sz="half" idx="10"/>
           </p:nvPr>
         </p:nvSpPr>
         <p:spPr/>
@@ -40539,18 +44362,21 @@
           <a:bodyPr/>
           <a:lstStyle/>
           <a:p>
-            <a:endParaRPr lang="de-DE"/>
-          </a:p>
-        </p:txBody>
-      </p:sp>
-      <p:sp>
-        <p:nvSpPr>
-          <p:cNvPr id="4" name="Datumsplatzhalter 3"/>
-          <p:cNvSpPr>
-            <a:spLocks noGrp="1"/>
-          </p:cNvSpPr>
-          <p:nvPr>
-            <p:ph type="dt" sz="half" idx="10"/>
+            <a:r>
+              <a:rPr lang="de-DE"/>
+              <a:t>23.01.2017</a:t>
+            </a:r>
+          </a:p>
+        </p:txBody>
+      </p:sp>
+      <p:sp>
+        <p:nvSpPr>
+          <p:cNvPr id="4" name="Fußzeilenplatzhalter 3"/>
+          <p:cNvSpPr>
+            <a:spLocks noGrp="1"/>
+          </p:cNvSpPr>
+          <p:nvPr>
+            <p:ph type="ftr" sz="quarter" idx="11"/>
           </p:nvPr>
         </p:nvSpPr>
         <p:spPr/>
@@ -40560,37 +44386,132 @@
           <a:p>
             <a:r>
               <a:rPr lang="de-DE"/>
-              <a:t>23.01.2017</a:t>
-            </a:r>
-          </a:p>
-        </p:txBody>
-      </p:sp>
-      <p:sp>
-        <p:nvSpPr>
-          <p:cNvPr id="5" name="Fußzeilenplatzhalter 4"/>
-          <p:cNvSpPr>
-            <a:spLocks noGrp="1"/>
-          </p:cNvSpPr>
-          <p:nvPr>
-            <p:ph type="ftr" sz="quarter" idx="11"/>
-          </p:nvPr>
-        </p:nvSpPr>
-        <p:spPr/>
-        <p:txBody>
-          <a:bodyPr/>
-          <a:lstStyle/>
-          <a:p>
-            <a:r>
-              <a:rPr lang="de-DE"/>
               <a:t>Florian Blessing, Lisa Böhler, Markus Götz, Jan Habersetzer, Wendelin Herrmann</a:t>
             </a:r>
           </a:p>
         </p:txBody>
       </p:sp>
+      <p:pic>
+        <p:nvPicPr>
+          <p:cNvPr id="11" name="Inhaltsplatzhalter 10"/>
+          <p:cNvPicPr>
+            <a:picLocks noGrp="1" noChangeAspect="1"/>
+          </p:cNvPicPr>
+          <p:nvPr>
+            <p:ph sz="quarter" idx="19"/>
+          </p:nvPr>
+        </p:nvPicPr>
+        <p:blipFill>
+          <a:blip r:embed="rId2">
+            <a:extLst>
+              <a:ext uri="{28A0092B-C50C-407E-A947-70E740481C1C}">
+                <a14:useLocalDpi xmlns:a14="http://schemas.microsoft.com/office/drawing/2010/main" val="0"/>
+              </a:ext>
+            </a:extLst>
+          </a:blip>
+          <a:stretch>
+            <a:fillRect/>
+          </a:stretch>
+        </p:blipFill>
+        <p:spPr>
+          <a:xfrm>
+            <a:off x="1558636" y="1690688"/>
+            <a:ext cx="3730911" cy="2160000"/>
+          </a:xfrm>
+        </p:spPr>
+      </p:pic>
+      <p:pic>
+        <p:nvPicPr>
+          <p:cNvPr id="12" name="Inhaltsplatzhalter 11"/>
+          <p:cNvPicPr>
+            <a:picLocks noGrp="1" noChangeAspect="1"/>
+          </p:cNvPicPr>
+          <p:nvPr>
+            <p:ph sz="quarter" idx="20"/>
+          </p:nvPr>
+        </p:nvPicPr>
+        <p:blipFill>
+          <a:blip r:embed="rId3">
+            <a:extLst>
+              <a:ext uri="{28A0092B-C50C-407E-A947-70E740481C1C}">
+                <a14:useLocalDpi xmlns:a14="http://schemas.microsoft.com/office/drawing/2010/main" val="0"/>
+              </a:ext>
+            </a:extLst>
+          </a:blip>
+          <a:stretch>
+            <a:fillRect/>
+          </a:stretch>
+        </p:blipFill>
+        <p:spPr>
+          <a:xfrm>
+            <a:off x="7513205" y="1676129"/>
+            <a:ext cx="3323081" cy="2160000"/>
+          </a:xfrm>
+        </p:spPr>
+      </p:pic>
+      <p:pic>
+        <p:nvPicPr>
+          <p:cNvPr id="13" name="Inhaltsplatzhalter 12"/>
+          <p:cNvPicPr>
+            <a:picLocks noGrp="1" noChangeAspect="1"/>
+          </p:cNvPicPr>
+          <p:nvPr>
+            <p:ph sz="quarter" idx="21"/>
+          </p:nvPr>
+        </p:nvPicPr>
+        <p:blipFill>
+          <a:blip r:embed="rId4">
+            <a:extLst>
+              <a:ext uri="{28A0092B-C50C-407E-A947-70E740481C1C}">
+                <a14:useLocalDpi xmlns:a14="http://schemas.microsoft.com/office/drawing/2010/main" val="0"/>
+              </a:ext>
+            </a:extLst>
+          </a:blip>
+          <a:stretch>
+            <a:fillRect/>
+          </a:stretch>
+        </p:blipFill>
+        <p:spPr>
+          <a:xfrm>
+            <a:off x="1558636" y="3836350"/>
+            <a:ext cx="3683070" cy="2520000"/>
+          </a:xfrm>
+        </p:spPr>
+      </p:pic>
+      <p:pic>
+        <p:nvPicPr>
+          <p:cNvPr id="14" name="Inhaltsplatzhalter 12"/>
+          <p:cNvPicPr>
+            <a:picLocks noChangeAspect="1"/>
+          </p:cNvPicPr>
+          <p:nvPr/>
+        </p:nvPicPr>
+        <p:blipFill>
+          <a:blip r:embed="rId5">
+            <a:extLst>
+              <a:ext uri="{28A0092B-C50C-407E-A947-70E740481C1C}">
+                <a14:useLocalDpi xmlns:a14="http://schemas.microsoft.com/office/drawing/2010/main" val="0"/>
+              </a:ext>
+            </a:extLst>
+          </a:blip>
+          <a:stretch>
+            <a:fillRect/>
+          </a:stretch>
+        </p:blipFill>
+        <p:spPr>
+          <a:xfrm>
+            <a:off x="7374745" y="4016239"/>
+            <a:ext cx="3600000" cy="2160000"/>
+          </a:xfrm>
+          <a:prstGeom prst="rect">
+            <a:avLst/>
+          </a:prstGeom>
+        </p:spPr>
+      </p:pic>
     </p:spTree>
     <p:extLst>
       <p:ext uri="{BB962C8B-B14F-4D97-AF65-F5344CB8AC3E}">
-        <p14:creationId xmlns:p14="http://schemas.microsoft.com/office/powerpoint/2010/main" val="3150155636"/>
+        <p14:creationId xmlns:p14="http://schemas.microsoft.com/office/powerpoint/2010/main" val="196766771"/>
       </p:ext>
     </p:extLst>
   </p:cSld>
@@ -40632,18 +44553,21 @@
           <a:bodyPr/>
           <a:lstStyle/>
           <a:p>
-            <a:endParaRPr lang="de-DE"/>
-          </a:p>
-        </p:txBody>
-      </p:sp>
-      <p:sp>
-        <p:nvSpPr>
-          <p:cNvPr id="3" name="Inhaltsplatzhalter 2"/>
-          <p:cNvSpPr>
-            <a:spLocks noGrp="1"/>
-          </p:cNvSpPr>
-          <p:nvPr>
-            <p:ph idx="1"/>
+            <a:r>
+              <a:rPr lang="de-DE" dirty="0"/>
+              <a:t>Veränderungen</a:t>
+            </a:r>
+          </a:p>
+        </p:txBody>
+      </p:sp>
+      <p:sp>
+        <p:nvSpPr>
+          <p:cNvPr id="3" name="Textplatzhalter 2"/>
+          <p:cNvSpPr>
+            <a:spLocks noGrp="1"/>
+          </p:cNvSpPr>
+          <p:nvPr>
+            <p:ph type="body" idx="1"/>
           </p:nvPr>
         </p:nvSpPr>
         <p:spPr/>
@@ -40702,7 +44626,7 @@
     </p:spTree>
     <p:extLst>
       <p:ext uri="{BB962C8B-B14F-4D97-AF65-F5344CB8AC3E}">
-        <p14:creationId xmlns:p14="http://schemas.microsoft.com/office/powerpoint/2010/main" val="2504723623"/>
+        <p14:creationId xmlns:p14="http://schemas.microsoft.com/office/powerpoint/2010/main" val="3150155636"/>
       </p:ext>
     </p:extLst>
   </p:cSld>
@@ -40746,19 +44670,77 @@
           <a:p>
             <a:r>
               <a:rPr lang="de-DE" dirty="0"/>
-              <a:t>Fallstudie 1 – „Explorer“</a:t>
-            </a:r>
-          </a:p>
-        </p:txBody>
-      </p:sp>
-      <p:sp>
-        <p:nvSpPr>
-          <p:cNvPr id="3" name="Textplatzhalter 2"/>
-          <p:cNvSpPr>
-            <a:spLocks noGrp="1"/>
-          </p:cNvSpPr>
-          <p:nvPr>
-            <p:ph type="body" idx="1"/>
+              <a:t>Neue Visualisierungskonzepte</a:t>
+            </a:r>
+          </a:p>
+        </p:txBody>
+      </p:sp>
+      <p:pic>
+        <p:nvPicPr>
+          <p:cNvPr id="8" name="Inhaltsplatzhalter 7"/>
+          <p:cNvPicPr>
+            <a:picLocks noGrp="1" noChangeAspect="1"/>
+          </p:cNvPicPr>
+          <p:nvPr>
+            <p:ph sz="half" idx="1"/>
+          </p:nvPr>
+        </p:nvPicPr>
+        <p:blipFill>
+          <a:blip r:embed="rId3">
+            <a:extLst>
+              <a:ext uri="{28A0092B-C50C-407E-A947-70E740481C1C}">
+                <a14:useLocalDpi xmlns:a14="http://schemas.microsoft.com/office/drawing/2010/main" val="0"/>
+              </a:ext>
+            </a:extLst>
+          </a:blip>
+          <a:stretch>
+            <a:fillRect/>
+          </a:stretch>
+        </p:blipFill>
+        <p:spPr>
+          <a:xfrm>
+            <a:off x="838200" y="1960064"/>
+            <a:ext cx="5181600" cy="3048000"/>
+          </a:xfrm>
+        </p:spPr>
+      </p:pic>
+      <p:pic>
+        <p:nvPicPr>
+          <p:cNvPr id="9" name="Inhaltsplatzhalter 8"/>
+          <p:cNvPicPr>
+            <a:picLocks noGrp="1" noChangeAspect="1"/>
+          </p:cNvPicPr>
+          <p:nvPr>
+            <p:ph sz="half" idx="2"/>
+          </p:nvPr>
+        </p:nvPicPr>
+        <p:blipFill>
+          <a:blip r:embed="rId4">
+            <a:extLst>
+              <a:ext uri="{28A0092B-C50C-407E-A947-70E740481C1C}">
+                <a14:useLocalDpi xmlns:a14="http://schemas.microsoft.com/office/drawing/2010/main" val="0"/>
+              </a:ext>
+            </a:extLst>
+          </a:blip>
+          <a:stretch>
+            <a:fillRect/>
+          </a:stretch>
+        </p:blipFill>
+        <p:spPr>
+          <a:xfrm>
+            <a:off x="6172200" y="1948634"/>
+            <a:ext cx="5181600" cy="3070860"/>
+          </a:xfrm>
+        </p:spPr>
+      </p:pic>
+      <p:sp>
+        <p:nvSpPr>
+          <p:cNvPr id="4" name="Datumsplatzhalter 3"/>
+          <p:cNvSpPr>
+            <a:spLocks noGrp="1"/>
+          </p:cNvSpPr>
+          <p:nvPr>
+            <p:ph type="dt" sz="half" idx="10"/>
           </p:nvPr>
         </p:nvSpPr>
         <p:spPr/>
@@ -40766,50 +44748,102 @@
           <a:bodyPr/>
           <a:lstStyle/>
           <a:p>
-            <a:endParaRPr lang="de-DE"/>
-          </a:p>
-        </p:txBody>
-      </p:sp>
-      <p:sp>
-        <p:nvSpPr>
-          <p:cNvPr id="4" name="Datumsplatzhalter 3"/>
-          <p:cNvSpPr>
-            <a:spLocks noGrp="1"/>
-          </p:cNvSpPr>
-          <p:nvPr>
-            <p:ph type="dt" sz="half" idx="10"/>
-          </p:nvPr>
-        </p:nvSpPr>
-        <p:spPr/>
+            <a:r>
+              <a:rPr lang="de-DE"/>
+              <a:t>23.01.2017</a:t>
+            </a:r>
+          </a:p>
+        </p:txBody>
+      </p:sp>
+      <p:sp>
+        <p:nvSpPr>
+          <p:cNvPr id="5" name="Fußzeilenplatzhalter 4"/>
+          <p:cNvSpPr>
+            <a:spLocks noGrp="1"/>
+          </p:cNvSpPr>
+          <p:nvPr>
+            <p:ph type="ftr" sz="quarter" idx="11"/>
+          </p:nvPr>
+        </p:nvSpPr>
+        <p:spPr>
+          <a:xfrm>
+            <a:off x="2014539" y="6356350"/>
+            <a:ext cx="6138861" cy="365125"/>
+          </a:xfrm>
+        </p:spPr>
         <p:txBody>
           <a:bodyPr/>
           <a:lstStyle/>
           <a:p>
             <a:r>
               <a:rPr lang="de-DE"/>
-              <a:t>23.01.2017</a:t>
-            </a:r>
-          </a:p>
-        </p:txBody>
-      </p:sp>
-      <p:sp>
-        <p:nvSpPr>
-          <p:cNvPr id="5" name="Fußzeilenplatzhalter 4"/>
-          <p:cNvSpPr>
-            <a:spLocks noGrp="1"/>
-          </p:cNvSpPr>
-          <p:nvPr>
-            <p:ph type="ftr" sz="quarter" idx="11"/>
-          </p:nvPr>
-        </p:nvSpPr>
-        <p:spPr/>
-        <p:txBody>
-          <a:bodyPr/>
+              <a:t>Florian Blessing, Lisa Böhler, Markus Götz, Jan Habersetzer, Wendelin Herrmann</a:t>
+            </a:r>
+          </a:p>
+        </p:txBody>
+      </p:sp>
+      <p:sp>
+        <p:nvSpPr>
+          <p:cNvPr id="10" name="Textfeld 9"/>
+          <p:cNvSpPr txBox="1"/>
+          <p:nvPr/>
+        </p:nvSpPr>
+        <p:spPr>
+          <a:xfrm>
+            <a:off x="2689470" y="5046607"/>
+            <a:ext cx="1479059" cy="461665"/>
+          </a:xfrm>
+          <a:prstGeom prst="rect">
+            <a:avLst/>
+          </a:prstGeom>
+          <a:noFill/>
+        </p:spPr>
+        <p:txBody>
+          <a:bodyPr wrap="none" rtlCol="0">
+            <a:spAutoFit/>
+          </a:bodyPr>
           <a:lstStyle/>
           <a:p>
             <a:r>
-              <a:rPr lang="de-DE"/>
-              <a:t>Florian Blessing, Lisa Böhler, Markus Götz, Jan Habersetzer, Wendelin Herrmann</a:t>
+              <a:rPr lang="de-DE" sz="2400" dirty="0"/>
+              <a:t>„Explorer“</a:t>
+            </a:r>
+          </a:p>
+        </p:txBody>
+      </p:sp>
+      <p:sp>
+        <p:nvSpPr>
+          <p:cNvPr id="11" name="Textfeld 10"/>
+          <p:cNvSpPr txBox="1"/>
+          <p:nvPr/>
+        </p:nvSpPr>
+        <p:spPr>
+          <a:xfrm>
+            <a:off x="8023470" y="5049845"/>
+            <a:ext cx="1434175" cy="461665"/>
+          </a:xfrm>
+          <a:prstGeom prst="rect">
+            <a:avLst/>
+          </a:prstGeom>
+          <a:noFill/>
+        </p:spPr>
+        <p:txBody>
+          <a:bodyPr wrap="none" rtlCol="0">
+            <a:spAutoFit/>
+          </a:bodyPr>
+          <a:lstStyle/>
+          <a:p>
+            <a:r>
+              <a:rPr lang="de-DE" sz="2400" dirty="0"/>
+              <a:t>„</a:t>
+            </a:r>
+            <a:r>
+              <a:rPr lang="de-DE" sz="2400" dirty="0" err="1"/>
+              <a:t>Bubbles</a:t>
+            </a:r>
+            <a:r>
+              <a:rPr lang="de-DE" sz="2400" dirty="0"/>
+              <a:t>“</a:t>
             </a:r>
           </a:p>
         </p:txBody>
@@ -40817,7 +44851,7 @@
     </p:spTree>
     <p:extLst>
       <p:ext uri="{BB962C8B-B14F-4D97-AF65-F5344CB8AC3E}">
-        <p14:creationId xmlns:p14="http://schemas.microsoft.com/office/powerpoint/2010/main" val="315793774"/>
+        <p14:creationId xmlns:p14="http://schemas.microsoft.com/office/powerpoint/2010/main" val="2504723623"/>
       </p:ext>
     </p:extLst>
   </p:cSld>
@@ -40861,23 +44895,23 @@
           <a:p>
             <a:r>
               <a:rPr lang="de-DE" dirty="0"/>
-              <a:t>Entwurf</a:t>
+              <a:t>Wechsel des Grundansatzes</a:t>
             </a:r>
           </a:p>
         </p:txBody>
       </p:sp>
       <p:pic>
         <p:nvPicPr>
-          <p:cNvPr id="6" name="Inhaltsplatzhalter 5"/>
+          <p:cNvPr id="7" name="Inhaltsplatzhalter 6"/>
           <p:cNvPicPr>
             <a:picLocks noGrp="1" noChangeAspect="1"/>
           </p:cNvPicPr>
           <p:nvPr>
-            <p:ph idx="1"/>
+            <p:ph sz="half" idx="1"/>
           </p:nvPr>
         </p:nvPicPr>
         <p:blipFill>
-          <a:blip r:embed="rId2">
+          <a:blip r:embed="rId3">
             <a:extLst>
               <a:ext uri="{28A0092B-C50C-407E-A947-70E740481C1C}">
                 <a14:useLocalDpi xmlns:a14="http://schemas.microsoft.com/office/drawing/2010/main" val="0"/>
@@ -40890,14 +44924,43 @@
         </p:blipFill>
         <p:spPr>
           <a:xfrm>
-            <a:off x="2232314" y="1507218"/>
-            <a:ext cx="7727373" cy="4545514"/>
+            <a:off x="838200" y="1962000"/>
+            <a:ext cx="5181600" cy="3048000"/>
           </a:xfrm>
         </p:spPr>
       </p:pic>
-      <p:sp>
-        <p:nvSpPr>
-          <p:cNvPr id="4" name="Datumsplatzhalter 3"/>
+      <p:pic>
+        <p:nvPicPr>
+          <p:cNvPr id="8" name="Inhaltsplatzhalter 7"/>
+          <p:cNvPicPr>
+            <a:picLocks noGrp="1" noChangeAspect="1"/>
+          </p:cNvPicPr>
+          <p:nvPr>
+            <p:ph sz="half" idx="2"/>
+          </p:nvPr>
+        </p:nvPicPr>
+        <p:blipFill>
+          <a:blip r:embed="rId4">
+            <a:extLst>
+              <a:ext uri="{28A0092B-C50C-407E-A947-70E740481C1C}">
+                <a14:useLocalDpi xmlns:a14="http://schemas.microsoft.com/office/drawing/2010/main" val="0"/>
+              </a:ext>
+            </a:extLst>
+          </a:blip>
+          <a:stretch>
+            <a:fillRect/>
+          </a:stretch>
+        </p:blipFill>
+        <p:spPr>
+          <a:xfrm>
+            <a:off x="6172200" y="1962000"/>
+            <a:ext cx="5181600" cy="3048000"/>
+          </a:xfrm>
+        </p:spPr>
+      </p:pic>
+      <p:sp>
+        <p:nvSpPr>
+          <p:cNvPr id="5" name="Datumsplatzhalter 4"/>
           <p:cNvSpPr>
             <a:spLocks noGrp="1"/>
           </p:cNvSpPr>
@@ -40919,7 +44982,7 @@
       </p:sp>
       <p:sp>
         <p:nvSpPr>
-          <p:cNvPr id="5" name="Fußzeilenplatzhalter 4"/>
+          <p:cNvPr id="6" name="Fußzeilenplatzhalter 5"/>
           <p:cNvSpPr>
             <a:spLocks noGrp="1"/>
           </p:cNvSpPr>
@@ -40936,19 +44999,192 @@
               <a:rPr lang="de-DE"/>
               <a:t>Florian Blessing, Lisa Böhler, Markus Götz, Jan Habersetzer, Wendelin Herrmann</a:t>
             </a:r>
+          </a:p>
+        </p:txBody>
+      </p:sp>
+      <p:sp>
+        <p:nvSpPr>
+          <p:cNvPr id="9" name="Multiplikationszeichen 8"/>
+          <p:cNvSpPr/>
+          <p:nvPr/>
+        </p:nvSpPr>
+        <p:spPr>
+          <a:xfrm>
+            <a:off x="-43873" y="231481"/>
+            <a:ext cx="6945746" cy="6509038"/>
+          </a:xfrm>
+          <a:prstGeom prst="mathMultiply">
+            <a:avLst>
+              <a:gd name="adj1" fmla="val 11256"/>
+            </a:avLst>
+          </a:prstGeom>
+          <a:solidFill>
+            <a:srgbClr val="971917"/>
+          </a:solidFill>
+          <a:ln>
+            <a:solidFill>
+              <a:srgbClr val="971917"/>
+            </a:solidFill>
+          </a:ln>
+        </p:spPr>
+        <p:style>
+          <a:lnRef idx="2">
+            <a:schemeClr val="accent1">
+              <a:shade val="50000"/>
+            </a:schemeClr>
+          </a:lnRef>
+          <a:fillRef idx="1">
+            <a:schemeClr val="accent1"/>
+          </a:fillRef>
+          <a:effectRef idx="0">
+            <a:schemeClr val="accent1"/>
+          </a:effectRef>
+          <a:fontRef idx="minor">
+            <a:schemeClr val="lt1"/>
+          </a:fontRef>
+        </p:style>
+        <p:txBody>
+          <a:bodyPr rtlCol="0" anchor="ctr"/>
+          <a:lstStyle/>
+          <a:p>
+            <a:pPr algn="ctr"/>
+            <a:endParaRPr lang="de-DE"/>
           </a:p>
         </p:txBody>
       </p:sp>
     </p:spTree>
     <p:extLst>
       <p:ext uri="{BB962C8B-B14F-4D97-AF65-F5344CB8AC3E}">
-        <p14:creationId xmlns:p14="http://schemas.microsoft.com/office/powerpoint/2010/main" val="3750113887"/>
+        <p14:creationId xmlns:p14="http://schemas.microsoft.com/office/powerpoint/2010/main" val="1266177872"/>
       </p:ext>
     </p:extLst>
   </p:cSld>
   <p:clrMapOvr>
     <a:masterClrMapping/>
   </p:clrMapOvr>
+  <p:timing>
+    <p:tnLst>
+      <p:par>
+        <p:cTn id="1" dur="indefinite" restart="never" nodeType="tmRoot">
+          <p:childTnLst>
+            <p:seq concurrent="1" nextAc="seek">
+              <p:cTn id="2" dur="indefinite" nodeType="mainSeq">
+                <p:childTnLst>
+                  <p:par>
+                    <p:cTn id="3" fill="hold">
+                      <p:stCondLst>
+                        <p:cond delay="indefinite"/>
+                      </p:stCondLst>
+                      <p:childTnLst>
+                        <p:par>
+                          <p:cTn id="4" fill="hold">
+                            <p:stCondLst>
+                              <p:cond delay="0"/>
+                            </p:stCondLst>
+                            <p:childTnLst>
+                              <p:par>
+                                <p:cTn id="5" presetID="1" presetClass="entr" presetSubtype="0" fill="hold" grpId="0" nodeType="clickEffect">
+                                  <p:stCondLst>
+                                    <p:cond delay="0"/>
+                                  </p:stCondLst>
+                                  <p:childTnLst>
+                                    <p:set>
+                                      <p:cBhvr>
+                                        <p:cTn id="6" dur="1" fill="hold">
+                                          <p:stCondLst>
+                                            <p:cond delay="0"/>
+                                          </p:stCondLst>
+                                        </p:cTn>
+                                        <p:tgtEl>
+                                          <p:spTgt spid="9"/>
+                                        </p:tgtEl>
+                                        <p:attrNameLst>
+                                          <p:attrName>style.visibility</p:attrName>
+                                        </p:attrNameLst>
+                                      </p:cBhvr>
+                                      <p:to>
+                                        <p:strVal val="visible"/>
+                                      </p:to>
+                                    </p:set>
+                                  </p:childTnLst>
+                                </p:cTn>
+                              </p:par>
+                            </p:childTnLst>
+                          </p:cTn>
+                        </p:par>
+                      </p:childTnLst>
+                    </p:cTn>
+                  </p:par>
+                  <p:par>
+                    <p:cTn id="7" fill="hold">
+                      <p:stCondLst>
+                        <p:cond delay="indefinite"/>
+                      </p:stCondLst>
+                      <p:childTnLst>
+                        <p:par>
+                          <p:cTn id="8" fill="hold">
+                            <p:stCondLst>
+                              <p:cond delay="0"/>
+                            </p:stCondLst>
+                            <p:childTnLst>
+                              <p:par>
+                                <p:cTn id="9" presetID="1" presetClass="entr" presetSubtype="0" fill="hold" nodeType="clickEffect">
+                                  <p:stCondLst>
+                                    <p:cond delay="0"/>
+                                  </p:stCondLst>
+                                  <p:childTnLst>
+                                    <p:set>
+                                      <p:cBhvr>
+                                        <p:cTn id="10" dur="1" fill="hold">
+                                          <p:stCondLst>
+                                            <p:cond delay="0"/>
+                                          </p:stCondLst>
+                                        </p:cTn>
+                                        <p:tgtEl>
+                                          <p:spTgt spid="8"/>
+                                        </p:tgtEl>
+                                        <p:attrNameLst>
+                                          <p:attrName>style.visibility</p:attrName>
+                                        </p:attrNameLst>
+                                      </p:cBhvr>
+                                      <p:to>
+                                        <p:strVal val="visible"/>
+                                      </p:to>
+                                    </p:set>
+                                  </p:childTnLst>
+                                </p:cTn>
+                              </p:par>
+                            </p:childTnLst>
+                          </p:cTn>
+                        </p:par>
+                      </p:childTnLst>
+                    </p:cTn>
+                  </p:par>
+                </p:childTnLst>
+              </p:cTn>
+              <p:prevCondLst>
+                <p:cond evt="onPrev" delay="0">
+                  <p:tgtEl>
+                    <p:sldTgt/>
+                  </p:tgtEl>
+                </p:cond>
+              </p:prevCondLst>
+              <p:nextCondLst>
+                <p:cond evt="onNext" delay="0">
+                  <p:tgtEl>
+                    <p:sldTgt/>
+                  </p:tgtEl>
+                </p:cond>
+              </p:nextCondLst>
+            </p:seq>
+          </p:childTnLst>
+        </p:cTn>
+      </p:par>
+    </p:tnLst>
+    <p:bldLst>
+      <p:bldP spid="9" grpId="0" animBg="1"/>
+    </p:bldLst>
+  </p:timing>
 </p:sld>
 </file>
 

--- a/Non-Code (Doku usw.)/Präsentationen/Abschlusspräsentation STEP 2.pptx
+++ b/Non-Code (Doku usw.)/Präsentationen/Abschlusspräsentation STEP 2.pptx
@@ -4921,17 +4921,17 @@
     </dgm:pt>
   </dgm:ptLst>
   <dgm:cxnLst>
+    <dgm:cxn modelId="{DD324545-A34A-4142-98E8-4920D4C782FB}" srcId="{43E2B7A1-61E9-401B-A103-35447287B830}" destId="{DCCC4955-40A3-45B9-A356-D8F9A19CF521}" srcOrd="2" destOrd="0" parTransId="{9451B6CA-DF5F-42B9-9145-57A67BECB728}" sibTransId="{847CAA7A-0133-4147-84B7-998E29533329}"/>
+    <dgm:cxn modelId="{F1BF83E2-4BEF-4E81-9F33-F761F1B4EAF6}" type="presOf" srcId="{DCCC4955-40A3-45B9-A356-D8F9A19CF521}" destId="{18E79364-485C-4E2E-9F27-C66EEB9262E5}" srcOrd="0" destOrd="0" presId="urn:microsoft.com/office/officeart/2005/8/layout/chevron1"/>
+    <dgm:cxn modelId="{D3D68609-AFB3-45F4-A927-9E1E36E1ADB7}" srcId="{43E2B7A1-61E9-401B-A103-35447287B830}" destId="{143DE9F6-9345-4FC5-BDE1-871FE991D82A}" srcOrd="1" destOrd="0" parTransId="{BE05C30A-9B33-4972-8281-BC756A352B11}" sibTransId="{0F24F9C1-504D-4E89-964F-DA708A97717F}"/>
+    <dgm:cxn modelId="{34753739-7E7C-45FA-BEB6-4C7A7713A3ED}" srcId="{43E2B7A1-61E9-401B-A103-35447287B830}" destId="{6DBA4E0F-9AB4-417A-BAB0-BD2998AE047C}" srcOrd="4" destOrd="0" parTransId="{BBF31F1A-D65D-407B-AFFA-C1477929DF86}" sibTransId="{25B9C40F-6A17-48A0-815D-C59C690D439B}"/>
+    <dgm:cxn modelId="{076778DA-C266-45F1-8BD2-37DFC97A0F7F}" type="presOf" srcId="{D1D8320B-91D2-4486-9399-1F09FB851A26}" destId="{0B9EDCF6-A386-4969-BCE7-DF6F75AF55A9}" srcOrd="0" destOrd="0" presId="urn:microsoft.com/office/officeart/2005/8/layout/chevron1"/>
     <dgm:cxn modelId="{DCA339E9-DC34-44B8-95E2-671C252A8FB5}" type="presOf" srcId="{43E2B7A1-61E9-401B-A103-35447287B830}" destId="{364A076C-A699-46C5-9AEC-AB4BCAB43E30}" srcOrd="0" destOrd="0" presId="urn:microsoft.com/office/officeart/2005/8/layout/chevron1"/>
-    <dgm:cxn modelId="{F1BF83E2-4BEF-4E81-9F33-F761F1B4EAF6}" type="presOf" srcId="{DCCC4955-40A3-45B9-A356-D8F9A19CF521}" destId="{18E79364-485C-4E2E-9F27-C66EEB9262E5}" srcOrd="0" destOrd="0" presId="urn:microsoft.com/office/officeart/2005/8/layout/chevron1"/>
+    <dgm:cxn modelId="{6871FF62-8AE0-4795-81ED-E187D332F61B}" srcId="{43E2B7A1-61E9-401B-A103-35447287B830}" destId="{D1D8320B-91D2-4486-9399-1F09FB851A26}" srcOrd="3" destOrd="0" parTransId="{C70193BE-8D38-4C88-8023-5ECBBA60061F}" sibTransId="{0D639B99-DF7C-4EE8-BB33-94D79B8695A4}"/>
+    <dgm:cxn modelId="{8576CC28-9F2D-4081-8BFD-B615BCFCC729}" type="presOf" srcId="{6DBA4E0F-9AB4-417A-BAB0-BD2998AE047C}" destId="{534F45A4-7A18-4428-B2AC-B8559A21B4FC}" srcOrd="0" destOrd="0" presId="urn:microsoft.com/office/officeart/2005/8/layout/chevron1"/>
+    <dgm:cxn modelId="{8EB2EF4A-CD1C-4CA3-A50A-8C881E6C78A9}" type="presOf" srcId="{722F3EE7-F1ED-4747-BABE-D5193433A6C2}" destId="{7FAAC15B-B09D-4273-B8BB-7AA09C9943EB}" srcOrd="0" destOrd="0" presId="urn:microsoft.com/office/officeart/2005/8/layout/chevron1"/>
     <dgm:cxn modelId="{64D84D35-D400-4B49-B970-DE3027E479A4}" srcId="{43E2B7A1-61E9-401B-A103-35447287B830}" destId="{722F3EE7-F1ED-4747-BABE-D5193433A6C2}" srcOrd="0" destOrd="0" parTransId="{079B3C7F-773A-4569-8977-38CAD2A0016C}" sibTransId="{0A5DA1F5-A8B7-4259-A57A-00A859DB6313}"/>
     <dgm:cxn modelId="{03D70354-D445-4D6D-B914-1C599389A667}" type="presOf" srcId="{143DE9F6-9345-4FC5-BDE1-871FE991D82A}" destId="{4ECCB1E8-A330-477B-920F-3C5B7E51EA28}" srcOrd="0" destOrd="0" presId="urn:microsoft.com/office/officeart/2005/8/layout/chevron1"/>
-    <dgm:cxn modelId="{6871FF62-8AE0-4795-81ED-E187D332F61B}" srcId="{43E2B7A1-61E9-401B-A103-35447287B830}" destId="{D1D8320B-91D2-4486-9399-1F09FB851A26}" srcOrd="3" destOrd="0" parTransId="{C70193BE-8D38-4C88-8023-5ECBBA60061F}" sibTransId="{0D639B99-DF7C-4EE8-BB33-94D79B8695A4}"/>
-    <dgm:cxn modelId="{D3D68609-AFB3-45F4-A927-9E1E36E1ADB7}" srcId="{43E2B7A1-61E9-401B-A103-35447287B830}" destId="{143DE9F6-9345-4FC5-BDE1-871FE991D82A}" srcOrd="1" destOrd="0" parTransId="{BE05C30A-9B33-4972-8281-BC756A352B11}" sibTransId="{0F24F9C1-504D-4E89-964F-DA708A97717F}"/>
-    <dgm:cxn modelId="{8576CC28-9F2D-4081-8BFD-B615BCFCC729}" type="presOf" srcId="{6DBA4E0F-9AB4-417A-BAB0-BD2998AE047C}" destId="{534F45A4-7A18-4428-B2AC-B8559A21B4FC}" srcOrd="0" destOrd="0" presId="urn:microsoft.com/office/officeart/2005/8/layout/chevron1"/>
-    <dgm:cxn modelId="{8EB2EF4A-CD1C-4CA3-A50A-8C881E6C78A9}" type="presOf" srcId="{722F3EE7-F1ED-4747-BABE-D5193433A6C2}" destId="{7FAAC15B-B09D-4273-B8BB-7AA09C9943EB}" srcOrd="0" destOrd="0" presId="urn:microsoft.com/office/officeart/2005/8/layout/chevron1"/>
-    <dgm:cxn modelId="{076778DA-C266-45F1-8BD2-37DFC97A0F7F}" type="presOf" srcId="{D1D8320B-91D2-4486-9399-1F09FB851A26}" destId="{0B9EDCF6-A386-4969-BCE7-DF6F75AF55A9}" srcOrd="0" destOrd="0" presId="urn:microsoft.com/office/officeart/2005/8/layout/chevron1"/>
-    <dgm:cxn modelId="{DD324545-A34A-4142-98E8-4920D4C782FB}" srcId="{43E2B7A1-61E9-401B-A103-35447287B830}" destId="{DCCC4955-40A3-45B9-A356-D8F9A19CF521}" srcOrd="2" destOrd="0" parTransId="{9451B6CA-DF5F-42B9-9145-57A67BECB728}" sibTransId="{847CAA7A-0133-4147-84B7-998E29533329}"/>
-    <dgm:cxn modelId="{34753739-7E7C-45FA-BEB6-4C7A7713A3ED}" srcId="{43E2B7A1-61E9-401B-A103-35447287B830}" destId="{6DBA4E0F-9AB4-417A-BAB0-BD2998AE047C}" srcOrd="4" destOrd="0" parTransId="{BBF31F1A-D65D-407B-AFFA-C1477929DF86}" sibTransId="{25B9C40F-6A17-48A0-815D-C59C690D439B}"/>
     <dgm:cxn modelId="{E2111D49-2BCB-4499-80D5-471768C74171}" type="presParOf" srcId="{364A076C-A699-46C5-9AEC-AB4BCAB43E30}" destId="{7FAAC15B-B09D-4273-B8BB-7AA09C9943EB}" srcOrd="0" destOrd="0" presId="urn:microsoft.com/office/officeart/2005/8/layout/chevron1"/>
     <dgm:cxn modelId="{B395AC1E-2B1A-43AB-8ABA-F1B125B49E96}" type="presParOf" srcId="{364A076C-A699-46C5-9AEC-AB4BCAB43E30}" destId="{72E59707-FD57-4ACB-ABFC-B168665EEEAF}" srcOrd="1" destOrd="0" presId="urn:microsoft.com/office/officeart/2005/8/layout/chevron1"/>
     <dgm:cxn modelId="{42008BE1-4C43-4A03-B03F-B54DDC51C308}" type="presParOf" srcId="{364A076C-A699-46C5-9AEC-AB4BCAB43E30}" destId="{4ECCB1E8-A330-477B-920F-3C5B7E51EA28}" srcOrd="2" destOrd="0" presId="urn:microsoft.com/office/officeart/2005/8/layout/chevron1"/>
@@ -5866,16 +5866,16 @@
     </dgm:pt>
   </dgm:ptLst>
   <dgm:cxnLst>
+    <dgm:cxn modelId="{5CAA056D-19E0-4048-8863-66EFD6D7860A}" srcId="{43E2B7A1-61E9-401B-A103-35447287B830}" destId="{0BC02535-0328-4002-A3FB-B8A773D0846A}" srcOrd="2" destOrd="0" parTransId="{406547D5-0518-43D7-953A-1406AAD7A93E}" sibTransId="{A20B4361-6AC8-4DB8-A2EE-F8FBF0D4BC95}"/>
+    <dgm:cxn modelId="{9D644E1D-8046-483A-9C8C-A2EFE5F6CAF3}" type="presOf" srcId="{0BC02535-0328-4002-A3FB-B8A773D0846A}" destId="{B1AEBFC2-1EB2-48B2-961A-D6D324320C6D}" srcOrd="0" destOrd="0" presId="urn:microsoft.com/office/officeart/2005/8/layout/chevron1"/>
+    <dgm:cxn modelId="{64D84D35-D400-4B49-B970-DE3027E479A4}" srcId="{43E2B7A1-61E9-401B-A103-35447287B830}" destId="{722F3EE7-F1ED-4747-BABE-D5193433A6C2}" srcOrd="0" destOrd="0" parTransId="{079B3C7F-773A-4569-8977-38CAD2A0016C}" sibTransId="{0A5DA1F5-A8B7-4259-A57A-00A859DB6313}"/>
+    <dgm:cxn modelId="{057F6079-FCF4-450D-82A5-22EA1F020830}" type="presOf" srcId="{43E2B7A1-61E9-401B-A103-35447287B830}" destId="{364A076C-A699-46C5-9AEC-AB4BCAB43E30}" srcOrd="0" destOrd="0" presId="urn:microsoft.com/office/officeart/2005/8/layout/chevron1"/>
     <dgm:cxn modelId="{926D010F-471D-4503-A02F-5847B24B406E}" srcId="{43E2B7A1-61E9-401B-A103-35447287B830}" destId="{ECBA45AD-075F-42FD-9DDD-A3F7CE0FBDC6}" srcOrd="4" destOrd="0" parTransId="{2E8F27D6-289C-40A9-B057-954D2BCBC0D0}" sibTransId="{9D2EC7AC-0EF2-4221-BA98-F65DE531A9F0}"/>
-    <dgm:cxn modelId="{9D644E1D-8046-483A-9C8C-A2EFE5F6CAF3}" type="presOf" srcId="{0BC02535-0328-4002-A3FB-B8A773D0846A}" destId="{B1AEBFC2-1EB2-48B2-961A-D6D324320C6D}" srcOrd="0" destOrd="0" presId="urn:microsoft.com/office/officeart/2005/8/layout/chevron1"/>
+    <dgm:cxn modelId="{18752923-5B47-4DC3-BB1C-537AAC1634AA}" type="presOf" srcId="{ECBA45AD-075F-42FD-9DDD-A3F7CE0FBDC6}" destId="{A1862056-9954-454F-83F5-F4F451AAA23D}" srcOrd="0" destOrd="0" presId="urn:microsoft.com/office/officeart/2005/8/layout/chevron1"/>
+    <dgm:cxn modelId="{E84EBA85-7B2F-448C-90A8-BEB4652EAB87}" type="presOf" srcId="{143DE9F6-9345-4FC5-BDE1-871FE991D82A}" destId="{4ECCB1E8-A330-477B-920F-3C5B7E51EA28}" srcOrd="0" destOrd="0" presId="urn:microsoft.com/office/officeart/2005/8/layout/chevron1"/>
+    <dgm:cxn modelId="{6871FF62-8AE0-4795-81ED-E187D332F61B}" srcId="{43E2B7A1-61E9-401B-A103-35447287B830}" destId="{D1D8320B-91D2-4486-9399-1F09FB851A26}" srcOrd="3" destOrd="0" parTransId="{C70193BE-8D38-4C88-8023-5ECBBA60061F}" sibTransId="{0D639B99-DF7C-4EE8-BB33-94D79B8695A4}"/>
     <dgm:cxn modelId="{3F006EC0-C637-40E7-8085-7509C04A20A6}" type="presOf" srcId="{722F3EE7-F1ED-4747-BABE-D5193433A6C2}" destId="{7FAAC15B-B09D-4273-B8BB-7AA09C9943EB}" srcOrd="0" destOrd="0" presId="urn:microsoft.com/office/officeart/2005/8/layout/chevron1"/>
     <dgm:cxn modelId="{D3D68609-AFB3-45F4-A927-9E1E36E1ADB7}" srcId="{43E2B7A1-61E9-401B-A103-35447287B830}" destId="{143DE9F6-9345-4FC5-BDE1-871FE991D82A}" srcOrd="1" destOrd="0" parTransId="{BE05C30A-9B33-4972-8281-BC756A352B11}" sibTransId="{0F24F9C1-504D-4E89-964F-DA708A97717F}"/>
-    <dgm:cxn modelId="{057F6079-FCF4-450D-82A5-22EA1F020830}" type="presOf" srcId="{43E2B7A1-61E9-401B-A103-35447287B830}" destId="{364A076C-A699-46C5-9AEC-AB4BCAB43E30}" srcOrd="0" destOrd="0" presId="urn:microsoft.com/office/officeart/2005/8/layout/chevron1"/>
-    <dgm:cxn modelId="{18752923-5B47-4DC3-BB1C-537AAC1634AA}" type="presOf" srcId="{ECBA45AD-075F-42FD-9DDD-A3F7CE0FBDC6}" destId="{A1862056-9954-454F-83F5-F4F451AAA23D}" srcOrd="0" destOrd="0" presId="urn:microsoft.com/office/officeart/2005/8/layout/chevron1"/>
-    <dgm:cxn modelId="{6871FF62-8AE0-4795-81ED-E187D332F61B}" srcId="{43E2B7A1-61E9-401B-A103-35447287B830}" destId="{D1D8320B-91D2-4486-9399-1F09FB851A26}" srcOrd="3" destOrd="0" parTransId="{C70193BE-8D38-4C88-8023-5ECBBA60061F}" sibTransId="{0D639B99-DF7C-4EE8-BB33-94D79B8695A4}"/>
-    <dgm:cxn modelId="{64D84D35-D400-4B49-B970-DE3027E479A4}" srcId="{43E2B7A1-61E9-401B-A103-35447287B830}" destId="{722F3EE7-F1ED-4747-BABE-D5193433A6C2}" srcOrd="0" destOrd="0" parTransId="{079B3C7F-773A-4569-8977-38CAD2A0016C}" sibTransId="{0A5DA1F5-A8B7-4259-A57A-00A859DB6313}"/>
-    <dgm:cxn modelId="{E84EBA85-7B2F-448C-90A8-BEB4652EAB87}" type="presOf" srcId="{143DE9F6-9345-4FC5-BDE1-871FE991D82A}" destId="{4ECCB1E8-A330-477B-920F-3C5B7E51EA28}" srcOrd="0" destOrd="0" presId="urn:microsoft.com/office/officeart/2005/8/layout/chevron1"/>
-    <dgm:cxn modelId="{5CAA056D-19E0-4048-8863-66EFD6D7860A}" srcId="{43E2B7A1-61E9-401B-A103-35447287B830}" destId="{0BC02535-0328-4002-A3FB-B8A773D0846A}" srcOrd="2" destOrd="0" parTransId="{406547D5-0518-43D7-953A-1406AAD7A93E}" sibTransId="{A20B4361-6AC8-4DB8-A2EE-F8FBF0D4BC95}"/>
     <dgm:cxn modelId="{6F1A5909-E60B-4A64-BACE-6DFD7ACCF647}" type="presOf" srcId="{D1D8320B-91D2-4486-9399-1F09FB851A26}" destId="{0B9EDCF6-A386-4969-BCE7-DF6F75AF55A9}" srcOrd="0" destOrd="0" presId="urn:microsoft.com/office/officeart/2005/8/layout/chevron1"/>
     <dgm:cxn modelId="{FE04B7CC-42D3-418A-954F-E462A4A82831}" type="presParOf" srcId="{364A076C-A699-46C5-9AEC-AB4BCAB43E30}" destId="{7FAAC15B-B09D-4273-B8BB-7AA09C9943EB}" srcOrd="0" destOrd="0" presId="urn:microsoft.com/office/officeart/2005/8/layout/chevron1"/>
     <dgm:cxn modelId="{E25CC40F-24FF-4D86-8ABA-747603B60535}" type="presParOf" srcId="{364A076C-A699-46C5-9AEC-AB4BCAB43E30}" destId="{72E59707-FD57-4ACB-ABFC-B168665EEEAF}" srcOrd="1" destOrd="0" presId="urn:microsoft.com/office/officeart/2005/8/layout/chevron1"/>
@@ -42469,7 +42469,9 @@
           </a:xfrm>
         </p:spPr>
         <p:txBody>
-          <a:bodyPr/>
+          <a:bodyPr>
+            <a:normAutofit lnSpcReduction="10000"/>
+          </a:bodyPr>
           <a:lstStyle/>
           <a:p>
             <a:r>
@@ -42494,11 +42496,13 @@
               <a:rPr lang="de-DE" dirty="0"/>
               <a:t>automatische </a:t>
             </a:r>
-            <a:r>
-              <a:rPr lang="de-DE" dirty="0" err="1"/>
-              <a:t>Historieerstellung</a:t>
-            </a:r>
-            <a:endParaRPr lang="de-DE" dirty="0"/>
+            <a:br>
+              <a:rPr lang="de-DE" dirty="0"/>
+            </a:br>
+            <a:r>
+              <a:rPr lang="de-DE" dirty="0"/>
+              <a:t>Historien-Erstellung</a:t>
+            </a:r>
           </a:p>
           <a:p>
             <a:endParaRPr lang="de-DE" dirty="0"/>
@@ -42522,7 +42526,9 @@
           </a:xfrm>
         </p:spPr>
         <p:txBody>
-          <a:bodyPr/>
+          <a:bodyPr>
+            <a:normAutofit lnSpcReduction="10000"/>
+          </a:bodyPr>
           <a:lstStyle/>
           <a:p>
             <a:r>
@@ -43296,7 +43302,7 @@
           </p:nvSpPr>
           <p:spPr bwMode="auto">
             <a:xfrm>
-              <a:off x="4928094" y="1578845"/>
+              <a:off x="4891279" y="1578845"/>
               <a:ext cx="2335812" cy="1332000"/>
             </a:xfrm>
             <a:custGeom>

--- a/Non-Code (Doku usw.)/Präsentationen/Abschlusspräsentation STEP 2.pptx
+++ b/Non-Code (Doku usw.)/Präsentationen/Abschlusspräsentation STEP 2.pptx
@@ -10,10 +10,10 @@
     <p:sldMasterId id="2147483707" r:id="rId6"/>
   </p:sldMasterIdLst>
   <p:notesMasterIdLst>
-    <p:notesMasterId r:id="rId27"/>
+    <p:notesMasterId r:id="rId26"/>
   </p:notesMasterIdLst>
   <p:handoutMasterIdLst>
-    <p:handoutMasterId r:id="rId28"/>
+    <p:handoutMasterId r:id="rId27"/>
   </p:handoutMasterIdLst>
   <p:sldIdLst>
     <p:sldId id="293" r:id="rId7"/>
@@ -35,7 +35,6 @@
     <p:sldId id="325" r:id="rId23"/>
     <p:sldId id="311" r:id="rId24"/>
     <p:sldId id="316" r:id="rId25"/>
-    <p:sldId id="278" r:id="rId26"/>
   </p:sldIdLst>
   <p:sldSz cx="12192000" cy="6858000"/>
   <p:notesSz cx="6858000" cy="9144000"/>
@@ -17663,113 +17662,6 @@
 </p:notes>
 </file>
 
-<file path=ppt/notesSlides/notesSlide5.xml><?xml version="1.0" encoding="utf-8"?>
-<p:notes xmlns:a="http://schemas.openxmlformats.org/drawingml/2006/main" xmlns:r="http://schemas.openxmlformats.org/officeDocument/2006/relationships" xmlns:p="http://schemas.openxmlformats.org/presentationml/2006/main">
-  <p:cSld>
-    <p:spTree>
-      <p:nvGrpSpPr>
-        <p:cNvPr id="1" name=""/>
-        <p:cNvGrpSpPr/>
-        <p:nvPr/>
-      </p:nvGrpSpPr>
-      <p:grpSpPr>
-        <a:xfrm>
-          <a:off x="0" y="0"/>
-          <a:ext cx="0" cy="0"/>
-          <a:chOff x="0" y="0"/>
-          <a:chExt cx="0" cy="0"/>
-        </a:xfrm>
-      </p:grpSpPr>
-      <p:sp>
-        <p:nvSpPr>
-          <p:cNvPr id="2" name="Folienbildplatzhalter 1"/>
-          <p:cNvSpPr>
-            <a:spLocks noGrp="1" noRot="1" noChangeAspect="1"/>
-          </p:cNvSpPr>
-          <p:nvPr>
-            <p:ph type="sldImg"/>
-          </p:nvPr>
-        </p:nvSpPr>
-        <p:spPr/>
-      </p:sp>
-      <p:sp>
-        <p:nvSpPr>
-          <p:cNvPr id="3" name="Notizenplatzhalter 2"/>
-          <p:cNvSpPr>
-            <a:spLocks noGrp="1"/>
-          </p:cNvSpPr>
-          <p:nvPr>
-            <p:ph type="body" idx="1"/>
-          </p:nvPr>
-        </p:nvSpPr>
-        <p:spPr/>
-        <p:txBody>
-          <a:bodyPr/>
-          <a:lstStyle/>
-          <a:p>
-            <a:pPr marL="0" marR="0" lvl="0" indent="0" algn="l" defTabSz="914400" rtl="0" eaLnBrk="1" fontAlgn="auto" latinLnBrk="0" hangingPunct="1">
-              <a:lnSpc>
-                <a:spcPct val="100000"/>
-              </a:lnSpc>
-              <a:spcBef>
-                <a:spcPts val="0"/>
-              </a:spcBef>
-              <a:spcAft>
-                <a:spcPts val="0"/>
-              </a:spcAft>
-              <a:buClrTx/>
-              <a:buSzTx/>
-              <a:buFontTx/>
-              <a:buNone/>
-              <a:tabLst/>
-              <a:defRPr/>
-            </a:pPr>
-            <a:r>
-              <a:rPr lang="de-DE" dirty="0"/>
-              <a:t>Anmerkung: Hier vielleicht nochmal Grafiken der gewählten Lösungen einfügen, damit Grafik reinkommt?</a:t>
-            </a:r>
-          </a:p>
-          <a:p>
-            <a:endParaRPr lang="en-US" dirty="0"/>
-          </a:p>
-        </p:txBody>
-      </p:sp>
-      <p:sp>
-        <p:nvSpPr>
-          <p:cNvPr id="4" name="Foliennummernplatzhalter 3"/>
-          <p:cNvSpPr>
-            <a:spLocks noGrp="1"/>
-          </p:cNvSpPr>
-          <p:nvPr>
-            <p:ph type="sldNum" sz="quarter" idx="10"/>
-          </p:nvPr>
-        </p:nvSpPr>
-        <p:spPr/>
-        <p:txBody>
-          <a:bodyPr/>
-          <a:lstStyle/>
-          <a:p>
-            <a:fld id="{2C6D43BA-BF3B-4C35-86C4-88F3F3542AEC}" type="slidenum">
-              <a:rPr lang="de-DE" smtClean="0"/>
-              <a:t>20</a:t>
-            </a:fld>
-            <a:endParaRPr lang="de-DE"/>
-          </a:p>
-        </p:txBody>
-      </p:sp>
-    </p:spTree>
-    <p:extLst>
-      <p:ext uri="{BB962C8B-B14F-4D97-AF65-F5344CB8AC3E}">
-        <p14:creationId xmlns:p14="http://schemas.microsoft.com/office/powerpoint/2010/main" val="1817359460"/>
-      </p:ext>
-    </p:extLst>
-  </p:cSld>
-  <p:clrMapOvr>
-    <a:masterClrMapping/>
-  </p:clrMapOvr>
-</p:notes>
-</file>
-
 <file path=ppt/slideLayouts/slideLayout1.xml><?xml version="1.0" encoding="utf-8"?>
 <p:sldLayout xmlns:a="http://schemas.openxmlformats.org/drawingml/2006/main" xmlns:r="http://schemas.openxmlformats.org/officeDocument/2006/relationships" xmlns:p="http://schemas.openxmlformats.org/presentationml/2006/main" type="title" preserve="1">
   <p:cSld name="Titelfolie">
@@ -41601,7 +41493,7 @@
           <a:p>
             <a:r>
               <a:rPr lang="de-DE" dirty="0"/>
-              <a:t>keine einheitliche Einbindung aller Vorschlagstypen</a:t>
+              <a:t>keine einheitliche Darstellung aller Vorschlagstypen</a:t>
             </a:r>
           </a:p>
           <a:p>
@@ -42344,7 +42236,7 @@
         <p:spPr>
           <a:xfrm>
             <a:off x="2259990" y="1508400"/>
-            <a:ext cx="7672020" cy="4546800"/>
+            <a:ext cx="7672019" cy="4546800"/>
           </a:xfrm>
         </p:spPr>
       </p:pic>
@@ -43673,94 +43565,6 @@
     <p:extLst>
       <p:ext uri="{BB962C8B-B14F-4D97-AF65-F5344CB8AC3E}">
         <p14:creationId xmlns:p14="http://schemas.microsoft.com/office/powerpoint/2010/main" val="3060933778"/>
-      </p:ext>
-    </p:extLst>
-  </p:cSld>
-  <p:clrMapOvr>
-    <a:masterClrMapping/>
-  </p:clrMapOvr>
-</p:sld>
-</file>
-
-<file path=ppt/slides/slide20.xml><?xml version="1.0" encoding="utf-8"?>
-<p:sld xmlns:a="http://schemas.openxmlformats.org/drawingml/2006/main" xmlns:r="http://schemas.openxmlformats.org/officeDocument/2006/relationships" xmlns:p="http://schemas.openxmlformats.org/presentationml/2006/main">
-  <p:cSld>
-    <p:spTree>
-      <p:nvGrpSpPr>
-        <p:cNvPr id="1" name=""/>
-        <p:cNvGrpSpPr/>
-        <p:nvPr/>
-      </p:nvGrpSpPr>
-      <p:grpSpPr>
-        <a:xfrm>
-          <a:off x="0" y="0"/>
-          <a:ext cx="0" cy="0"/>
-          <a:chOff x="0" y="0"/>
-          <a:chExt cx="0" cy="0"/>
-        </a:xfrm>
-      </p:grpSpPr>
-      <p:sp>
-        <p:nvSpPr>
-          <p:cNvPr id="2" name="Titel 1"/>
-          <p:cNvSpPr>
-            <a:spLocks noGrp="1"/>
-          </p:cNvSpPr>
-          <p:nvPr>
-            <p:ph type="ctrTitle"/>
-          </p:nvPr>
-        </p:nvSpPr>
-        <p:spPr/>
-        <p:txBody>
-          <a:bodyPr/>
-          <a:lstStyle/>
-          <a:p>
-            <a:r>
-              <a:rPr lang="de-DE" dirty="0"/>
-              <a:t>VIELEN DANK!</a:t>
-            </a:r>
-          </a:p>
-        </p:txBody>
-      </p:sp>
-      <p:sp>
-        <p:nvSpPr>
-          <p:cNvPr id="3" name="Untertitel 2"/>
-          <p:cNvSpPr>
-            <a:spLocks noGrp="1"/>
-          </p:cNvSpPr>
-          <p:nvPr>
-            <p:ph type="subTitle" idx="1"/>
-          </p:nvPr>
-        </p:nvSpPr>
-        <p:spPr>
-          <a:xfrm>
-            <a:off x="676275" y="3602038"/>
-            <a:ext cx="10839450" cy="1655762"/>
-          </a:xfrm>
-        </p:spPr>
-        <p:txBody>
-          <a:bodyPr/>
-          <a:lstStyle/>
-          <a:p>
-            <a:r>
-              <a:rPr lang="de-DE" dirty="0"/>
-              <a:t>Gruppenname</a:t>
-            </a:r>
-          </a:p>
-          <a:p>
-            <a:r>
-              <a:rPr lang="de-DE" dirty="0"/>
-              <a:t>Name1, Name2, Name3, Name4</a:t>
-            </a:r>
-          </a:p>
-          <a:p>
-            <a:endParaRPr lang="de-DE" dirty="0"/>
-          </a:p>
-        </p:txBody>
-      </p:sp>
-    </p:spTree>
-    <p:extLst>
-      <p:ext uri="{BB962C8B-B14F-4D97-AF65-F5344CB8AC3E}">
-        <p14:creationId xmlns:p14="http://schemas.microsoft.com/office/powerpoint/2010/main" val="1461806567"/>
       </p:ext>
     </p:extLst>
   </p:cSld>

--- a/Non-Code (Doku usw.)/Präsentationen/Abschlusspräsentation STEP 2.pptx
+++ b/Non-Code (Doku usw.)/Präsentationen/Abschlusspräsentation STEP 2.pptx
@@ -4920,17 +4920,17 @@
     </dgm:pt>
   </dgm:ptLst>
   <dgm:cxnLst>
+    <dgm:cxn modelId="{D3D68609-AFB3-45F4-A927-9E1E36E1ADB7}" srcId="{43E2B7A1-61E9-401B-A103-35447287B830}" destId="{143DE9F6-9345-4FC5-BDE1-871FE991D82A}" srcOrd="1" destOrd="0" parTransId="{BE05C30A-9B33-4972-8281-BC756A352B11}" sibTransId="{0F24F9C1-504D-4E89-964F-DA708A97717F}"/>
+    <dgm:cxn modelId="{8576CC28-9F2D-4081-8BFD-B615BCFCC729}" type="presOf" srcId="{6DBA4E0F-9AB4-417A-BAB0-BD2998AE047C}" destId="{534F45A4-7A18-4428-B2AC-B8559A21B4FC}" srcOrd="0" destOrd="0" presId="urn:microsoft.com/office/officeart/2005/8/layout/chevron1"/>
+    <dgm:cxn modelId="{64D84D35-D400-4B49-B970-DE3027E479A4}" srcId="{43E2B7A1-61E9-401B-A103-35447287B830}" destId="{722F3EE7-F1ED-4747-BABE-D5193433A6C2}" srcOrd="0" destOrd="0" parTransId="{079B3C7F-773A-4569-8977-38CAD2A0016C}" sibTransId="{0A5DA1F5-A8B7-4259-A57A-00A859DB6313}"/>
+    <dgm:cxn modelId="{34753739-7E7C-45FA-BEB6-4C7A7713A3ED}" srcId="{43E2B7A1-61E9-401B-A103-35447287B830}" destId="{6DBA4E0F-9AB4-417A-BAB0-BD2998AE047C}" srcOrd="4" destOrd="0" parTransId="{BBF31F1A-D65D-407B-AFFA-C1477929DF86}" sibTransId="{25B9C40F-6A17-48A0-815D-C59C690D439B}"/>
+    <dgm:cxn modelId="{6871FF62-8AE0-4795-81ED-E187D332F61B}" srcId="{43E2B7A1-61E9-401B-A103-35447287B830}" destId="{D1D8320B-91D2-4486-9399-1F09FB851A26}" srcOrd="3" destOrd="0" parTransId="{C70193BE-8D38-4C88-8023-5ECBBA60061F}" sibTransId="{0D639B99-DF7C-4EE8-BB33-94D79B8695A4}"/>
     <dgm:cxn modelId="{DD324545-A34A-4142-98E8-4920D4C782FB}" srcId="{43E2B7A1-61E9-401B-A103-35447287B830}" destId="{DCCC4955-40A3-45B9-A356-D8F9A19CF521}" srcOrd="2" destOrd="0" parTransId="{9451B6CA-DF5F-42B9-9145-57A67BECB728}" sibTransId="{847CAA7A-0133-4147-84B7-998E29533329}"/>
+    <dgm:cxn modelId="{8EB2EF4A-CD1C-4CA3-A50A-8C881E6C78A9}" type="presOf" srcId="{722F3EE7-F1ED-4747-BABE-D5193433A6C2}" destId="{7FAAC15B-B09D-4273-B8BB-7AA09C9943EB}" srcOrd="0" destOrd="0" presId="urn:microsoft.com/office/officeart/2005/8/layout/chevron1"/>
+    <dgm:cxn modelId="{03D70354-D445-4D6D-B914-1C599389A667}" type="presOf" srcId="{143DE9F6-9345-4FC5-BDE1-871FE991D82A}" destId="{4ECCB1E8-A330-477B-920F-3C5B7E51EA28}" srcOrd="0" destOrd="0" presId="urn:microsoft.com/office/officeart/2005/8/layout/chevron1"/>
+    <dgm:cxn modelId="{076778DA-C266-45F1-8BD2-37DFC97A0F7F}" type="presOf" srcId="{D1D8320B-91D2-4486-9399-1F09FB851A26}" destId="{0B9EDCF6-A386-4969-BCE7-DF6F75AF55A9}" srcOrd="0" destOrd="0" presId="urn:microsoft.com/office/officeart/2005/8/layout/chevron1"/>
     <dgm:cxn modelId="{F1BF83E2-4BEF-4E81-9F33-F761F1B4EAF6}" type="presOf" srcId="{DCCC4955-40A3-45B9-A356-D8F9A19CF521}" destId="{18E79364-485C-4E2E-9F27-C66EEB9262E5}" srcOrd="0" destOrd="0" presId="urn:microsoft.com/office/officeart/2005/8/layout/chevron1"/>
-    <dgm:cxn modelId="{D3D68609-AFB3-45F4-A927-9E1E36E1ADB7}" srcId="{43E2B7A1-61E9-401B-A103-35447287B830}" destId="{143DE9F6-9345-4FC5-BDE1-871FE991D82A}" srcOrd="1" destOrd="0" parTransId="{BE05C30A-9B33-4972-8281-BC756A352B11}" sibTransId="{0F24F9C1-504D-4E89-964F-DA708A97717F}"/>
-    <dgm:cxn modelId="{34753739-7E7C-45FA-BEB6-4C7A7713A3ED}" srcId="{43E2B7A1-61E9-401B-A103-35447287B830}" destId="{6DBA4E0F-9AB4-417A-BAB0-BD2998AE047C}" srcOrd="4" destOrd="0" parTransId="{BBF31F1A-D65D-407B-AFFA-C1477929DF86}" sibTransId="{25B9C40F-6A17-48A0-815D-C59C690D439B}"/>
-    <dgm:cxn modelId="{076778DA-C266-45F1-8BD2-37DFC97A0F7F}" type="presOf" srcId="{D1D8320B-91D2-4486-9399-1F09FB851A26}" destId="{0B9EDCF6-A386-4969-BCE7-DF6F75AF55A9}" srcOrd="0" destOrd="0" presId="urn:microsoft.com/office/officeart/2005/8/layout/chevron1"/>
     <dgm:cxn modelId="{DCA339E9-DC34-44B8-95E2-671C252A8FB5}" type="presOf" srcId="{43E2B7A1-61E9-401B-A103-35447287B830}" destId="{364A076C-A699-46C5-9AEC-AB4BCAB43E30}" srcOrd="0" destOrd="0" presId="urn:microsoft.com/office/officeart/2005/8/layout/chevron1"/>
-    <dgm:cxn modelId="{6871FF62-8AE0-4795-81ED-E187D332F61B}" srcId="{43E2B7A1-61E9-401B-A103-35447287B830}" destId="{D1D8320B-91D2-4486-9399-1F09FB851A26}" srcOrd="3" destOrd="0" parTransId="{C70193BE-8D38-4C88-8023-5ECBBA60061F}" sibTransId="{0D639B99-DF7C-4EE8-BB33-94D79B8695A4}"/>
-    <dgm:cxn modelId="{8576CC28-9F2D-4081-8BFD-B615BCFCC729}" type="presOf" srcId="{6DBA4E0F-9AB4-417A-BAB0-BD2998AE047C}" destId="{534F45A4-7A18-4428-B2AC-B8559A21B4FC}" srcOrd="0" destOrd="0" presId="urn:microsoft.com/office/officeart/2005/8/layout/chevron1"/>
-    <dgm:cxn modelId="{8EB2EF4A-CD1C-4CA3-A50A-8C881E6C78A9}" type="presOf" srcId="{722F3EE7-F1ED-4747-BABE-D5193433A6C2}" destId="{7FAAC15B-B09D-4273-B8BB-7AA09C9943EB}" srcOrd="0" destOrd="0" presId="urn:microsoft.com/office/officeart/2005/8/layout/chevron1"/>
-    <dgm:cxn modelId="{64D84D35-D400-4B49-B970-DE3027E479A4}" srcId="{43E2B7A1-61E9-401B-A103-35447287B830}" destId="{722F3EE7-F1ED-4747-BABE-D5193433A6C2}" srcOrd="0" destOrd="0" parTransId="{079B3C7F-773A-4569-8977-38CAD2A0016C}" sibTransId="{0A5DA1F5-A8B7-4259-A57A-00A859DB6313}"/>
-    <dgm:cxn modelId="{03D70354-D445-4D6D-B914-1C599389A667}" type="presOf" srcId="{143DE9F6-9345-4FC5-BDE1-871FE991D82A}" destId="{4ECCB1E8-A330-477B-920F-3C5B7E51EA28}" srcOrd="0" destOrd="0" presId="urn:microsoft.com/office/officeart/2005/8/layout/chevron1"/>
     <dgm:cxn modelId="{E2111D49-2BCB-4499-80D5-471768C74171}" type="presParOf" srcId="{364A076C-A699-46C5-9AEC-AB4BCAB43E30}" destId="{7FAAC15B-B09D-4273-B8BB-7AA09C9943EB}" srcOrd="0" destOrd="0" presId="urn:microsoft.com/office/officeart/2005/8/layout/chevron1"/>
     <dgm:cxn modelId="{B395AC1E-2B1A-43AB-8ABA-F1B125B49E96}" type="presParOf" srcId="{364A076C-A699-46C5-9AEC-AB4BCAB43E30}" destId="{72E59707-FD57-4ACB-ABFC-B168665EEEAF}" srcOrd="1" destOrd="0" presId="urn:microsoft.com/office/officeart/2005/8/layout/chevron1"/>
     <dgm:cxn modelId="{42008BE1-4C43-4A03-B03F-B54DDC51C308}" type="presParOf" srcId="{364A076C-A699-46C5-9AEC-AB4BCAB43E30}" destId="{4ECCB1E8-A330-477B-920F-3C5B7E51EA28}" srcOrd="2" destOrd="0" presId="urn:microsoft.com/office/officeart/2005/8/layout/chevron1"/>
@@ -5225,17 +5225,17 @@
     </dgm:pt>
   </dgm:ptLst>
   <dgm:cxnLst>
-    <dgm:cxn modelId="{5CAA056D-19E0-4048-8863-66EFD6D7860A}" srcId="{43E2B7A1-61E9-401B-A103-35447287B830}" destId="{0BC02535-0328-4002-A3FB-B8A773D0846A}" srcOrd="2" destOrd="0" parTransId="{406547D5-0518-43D7-953A-1406AAD7A93E}" sibTransId="{A20B4361-6AC8-4DB8-A2EE-F8FBF0D4BC95}"/>
+    <dgm:cxn modelId="{D3D68609-AFB3-45F4-A927-9E1E36E1ADB7}" srcId="{43E2B7A1-61E9-401B-A103-35447287B830}" destId="{143DE9F6-9345-4FC5-BDE1-871FE991D82A}" srcOrd="1" destOrd="0" parTransId="{BE05C30A-9B33-4972-8281-BC756A352B11}" sibTransId="{0F24F9C1-504D-4E89-964F-DA708A97717F}"/>
     <dgm:cxn modelId="{64D84D35-D400-4B49-B970-DE3027E479A4}" srcId="{43E2B7A1-61E9-401B-A103-35447287B830}" destId="{722F3EE7-F1ED-4747-BABE-D5193433A6C2}" srcOrd="0" destOrd="0" parTransId="{079B3C7F-773A-4569-8977-38CAD2A0016C}" sibTransId="{0A5DA1F5-A8B7-4259-A57A-00A859DB6313}"/>
-    <dgm:cxn modelId="{B63724F5-481D-4F4F-A101-D008EAE332F6}" type="presOf" srcId="{0BC02535-0328-4002-A3FB-B8A773D0846A}" destId="{B1AEBFC2-1EB2-48B2-961A-D6D324320C6D}" srcOrd="0" destOrd="0" presId="urn:microsoft.com/office/officeart/2005/8/layout/chevron1"/>
-    <dgm:cxn modelId="{647B2181-3BE6-4ADF-AE8A-215E5DC76A09}" type="presOf" srcId="{722F3EE7-F1ED-4747-BABE-D5193433A6C2}" destId="{7FAAC15B-B09D-4273-B8BB-7AA09C9943EB}" srcOrd="0" destOrd="0" presId="urn:microsoft.com/office/officeart/2005/8/layout/chevron1"/>
-    <dgm:cxn modelId="{2FD0916E-25AD-4056-9198-A85828860282}" srcId="{43E2B7A1-61E9-401B-A103-35447287B830}" destId="{FD5E0741-FA64-46D7-AFEB-24DAD5B2B0A2}" srcOrd="4" destOrd="0" parTransId="{F906B349-E2E6-42A3-9165-4D324AD22A30}" sibTransId="{3D7BF604-A829-41EB-81A7-AFD638E42082}"/>
     <dgm:cxn modelId="{7D1E9E39-B434-4F2E-851A-3BD2BD3AA327}" type="presOf" srcId="{143DE9F6-9345-4FC5-BDE1-871FE991D82A}" destId="{4ECCB1E8-A330-477B-920F-3C5B7E51EA28}" srcOrd="0" destOrd="0" presId="urn:microsoft.com/office/officeart/2005/8/layout/chevron1"/>
     <dgm:cxn modelId="{6871FF62-8AE0-4795-81ED-E187D332F61B}" srcId="{43E2B7A1-61E9-401B-A103-35447287B830}" destId="{D1D8320B-91D2-4486-9399-1F09FB851A26}" srcOrd="3" destOrd="0" parTransId="{C70193BE-8D38-4C88-8023-5ECBBA60061F}" sibTransId="{0D639B99-DF7C-4EE8-BB33-94D79B8695A4}"/>
-    <dgm:cxn modelId="{D3D68609-AFB3-45F4-A927-9E1E36E1ADB7}" srcId="{43E2B7A1-61E9-401B-A103-35447287B830}" destId="{143DE9F6-9345-4FC5-BDE1-871FE991D82A}" srcOrd="1" destOrd="0" parTransId="{BE05C30A-9B33-4972-8281-BC756A352B11}" sibTransId="{0F24F9C1-504D-4E89-964F-DA708A97717F}"/>
+    <dgm:cxn modelId="{5CAA056D-19E0-4048-8863-66EFD6D7860A}" srcId="{43E2B7A1-61E9-401B-A103-35447287B830}" destId="{0BC02535-0328-4002-A3FB-B8A773D0846A}" srcOrd="2" destOrd="0" parTransId="{406547D5-0518-43D7-953A-1406AAD7A93E}" sibTransId="{A20B4361-6AC8-4DB8-A2EE-F8FBF0D4BC95}"/>
+    <dgm:cxn modelId="{2FD0916E-25AD-4056-9198-A85828860282}" srcId="{43E2B7A1-61E9-401B-A103-35447287B830}" destId="{FD5E0741-FA64-46D7-AFEB-24DAD5B2B0A2}" srcOrd="4" destOrd="0" parTransId="{F906B349-E2E6-42A3-9165-4D324AD22A30}" sibTransId="{3D7BF604-A829-41EB-81A7-AFD638E42082}"/>
     <dgm:cxn modelId="{1B313D54-9B42-4184-91F7-6593AA3B55A4}" type="presOf" srcId="{FD5E0741-FA64-46D7-AFEB-24DAD5B2B0A2}" destId="{FB22FCAD-F17A-46F0-B4D6-E9D611223506}" srcOrd="0" destOrd="0" presId="urn:microsoft.com/office/officeart/2005/8/layout/chevron1"/>
+    <dgm:cxn modelId="{4508BC78-4DDA-4AA2-9305-0AAD624F732B}" type="presOf" srcId="{43E2B7A1-61E9-401B-A103-35447287B830}" destId="{364A076C-A699-46C5-9AEC-AB4BCAB43E30}" srcOrd="0" destOrd="0" presId="urn:microsoft.com/office/officeart/2005/8/layout/chevron1"/>
+    <dgm:cxn modelId="{647B2181-3BE6-4ADF-AE8A-215E5DC76A09}" type="presOf" srcId="{722F3EE7-F1ED-4747-BABE-D5193433A6C2}" destId="{7FAAC15B-B09D-4273-B8BB-7AA09C9943EB}" srcOrd="0" destOrd="0" presId="urn:microsoft.com/office/officeart/2005/8/layout/chevron1"/>
+    <dgm:cxn modelId="{B63724F5-481D-4F4F-A101-D008EAE332F6}" type="presOf" srcId="{0BC02535-0328-4002-A3FB-B8A773D0846A}" destId="{B1AEBFC2-1EB2-48B2-961A-D6D324320C6D}" srcOrd="0" destOrd="0" presId="urn:microsoft.com/office/officeart/2005/8/layout/chevron1"/>
     <dgm:cxn modelId="{723F4FFD-8F38-4C30-BC04-8B2208C6CC21}" type="presOf" srcId="{D1D8320B-91D2-4486-9399-1F09FB851A26}" destId="{0B9EDCF6-A386-4969-BCE7-DF6F75AF55A9}" srcOrd="0" destOrd="0" presId="urn:microsoft.com/office/officeart/2005/8/layout/chevron1"/>
-    <dgm:cxn modelId="{4508BC78-4DDA-4AA2-9305-0AAD624F732B}" type="presOf" srcId="{43E2B7A1-61E9-401B-A103-35447287B830}" destId="{364A076C-A699-46C5-9AEC-AB4BCAB43E30}" srcOrd="0" destOrd="0" presId="urn:microsoft.com/office/officeart/2005/8/layout/chevron1"/>
     <dgm:cxn modelId="{2498664A-AC63-42DC-B569-007B58BFBEF5}" type="presParOf" srcId="{364A076C-A699-46C5-9AEC-AB4BCAB43E30}" destId="{7FAAC15B-B09D-4273-B8BB-7AA09C9943EB}" srcOrd="0" destOrd="0" presId="urn:microsoft.com/office/officeart/2005/8/layout/chevron1"/>
     <dgm:cxn modelId="{21718BEF-CB92-4ACF-8657-9103B90BB3EC}" type="presParOf" srcId="{364A076C-A699-46C5-9AEC-AB4BCAB43E30}" destId="{72E59707-FD57-4ACB-ABFC-B168665EEEAF}" srcOrd="1" destOrd="0" presId="urn:microsoft.com/office/officeart/2005/8/layout/chevron1"/>
     <dgm:cxn modelId="{00F125B1-0BE4-4AE3-BD87-96274AB6A329}" type="presParOf" srcId="{364A076C-A699-46C5-9AEC-AB4BCAB43E30}" destId="{4ECCB1E8-A330-477B-920F-3C5B7E51EA28}" srcOrd="2" destOrd="0" presId="urn:microsoft.com/office/officeart/2005/8/layout/chevron1"/>
@@ -5546,17 +5546,17 @@
     </dgm:pt>
   </dgm:ptLst>
   <dgm:cxnLst>
+    <dgm:cxn modelId="{D3D68609-AFB3-45F4-A927-9E1E36E1ADB7}" srcId="{43E2B7A1-61E9-401B-A103-35447287B830}" destId="{143DE9F6-9345-4FC5-BDE1-871FE991D82A}" srcOrd="1" destOrd="0" parTransId="{BE05C30A-9B33-4972-8281-BC756A352B11}" sibTransId="{0F24F9C1-504D-4E89-964F-DA708A97717F}"/>
+    <dgm:cxn modelId="{D7D6231A-77C7-4088-A635-7042E86FB4DC}" type="presOf" srcId="{0BC02535-0328-4002-A3FB-B8A773D0846A}" destId="{B1AEBFC2-1EB2-48B2-961A-D6D324320C6D}" srcOrd="0" destOrd="0" presId="urn:microsoft.com/office/officeart/2005/8/layout/chevron1"/>
+    <dgm:cxn modelId="{22D5F71A-0DEC-4648-AF93-ADEBE10A9CF1}" type="presOf" srcId="{43E2B7A1-61E9-401B-A103-35447287B830}" destId="{364A076C-A699-46C5-9AEC-AB4BCAB43E30}" srcOrd="0" destOrd="0" presId="urn:microsoft.com/office/officeart/2005/8/layout/chevron1"/>
+    <dgm:cxn modelId="{B93FC722-EDDF-4376-B1FD-B2E7E10DE620}" type="presOf" srcId="{D1D8320B-91D2-4486-9399-1F09FB851A26}" destId="{0B9EDCF6-A386-4969-BCE7-DF6F75AF55A9}" srcOrd="0" destOrd="0" presId="urn:microsoft.com/office/officeart/2005/8/layout/chevron1"/>
+    <dgm:cxn modelId="{64D84D35-D400-4B49-B970-DE3027E479A4}" srcId="{43E2B7A1-61E9-401B-A103-35447287B830}" destId="{722F3EE7-F1ED-4747-BABE-D5193433A6C2}" srcOrd="0" destOrd="0" parTransId="{079B3C7F-773A-4569-8977-38CAD2A0016C}" sibTransId="{0A5DA1F5-A8B7-4259-A57A-00A859DB6313}"/>
+    <dgm:cxn modelId="{382E9741-4208-4BE4-8B44-4F032EC3EB9B}" type="presOf" srcId="{143DE9F6-9345-4FC5-BDE1-871FE991D82A}" destId="{4ECCB1E8-A330-477B-920F-3C5B7E51EA28}" srcOrd="0" destOrd="0" presId="urn:microsoft.com/office/officeart/2005/8/layout/chevron1"/>
+    <dgm:cxn modelId="{6871FF62-8AE0-4795-81ED-E187D332F61B}" srcId="{43E2B7A1-61E9-401B-A103-35447287B830}" destId="{D1D8320B-91D2-4486-9399-1F09FB851A26}" srcOrd="3" destOrd="0" parTransId="{C70193BE-8D38-4C88-8023-5ECBBA60061F}" sibTransId="{0D639B99-DF7C-4EE8-BB33-94D79B8695A4}"/>
+    <dgm:cxn modelId="{25A04243-7C61-4D55-861D-A7FB1DCC04AC}" type="presOf" srcId="{722F3EE7-F1ED-4747-BABE-D5193433A6C2}" destId="{7FAAC15B-B09D-4273-B8BB-7AA09C9943EB}" srcOrd="0" destOrd="0" presId="urn:microsoft.com/office/officeart/2005/8/layout/chevron1"/>
     <dgm:cxn modelId="{5CAA056D-19E0-4048-8863-66EFD6D7860A}" srcId="{43E2B7A1-61E9-401B-A103-35447287B830}" destId="{0BC02535-0328-4002-A3FB-B8A773D0846A}" srcOrd="2" destOrd="0" parTransId="{406547D5-0518-43D7-953A-1406AAD7A93E}" sibTransId="{A20B4361-6AC8-4DB8-A2EE-F8FBF0D4BC95}"/>
-    <dgm:cxn modelId="{64D84D35-D400-4B49-B970-DE3027E479A4}" srcId="{43E2B7A1-61E9-401B-A103-35447287B830}" destId="{722F3EE7-F1ED-4747-BABE-D5193433A6C2}" srcOrd="0" destOrd="0" parTransId="{079B3C7F-773A-4569-8977-38CAD2A0016C}" sibTransId="{0A5DA1F5-A8B7-4259-A57A-00A859DB6313}"/>
     <dgm:cxn modelId="{2C387D56-1D2A-40B5-92A9-B6FF3DCE7F10}" type="presOf" srcId="{7690DA45-5389-452C-9C5C-D94AF149D83E}" destId="{F030B5F4-7069-4A7C-8381-5DAA65062B89}" srcOrd="0" destOrd="0" presId="urn:microsoft.com/office/officeart/2005/8/layout/chevron1"/>
-    <dgm:cxn modelId="{382E9741-4208-4BE4-8B44-4F032EC3EB9B}" type="presOf" srcId="{143DE9F6-9345-4FC5-BDE1-871FE991D82A}" destId="{4ECCB1E8-A330-477B-920F-3C5B7E51EA28}" srcOrd="0" destOrd="0" presId="urn:microsoft.com/office/officeart/2005/8/layout/chevron1"/>
-    <dgm:cxn modelId="{25A04243-7C61-4D55-861D-A7FB1DCC04AC}" type="presOf" srcId="{722F3EE7-F1ED-4747-BABE-D5193433A6C2}" destId="{7FAAC15B-B09D-4273-B8BB-7AA09C9943EB}" srcOrd="0" destOrd="0" presId="urn:microsoft.com/office/officeart/2005/8/layout/chevron1"/>
-    <dgm:cxn modelId="{6871FF62-8AE0-4795-81ED-E187D332F61B}" srcId="{43E2B7A1-61E9-401B-A103-35447287B830}" destId="{D1D8320B-91D2-4486-9399-1F09FB851A26}" srcOrd="3" destOrd="0" parTransId="{C70193BE-8D38-4C88-8023-5ECBBA60061F}" sibTransId="{0D639B99-DF7C-4EE8-BB33-94D79B8695A4}"/>
-    <dgm:cxn modelId="{22D5F71A-0DEC-4648-AF93-ADEBE10A9CF1}" type="presOf" srcId="{43E2B7A1-61E9-401B-A103-35447287B830}" destId="{364A076C-A699-46C5-9AEC-AB4BCAB43E30}" srcOrd="0" destOrd="0" presId="urn:microsoft.com/office/officeart/2005/8/layout/chevron1"/>
-    <dgm:cxn modelId="{D3D68609-AFB3-45F4-A927-9E1E36E1ADB7}" srcId="{43E2B7A1-61E9-401B-A103-35447287B830}" destId="{143DE9F6-9345-4FC5-BDE1-871FE991D82A}" srcOrd="1" destOrd="0" parTransId="{BE05C30A-9B33-4972-8281-BC756A352B11}" sibTransId="{0F24F9C1-504D-4E89-964F-DA708A97717F}"/>
     <dgm:cxn modelId="{F64E71EB-B378-4322-81D9-D6D5E3F212A7}" srcId="{43E2B7A1-61E9-401B-A103-35447287B830}" destId="{7690DA45-5389-452C-9C5C-D94AF149D83E}" srcOrd="4" destOrd="0" parTransId="{B76F3A0B-BC98-4ECB-AABB-135CDF370858}" sibTransId="{DD4BF767-CFB6-46EE-9096-A2CEAC77D194}"/>
-    <dgm:cxn modelId="{D7D6231A-77C7-4088-A635-7042E86FB4DC}" type="presOf" srcId="{0BC02535-0328-4002-A3FB-B8A773D0846A}" destId="{B1AEBFC2-1EB2-48B2-961A-D6D324320C6D}" srcOrd="0" destOrd="0" presId="urn:microsoft.com/office/officeart/2005/8/layout/chevron1"/>
-    <dgm:cxn modelId="{B93FC722-EDDF-4376-B1FD-B2E7E10DE620}" type="presOf" srcId="{D1D8320B-91D2-4486-9399-1F09FB851A26}" destId="{0B9EDCF6-A386-4969-BCE7-DF6F75AF55A9}" srcOrd="0" destOrd="0" presId="urn:microsoft.com/office/officeart/2005/8/layout/chevron1"/>
     <dgm:cxn modelId="{D4BEE5A4-967C-4231-8E6E-0FF93A992939}" type="presParOf" srcId="{364A076C-A699-46C5-9AEC-AB4BCAB43E30}" destId="{7FAAC15B-B09D-4273-B8BB-7AA09C9943EB}" srcOrd="0" destOrd="0" presId="urn:microsoft.com/office/officeart/2005/8/layout/chevron1"/>
     <dgm:cxn modelId="{3E0B1D06-4E64-4648-BB86-1B38BDE66C35}" type="presParOf" srcId="{364A076C-A699-46C5-9AEC-AB4BCAB43E30}" destId="{72E59707-FD57-4ACB-ABFC-B168665EEEAF}" srcOrd="1" destOrd="0" presId="urn:microsoft.com/office/officeart/2005/8/layout/chevron1"/>
     <dgm:cxn modelId="{14CA14B0-DDC4-4A79-9FA4-7B9B4E292E0C}" type="presParOf" srcId="{364A076C-A699-46C5-9AEC-AB4BCAB43E30}" destId="{4ECCB1E8-A330-477B-920F-3C5B7E51EA28}" srcOrd="2" destOrd="0" presId="urn:microsoft.com/office/officeart/2005/8/layout/chevron1"/>
@@ -5865,17 +5865,17 @@
     </dgm:pt>
   </dgm:ptLst>
   <dgm:cxnLst>
+    <dgm:cxn modelId="{6F1A5909-E60B-4A64-BACE-6DFD7ACCF647}" type="presOf" srcId="{D1D8320B-91D2-4486-9399-1F09FB851A26}" destId="{0B9EDCF6-A386-4969-BCE7-DF6F75AF55A9}" srcOrd="0" destOrd="0" presId="urn:microsoft.com/office/officeart/2005/8/layout/chevron1"/>
+    <dgm:cxn modelId="{D3D68609-AFB3-45F4-A927-9E1E36E1ADB7}" srcId="{43E2B7A1-61E9-401B-A103-35447287B830}" destId="{143DE9F6-9345-4FC5-BDE1-871FE991D82A}" srcOrd="1" destOrd="0" parTransId="{BE05C30A-9B33-4972-8281-BC756A352B11}" sibTransId="{0F24F9C1-504D-4E89-964F-DA708A97717F}"/>
+    <dgm:cxn modelId="{926D010F-471D-4503-A02F-5847B24B406E}" srcId="{43E2B7A1-61E9-401B-A103-35447287B830}" destId="{ECBA45AD-075F-42FD-9DDD-A3F7CE0FBDC6}" srcOrd="4" destOrd="0" parTransId="{2E8F27D6-289C-40A9-B057-954D2BCBC0D0}" sibTransId="{9D2EC7AC-0EF2-4221-BA98-F65DE531A9F0}"/>
+    <dgm:cxn modelId="{9D644E1D-8046-483A-9C8C-A2EFE5F6CAF3}" type="presOf" srcId="{0BC02535-0328-4002-A3FB-B8A773D0846A}" destId="{B1AEBFC2-1EB2-48B2-961A-D6D324320C6D}" srcOrd="0" destOrd="0" presId="urn:microsoft.com/office/officeart/2005/8/layout/chevron1"/>
+    <dgm:cxn modelId="{18752923-5B47-4DC3-BB1C-537AAC1634AA}" type="presOf" srcId="{ECBA45AD-075F-42FD-9DDD-A3F7CE0FBDC6}" destId="{A1862056-9954-454F-83F5-F4F451AAA23D}" srcOrd="0" destOrd="0" presId="urn:microsoft.com/office/officeart/2005/8/layout/chevron1"/>
+    <dgm:cxn modelId="{64D84D35-D400-4B49-B970-DE3027E479A4}" srcId="{43E2B7A1-61E9-401B-A103-35447287B830}" destId="{722F3EE7-F1ED-4747-BABE-D5193433A6C2}" srcOrd="0" destOrd="0" parTransId="{079B3C7F-773A-4569-8977-38CAD2A0016C}" sibTransId="{0A5DA1F5-A8B7-4259-A57A-00A859DB6313}"/>
+    <dgm:cxn modelId="{6871FF62-8AE0-4795-81ED-E187D332F61B}" srcId="{43E2B7A1-61E9-401B-A103-35447287B830}" destId="{D1D8320B-91D2-4486-9399-1F09FB851A26}" srcOrd="3" destOrd="0" parTransId="{C70193BE-8D38-4C88-8023-5ECBBA60061F}" sibTransId="{0D639B99-DF7C-4EE8-BB33-94D79B8695A4}"/>
     <dgm:cxn modelId="{5CAA056D-19E0-4048-8863-66EFD6D7860A}" srcId="{43E2B7A1-61E9-401B-A103-35447287B830}" destId="{0BC02535-0328-4002-A3FB-B8A773D0846A}" srcOrd="2" destOrd="0" parTransId="{406547D5-0518-43D7-953A-1406AAD7A93E}" sibTransId="{A20B4361-6AC8-4DB8-A2EE-F8FBF0D4BC95}"/>
-    <dgm:cxn modelId="{9D644E1D-8046-483A-9C8C-A2EFE5F6CAF3}" type="presOf" srcId="{0BC02535-0328-4002-A3FB-B8A773D0846A}" destId="{B1AEBFC2-1EB2-48B2-961A-D6D324320C6D}" srcOrd="0" destOrd="0" presId="urn:microsoft.com/office/officeart/2005/8/layout/chevron1"/>
-    <dgm:cxn modelId="{64D84D35-D400-4B49-B970-DE3027E479A4}" srcId="{43E2B7A1-61E9-401B-A103-35447287B830}" destId="{722F3EE7-F1ED-4747-BABE-D5193433A6C2}" srcOrd="0" destOrd="0" parTransId="{079B3C7F-773A-4569-8977-38CAD2A0016C}" sibTransId="{0A5DA1F5-A8B7-4259-A57A-00A859DB6313}"/>
     <dgm:cxn modelId="{057F6079-FCF4-450D-82A5-22EA1F020830}" type="presOf" srcId="{43E2B7A1-61E9-401B-A103-35447287B830}" destId="{364A076C-A699-46C5-9AEC-AB4BCAB43E30}" srcOrd="0" destOrd="0" presId="urn:microsoft.com/office/officeart/2005/8/layout/chevron1"/>
-    <dgm:cxn modelId="{926D010F-471D-4503-A02F-5847B24B406E}" srcId="{43E2B7A1-61E9-401B-A103-35447287B830}" destId="{ECBA45AD-075F-42FD-9DDD-A3F7CE0FBDC6}" srcOrd="4" destOrd="0" parTransId="{2E8F27D6-289C-40A9-B057-954D2BCBC0D0}" sibTransId="{9D2EC7AC-0EF2-4221-BA98-F65DE531A9F0}"/>
-    <dgm:cxn modelId="{18752923-5B47-4DC3-BB1C-537AAC1634AA}" type="presOf" srcId="{ECBA45AD-075F-42FD-9DDD-A3F7CE0FBDC6}" destId="{A1862056-9954-454F-83F5-F4F451AAA23D}" srcOrd="0" destOrd="0" presId="urn:microsoft.com/office/officeart/2005/8/layout/chevron1"/>
     <dgm:cxn modelId="{E84EBA85-7B2F-448C-90A8-BEB4652EAB87}" type="presOf" srcId="{143DE9F6-9345-4FC5-BDE1-871FE991D82A}" destId="{4ECCB1E8-A330-477B-920F-3C5B7E51EA28}" srcOrd="0" destOrd="0" presId="urn:microsoft.com/office/officeart/2005/8/layout/chevron1"/>
-    <dgm:cxn modelId="{6871FF62-8AE0-4795-81ED-E187D332F61B}" srcId="{43E2B7A1-61E9-401B-A103-35447287B830}" destId="{D1D8320B-91D2-4486-9399-1F09FB851A26}" srcOrd="3" destOrd="0" parTransId="{C70193BE-8D38-4C88-8023-5ECBBA60061F}" sibTransId="{0D639B99-DF7C-4EE8-BB33-94D79B8695A4}"/>
     <dgm:cxn modelId="{3F006EC0-C637-40E7-8085-7509C04A20A6}" type="presOf" srcId="{722F3EE7-F1ED-4747-BABE-D5193433A6C2}" destId="{7FAAC15B-B09D-4273-B8BB-7AA09C9943EB}" srcOrd="0" destOrd="0" presId="urn:microsoft.com/office/officeart/2005/8/layout/chevron1"/>
-    <dgm:cxn modelId="{D3D68609-AFB3-45F4-A927-9E1E36E1ADB7}" srcId="{43E2B7A1-61E9-401B-A103-35447287B830}" destId="{143DE9F6-9345-4FC5-BDE1-871FE991D82A}" srcOrd="1" destOrd="0" parTransId="{BE05C30A-9B33-4972-8281-BC756A352B11}" sibTransId="{0F24F9C1-504D-4E89-964F-DA708A97717F}"/>
-    <dgm:cxn modelId="{6F1A5909-E60B-4A64-BACE-6DFD7ACCF647}" type="presOf" srcId="{D1D8320B-91D2-4486-9399-1F09FB851A26}" destId="{0B9EDCF6-A386-4969-BCE7-DF6F75AF55A9}" srcOrd="0" destOrd="0" presId="urn:microsoft.com/office/officeart/2005/8/layout/chevron1"/>
     <dgm:cxn modelId="{FE04B7CC-42D3-418A-954F-E462A4A82831}" type="presParOf" srcId="{364A076C-A699-46C5-9AEC-AB4BCAB43E30}" destId="{7FAAC15B-B09D-4273-B8BB-7AA09C9943EB}" srcOrd="0" destOrd="0" presId="urn:microsoft.com/office/officeart/2005/8/layout/chevron1"/>
     <dgm:cxn modelId="{E25CC40F-24FF-4D86-8ABA-747603B60535}" type="presParOf" srcId="{364A076C-A699-46C5-9AEC-AB4BCAB43E30}" destId="{72E59707-FD57-4ACB-ABFC-B168665EEEAF}" srcOrd="1" destOrd="0" presId="urn:microsoft.com/office/officeart/2005/8/layout/chevron1"/>
     <dgm:cxn modelId="{788D0B31-E69C-4EE6-B9BB-A453D80154DB}" type="presParOf" srcId="{364A076C-A699-46C5-9AEC-AB4BCAB43E30}" destId="{4ECCB1E8-A330-477B-920F-3C5B7E51EA28}" srcOrd="2" destOrd="0" presId="urn:microsoft.com/office/officeart/2005/8/layout/chevron1"/>
@@ -6186,17 +6186,17 @@
     </dgm:pt>
   </dgm:ptLst>
   <dgm:cxnLst>
+    <dgm:cxn modelId="{6F1A5909-E60B-4A64-BACE-6DFD7ACCF647}" type="presOf" srcId="{D1D8320B-91D2-4486-9399-1F09FB851A26}" destId="{0B9EDCF6-A386-4969-BCE7-DF6F75AF55A9}" srcOrd="0" destOrd="0" presId="urn:microsoft.com/office/officeart/2005/8/layout/chevron1"/>
+    <dgm:cxn modelId="{D3D68609-AFB3-45F4-A927-9E1E36E1ADB7}" srcId="{43E2B7A1-61E9-401B-A103-35447287B830}" destId="{143DE9F6-9345-4FC5-BDE1-871FE991D82A}" srcOrd="1" destOrd="0" parTransId="{BE05C30A-9B33-4972-8281-BC756A352B11}" sibTransId="{0F24F9C1-504D-4E89-964F-DA708A97717F}"/>
+    <dgm:cxn modelId="{926D010F-471D-4503-A02F-5847B24B406E}" srcId="{43E2B7A1-61E9-401B-A103-35447287B830}" destId="{ECBA45AD-075F-42FD-9DDD-A3F7CE0FBDC6}" srcOrd="4" destOrd="0" parTransId="{2E8F27D6-289C-40A9-B057-954D2BCBC0D0}" sibTransId="{9D2EC7AC-0EF2-4221-BA98-F65DE531A9F0}"/>
+    <dgm:cxn modelId="{9D644E1D-8046-483A-9C8C-A2EFE5F6CAF3}" type="presOf" srcId="{0BC02535-0328-4002-A3FB-B8A773D0846A}" destId="{B1AEBFC2-1EB2-48B2-961A-D6D324320C6D}" srcOrd="0" destOrd="0" presId="urn:microsoft.com/office/officeart/2005/8/layout/chevron1"/>
+    <dgm:cxn modelId="{18752923-5B47-4DC3-BB1C-537AAC1634AA}" type="presOf" srcId="{ECBA45AD-075F-42FD-9DDD-A3F7CE0FBDC6}" destId="{A1862056-9954-454F-83F5-F4F451AAA23D}" srcOrd="0" destOrd="0" presId="urn:microsoft.com/office/officeart/2005/8/layout/chevron1"/>
+    <dgm:cxn modelId="{64D84D35-D400-4B49-B970-DE3027E479A4}" srcId="{43E2B7A1-61E9-401B-A103-35447287B830}" destId="{722F3EE7-F1ED-4747-BABE-D5193433A6C2}" srcOrd="0" destOrd="0" parTransId="{079B3C7F-773A-4569-8977-38CAD2A0016C}" sibTransId="{0A5DA1F5-A8B7-4259-A57A-00A859DB6313}"/>
+    <dgm:cxn modelId="{6871FF62-8AE0-4795-81ED-E187D332F61B}" srcId="{43E2B7A1-61E9-401B-A103-35447287B830}" destId="{D1D8320B-91D2-4486-9399-1F09FB851A26}" srcOrd="3" destOrd="0" parTransId="{C70193BE-8D38-4C88-8023-5ECBBA60061F}" sibTransId="{0D639B99-DF7C-4EE8-BB33-94D79B8695A4}"/>
     <dgm:cxn modelId="{5CAA056D-19E0-4048-8863-66EFD6D7860A}" srcId="{43E2B7A1-61E9-401B-A103-35447287B830}" destId="{0BC02535-0328-4002-A3FB-B8A773D0846A}" srcOrd="2" destOrd="0" parTransId="{406547D5-0518-43D7-953A-1406AAD7A93E}" sibTransId="{A20B4361-6AC8-4DB8-A2EE-F8FBF0D4BC95}"/>
-    <dgm:cxn modelId="{9D644E1D-8046-483A-9C8C-A2EFE5F6CAF3}" type="presOf" srcId="{0BC02535-0328-4002-A3FB-B8A773D0846A}" destId="{B1AEBFC2-1EB2-48B2-961A-D6D324320C6D}" srcOrd="0" destOrd="0" presId="urn:microsoft.com/office/officeart/2005/8/layout/chevron1"/>
-    <dgm:cxn modelId="{64D84D35-D400-4B49-B970-DE3027E479A4}" srcId="{43E2B7A1-61E9-401B-A103-35447287B830}" destId="{722F3EE7-F1ED-4747-BABE-D5193433A6C2}" srcOrd="0" destOrd="0" parTransId="{079B3C7F-773A-4569-8977-38CAD2A0016C}" sibTransId="{0A5DA1F5-A8B7-4259-A57A-00A859DB6313}"/>
     <dgm:cxn modelId="{057F6079-FCF4-450D-82A5-22EA1F020830}" type="presOf" srcId="{43E2B7A1-61E9-401B-A103-35447287B830}" destId="{364A076C-A699-46C5-9AEC-AB4BCAB43E30}" srcOrd="0" destOrd="0" presId="urn:microsoft.com/office/officeart/2005/8/layout/chevron1"/>
-    <dgm:cxn modelId="{926D010F-471D-4503-A02F-5847B24B406E}" srcId="{43E2B7A1-61E9-401B-A103-35447287B830}" destId="{ECBA45AD-075F-42FD-9DDD-A3F7CE0FBDC6}" srcOrd="4" destOrd="0" parTransId="{2E8F27D6-289C-40A9-B057-954D2BCBC0D0}" sibTransId="{9D2EC7AC-0EF2-4221-BA98-F65DE531A9F0}"/>
-    <dgm:cxn modelId="{18752923-5B47-4DC3-BB1C-537AAC1634AA}" type="presOf" srcId="{ECBA45AD-075F-42FD-9DDD-A3F7CE0FBDC6}" destId="{A1862056-9954-454F-83F5-F4F451AAA23D}" srcOrd="0" destOrd="0" presId="urn:microsoft.com/office/officeart/2005/8/layout/chevron1"/>
     <dgm:cxn modelId="{E84EBA85-7B2F-448C-90A8-BEB4652EAB87}" type="presOf" srcId="{143DE9F6-9345-4FC5-BDE1-871FE991D82A}" destId="{4ECCB1E8-A330-477B-920F-3C5B7E51EA28}" srcOrd="0" destOrd="0" presId="urn:microsoft.com/office/officeart/2005/8/layout/chevron1"/>
-    <dgm:cxn modelId="{6871FF62-8AE0-4795-81ED-E187D332F61B}" srcId="{43E2B7A1-61E9-401B-A103-35447287B830}" destId="{D1D8320B-91D2-4486-9399-1F09FB851A26}" srcOrd="3" destOrd="0" parTransId="{C70193BE-8D38-4C88-8023-5ECBBA60061F}" sibTransId="{0D639B99-DF7C-4EE8-BB33-94D79B8695A4}"/>
     <dgm:cxn modelId="{3F006EC0-C637-40E7-8085-7509C04A20A6}" type="presOf" srcId="{722F3EE7-F1ED-4747-BABE-D5193433A6C2}" destId="{7FAAC15B-B09D-4273-B8BB-7AA09C9943EB}" srcOrd="0" destOrd="0" presId="urn:microsoft.com/office/officeart/2005/8/layout/chevron1"/>
-    <dgm:cxn modelId="{D3D68609-AFB3-45F4-A927-9E1E36E1ADB7}" srcId="{43E2B7A1-61E9-401B-A103-35447287B830}" destId="{143DE9F6-9345-4FC5-BDE1-871FE991D82A}" srcOrd="1" destOrd="0" parTransId="{BE05C30A-9B33-4972-8281-BC756A352B11}" sibTransId="{0F24F9C1-504D-4E89-964F-DA708A97717F}"/>
-    <dgm:cxn modelId="{6F1A5909-E60B-4A64-BACE-6DFD7ACCF647}" type="presOf" srcId="{D1D8320B-91D2-4486-9399-1F09FB851A26}" destId="{0B9EDCF6-A386-4969-BCE7-DF6F75AF55A9}" srcOrd="0" destOrd="0" presId="urn:microsoft.com/office/officeart/2005/8/layout/chevron1"/>
     <dgm:cxn modelId="{FE04B7CC-42D3-418A-954F-E462A4A82831}" type="presParOf" srcId="{364A076C-A699-46C5-9AEC-AB4BCAB43E30}" destId="{7FAAC15B-B09D-4273-B8BB-7AA09C9943EB}" srcOrd="0" destOrd="0" presId="urn:microsoft.com/office/officeart/2005/8/layout/chevron1"/>
     <dgm:cxn modelId="{E25CC40F-24FF-4D86-8ABA-747603B60535}" type="presParOf" srcId="{364A076C-A699-46C5-9AEC-AB4BCAB43E30}" destId="{72E59707-FD57-4ACB-ABFC-B168665EEEAF}" srcOrd="1" destOrd="0" presId="urn:microsoft.com/office/officeart/2005/8/layout/chevron1"/>
     <dgm:cxn modelId="{788D0B31-E69C-4EE6-B9BB-A453D80154DB}" type="presParOf" srcId="{364A076C-A699-46C5-9AEC-AB4BCAB43E30}" destId="{4ECCB1E8-A330-477B-920F-3C5B7E51EA28}" srcOrd="2" destOrd="0" presId="urn:microsoft.com/office/officeart/2005/8/layout/chevron1"/>
@@ -6460,15 +6460,15 @@
     </dgm:pt>
   </dgm:ptLst>
   <dgm:cxnLst>
+    <dgm:cxn modelId="{DD3E080B-33E6-43CC-8997-28C19DAD16B5}" type="presOf" srcId="{B138B07E-0C92-4E33-AF6F-BAE71D9049D8}" destId="{999E5ABE-CD00-4E0A-B3FD-EE0F9B45D0EF}" srcOrd="0" destOrd="0" presId="urn:microsoft.com/office/officeart/2005/8/layout/chevron1"/>
+    <dgm:cxn modelId="{78112C30-1C59-48D8-B4F8-AE055777C04F}" srcId="{A183374D-C78D-43A3-A970-7BCE64E6A380}" destId="{723B0B2B-4CD2-4F0B-A7BD-9F4D7B1DB527}" srcOrd="3" destOrd="0" parTransId="{59D5EFFC-4827-4D8D-91F6-B86896DA6CAC}" sibTransId="{A2200CB8-AEC4-4699-9B03-92814C123C6C}"/>
+    <dgm:cxn modelId="{0C461D42-5423-4C71-88CC-F4E73D4A9CDD}" type="presOf" srcId="{3E815AAE-6AB7-4D8C-B99E-DF18341AA3D9}" destId="{A0BACE3D-FFD9-4895-A746-C9E6756C0807}" srcOrd="0" destOrd="0" presId="urn:microsoft.com/office/officeart/2005/8/layout/chevron1"/>
+    <dgm:cxn modelId="{E1CC8E59-1E06-4AF0-8475-4FCD7E223559}" type="presOf" srcId="{723B0B2B-4CD2-4F0B-A7BD-9F4D7B1DB527}" destId="{63B49E9E-B2E6-432C-ACE5-9FA7EEBDE9A2}" srcOrd="0" destOrd="0" presId="urn:microsoft.com/office/officeart/2005/8/layout/chevron1"/>
+    <dgm:cxn modelId="{2988DDAE-E440-4F46-A609-D2985010C355}" type="presOf" srcId="{A183374D-C78D-43A3-A970-7BCE64E6A380}" destId="{DA49572B-217B-4DCB-B01E-047FB3ADD7F3}" srcOrd="0" destOrd="0" presId="urn:microsoft.com/office/officeart/2005/8/layout/chevron1"/>
+    <dgm:cxn modelId="{93025BD8-A6AC-4512-8377-78702A5E6D40}" srcId="{A183374D-C78D-43A3-A970-7BCE64E6A380}" destId="{B138B07E-0C92-4E33-AF6F-BAE71D9049D8}" srcOrd="2" destOrd="0" parTransId="{C560D590-CB2D-46D0-9795-D8772EF17100}" sibTransId="{75FB62BA-C492-4E0B-A068-33386135CECC}"/>
     <dgm:cxn modelId="{FC73D4D9-7DFF-4BBA-A06F-F860813712EA}" type="presOf" srcId="{7B8A7451-AF37-44EC-8564-767A5B35EDE3}" destId="{5F0077E2-EE8C-4A62-9198-611113A0F425}" srcOrd="0" destOrd="0" presId="urn:microsoft.com/office/officeart/2005/8/layout/chevron1"/>
-    <dgm:cxn modelId="{78112C30-1C59-48D8-B4F8-AE055777C04F}" srcId="{A183374D-C78D-43A3-A970-7BCE64E6A380}" destId="{723B0B2B-4CD2-4F0B-A7BD-9F4D7B1DB527}" srcOrd="3" destOrd="0" parTransId="{59D5EFFC-4827-4D8D-91F6-B86896DA6CAC}" sibTransId="{A2200CB8-AEC4-4699-9B03-92814C123C6C}"/>
     <dgm:cxn modelId="{80F216F4-BCB6-46E7-ADF0-DDEFFD7B5DB4}" srcId="{A183374D-C78D-43A3-A970-7BCE64E6A380}" destId="{7B8A7451-AF37-44EC-8564-767A5B35EDE3}" srcOrd="0" destOrd="0" parTransId="{E9DF24BA-78D5-47AD-8F9F-0909E5BCC87B}" sibTransId="{C294AFD5-15E6-4620-930D-5BDE4132D1D5}"/>
-    <dgm:cxn modelId="{0C461D42-5423-4C71-88CC-F4E73D4A9CDD}" type="presOf" srcId="{3E815AAE-6AB7-4D8C-B99E-DF18341AA3D9}" destId="{A0BACE3D-FFD9-4895-A746-C9E6756C0807}" srcOrd="0" destOrd="0" presId="urn:microsoft.com/office/officeart/2005/8/layout/chevron1"/>
-    <dgm:cxn modelId="{DD3E080B-33E6-43CC-8997-28C19DAD16B5}" type="presOf" srcId="{B138B07E-0C92-4E33-AF6F-BAE71D9049D8}" destId="{999E5ABE-CD00-4E0A-B3FD-EE0F9B45D0EF}" srcOrd="0" destOrd="0" presId="urn:microsoft.com/office/officeart/2005/8/layout/chevron1"/>
-    <dgm:cxn modelId="{E1CC8E59-1E06-4AF0-8475-4FCD7E223559}" type="presOf" srcId="{723B0B2B-4CD2-4F0B-A7BD-9F4D7B1DB527}" destId="{63B49E9E-B2E6-432C-ACE5-9FA7EEBDE9A2}" srcOrd="0" destOrd="0" presId="urn:microsoft.com/office/officeart/2005/8/layout/chevron1"/>
-    <dgm:cxn modelId="{93025BD8-A6AC-4512-8377-78702A5E6D40}" srcId="{A183374D-C78D-43A3-A970-7BCE64E6A380}" destId="{B138B07E-0C92-4E33-AF6F-BAE71D9049D8}" srcOrd="2" destOrd="0" parTransId="{C560D590-CB2D-46D0-9795-D8772EF17100}" sibTransId="{75FB62BA-C492-4E0B-A068-33386135CECC}"/>
     <dgm:cxn modelId="{498F6BFE-7981-406D-81FE-272BD405F8EE}" srcId="{A183374D-C78D-43A3-A970-7BCE64E6A380}" destId="{3E815AAE-6AB7-4D8C-B99E-DF18341AA3D9}" srcOrd="1" destOrd="0" parTransId="{1C424F74-B4FF-4345-A37D-66F584835AB8}" sibTransId="{1EECE6D5-FC46-4860-9CD6-22498978B359}"/>
-    <dgm:cxn modelId="{2988DDAE-E440-4F46-A609-D2985010C355}" type="presOf" srcId="{A183374D-C78D-43A3-A970-7BCE64E6A380}" destId="{DA49572B-217B-4DCB-B01E-047FB3ADD7F3}" srcOrd="0" destOrd="0" presId="urn:microsoft.com/office/officeart/2005/8/layout/chevron1"/>
     <dgm:cxn modelId="{FC8F9ACC-EC0A-4516-B1F2-9C5734010C60}" type="presParOf" srcId="{DA49572B-217B-4DCB-B01E-047FB3ADD7F3}" destId="{5F0077E2-EE8C-4A62-9198-611113A0F425}" srcOrd="0" destOrd="0" presId="urn:microsoft.com/office/officeart/2005/8/layout/chevron1"/>
     <dgm:cxn modelId="{A0C64FB6-8EC4-40D8-A5A4-689DC61A5627}" type="presParOf" srcId="{DA49572B-217B-4DCB-B01E-047FB3ADD7F3}" destId="{03164F68-5029-41E0-A260-E2A9243D4F99}" srcOrd="1" destOrd="0" presId="urn:microsoft.com/office/officeart/2005/8/layout/chevron1"/>
     <dgm:cxn modelId="{00974CFF-EB1E-4EFA-897C-F6F4F4AB04B4}" type="presParOf" srcId="{DA49572B-217B-4DCB-B01E-047FB3ADD7F3}" destId="{A0BACE3D-FFD9-4895-A746-C9E6756C0807}" srcOrd="2" destOrd="0" presId="urn:microsoft.com/office/officeart/2005/8/layout/chevron1"/>
@@ -16669,7 +16669,7 @@
           <a:p>
             <a:fld id="{B3BF51E1-E418-4EEC-836E-5CFF5E7A6C5B}" type="datetimeFigureOut">
               <a:rPr lang="de-DE" smtClean="0"/>
-              <a:t>22.01.2017</a:t>
+              <a:t>31.03.2017</a:t>
             </a:fld>
             <a:endParaRPr lang="de-DE"/>
           </a:p>
@@ -16834,7 +16834,7 @@
           <a:p>
             <a:fld id="{AAE480F6-1629-4183-9B8E-99B98793D212}" type="datetimeFigureOut">
               <a:rPr lang="de-DE" smtClean="0"/>
-              <a:t>22.01.2017</a:t>
+              <a:t>31.03.2017</a:t>
             </a:fld>
             <a:endParaRPr lang="de-DE"/>
           </a:p>
@@ -43766,7 +43766,7 @@
           <a:lstStyle/>
           <a:p>
             <a:r>
-              <a:rPr lang="de-DE"/>
+              <a:rPr lang="de-DE" dirty="0"/>
               <a:t>Florian Blessing, Lisa Böhler, Markus Götz, Jan Habersetzer, Wendelin Herrmann</a:t>
             </a:r>
           </a:p>
@@ -43856,6 +43856,43 @@
           <a:p>
             <a:pPr algn="ctr"/>
             <a:endParaRPr lang="de-DE"/>
+          </a:p>
+        </p:txBody>
+      </p:sp>
+      <p:sp>
+        <p:nvSpPr>
+          <p:cNvPr id="2" name="Textfeld 1"/>
+          <p:cNvSpPr txBox="1"/>
+          <p:nvPr/>
+        </p:nvSpPr>
+        <p:spPr>
+          <a:xfrm>
+            <a:off x="8950036" y="5606477"/>
+            <a:ext cx="2909454" cy="523220"/>
+          </a:xfrm>
+          <a:prstGeom prst="rect">
+            <a:avLst/>
+          </a:prstGeom>
+          <a:noFill/>
+        </p:spPr>
+        <p:txBody>
+          <a:bodyPr wrap="square" rtlCol="0">
+            <a:spAutoFit/>
+          </a:bodyPr>
+          <a:lstStyle/>
+          <a:p>
+            <a:r>
+              <a:rPr lang="de-DE" sz="1400" dirty="0"/>
+              <a:t>Abb. 1: Grobarchitektur des </a:t>
+            </a:r>
+            <a:br>
+              <a:rPr lang="de-DE" sz="1400" dirty="0"/>
+            </a:br>
+            <a:r>
+              <a:rPr lang="de-DE" sz="1400" dirty="0"/>
+              <a:t>Zielsystems (Rathke und Thies 2017)</a:t>
+            </a:r>
+            <a:endParaRPr lang="de-DE" dirty="0"/>
           </a:p>
         </p:txBody>
       </p:sp>
